--- a/JasmineJS.pptx
+++ b/JasmineJS.pptx
@@ -205,7 +205,7 @@
           <a:p>
             <a:fld id="{E4DB2288-FCDF-4E19-8133-B7C4A92704B8}" type="datetimeFigureOut">
               <a:rPr lang="en-US" smtClean="0"/>
-              <a:t>4/28/2017</a:t>
+              <a:t>5/7/2017</a:t>
             </a:fld>
             <a:endParaRPr lang="en-US"/>
           </a:p>
@@ -600,1292 +600,6 @@
           <a:bodyPr/>
           <a:lstStyle/>
           <a:p>
-            <a:r>
-              <a:rPr lang="en-US" dirty="0" err="1"/>
-              <a:t>Tại</a:t>
-            </a:r>
-            <a:r>
-              <a:rPr lang="en-US" dirty="0"/>
-              <a:t> </a:t>
-            </a:r>
-            <a:r>
-              <a:rPr lang="en-US" dirty="0" err="1"/>
-              <a:t>sao</a:t>
-            </a:r>
-            <a:r>
-              <a:rPr lang="en-US" dirty="0"/>
-              <a:t> </a:t>
-            </a:r>
-            <a:r>
-              <a:rPr lang="en-US" dirty="0" err="1"/>
-              <a:t>thời</a:t>
-            </a:r>
-            <a:r>
-              <a:rPr lang="en-US" dirty="0"/>
-              <a:t> </a:t>
-            </a:r>
-            <a:r>
-              <a:rPr lang="en-US" dirty="0" err="1"/>
-              <a:t>kỳ</a:t>
-            </a:r>
-            <a:r>
-              <a:rPr lang="en-US" dirty="0"/>
-              <a:t> </a:t>
-            </a:r>
-            <a:r>
-              <a:rPr lang="en-US" dirty="0" err="1"/>
-              <a:t>quá</a:t>
-            </a:r>
-            <a:r>
-              <a:rPr lang="en-US" dirty="0"/>
-              <a:t> </a:t>
-            </a:r>
-            <a:r>
-              <a:rPr lang="en-US" dirty="0" err="1"/>
-              <a:t>độ</a:t>
-            </a:r>
-            <a:r>
-              <a:rPr lang="en-US" dirty="0"/>
-              <a:t> </a:t>
-            </a:r>
-            <a:r>
-              <a:rPr lang="en-US" dirty="0" err="1"/>
-              <a:t>là</a:t>
-            </a:r>
-            <a:r>
-              <a:rPr lang="en-US" dirty="0"/>
-              <a:t> </a:t>
-            </a:r>
-            <a:r>
-              <a:rPr lang="en-US" dirty="0" err="1"/>
-              <a:t>tất</a:t>
-            </a:r>
-            <a:r>
-              <a:rPr lang="en-US" dirty="0"/>
-              <a:t> </a:t>
-            </a:r>
-            <a:r>
-              <a:rPr lang="en-US" dirty="0" err="1"/>
-              <a:t>yếu</a:t>
-            </a:r>
-            <a:r>
-              <a:rPr lang="en-US" dirty="0"/>
-              <a:t>?  </a:t>
-            </a:r>
-            <a:r>
-              <a:rPr lang="vi-VN" dirty="0" err="1"/>
-              <a:t>Sự</a:t>
-            </a:r>
-            <a:r>
-              <a:rPr lang="vi-VN" dirty="0"/>
-              <a:t> thay </a:t>
-            </a:r>
-            <a:r>
-              <a:rPr lang="vi-VN" dirty="0" err="1"/>
-              <a:t>thế</a:t>
-            </a:r>
-            <a:r>
-              <a:rPr lang="vi-VN" dirty="0"/>
-              <a:t> </a:t>
-            </a:r>
-            <a:r>
-              <a:rPr lang="vi-VN" dirty="0" err="1"/>
-              <a:t>xã</a:t>
-            </a:r>
-            <a:r>
-              <a:rPr lang="vi-VN" dirty="0"/>
-              <a:t> </a:t>
-            </a:r>
-            <a:r>
-              <a:rPr lang="vi-VN" dirty="0" err="1"/>
-              <a:t>hội</a:t>
-            </a:r>
-            <a:r>
-              <a:rPr lang="vi-VN" dirty="0"/>
-              <a:t> CNTB </a:t>
-            </a:r>
-            <a:r>
-              <a:rPr lang="vi-VN" dirty="0" err="1"/>
-              <a:t>bằng</a:t>
-            </a:r>
-            <a:r>
-              <a:rPr lang="vi-VN" dirty="0"/>
-              <a:t> </a:t>
-            </a:r>
-            <a:r>
-              <a:rPr lang="vi-VN" dirty="0" err="1"/>
-              <a:t>xã</a:t>
-            </a:r>
-            <a:r>
-              <a:rPr lang="vi-VN" dirty="0"/>
-              <a:t> </a:t>
-            </a:r>
-            <a:r>
-              <a:rPr lang="vi-VN" dirty="0" err="1"/>
-              <a:t>hội</a:t>
-            </a:r>
-            <a:r>
-              <a:rPr lang="vi-VN" dirty="0"/>
-              <a:t> XHCN </a:t>
-            </a:r>
-            <a:r>
-              <a:rPr lang="vi-VN" dirty="0" err="1"/>
-              <a:t>là</a:t>
-            </a:r>
-            <a:r>
-              <a:rPr lang="vi-VN" dirty="0"/>
-              <a:t> </a:t>
-            </a:r>
-            <a:r>
-              <a:rPr lang="vi-VN" dirty="0" err="1"/>
-              <a:t>một</a:t>
-            </a:r>
-            <a:r>
-              <a:rPr lang="vi-VN" dirty="0"/>
-              <a:t> </a:t>
-            </a:r>
-            <a:r>
-              <a:rPr lang="vi-VN" dirty="0" err="1"/>
-              <a:t>tất</a:t>
-            </a:r>
-            <a:r>
-              <a:rPr lang="vi-VN" dirty="0"/>
-              <a:t> </a:t>
-            </a:r>
-            <a:r>
-              <a:rPr lang="vi-VN" dirty="0" err="1"/>
-              <a:t>yếu</a:t>
-            </a:r>
-            <a:r>
-              <a:rPr lang="vi-VN" dirty="0"/>
-              <a:t> </a:t>
-            </a:r>
-            <a:r>
-              <a:rPr lang="vi-VN" dirty="0" err="1"/>
-              <a:t>khách</a:t>
-            </a:r>
-            <a:r>
-              <a:rPr lang="vi-VN" dirty="0"/>
-              <a:t> quan trong </a:t>
-            </a:r>
-            <a:r>
-              <a:rPr lang="vi-VN" dirty="0" err="1"/>
-              <a:t>tiến</a:t>
-            </a:r>
-            <a:r>
-              <a:rPr lang="vi-VN" dirty="0"/>
-              <a:t> </a:t>
-            </a:r>
-            <a:r>
-              <a:rPr lang="vi-VN" dirty="0" err="1"/>
-              <a:t>trình</a:t>
-            </a:r>
-            <a:r>
-              <a:rPr lang="vi-VN" dirty="0"/>
-              <a:t> </a:t>
-            </a:r>
-            <a:r>
-              <a:rPr lang="vi-VN" dirty="0" err="1"/>
-              <a:t>lịch</a:t>
-            </a:r>
-            <a:r>
-              <a:rPr lang="vi-VN" dirty="0"/>
-              <a:t> </a:t>
-            </a:r>
-            <a:r>
-              <a:rPr lang="vi-VN" dirty="0" err="1"/>
-              <a:t>sử</a:t>
-            </a:r>
-            <a:r>
-              <a:rPr lang="vi-VN" dirty="0"/>
-              <a:t> </a:t>
-            </a:r>
-            <a:r>
-              <a:rPr lang="vi-VN" dirty="0" err="1"/>
-              <a:t>xã</a:t>
-            </a:r>
-            <a:r>
-              <a:rPr lang="vi-VN" dirty="0"/>
-              <a:t> </a:t>
-            </a:r>
-            <a:r>
-              <a:rPr lang="vi-VN" dirty="0" err="1"/>
-              <a:t>hội</a:t>
-            </a:r>
-            <a:r>
-              <a:rPr lang="vi-VN" dirty="0"/>
-              <a:t> </a:t>
-            </a:r>
-            <a:r>
-              <a:rPr lang="vi-VN" dirty="0" err="1"/>
-              <a:t>loài</a:t>
-            </a:r>
-            <a:r>
-              <a:rPr lang="vi-VN" dirty="0"/>
-              <a:t> </a:t>
-            </a:r>
-            <a:r>
-              <a:rPr lang="vi-VN" dirty="0" err="1"/>
-              <a:t>người</a:t>
-            </a:r>
-            <a:r>
-              <a:rPr lang="vi-VN" dirty="0"/>
-              <a:t> theo quy </a:t>
-            </a:r>
-            <a:r>
-              <a:rPr lang="vi-VN" dirty="0" err="1"/>
-              <a:t>luật</a:t>
-            </a:r>
-            <a:r>
-              <a:rPr lang="vi-VN" dirty="0"/>
-              <a:t> quan </a:t>
-            </a:r>
-            <a:r>
-              <a:rPr lang="vi-VN" dirty="0" err="1"/>
-              <a:t>hệ</a:t>
-            </a:r>
-            <a:r>
-              <a:rPr lang="vi-VN" dirty="0"/>
-              <a:t> </a:t>
-            </a:r>
-            <a:r>
-              <a:rPr lang="vi-VN" dirty="0" err="1"/>
-              <a:t>sản</a:t>
-            </a:r>
-            <a:r>
-              <a:rPr lang="vi-VN" dirty="0"/>
-              <a:t> </a:t>
-            </a:r>
-            <a:r>
-              <a:rPr lang="vi-VN" dirty="0" err="1"/>
-              <a:t>xuất</a:t>
-            </a:r>
-            <a:r>
-              <a:rPr lang="vi-VN" dirty="0"/>
-              <a:t> </a:t>
-            </a:r>
-            <a:r>
-              <a:rPr lang="vi-VN" dirty="0" err="1"/>
-              <a:t>phù</a:t>
-            </a:r>
-            <a:r>
-              <a:rPr lang="vi-VN" dirty="0"/>
-              <a:t> </a:t>
-            </a:r>
-            <a:r>
-              <a:rPr lang="vi-VN" dirty="0" err="1"/>
-              <a:t>hợp</a:t>
-            </a:r>
-            <a:r>
-              <a:rPr lang="vi-VN" dirty="0"/>
-              <a:t> </a:t>
-            </a:r>
-            <a:r>
-              <a:rPr lang="vi-VN" dirty="0" err="1"/>
-              <a:t>với</a:t>
-            </a:r>
-            <a:r>
-              <a:rPr lang="vi-VN" dirty="0"/>
-              <a:t> </a:t>
-            </a:r>
-            <a:r>
-              <a:rPr lang="vi-VN" dirty="0" err="1"/>
-              <a:t>tính</a:t>
-            </a:r>
-            <a:r>
-              <a:rPr lang="vi-VN" dirty="0"/>
-              <a:t> </a:t>
-            </a:r>
-            <a:r>
-              <a:rPr lang="vi-VN" dirty="0" err="1"/>
-              <a:t>chất</a:t>
-            </a:r>
-            <a:r>
-              <a:rPr lang="vi-VN" dirty="0"/>
-              <a:t> </a:t>
-            </a:r>
-            <a:r>
-              <a:rPr lang="vi-VN" dirty="0" err="1"/>
-              <a:t>và</a:t>
-            </a:r>
-            <a:r>
-              <a:rPr lang="vi-VN" dirty="0"/>
-              <a:t> </a:t>
-            </a:r>
-            <a:r>
-              <a:rPr lang="vi-VN" dirty="0" err="1"/>
-              <a:t>trình</a:t>
-            </a:r>
-            <a:r>
-              <a:rPr lang="vi-VN" dirty="0"/>
-              <a:t> </a:t>
-            </a:r>
-            <a:r>
-              <a:rPr lang="vi-VN" dirty="0" err="1"/>
-              <a:t>độ</a:t>
-            </a:r>
-            <a:r>
-              <a:rPr lang="vi-VN" dirty="0"/>
-              <a:t> </a:t>
-            </a:r>
-            <a:r>
-              <a:rPr lang="vi-VN" dirty="0" err="1"/>
-              <a:t>của</a:t>
-            </a:r>
-            <a:r>
-              <a:rPr lang="vi-VN" dirty="0"/>
-              <a:t> </a:t>
-            </a:r>
-            <a:r>
-              <a:rPr lang="vi-VN" dirty="0" err="1"/>
-              <a:t>lực</a:t>
-            </a:r>
-            <a:r>
-              <a:rPr lang="vi-VN" dirty="0"/>
-              <a:t> </a:t>
-            </a:r>
-            <a:r>
-              <a:rPr lang="vi-VN" dirty="0" err="1"/>
-              <a:t>lượng</a:t>
-            </a:r>
-            <a:r>
-              <a:rPr lang="vi-VN" dirty="0"/>
-              <a:t> </a:t>
-            </a:r>
-            <a:r>
-              <a:rPr lang="vi-VN" dirty="0" err="1"/>
-              <a:t>sản</a:t>
-            </a:r>
-            <a:r>
-              <a:rPr lang="vi-VN" dirty="0"/>
-              <a:t> </a:t>
-            </a:r>
-            <a:r>
-              <a:rPr lang="vi-VN" dirty="0" err="1"/>
-              <a:t>xuất</a:t>
-            </a:r>
-            <a:r>
-              <a:rPr lang="vi-VN" dirty="0"/>
-              <a:t>.</a:t>
-            </a:r>
-          </a:p>
-          <a:p>
-            <a:endParaRPr lang="vi-VN" dirty="0"/>
-          </a:p>
-          <a:p>
-            <a:r>
-              <a:rPr lang="vi-VN" dirty="0"/>
-              <a:t>- </a:t>
-            </a:r>
-            <a:r>
-              <a:rPr lang="vi-VN" dirty="0" err="1"/>
-              <a:t>Sự</a:t>
-            </a:r>
-            <a:r>
-              <a:rPr lang="vi-VN" dirty="0"/>
-              <a:t> thay </a:t>
-            </a:r>
-            <a:r>
-              <a:rPr lang="vi-VN" dirty="0" err="1"/>
-              <a:t>thế</a:t>
-            </a:r>
-            <a:r>
-              <a:rPr lang="vi-VN" dirty="0"/>
-              <a:t> </a:t>
-            </a:r>
-            <a:r>
-              <a:rPr lang="vi-VN" dirty="0" err="1"/>
-              <a:t>của</a:t>
-            </a:r>
-            <a:r>
-              <a:rPr lang="vi-VN" dirty="0"/>
-              <a:t> </a:t>
-            </a:r>
-            <a:r>
-              <a:rPr lang="vi-VN" dirty="0" err="1"/>
-              <a:t>các</a:t>
-            </a:r>
-            <a:r>
-              <a:rPr lang="vi-VN" dirty="0"/>
-              <a:t> </a:t>
-            </a:r>
-            <a:r>
-              <a:rPr lang="vi-VN" dirty="0" err="1"/>
-              <a:t>chế</a:t>
-            </a:r>
-            <a:r>
-              <a:rPr lang="vi-VN" dirty="0"/>
-              <a:t> </a:t>
-            </a:r>
-            <a:r>
-              <a:rPr lang="vi-VN" dirty="0" err="1"/>
-              <a:t>độ</a:t>
-            </a:r>
-            <a:r>
-              <a:rPr lang="vi-VN" dirty="0"/>
-              <a:t> </a:t>
-            </a:r>
-            <a:r>
-              <a:rPr lang="vi-VN" dirty="0" err="1"/>
-              <a:t>xã</a:t>
-            </a:r>
-            <a:r>
-              <a:rPr lang="vi-VN" dirty="0"/>
-              <a:t> </a:t>
-            </a:r>
-            <a:r>
-              <a:rPr lang="vi-VN" dirty="0" err="1"/>
-              <a:t>hội</a:t>
-            </a:r>
-            <a:r>
-              <a:rPr lang="vi-VN" dirty="0"/>
-              <a:t> </a:t>
-            </a:r>
-            <a:r>
-              <a:rPr lang="vi-VN" dirty="0" err="1"/>
-              <a:t>trước</a:t>
-            </a:r>
-            <a:r>
-              <a:rPr lang="vi-VN" dirty="0"/>
-              <a:t> đây </a:t>
-            </a:r>
-            <a:r>
-              <a:rPr lang="vi-VN" dirty="0" err="1"/>
-              <a:t>chỉ</a:t>
-            </a:r>
-            <a:r>
-              <a:rPr lang="vi-VN" dirty="0"/>
-              <a:t> </a:t>
-            </a:r>
-            <a:r>
-              <a:rPr lang="vi-VN" dirty="0" err="1"/>
-              <a:t>là</a:t>
-            </a:r>
-            <a:r>
-              <a:rPr lang="vi-VN" dirty="0"/>
-              <a:t> thay </a:t>
-            </a:r>
-            <a:r>
-              <a:rPr lang="vi-VN" dirty="0" err="1"/>
-              <a:t>thế</a:t>
-            </a:r>
-            <a:r>
-              <a:rPr lang="vi-VN" dirty="0"/>
-              <a:t> </a:t>
-            </a:r>
-            <a:r>
-              <a:rPr lang="vi-VN" dirty="0" err="1"/>
-              <a:t>xã</a:t>
-            </a:r>
-            <a:r>
-              <a:rPr lang="vi-VN" dirty="0"/>
-              <a:t> </a:t>
-            </a:r>
-            <a:r>
-              <a:rPr lang="vi-VN" dirty="0" err="1"/>
-              <a:t>hội</a:t>
-            </a:r>
-            <a:r>
-              <a:rPr lang="vi-VN" dirty="0"/>
-              <a:t> </a:t>
-            </a:r>
-            <a:r>
-              <a:rPr lang="vi-VN" dirty="0" err="1"/>
-              <a:t>bóc</a:t>
-            </a:r>
-            <a:r>
-              <a:rPr lang="vi-VN" dirty="0"/>
-              <a:t> </a:t>
-            </a:r>
-            <a:r>
-              <a:rPr lang="vi-VN" dirty="0" err="1"/>
-              <a:t>lột</a:t>
-            </a:r>
-            <a:r>
-              <a:rPr lang="vi-VN" dirty="0"/>
-              <a:t> </a:t>
-            </a:r>
-            <a:r>
-              <a:rPr lang="vi-VN" dirty="0" err="1"/>
-              <a:t>này</a:t>
-            </a:r>
-            <a:r>
-              <a:rPr lang="vi-VN" dirty="0"/>
-              <a:t> </a:t>
-            </a:r>
-            <a:r>
-              <a:rPr lang="vi-VN" dirty="0" err="1"/>
-              <a:t>bằng</a:t>
-            </a:r>
-            <a:r>
-              <a:rPr lang="vi-VN" dirty="0"/>
-              <a:t> </a:t>
-            </a:r>
-            <a:r>
-              <a:rPr lang="vi-VN" dirty="0" err="1"/>
-              <a:t>xã</a:t>
-            </a:r>
-            <a:r>
-              <a:rPr lang="vi-VN" dirty="0"/>
-              <a:t> </a:t>
-            </a:r>
-            <a:r>
-              <a:rPr lang="vi-VN" dirty="0" err="1"/>
-              <a:t>hội</a:t>
-            </a:r>
-            <a:r>
-              <a:rPr lang="vi-VN" dirty="0"/>
-              <a:t> </a:t>
-            </a:r>
-            <a:r>
-              <a:rPr lang="vi-VN" dirty="0" err="1"/>
-              <a:t>bóc</a:t>
-            </a:r>
-            <a:r>
-              <a:rPr lang="vi-VN" dirty="0"/>
-              <a:t> </a:t>
-            </a:r>
-            <a:r>
-              <a:rPr lang="vi-VN" dirty="0" err="1"/>
-              <a:t>lột</a:t>
-            </a:r>
-            <a:r>
-              <a:rPr lang="vi-VN" dirty="0"/>
-              <a:t> </a:t>
-            </a:r>
-            <a:r>
-              <a:rPr lang="vi-VN" dirty="0" err="1"/>
-              <a:t>khác</a:t>
-            </a:r>
-            <a:r>
-              <a:rPr lang="vi-VN" dirty="0"/>
-              <a:t> cao hơn </a:t>
-            </a:r>
-            <a:r>
-              <a:rPr lang="vi-VN" dirty="0" err="1"/>
-              <a:t>còn</a:t>
-            </a:r>
-            <a:r>
-              <a:rPr lang="vi-VN" dirty="0"/>
-              <a:t> </a:t>
-            </a:r>
-            <a:r>
-              <a:rPr lang="vi-VN" dirty="0" err="1"/>
-              <a:t>về</a:t>
-            </a:r>
-            <a:r>
-              <a:rPr lang="vi-VN" dirty="0"/>
-              <a:t> </a:t>
-            </a:r>
-            <a:r>
-              <a:rPr lang="vi-VN" dirty="0" err="1"/>
-              <a:t>bản</a:t>
-            </a:r>
-            <a:r>
-              <a:rPr lang="vi-VN" dirty="0"/>
-              <a:t> </a:t>
-            </a:r>
-            <a:r>
-              <a:rPr lang="vi-VN" dirty="0" err="1"/>
-              <a:t>chất</a:t>
-            </a:r>
-            <a:r>
-              <a:rPr lang="vi-VN" dirty="0"/>
-              <a:t> </a:t>
-            </a:r>
-            <a:r>
-              <a:rPr lang="vi-VN" dirty="0" err="1"/>
-              <a:t>vẫn</a:t>
-            </a:r>
-            <a:r>
-              <a:rPr lang="vi-VN" dirty="0"/>
-              <a:t> </a:t>
-            </a:r>
-            <a:r>
-              <a:rPr lang="vi-VN" dirty="0" err="1"/>
-              <a:t>là</a:t>
-            </a:r>
-            <a:r>
-              <a:rPr lang="vi-VN" dirty="0"/>
-              <a:t> </a:t>
-            </a:r>
-            <a:r>
-              <a:rPr lang="vi-VN" dirty="0" err="1"/>
-              <a:t>chế</a:t>
-            </a:r>
-            <a:r>
-              <a:rPr lang="vi-VN" dirty="0"/>
-              <a:t> </a:t>
-            </a:r>
-            <a:r>
-              <a:rPr lang="vi-VN" dirty="0" err="1"/>
-              <a:t>độ</a:t>
-            </a:r>
-            <a:r>
-              <a:rPr lang="vi-VN" dirty="0"/>
-              <a:t> </a:t>
-            </a:r>
-            <a:r>
-              <a:rPr lang="vi-VN" dirty="0" err="1"/>
-              <a:t>chiếm</a:t>
-            </a:r>
-            <a:r>
-              <a:rPr lang="vi-VN" dirty="0"/>
-              <a:t> </a:t>
-            </a:r>
-            <a:r>
-              <a:rPr lang="vi-VN" dirty="0" err="1"/>
-              <a:t>hữu</a:t>
-            </a:r>
-            <a:r>
-              <a:rPr lang="vi-VN" dirty="0"/>
-              <a:t> tư nhân </a:t>
-            </a:r>
-            <a:r>
-              <a:rPr lang="vi-VN" dirty="0" err="1"/>
-              <a:t>về</a:t>
-            </a:r>
-            <a:r>
-              <a:rPr lang="vi-VN" dirty="0"/>
-              <a:t> tư </a:t>
-            </a:r>
-            <a:r>
-              <a:rPr lang="vi-VN" dirty="0" err="1"/>
-              <a:t>liệu</a:t>
-            </a:r>
-            <a:r>
-              <a:rPr lang="vi-VN" dirty="0"/>
-              <a:t> </a:t>
-            </a:r>
-            <a:r>
-              <a:rPr lang="vi-VN" dirty="0" err="1"/>
-              <a:t>sản</a:t>
-            </a:r>
-            <a:r>
-              <a:rPr lang="vi-VN" dirty="0"/>
-              <a:t> </a:t>
-            </a:r>
-            <a:r>
-              <a:rPr lang="vi-VN" dirty="0" err="1"/>
-              <a:t>xuất</a:t>
-            </a:r>
-            <a:r>
-              <a:rPr lang="vi-VN" dirty="0"/>
-              <a:t>.</a:t>
-            </a:r>
-          </a:p>
-          <a:p>
-            <a:endParaRPr lang="vi-VN" dirty="0"/>
-          </a:p>
-          <a:p>
-            <a:r>
-              <a:rPr lang="vi-VN" dirty="0"/>
-              <a:t>- </a:t>
-            </a:r>
-            <a:r>
-              <a:rPr lang="vi-VN" dirty="0" err="1"/>
-              <a:t>Cách</a:t>
-            </a:r>
-            <a:r>
-              <a:rPr lang="vi-VN" dirty="0"/>
-              <a:t> </a:t>
-            </a:r>
-            <a:r>
-              <a:rPr lang="vi-VN" dirty="0" err="1"/>
-              <a:t>mạng</a:t>
-            </a:r>
-            <a:r>
-              <a:rPr lang="vi-VN" dirty="0"/>
-              <a:t> XHCN </a:t>
-            </a:r>
-            <a:r>
-              <a:rPr lang="vi-VN" dirty="0" err="1"/>
-              <a:t>là</a:t>
-            </a:r>
-            <a:r>
-              <a:rPr lang="vi-VN" dirty="0"/>
-              <a:t> </a:t>
-            </a:r>
-            <a:r>
-              <a:rPr lang="vi-VN" dirty="0" err="1"/>
-              <a:t>cuộc</a:t>
-            </a:r>
-            <a:r>
-              <a:rPr lang="vi-VN" dirty="0"/>
-              <a:t> </a:t>
-            </a:r>
-            <a:r>
-              <a:rPr lang="vi-VN" dirty="0" err="1"/>
-              <a:t>cách</a:t>
-            </a:r>
-            <a:r>
-              <a:rPr lang="vi-VN" dirty="0"/>
-              <a:t> </a:t>
-            </a:r>
-            <a:r>
-              <a:rPr lang="vi-VN" dirty="0" err="1"/>
-              <a:t>mạng</a:t>
-            </a:r>
-            <a:r>
-              <a:rPr lang="vi-VN" dirty="0"/>
-              <a:t> </a:t>
-            </a:r>
-            <a:r>
-              <a:rPr lang="vi-VN" dirty="0" err="1"/>
-              <a:t>toàn</a:t>
-            </a:r>
-            <a:r>
-              <a:rPr lang="vi-VN" dirty="0"/>
-              <a:t> </a:t>
-            </a:r>
-            <a:r>
-              <a:rPr lang="vi-VN" dirty="0" err="1"/>
-              <a:t>diện</a:t>
-            </a:r>
-            <a:r>
-              <a:rPr lang="vi-VN" dirty="0"/>
-              <a:t>, sâu </a:t>
-            </a:r>
-            <a:r>
-              <a:rPr lang="vi-VN" dirty="0" err="1"/>
-              <a:t>sắc</a:t>
-            </a:r>
-            <a:r>
-              <a:rPr lang="vi-VN" dirty="0"/>
-              <a:t> </a:t>
-            </a:r>
-            <a:r>
-              <a:rPr lang="vi-VN" dirty="0" err="1"/>
-              <a:t>và</a:t>
-            </a:r>
-            <a:r>
-              <a:rPr lang="vi-VN" dirty="0"/>
-              <a:t> </a:t>
-            </a:r>
-            <a:r>
-              <a:rPr lang="vi-VN" dirty="0" err="1"/>
-              <a:t>triệt</a:t>
-            </a:r>
-            <a:r>
-              <a:rPr lang="vi-VN" dirty="0"/>
-              <a:t> </a:t>
-            </a:r>
-            <a:r>
-              <a:rPr lang="vi-VN" dirty="0" err="1"/>
-              <a:t>để</a:t>
-            </a:r>
-            <a:r>
-              <a:rPr lang="vi-VN" dirty="0"/>
-              <a:t> </a:t>
-            </a:r>
-            <a:r>
-              <a:rPr lang="vi-VN" dirty="0" err="1"/>
-              <a:t>nhất</a:t>
-            </a:r>
-            <a:r>
-              <a:rPr lang="vi-VN" dirty="0"/>
-              <a:t> trong </a:t>
-            </a:r>
-            <a:r>
-              <a:rPr lang="vi-VN" dirty="0" err="1"/>
-              <a:t>lịch</a:t>
-            </a:r>
-            <a:r>
-              <a:rPr lang="vi-VN" dirty="0"/>
-              <a:t> </a:t>
-            </a:r>
-            <a:r>
-              <a:rPr lang="vi-VN" dirty="0" err="1"/>
-              <a:t>sử</a:t>
-            </a:r>
-            <a:r>
-              <a:rPr lang="vi-VN" dirty="0"/>
-              <a:t> </a:t>
-            </a:r>
-            <a:r>
-              <a:rPr lang="vi-VN" dirty="0" err="1"/>
-              <a:t>vì</a:t>
-            </a:r>
-            <a:r>
-              <a:rPr lang="vi-VN" dirty="0"/>
-              <a:t> </a:t>
-            </a:r>
-            <a:r>
-              <a:rPr lang="vi-VN" dirty="0" err="1"/>
-              <a:t>mục</a:t>
-            </a:r>
-            <a:r>
-              <a:rPr lang="vi-VN" dirty="0"/>
-              <a:t> tiêu </a:t>
-            </a:r>
-            <a:r>
-              <a:rPr lang="vi-VN" dirty="0" err="1"/>
-              <a:t>trực</a:t>
-            </a:r>
-            <a:r>
-              <a:rPr lang="vi-VN" dirty="0"/>
-              <a:t> </a:t>
-            </a:r>
-            <a:r>
-              <a:rPr lang="vi-VN" dirty="0" err="1"/>
-              <a:t>tiếp</a:t>
-            </a:r>
-            <a:r>
-              <a:rPr lang="vi-VN" dirty="0"/>
-              <a:t> </a:t>
-            </a:r>
-            <a:r>
-              <a:rPr lang="vi-VN" dirty="0" err="1"/>
-              <a:t>là</a:t>
-            </a:r>
-            <a:r>
-              <a:rPr lang="vi-VN" dirty="0"/>
-              <a:t> </a:t>
-            </a:r>
-            <a:r>
-              <a:rPr lang="vi-VN" dirty="0" err="1"/>
-              <a:t>xóa</a:t>
-            </a:r>
-            <a:r>
-              <a:rPr lang="vi-VN" dirty="0"/>
-              <a:t> </a:t>
-            </a:r>
-            <a:r>
-              <a:rPr lang="vi-VN" dirty="0" err="1"/>
-              <a:t>bỏ</a:t>
-            </a:r>
-            <a:r>
-              <a:rPr lang="vi-VN" dirty="0"/>
-              <a:t> </a:t>
-            </a:r>
-            <a:r>
-              <a:rPr lang="vi-VN" dirty="0" err="1"/>
-              <a:t>chế</a:t>
-            </a:r>
-            <a:r>
-              <a:rPr lang="vi-VN" dirty="0"/>
-              <a:t> </a:t>
-            </a:r>
-            <a:r>
-              <a:rPr lang="vi-VN" dirty="0" err="1"/>
-              <a:t>độ</a:t>
-            </a:r>
-            <a:r>
-              <a:rPr lang="vi-VN" dirty="0"/>
-              <a:t> tư </a:t>
-            </a:r>
-            <a:r>
-              <a:rPr lang="vi-VN" dirty="0" err="1"/>
-              <a:t>hữu</a:t>
-            </a:r>
-            <a:r>
-              <a:rPr lang="vi-VN" dirty="0"/>
-              <a:t>, </a:t>
-            </a:r>
-            <a:r>
-              <a:rPr lang="vi-VN" dirty="0" err="1"/>
-              <a:t>thủ</a:t>
-            </a:r>
-            <a:r>
-              <a:rPr lang="vi-VN" dirty="0"/>
-              <a:t> tiêu </a:t>
-            </a:r>
-            <a:r>
-              <a:rPr lang="vi-VN" dirty="0" err="1"/>
-              <a:t>chế</a:t>
-            </a:r>
-            <a:r>
-              <a:rPr lang="vi-VN" dirty="0"/>
-              <a:t> </a:t>
-            </a:r>
-            <a:r>
-              <a:rPr lang="vi-VN" dirty="0" err="1"/>
-              <a:t>độ</a:t>
-            </a:r>
-            <a:r>
-              <a:rPr lang="vi-VN" dirty="0"/>
-              <a:t> </a:t>
-            </a:r>
-            <a:r>
-              <a:rPr lang="vi-VN" dirty="0" err="1"/>
-              <a:t>người</a:t>
-            </a:r>
-            <a:r>
-              <a:rPr lang="vi-VN" dirty="0"/>
-              <a:t> </a:t>
-            </a:r>
-            <a:r>
-              <a:rPr lang="vi-VN" dirty="0" err="1"/>
-              <a:t>bóc</a:t>
-            </a:r>
-            <a:r>
-              <a:rPr lang="vi-VN" dirty="0"/>
-              <a:t> </a:t>
-            </a:r>
-            <a:r>
-              <a:rPr lang="vi-VN" dirty="0" err="1"/>
-              <a:t>lột</a:t>
-            </a:r>
-            <a:r>
-              <a:rPr lang="vi-VN" dirty="0"/>
-              <a:t> </a:t>
-            </a:r>
-            <a:r>
-              <a:rPr lang="vi-VN" dirty="0" err="1"/>
-              <a:t>người</a:t>
-            </a:r>
-            <a:r>
-              <a:rPr lang="vi-VN" dirty="0"/>
-              <a:t> </a:t>
-            </a:r>
-            <a:r>
-              <a:rPr lang="vi-VN" dirty="0" err="1"/>
-              <a:t>để</a:t>
-            </a:r>
-            <a:r>
-              <a:rPr lang="vi-VN" dirty="0"/>
-              <a:t> </a:t>
-            </a:r>
-            <a:r>
-              <a:rPr lang="vi-VN" dirty="0" err="1"/>
-              <a:t>thiết</a:t>
-            </a:r>
-            <a:r>
-              <a:rPr lang="vi-VN" dirty="0"/>
-              <a:t> </a:t>
-            </a:r>
-            <a:r>
-              <a:rPr lang="vi-VN" dirty="0" err="1"/>
-              <a:t>lập</a:t>
-            </a:r>
-            <a:r>
-              <a:rPr lang="vi-VN" dirty="0"/>
-              <a:t> </a:t>
-            </a:r>
-            <a:r>
-              <a:rPr lang="vi-VN" dirty="0" err="1"/>
-              <a:t>chế</a:t>
-            </a:r>
-            <a:r>
-              <a:rPr lang="vi-VN" dirty="0"/>
-              <a:t> </a:t>
-            </a:r>
-            <a:r>
-              <a:rPr lang="vi-VN" dirty="0" err="1"/>
-              <a:t>độ</a:t>
-            </a:r>
-            <a:r>
-              <a:rPr lang="vi-VN" dirty="0"/>
-              <a:t> </a:t>
-            </a:r>
-            <a:r>
-              <a:rPr lang="vi-VN" dirty="0" err="1"/>
-              <a:t>mới</a:t>
-            </a:r>
-            <a:r>
-              <a:rPr lang="vi-VN" dirty="0"/>
-              <a:t> do nhân dân lao </a:t>
-            </a:r>
-            <a:r>
-              <a:rPr lang="vi-VN" dirty="0" err="1"/>
-              <a:t>động</a:t>
-            </a:r>
-            <a:r>
-              <a:rPr lang="vi-VN" dirty="0"/>
-              <a:t> </a:t>
-            </a:r>
-            <a:r>
-              <a:rPr lang="vi-VN" dirty="0" err="1"/>
-              <a:t>làm</a:t>
-            </a:r>
-            <a:r>
-              <a:rPr lang="vi-VN" dirty="0"/>
-              <a:t> </a:t>
-            </a:r>
-            <a:r>
-              <a:rPr lang="vi-VN" dirty="0" err="1"/>
-              <a:t>chủ</a:t>
-            </a:r>
-            <a:r>
-              <a:rPr lang="vi-VN" dirty="0"/>
-              <a:t>.</a:t>
-            </a:r>
-          </a:p>
-          <a:p>
-            <a:endParaRPr lang="vi-VN" dirty="0"/>
-          </a:p>
-          <a:p>
-            <a:pPr marL="171450" indent="-171450">
-              <a:buFontTx/>
-              <a:buChar char="-"/>
-            </a:pPr>
-            <a:r>
-              <a:rPr lang="vi-VN" dirty="0" err="1"/>
-              <a:t>Cách</a:t>
-            </a:r>
-            <a:r>
-              <a:rPr lang="vi-VN" dirty="0"/>
-              <a:t> </a:t>
-            </a:r>
-            <a:r>
-              <a:rPr lang="vi-VN" dirty="0" err="1"/>
-              <a:t>mạng</a:t>
-            </a:r>
-            <a:r>
-              <a:rPr lang="vi-VN" dirty="0"/>
-              <a:t> XHCN </a:t>
-            </a:r>
-            <a:r>
-              <a:rPr lang="vi-VN" dirty="0" err="1"/>
-              <a:t>nổ</a:t>
-            </a:r>
-            <a:r>
-              <a:rPr lang="vi-VN" dirty="0"/>
-              <a:t> ra </a:t>
-            </a:r>
-            <a:r>
-              <a:rPr lang="vi-VN" dirty="0" err="1"/>
-              <a:t>thành</a:t>
-            </a:r>
-            <a:r>
-              <a:rPr lang="vi-VN" dirty="0"/>
-              <a:t> công </a:t>
-            </a:r>
-            <a:r>
-              <a:rPr lang="vi-VN" dirty="0" err="1"/>
-              <a:t>là</a:t>
-            </a:r>
-            <a:r>
-              <a:rPr lang="vi-VN" dirty="0"/>
-              <a:t> </a:t>
-            </a:r>
-            <a:r>
-              <a:rPr lang="vi-VN" dirty="0" err="1"/>
-              <a:t>bắt</a:t>
-            </a:r>
-            <a:r>
-              <a:rPr lang="vi-VN" dirty="0"/>
-              <a:t> </a:t>
-            </a:r>
-            <a:r>
-              <a:rPr lang="vi-VN" dirty="0" err="1"/>
-              <a:t>đầu</a:t>
-            </a:r>
-            <a:r>
-              <a:rPr lang="vi-VN" dirty="0"/>
-              <a:t> </a:t>
-            </a:r>
-            <a:r>
-              <a:rPr lang="vi-VN" dirty="0" err="1"/>
-              <a:t>vào</a:t>
-            </a:r>
-            <a:r>
-              <a:rPr lang="vi-VN" dirty="0"/>
-              <a:t> </a:t>
-            </a:r>
-            <a:r>
-              <a:rPr lang="vi-VN" dirty="0" err="1"/>
-              <a:t>thời</a:t>
-            </a:r>
-            <a:r>
-              <a:rPr lang="vi-VN" dirty="0"/>
-              <a:t> </a:t>
-            </a:r>
-            <a:r>
-              <a:rPr lang="vi-VN" dirty="0" err="1"/>
-              <a:t>kỳ</a:t>
-            </a:r>
-            <a:r>
-              <a:rPr lang="vi-VN" dirty="0"/>
-              <a:t> </a:t>
-            </a:r>
-            <a:r>
-              <a:rPr lang="vi-VN" dirty="0" err="1"/>
-              <a:t>quá</a:t>
-            </a:r>
-            <a:r>
-              <a:rPr lang="vi-VN" dirty="0"/>
-              <a:t> </a:t>
-            </a:r>
-            <a:r>
-              <a:rPr lang="vi-VN" dirty="0" err="1"/>
-              <a:t>độ</a:t>
-            </a:r>
-            <a:r>
-              <a:rPr lang="vi-VN" dirty="0"/>
-              <a:t>, </a:t>
-            </a:r>
-            <a:r>
-              <a:rPr lang="vi-VN" dirty="0" err="1"/>
-              <a:t>thời</a:t>
-            </a:r>
-            <a:r>
-              <a:rPr lang="vi-VN" dirty="0"/>
-              <a:t> </a:t>
-            </a:r>
-            <a:r>
-              <a:rPr lang="vi-VN" dirty="0" err="1"/>
-              <a:t>kỳ</a:t>
-            </a:r>
-            <a:r>
-              <a:rPr lang="vi-VN" dirty="0"/>
-              <a:t> </a:t>
-            </a:r>
-            <a:r>
-              <a:rPr lang="vi-VN" dirty="0" err="1"/>
-              <a:t>quá</a:t>
-            </a:r>
-            <a:r>
-              <a:rPr lang="vi-VN" dirty="0"/>
-              <a:t> </a:t>
-            </a:r>
-            <a:r>
-              <a:rPr lang="vi-VN" dirty="0" err="1"/>
-              <a:t>độ</a:t>
-            </a:r>
-            <a:r>
-              <a:rPr lang="vi-VN" dirty="0"/>
-              <a:t> </a:t>
-            </a:r>
-            <a:r>
-              <a:rPr lang="vi-VN" dirty="0" err="1"/>
-              <a:t>này</a:t>
-            </a:r>
-            <a:r>
-              <a:rPr lang="vi-VN" dirty="0"/>
-              <a:t> </a:t>
-            </a:r>
-            <a:r>
-              <a:rPr lang="vi-VN" dirty="0" err="1"/>
-              <a:t>có</a:t>
-            </a:r>
-            <a:r>
-              <a:rPr lang="vi-VN" dirty="0"/>
-              <a:t> </a:t>
-            </a:r>
-            <a:r>
-              <a:rPr lang="vi-VN" dirty="0" err="1"/>
-              <a:t>nhiệm</a:t>
-            </a:r>
-            <a:r>
-              <a:rPr lang="vi-VN" dirty="0"/>
-              <a:t> </a:t>
-            </a:r>
-            <a:r>
-              <a:rPr lang="vi-VN" dirty="0" err="1"/>
-              <a:t>vụ</a:t>
-            </a:r>
-            <a:r>
-              <a:rPr lang="vi-VN" dirty="0"/>
-              <a:t> cơ </a:t>
-            </a:r>
-            <a:r>
-              <a:rPr lang="vi-VN" dirty="0" err="1"/>
-              <a:t>bản</a:t>
-            </a:r>
-            <a:r>
-              <a:rPr lang="vi-VN" dirty="0"/>
-              <a:t> </a:t>
-            </a:r>
-            <a:r>
-              <a:rPr lang="vi-VN" dirty="0" err="1"/>
-              <a:t>là</a:t>
-            </a:r>
-            <a:r>
-              <a:rPr lang="vi-VN" dirty="0"/>
-              <a:t> xây </a:t>
-            </a:r>
-            <a:r>
-              <a:rPr lang="vi-VN" dirty="0" err="1"/>
-              <a:t>dựng</a:t>
-            </a:r>
-            <a:r>
-              <a:rPr lang="vi-VN" dirty="0"/>
-              <a:t> cơ </a:t>
-            </a:r>
-            <a:r>
-              <a:rPr lang="vi-VN" dirty="0" err="1"/>
-              <a:t>sở</a:t>
-            </a:r>
-            <a:r>
-              <a:rPr lang="vi-VN" dirty="0"/>
-              <a:t> </a:t>
-            </a:r>
-            <a:r>
-              <a:rPr lang="vi-VN" dirty="0" err="1"/>
-              <a:t>vật</a:t>
-            </a:r>
-            <a:r>
-              <a:rPr lang="vi-VN" dirty="0"/>
-              <a:t> </a:t>
-            </a:r>
-            <a:r>
-              <a:rPr lang="vi-VN" dirty="0" err="1"/>
-              <a:t>chất</a:t>
-            </a:r>
-            <a:r>
-              <a:rPr lang="vi-VN" dirty="0"/>
-              <a:t> </a:t>
-            </a:r>
-            <a:r>
-              <a:rPr lang="vi-VN" dirty="0" err="1"/>
-              <a:t>kỹ</a:t>
-            </a:r>
-            <a:r>
-              <a:rPr lang="vi-VN" dirty="0"/>
-              <a:t> </a:t>
-            </a:r>
-            <a:r>
-              <a:rPr lang="vi-VN" dirty="0" err="1"/>
-              <a:t>thuật</a:t>
-            </a:r>
-            <a:r>
-              <a:rPr lang="vi-VN" dirty="0"/>
-              <a:t> chon CNXH, xây </a:t>
-            </a:r>
-            <a:r>
-              <a:rPr lang="vi-VN" dirty="0" err="1"/>
-              <a:t>dựng</a:t>
-            </a:r>
-            <a:r>
-              <a:rPr lang="vi-VN" dirty="0"/>
-              <a:t> </a:t>
-            </a:r>
-            <a:r>
-              <a:rPr lang="vi-VN" dirty="0" err="1"/>
-              <a:t>đời</a:t>
-            </a:r>
-            <a:r>
-              <a:rPr lang="vi-VN" dirty="0"/>
-              <a:t> </a:t>
-            </a:r>
-            <a:r>
-              <a:rPr lang="vi-VN" dirty="0" err="1"/>
-              <a:t>sống</a:t>
-            </a:r>
-            <a:r>
-              <a:rPr lang="vi-VN" dirty="0"/>
-              <a:t> văn </a:t>
-            </a:r>
-            <a:r>
-              <a:rPr lang="vi-VN" dirty="0" err="1"/>
-              <a:t>hóa</a:t>
-            </a:r>
-            <a:r>
-              <a:rPr lang="vi-VN" dirty="0"/>
-              <a:t> tinh </a:t>
-            </a:r>
-            <a:r>
-              <a:rPr lang="vi-VN" dirty="0" err="1"/>
-              <a:t>thần</a:t>
-            </a:r>
-            <a:r>
-              <a:rPr lang="vi-VN" dirty="0"/>
-              <a:t> cho XHCN.</a:t>
-            </a:r>
-            <a:endParaRPr lang="en-US" dirty="0"/>
-          </a:p>
-          <a:p>
             <a:pPr marL="171450" indent="-171450">
               <a:buFontTx/>
               <a:buChar char="-"/>
@@ -1974,3668 +688,6 @@
           <a:bodyPr/>
           <a:lstStyle/>
           <a:p>
-            <a:r>
-              <a:rPr lang="en-US" sz="1200" kern="1200" dirty="0">
-                <a:solidFill>
-                  <a:schemeClr val="tx1"/>
-                </a:solidFill>
-                <a:effectLst/>
-                <a:latin typeface="+mn-lt"/>
-                <a:ea typeface="+mn-ea"/>
-                <a:cs typeface="+mn-cs"/>
-              </a:rPr>
-              <a:t>+ Con </a:t>
-            </a:r>
-            <a:r>
-              <a:rPr lang="en-US" sz="1200" kern="1200" dirty="0" err="1">
-                <a:solidFill>
-                  <a:schemeClr val="tx1"/>
-                </a:solidFill>
-                <a:effectLst/>
-                <a:latin typeface="+mn-lt"/>
-                <a:ea typeface="+mn-ea"/>
-                <a:cs typeface="+mn-cs"/>
-              </a:rPr>
-              <a:t>đường</a:t>
-            </a:r>
-            <a:r>
-              <a:rPr lang="en-US" sz="1200" kern="1200" dirty="0">
-                <a:solidFill>
-                  <a:schemeClr val="tx1"/>
-                </a:solidFill>
-                <a:effectLst/>
-                <a:latin typeface="+mn-lt"/>
-                <a:ea typeface="+mn-ea"/>
-                <a:cs typeface="+mn-cs"/>
-              </a:rPr>
-              <a:t> </a:t>
-            </a:r>
-            <a:r>
-              <a:rPr lang="en-US" sz="1200" kern="1200" dirty="0" err="1">
-                <a:solidFill>
-                  <a:schemeClr val="tx1"/>
-                </a:solidFill>
-                <a:effectLst/>
-                <a:latin typeface="+mn-lt"/>
-                <a:ea typeface="+mn-ea"/>
-                <a:cs typeface="+mn-cs"/>
-              </a:rPr>
-              <a:t>quá</a:t>
-            </a:r>
-            <a:r>
-              <a:rPr lang="en-US" sz="1200" kern="1200" dirty="0">
-                <a:solidFill>
-                  <a:schemeClr val="tx1"/>
-                </a:solidFill>
-                <a:effectLst/>
-                <a:latin typeface="+mn-lt"/>
-                <a:ea typeface="+mn-ea"/>
-                <a:cs typeface="+mn-cs"/>
-              </a:rPr>
-              <a:t> </a:t>
-            </a:r>
-            <a:r>
-              <a:rPr lang="en-US" sz="1200" kern="1200" dirty="0" err="1">
-                <a:solidFill>
-                  <a:schemeClr val="tx1"/>
-                </a:solidFill>
-                <a:effectLst/>
-                <a:latin typeface="+mn-lt"/>
-                <a:ea typeface="+mn-ea"/>
-                <a:cs typeface="+mn-cs"/>
-              </a:rPr>
-              <a:t>độ</a:t>
-            </a:r>
-            <a:r>
-              <a:rPr lang="en-US" sz="1200" kern="1200" dirty="0">
-                <a:solidFill>
-                  <a:schemeClr val="tx1"/>
-                </a:solidFill>
-                <a:effectLst/>
-                <a:latin typeface="+mn-lt"/>
-                <a:ea typeface="+mn-ea"/>
-                <a:cs typeface="+mn-cs"/>
-              </a:rPr>
-              <a:t> </a:t>
-            </a:r>
-            <a:r>
-              <a:rPr lang="en-US" sz="1200" kern="1200" dirty="0" err="1">
-                <a:solidFill>
-                  <a:schemeClr val="tx1"/>
-                </a:solidFill>
-                <a:effectLst/>
-                <a:latin typeface="+mn-lt"/>
-                <a:ea typeface="+mn-ea"/>
-                <a:cs typeface="+mn-cs"/>
-              </a:rPr>
-              <a:t>gián</a:t>
-            </a:r>
-            <a:r>
-              <a:rPr lang="en-US" sz="1200" kern="1200" dirty="0">
-                <a:solidFill>
-                  <a:schemeClr val="tx1"/>
-                </a:solidFill>
-                <a:effectLst/>
-                <a:latin typeface="+mn-lt"/>
-                <a:ea typeface="+mn-ea"/>
-                <a:cs typeface="+mn-cs"/>
-              </a:rPr>
-              <a:t> </a:t>
-            </a:r>
-            <a:r>
-              <a:rPr lang="en-US" sz="1200" kern="1200" dirty="0" err="1">
-                <a:solidFill>
-                  <a:schemeClr val="tx1"/>
-                </a:solidFill>
-                <a:effectLst/>
-                <a:latin typeface="+mn-lt"/>
-                <a:ea typeface="+mn-ea"/>
-                <a:cs typeface="+mn-cs"/>
-              </a:rPr>
-              <a:t>tiếp</a:t>
-            </a:r>
-            <a:r>
-              <a:rPr lang="en-US" sz="1200" kern="1200" dirty="0">
-                <a:solidFill>
-                  <a:schemeClr val="tx1"/>
-                </a:solidFill>
-                <a:effectLst/>
-                <a:latin typeface="+mn-lt"/>
-                <a:ea typeface="+mn-ea"/>
-                <a:cs typeface="+mn-cs"/>
-              </a:rPr>
-              <a:t> </a:t>
-            </a:r>
-            <a:r>
-              <a:rPr lang="en-US" sz="1200" kern="1200" dirty="0" err="1">
-                <a:solidFill>
-                  <a:schemeClr val="tx1"/>
-                </a:solidFill>
-                <a:effectLst/>
-                <a:latin typeface="+mn-lt"/>
-                <a:ea typeface="+mn-ea"/>
-                <a:cs typeface="+mn-cs"/>
-              </a:rPr>
-              <a:t>lên</a:t>
-            </a:r>
-            <a:r>
-              <a:rPr lang="en-US" sz="1200" kern="1200" dirty="0">
-                <a:solidFill>
-                  <a:schemeClr val="tx1"/>
-                </a:solidFill>
-                <a:effectLst/>
-                <a:latin typeface="+mn-lt"/>
-                <a:ea typeface="+mn-ea"/>
-                <a:cs typeface="+mn-cs"/>
-              </a:rPr>
-              <a:t> CNXH ở </a:t>
-            </a:r>
-            <a:r>
-              <a:rPr lang="en-US" sz="1200" kern="1200" dirty="0" err="1">
-                <a:solidFill>
-                  <a:schemeClr val="tx1"/>
-                </a:solidFill>
-                <a:effectLst/>
-                <a:latin typeface="+mn-lt"/>
-                <a:ea typeface="+mn-ea"/>
-                <a:cs typeface="+mn-cs"/>
-              </a:rPr>
-              <a:t>những</a:t>
-            </a:r>
-            <a:r>
-              <a:rPr lang="en-US" sz="1200" kern="1200" dirty="0">
-                <a:solidFill>
-                  <a:schemeClr val="tx1"/>
-                </a:solidFill>
-                <a:effectLst/>
-                <a:latin typeface="+mn-lt"/>
-                <a:ea typeface="+mn-ea"/>
-                <a:cs typeface="+mn-cs"/>
-              </a:rPr>
-              <a:t> </a:t>
-            </a:r>
-            <a:r>
-              <a:rPr lang="en-US" sz="1200" kern="1200" dirty="0" err="1">
-                <a:solidFill>
-                  <a:schemeClr val="tx1"/>
-                </a:solidFill>
-                <a:effectLst/>
-                <a:latin typeface="+mn-lt"/>
-                <a:ea typeface="+mn-ea"/>
-                <a:cs typeface="+mn-cs"/>
-              </a:rPr>
-              <a:t>nước</a:t>
-            </a:r>
-            <a:r>
-              <a:rPr lang="en-US" sz="1200" kern="1200" dirty="0">
-                <a:solidFill>
-                  <a:schemeClr val="tx1"/>
-                </a:solidFill>
-                <a:effectLst/>
-                <a:latin typeface="+mn-lt"/>
-                <a:ea typeface="+mn-ea"/>
-                <a:cs typeface="+mn-cs"/>
-              </a:rPr>
-              <a:t> CNTB </a:t>
-            </a:r>
-            <a:r>
-              <a:rPr lang="en-US" sz="1200" kern="1200" dirty="0" err="1">
-                <a:solidFill>
-                  <a:schemeClr val="tx1"/>
-                </a:solidFill>
-                <a:effectLst/>
-                <a:latin typeface="+mn-lt"/>
-                <a:ea typeface="+mn-ea"/>
-                <a:cs typeface="+mn-cs"/>
-              </a:rPr>
-              <a:t>phát</a:t>
-            </a:r>
-            <a:r>
-              <a:rPr lang="en-US" sz="1200" kern="1200" dirty="0">
-                <a:solidFill>
-                  <a:schemeClr val="tx1"/>
-                </a:solidFill>
-                <a:effectLst/>
-                <a:latin typeface="+mn-lt"/>
-                <a:ea typeface="+mn-ea"/>
-                <a:cs typeface="+mn-cs"/>
-              </a:rPr>
-              <a:t> </a:t>
-            </a:r>
-            <a:r>
-              <a:rPr lang="en-US" sz="1200" kern="1200" dirty="0" err="1">
-                <a:solidFill>
-                  <a:schemeClr val="tx1"/>
-                </a:solidFill>
-                <a:effectLst/>
-                <a:latin typeface="+mn-lt"/>
-                <a:ea typeface="+mn-ea"/>
-                <a:cs typeface="+mn-cs"/>
-              </a:rPr>
-              <a:t>triển</a:t>
-            </a:r>
-            <a:r>
-              <a:rPr lang="en-US" sz="1200" kern="1200" dirty="0">
-                <a:solidFill>
-                  <a:schemeClr val="tx1"/>
-                </a:solidFill>
-                <a:effectLst/>
-                <a:latin typeface="+mn-lt"/>
-                <a:ea typeface="+mn-ea"/>
-                <a:cs typeface="+mn-cs"/>
-              </a:rPr>
-              <a:t> </a:t>
-            </a:r>
-            <a:r>
-              <a:rPr lang="en-US" sz="1200" kern="1200" dirty="0" err="1">
-                <a:solidFill>
-                  <a:schemeClr val="tx1"/>
-                </a:solidFill>
-                <a:effectLst/>
-                <a:latin typeface="+mn-lt"/>
-                <a:ea typeface="+mn-ea"/>
-                <a:cs typeface="+mn-cs"/>
-              </a:rPr>
-              <a:t>còn</a:t>
-            </a:r>
-            <a:r>
-              <a:rPr lang="en-US" sz="1200" kern="1200" dirty="0">
-                <a:solidFill>
-                  <a:schemeClr val="tx1"/>
-                </a:solidFill>
-                <a:effectLst/>
-                <a:latin typeface="+mn-lt"/>
-                <a:ea typeface="+mn-ea"/>
-                <a:cs typeface="+mn-cs"/>
-              </a:rPr>
-              <a:t> </a:t>
-            </a:r>
-            <a:r>
-              <a:rPr lang="en-US" sz="1200" kern="1200" dirty="0" err="1">
-                <a:solidFill>
-                  <a:schemeClr val="tx1"/>
-                </a:solidFill>
-                <a:effectLst/>
-                <a:latin typeface="+mn-lt"/>
-                <a:ea typeface="+mn-ea"/>
-                <a:cs typeface="+mn-cs"/>
-              </a:rPr>
-              <a:t>thấp</a:t>
-            </a:r>
-            <a:r>
-              <a:rPr lang="en-US" sz="1200" kern="1200" dirty="0">
-                <a:solidFill>
-                  <a:schemeClr val="tx1"/>
-                </a:solidFill>
-                <a:effectLst/>
-                <a:latin typeface="+mn-lt"/>
-                <a:ea typeface="+mn-ea"/>
-                <a:cs typeface="+mn-cs"/>
-              </a:rPr>
-              <a:t> (</a:t>
-            </a:r>
-            <a:r>
-              <a:rPr lang="en-US" sz="1200" kern="1200" dirty="0" err="1">
-                <a:solidFill>
-                  <a:schemeClr val="tx1"/>
-                </a:solidFill>
-                <a:effectLst/>
-                <a:latin typeface="+mn-lt"/>
-                <a:ea typeface="+mn-ea"/>
-                <a:cs typeface="+mn-cs"/>
-              </a:rPr>
-              <a:t>tức</a:t>
-            </a:r>
-            <a:r>
-              <a:rPr lang="en-US" sz="1200" kern="1200" dirty="0">
-                <a:solidFill>
-                  <a:schemeClr val="tx1"/>
-                </a:solidFill>
-                <a:effectLst/>
-                <a:latin typeface="+mn-lt"/>
-                <a:ea typeface="+mn-ea"/>
-                <a:cs typeface="+mn-cs"/>
-              </a:rPr>
-              <a:t> </a:t>
-            </a:r>
-            <a:r>
-              <a:rPr lang="en-US" sz="1200" kern="1200" dirty="0" err="1">
-                <a:solidFill>
-                  <a:schemeClr val="tx1"/>
-                </a:solidFill>
-                <a:effectLst/>
-                <a:latin typeface="+mn-lt"/>
-                <a:ea typeface="+mn-ea"/>
-                <a:cs typeface="+mn-cs"/>
-              </a:rPr>
-              <a:t>chưa</a:t>
-            </a:r>
-            <a:r>
-              <a:rPr lang="en-US" sz="1200" kern="1200" dirty="0">
-                <a:solidFill>
-                  <a:schemeClr val="tx1"/>
-                </a:solidFill>
-                <a:effectLst/>
-                <a:latin typeface="+mn-lt"/>
-                <a:ea typeface="+mn-ea"/>
-                <a:cs typeface="+mn-cs"/>
-              </a:rPr>
-              <a:t> </a:t>
-            </a:r>
-            <a:r>
-              <a:rPr lang="en-US" sz="1200" kern="1200" dirty="0" err="1">
-                <a:solidFill>
-                  <a:schemeClr val="tx1"/>
-                </a:solidFill>
-                <a:effectLst/>
-                <a:latin typeface="+mn-lt"/>
-                <a:ea typeface="+mn-ea"/>
-                <a:cs typeface="+mn-cs"/>
-              </a:rPr>
-              <a:t>phát</a:t>
-            </a:r>
-            <a:r>
-              <a:rPr lang="en-US" sz="1200" kern="1200" dirty="0">
-                <a:solidFill>
-                  <a:schemeClr val="tx1"/>
-                </a:solidFill>
-                <a:effectLst/>
-                <a:latin typeface="+mn-lt"/>
-                <a:ea typeface="+mn-ea"/>
-                <a:cs typeface="+mn-cs"/>
-              </a:rPr>
-              <a:t> </a:t>
-            </a:r>
-            <a:r>
-              <a:rPr lang="en-US" sz="1200" kern="1200" dirty="0" err="1">
-                <a:solidFill>
-                  <a:schemeClr val="tx1"/>
-                </a:solidFill>
-                <a:effectLst/>
-                <a:latin typeface="+mn-lt"/>
-                <a:ea typeface="+mn-ea"/>
-                <a:cs typeface="+mn-cs"/>
-              </a:rPr>
-              <a:t>triển</a:t>
-            </a:r>
-            <a:r>
-              <a:rPr lang="en-US" sz="1200" kern="1200" dirty="0">
-                <a:solidFill>
-                  <a:schemeClr val="tx1"/>
-                </a:solidFill>
-                <a:effectLst/>
-                <a:latin typeface="+mn-lt"/>
-                <a:ea typeface="+mn-ea"/>
-                <a:cs typeface="+mn-cs"/>
-              </a:rPr>
-              <a:t> </a:t>
-            </a:r>
-            <a:r>
-              <a:rPr lang="en-US" sz="1200" kern="1200" dirty="0" err="1">
-                <a:solidFill>
-                  <a:schemeClr val="tx1"/>
-                </a:solidFill>
-                <a:effectLst/>
-                <a:latin typeface="+mn-lt"/>
-                <a:ea typeface="+mn-ea"/>
-                <a:cs typeface="+mn-cs"/>
-              </a:rPr>
-              <a:t>đến</a:t>
-            </a:r>
-            <a:r>
-              <a:rPr lang="en-US" sz="1200" kern="1200" dirty="0">
-                <a:solidFill>
-                  <a:schemeClr val="tx1"/>
-                </a:solidFill>
-                <a:effectLst/>
-                <a:latin typeface="+mn-lt"/>
-                <a:ea typeface="+mn-ea"/>
-                <a:cs typeface="+mn-cs"/>
-              </a:rPr>
-              <a:t> </a:t>
-            </a:r>
-            <a:r>
-              <a:rPr lang="en-US" sz="1200" kern="1200" dirty="0" err="1">
-                <a:solidFill>
-                  <a:schemeClr val="tx1"/>
-                </a:solidFill>
-                <a:effectLst/>
-                <a:latin typeface="+mn-lt"/>
-                <a:ea typeface="+mn-ea"/>
-                <a:cs typeface="+mn-cs"/>
-              </a:rPr>
-              <a:t>thời</a:t>
-            </a:r>
-            <a:r>
-              <a:rPr lang="en-US" sz="1200" kern="1200" dirty="0">
-                <a:solidFill>
-                  <a:schemeClr val="tx1"/>
-                </a:solidFill>
-                <a:effectLst/>
-                <a:latin typeface="+mn-lt"/>
-                <a:ea typeface="+mn-ea"/>
-                <a:cs typeface="+mn-cs"/>
-              </a:rPr>
-              <a:t> </a:t>
-            </a:r>
-            <a:r>
-              <a:rPr lang="en-US" sz="1200" kern="1200" dirty="0" err="1">
-                <a:solidFill>
-                  <a:schemeClr val="tx1"/>
-                </a:solidFill>
-                <a:effectLst/>
-                <a:latin typeface="+mn-lt"/>
-                <a:ea typeface="+mn-ea"/>
-                <a:cs typeface="+mn-cs"/>
-              </a:rPr>
-              <a:t>kỳ</a:t>
-            </a:r>
-            <a:r>
-              <a:rPr lang="en-US" sz="1200" kern="1200" dirty="0">
-                <a:solidFill>
-                  <a:schemeClr val="tx1"/>
-                </a:solidFill>
-                <a:effectLst/>
-                <a:latin typeface="+mn-lt"/>
-                <a:ea typeface="+mn-ea"/>
-                <a:cs typeface="+mn-cs"/>
-              </a:rPr>
-              <a:t> </a:t>
-            </a:r>
-            <a:r>
-              <a:rPr lang="en-US" sz="1200" kern="1200" dirty="0" err="1">
-                <a:solidFill>
-                  <a:schemeClr val="tx1"/>
-                </a:solidFill>
-                <a:effectLst/>
-                <a:latin typeface="+mn-lt"/>
-                <a:ea typeface="+mn-ea"/>
-                <a:cs typeface="+mn-cs"/>
-              </a:rPr>
-              <a:t>có</a:t>
-            </a:r>
-            <a:r>
-              <a:rPr lang="en-US" sz="1200" kern="1200" dirty="0">
-                <a:solidFill>
-                  <a:schemeClr val="tx1"/>
-                </a:solidFill>
-                <a:effectLst/>
-                <a:latin typeface="+mn-lt"/>
-                <a:ea typeface="+mn-ea"/>
-                <a:cs typeface="+mn-cs"/>
-              </a:rPr>
-              <a:t> CNTB, </a:t>
-            </a:r>
-            <a:r>
-              <a:rPr lang="en-US" sz="1200" kern="1200" dirty="0" err="1">
-                <a:solidFill>
-                  <a:schemeClr val="tx1"/>
-                </a:solidFill>
-                <a:effectLst/>
-                <a:latin typeface="+mn-lt"/>
-                <a:ea typeface="+mn-ea"/>
-                <a:cs typeface="+mn-cs"/>
-              </a:rPr>
-              <a:t>đi</a:t>
-            </a:r>
-            <a:r>
-              <a:rPr lang="en-US" sz="1200" kern="1200" dirty="0">
-                <a:solidFill>
-                  <a:schemeClr val="tx1"/>
-                </a:solidFill>
-                <a:effectLst/>
-                <a:latin typeface="+mn-lt"/>
-                <a:ea typeface="+mn-ea"/>
-                <a:cs typeface="+mn-cs"/>
-              </a:rPr>
-              <a:t> </a:t>
-            </a:r>
-            <a:r>
-              <a:rPr lang="en-US" sz="1200" kern="1200" dirty="0" err="1">
-                <a:solidFill>
-                  <a:schemeClr val="tx1"/>
-                </a:solidFill>
-                <a:effectLst/>
-                <a:latin typeface="+mn-lt"/>
-                <a:ea typeface="+mn-ea"/>
-                <a:cs typeface="+mn-cs"/>
-              </a:rPr>
-              <a:t>thẳng</a:t>
-            </a:r>
-            <a:r>
-              <a:rPr lang="en-US" sz="1200" kern="1200" dirty="0">
-                <a:solidFill>
-                  <a:schemeClr val="tx1"/>
-                </a:solidFill>
-                <a:effectLst/>
-                <a:latin typeface="+mn-lt"/>
-                <a:ea typeface="+mn-ea"/>
-                <a:cs typeface="+mn-cs"/>
-              </a:rPr>
-              <a:t> </a:t>
-            </a:r>
-            <a:r>
-              <a:rPr lang="en-US" sz="1200" kern="1200" dirty="0" err="1">
-                <a:solidFill>
-                  <a:schemeClr val="tx1"/>
-                </a:solidFill>
-                <a:effectLst/>
-                <a:latin typeface="+mn-lt"/>
-                <a:ea typeface="+mn-ea"/>
-                <a:cs typeface="+mn-cs"/>
-              </a:rPr>
-              <a:t>lên</a:t>
-            </a:r>
-            <a:r>
-              <a:rPr lang="en-US" sz="1200" kern="1200" dirty="0">
-                <a:solidFill>
-                  <a:schemeClr val="tx1"/>
-                </a:solidFill>
-                <a:effectLst/>
-                <a:latin typeface="+mn-lt"/>
-                <a:ea typeface="+mn-ea"/>
-                <a:cs typeface="+mn-cs"/>
-              </a:rPr>
-              <a:t> CNXH </a:t>
-            </a:r>
-            <a:r>
-              <a:rPr lang="en-US" sz="1200" kern="1200" dirty="0" err="1">
-                <a:solidFill>
-                  <a:schemeClr val="tx1"/>
-                </a:solidFill>
-                <a:effectLst/>
-                <a:latin typeface="+mn-lt"/>
-                <a:ea typeface="+mn-ea"/>
-                <a:cs typeface="+mn-cs"/>
-              </a:rPr>
-              <a:t>dưới</a:t>
-            </a:r>
-            <a:r>
-              <a:rPr lang="en-US" sz="1200" kern="1200" dirty="0">
-                <a:solidFill>
-                  <a:schemeClr val="tx1"/>
-                </a:solidFill>
-                <a:effectLst/>
-                <a:latin typeface="+mn-lt"/>
-                <a:ea typeface="+mn-ea"/>
-                <a:cs typeface="+mn-cs"/>
-              </a:rPr>
-              <a:t> 1 </a:t>
-            </a:r>
-            <a:r>
-              <a:rPr lang="en-US" sz="1200" kern="1200" dirty="0" err="1">
-                <a:solidFill>
-                  <a:schemeClr val="tx1"/>
-                </a:solidFill>
-                <a:effectLst/>
-                <a:latin typeface="+mn-lt"/>
-                <a:ea typeface="+mn-ea"/>
-                <a:cs typeface="+mn-cs"/>
-              </a:rPr>
-              <a:t>đkiện</a:t>
-            </a:r>
-            <a:r>
-              <a:rPr lang="en-US" sz="1200" kern="1200" dirty="0">
-                <a:solidFill>
-                  <a:schemeClr val="tx1"/>
-                </a:solidFill>
-                <a:effectLst/>
-                <a:latin typeface="+mn-lt"/>
-                <a:ea typeface="+mn-ea"/>
-                <a:cs typeface="+mn-cs"/>
-              </a:rPr>
-              <a:t> </a:t>
-            </a:r>
-            <a:r>
-              <a:rPr lang="en-US" sz="1200" kern="1200" dirty="0" err="1">
-                <a:solidFill>
-                  <a:schemeClr val="tx1"/>
-                </a:solidFill>
-                <a:effectLst/>
-                <a:latin typeface="+mn-lt"/>
-                <a:ea typeface="+mn-ea"/>
-                <a:cs typeface="+mn-cs"/>
-              </a:rPr>
-              <a:t>cụ</a:t>
-            </a:r>
-            <a:r>
-              <a:rPr lang="en-US" sz="1200" kern="1200" dirty="0">
-                <a:solidFill>
-                  <a:schemeClr val="tx1"/>
-                </a:solidFill>
-                <a:effectLst/>
-                <a:latin typeface="+mn-lt"/>
-                <a:ea typeface="+mn-ea"/>
-                <a:cs typeface="+mn-cs"/>
-              </a:rPr>
-              <a:t> </a:t>
-            </a:r>
-            <a:r>
-              <a:rPr lang="en-US" sz="1200" kern="1200" dirty="0" err="1">
-                <a:solidFill>
-                  <a:schemeClr val="tx1"/>
-                </a:solidFill>
-                <a:effectLst/>
-                <a:latin typeface="+mn-lt"/>
-                <a:ea typeface="+mn-ea"/>
-                <a:cs typeface="+mn-cs"/>
-              </a:rPr>
-              <a:t>thể</a:t>
-            </a:r>
-            <a:r>
-              <a:rPr lang="en-US" sz="1200" kern="1200" dirty="0">
-                <a:solidFill>
-                  <a:schemeClr val="tx1"/>
-                </a:solidFill>
-                <a:effectLst/>
-                <a:latin typeface="+mn-lt"/>
-                <a:ea typeface="+mn-ea"/>
-                <a:cs typeface="+mn-cs"/>
-              </a:rPr>
-              <a:t> </a:t>
-            </a:r>
-            <a:r>
-              <a:rPr lang="en-US" sz="1200" kern="1200" dirty="0" err="1">
-                <a:solidFill>
-                  <a:schemeClr val="tx1"/>
-                </a:solidFill>
-                <a:effectLst/>
-                <a:latin typeface="+mn-lt"/>
-                <a:ea typeface="+mn-ea"/>
-                <a:cs typeface="+mn-cs"/>
-              </a:rPr>
-              <a:t>nào</a:t>
-            </a:r>
-            <a:r>
-              <a:rPr lang="en-US" sz="1200" kern="1200" dirty="0">
-                <a:solidFill>
-                  <a:schemeClr val="tx1"/>
-                </a:solidFill>
-                <a:effectLst/>
-                <a:latin typeface="+mn-lt"/>
-                <a:ea typeface="+mn-ea"/>
-                <a:cs typeface="+mn-cs"/>
-              </a:rPr>
-              <a:t> </a:t>
-            </a:r>
-            <a:r>
-              <a:rPr lang="en-US" sz="1200" kern="1200" dirty="0" err="1">
-                <a:solidFill>
-                  <a:schemeClr val="tx1"/>
-                </a:solidFill>
-                <a:effectLst/>
-                <a:latin typeface="+mn-lt"/>
-                <a:ea typeface="+mn-ea"/>
-                <a:cs typeface="+mn-cs"/>
-              </a:rPr>
-              <a:t>đó</a:t>
-            </a:r>
-            <a:r>
-              <a:rPr lang="en-US" sz="1200" kern="1200" dirty="0">
-                <a:solidFill>
-                  <a:schemeClr val="tx1"/>
-                </a:solidFill>
-                <a:effectLst/>
-                <a:latin typeface="+mn-lt"/>
-                <a:ea typeface="+mn-ea"/>
-                <a:cs typeface="+mn-cs"/>
-              </a:rPr>
-              <a:t>, </a:t>
-            </a:r>
-            <a:r>
-              <a:rPr lang="en-US" sz="1200" kern="1200" dirty="0" err="1">
-                <a:solidFill>
-                  <a:schemeClr val="tx1"/>
-                </a:solidFill>
-                <a:effectLst/>
-                <a:latin typeface="+mn-lt"/>
-                <a:ea typeface="+mn-ea"/>
-                <a:cs typeface="+mn-cs"/>
-              </a:rPr>
-              <a:t>nhất</a:t>
-            </a:r>
-            <a:r>
-              <a:rPr lang="en-US" sz="1200" kern="1200" dirty="0">
-                <a:solidFill>
-                  <a:schemeClr val="tx1"/>
-                </a:solidFill>
-                <a:effectLst/>
-                <a:latin typeface="+mn-lt"/>
-                <a:ea typeface="+mn-ea"/>
-                <a:cs typeface="+mn-cs"/>
-              </a:rPr>
-              <a:t> </a:t>
-            </a:r>
-            <a:r>
-              <a:rPr lang="en-US" sz="1200" kern="1200" dirty="0" err="1">
-                <a:solidFill>
-                  <a:schemeClr val="tx1"/>
-                </a:solidFill>
-                <a:effectLst/>
-                <a:latin typeface="+mn-lt"/>
-                <a:ea typeface="+mn-ea"/>
-                <a:cs typeface="+mn-cs"/>
-              </a:rPr>
-              <a:t>là</a:t>
-            </a:r>
-            <a:r>
-              <a:rPr lang="en-US" sz="1200" kern="1200" dirty="0">
-                <a:solidFill>
-                  <a:schemeClr val="tx1"/>
-                </a:solidFill>
-                <a:effectLst/>
-                <a:latin typeface="+mn-lt"/>
-                <a:ea typeface="+mn-ea"/>
-                <a:cs typeface="+mn-cs"/>
-              </a:rPr>
-              <a:t> </a:t>
-            </a:r>
-            <a:r>
-              <a:rPr lang="en-US" sz="1200" kern="1200" dirty="0" err="1">
-                <a:solidFill>
-                  <a:schemeClr val="tx1"/>
-                </a:solidFill>
-                <a:effectLst/>
-                <a:latin typeface="+mn-lt"/>
-                <a:ea typeface="+mn-ea"/>
-                <a:cs typeface="+mn-cs"/>
-              </a:rPr>
-              <a:t>trong</a:t>
-            </a:r>
-            <a:r>
-              <a:rPr lang="en-US" sz="1200" kern="1200" dirty="0">
-                <a:solidFill>
-                  <a:schemeClr val="tx1"/>
-                </a:solidFill>
-                <a:effectLst/>
-                <a:latin typeface="+mn-lt"/>
-                <a:ea typeface="+mn-ea"/>
-                <a:cs typeface="+mn-cs"/>
-              </a:rPr>
-              <a:t> </a:t>
-            </a:r>
-            <a:r>
-              <a:rPr lang="en-US" sz="1200" kern="1200" dirty="0" err="1">
-                <a:solidFill>
-                  <a:schemeClr val="tx1"/>
-                </a:solidFill>
-                <a:effectLst/>
-                <a:latin typeface="+mn-lt"/>
-                <a:ea typeface="+mn-ea"/>
-                <a:cs typeface="+mn-cs"/>
-              </a:rPr>
-              <a:t>đkiện</a:t>
-            </a:r>
-            <a:r>
-              <a:rPr lang="en-US" sz="1200" kern="1200" dirty="0">
-                <a:solidFill>
-                  <a:schemeClr val="tx1"/>
-                </a:solidFill>
-                <a:effectLst/>
-                <a:latin typeface="+mn-lt"/>
-                <a:ea typeface="+mn-ea"/>
-                <a:cs typeface="+mn-cs"/>
-              </a:rPr>
-              <a:t> </a:t>
-            </a:r>
-            <a:r>
-              <a:rPr lang="en-US" sz="1200" kern="1200" dirty="0" err="1">
-                <a:solidFill>
-                  <a:schemeClr val="tx1"/>
-                </a:solidFill>
-                <a:effectLst/>
-                <a:latin typeface="+mn-lt"/>
-                <a:ea typeface="+mn-ea"/>
-                <a:cs typeface="+mn-cs"/>
-              </a:rPr>
-              <a:t>đảng</a:t>
-            </a:r>
-            <a:r>
-              <a:rPr lang="en-US" sz="1200" kern="1200" dirty="0">
-                <a:solidFill>
-                  <a:schemeClr val="tx1"/>
-                </a:solidFill>
-                <a:effectLst/>
-                <a:latin typeface="+mn-lt"/>
-                <a:ea typeface="+mn-ea"/>
-                <a:cs typeface="+mn-cs"/>
-              </a:rPr>
-              <a:t> </a:t>
-            </a:r>
-            <a:r>
-              <a:rPr lang="en-US" sz="1200" kern="1200" dirty="0" err="1">
-                <a:solidFill>
-                  <a:schemeClr val="tx1"/>
-                </a:solidFill>
-                <a:effectLst/>
-                <a:latin typeface="+mn-lt"/>
-                <a:ea typeface="+mn-ea"/>
-                <a:cs typeface="+mn-cs"/>
-              </a:rPr>
-              <a:t>kiểu</a:t>
-            </a:r>
-            <a:r>
-              <a:rPr lang="en-US" sz="1200" kern="1200" dirty="0">
-                <a:solidFill>
-                  <a:schemeClr val="tx1"/>
-                </a:solidFill>
-                <a:effectLst/>
-                <a:latin typeface="+mn-lt"/>
-                <a:ea typeface="+mn-ea"/>
-                <a:cs typeface="+mn-cs"/>
-              </a:rPr>
-              <a:t> </a:t>
-            </a:r>
-            <a:r>
-              <a:rPr lang="en-US" sz="1200" kern="1200" dirty="0" err="1">
-                <a:solidFill>
-                  <a:schemeClr val="tx1"/>
-                </a:solidFill>
-                <a:effectLst/>
-                <a:latin typeface="+mn-lt"/>
-                <a:ea typeface="+mn-ea"/>
-                <a:cs typeface="+mn-cs"/>
-              </a:rPr>
-              <a:t>mới</a:t>
-            </a:r>
-            <a:r>
-              <a:rPr lang="en-US" sz="1200" kern="1200" dirty="0">
-                <a:solidFill>
-                  <a:schemeClr val="tx1"/>
-                </a:solidFill>
-                <a:effectLst/>
-                <a:latin typeface="+mn-lt"/>
-                <a:ea typeface="+mn-ea"/>
-                <a:cs typeface="+mn-cs"/>
-              </a:rPr>
-              <a:t> </a:t>
-            </a:r>
-            <a:r>
-              <a:rPr lang="en-US" sz="1200" kern="1200" dirty="0" err="1">
-                <a:solidFill>
-                  <a:schemeClr val="tx1"/>
-                </a:solidFill>
-                <a:effectLst/>
-                <a:latin typeface="+mn-lt"/>
-                <a:ea typeface="+mn-ea"/>
-                <a:cs typeface="+mn-cs"/>
-              </a:rPr>
-              <a:t>của</a:t>
-            </a:r>
-            <a:r>
-              <a:rPr lang="en-US" sz="1200" kern="1200" dirty="0">
-                <a:solidFill>
-                  <a:schemeClr val="tx1"/>
-                </a:solidFill>
-                <a:effectLst/>
-                <a:latin typeface="+mn-lt"/>
-                <a:ea typeface="+mn-ea"/>
-                <a:cs typeface="+mn-cs"/>
-              </a:rPr>
-              <a:t> </a:t>
-            </a:r>
-            <a:r>
-              <a:rPr lang="en-US" sz="1200" kern="1200" dirty="0" err="1">
-                <a:solidFill>
-                  <a:schemeClr val="tx1"/>
-                </a:solidFill>
-                <a:effectLst/>
-                <a:latin typeface="+mn-lt"/>
-                <a:ea typeface="+mn-ea"/>
-                <a:cs typeface="+mn-cs"/>
-              </a:rPr>
-              <a:t>giai</a:t>
-            </a:r>
-            <a:r>
-              <a:rPr lang="en-US" sz="1200" kern="1200" dirty="0">
-                <a:solidFill>
-                  <a:schemeClr val="tx1"/>
-                </a:solidFill>
-                <a:effectLst/>
-                <a:latin typeface="+mn-lt"/>
-                <a:ea typeface="+mn-ea"/>
-                <a:cs typeface="+mn-cs"/>
-              </a:rPr>
-              <a:t> </a:t>
-            </a:r>
-            <a:r>
-              <a:rPr lang="en-US" sz="1200" kern="1200" dirty="0" err="1">
-                <a:solidFill>
-                  <a:schemeClr val="tx1"/>
-                </a:solidFill>
-                <a:effectLst/>
-                <a:latin typeface="+mn-lt"/>
-                <a:ea typeface="+mn-ea"/>
-                <a:cs typeface="+mn-cs"/>
-              </a:rPr>
-              <a:t>cấp</a:t>
-            </a:r>
-            <a:r>
-              <a:rPr lang="en-US" sz="1200" kern="1200" dirty="0">
-                <a:solidFill>
-                  <a:schemeClr val="tx1"/>
-                </a:solidFill>
-                <a:effectLst/>
-                <a:latin typeface="+mn-lt"/>
-                <a:ea typeface="+mn-ea"/>
-                <a:cs typeface="+mn-cs"/>
-              </a:rPr>
-              <a:t> </a:t>
-            </a:r>
-            <a:r>
-              <a:rPr lang="en-US" sz="1200" kern="1200" dirty="0" err="1">
-                <a:solidFill>
-                  <a:schemeClr val="tx1"/>
-                </a:solidFill>
-                <a:effectLst/>
-                <a:latin typeface="+mn-lt"/>
-                <a:ea typeface="+mn-ea"/>
-                <a:cs typeface="+mn-cs"/>
-              </a:rPr>
-              <a:t>vô</a:t>
-            </a:r>
-            <a:r>
-              <a:rPr lang="en-US" sz="1200" kern="1200" dirty="0">
-                <a:solidFill>
-                  <a:schemeClr val="tx1"/>
-                </a:solidFill>
-                <a:effectLst/>
-                <a:latin typeface="+mn-lt"/>
-                <a:ea typeface="+mn-ea"/>
-                <a:cs typeface="+mn-cs"/>
-              </a:rPr>
-              <a:t> </a:t>
-            </a:r>
-            <a:r>
-              <a:rPr lang="en-US" sz="1200" kern="1200" dirty="0" err="1">
-                <a:solidFill>
-                  <a:schemeClr val="tx1"/>
-                </a:solidFill>
-                <a:effectLst/>
-                <a:latin typeface="+mn-lt"/>
-                <a:ea typeface="+mn-ea"/>
-                <a:cs typeface="+mn-cs"/>
-              </a:rPr>
-              <a:t>sản</a:t>
-            </a:r>
-            <a:r>
-              <a:rPr lang="en-US" sz="1200" kern="1200" dirty="0">
-                <a:solidFill>
-                  <a:schemeClr val="tx1"/>
-                </a:solidFill>
-                <a:effectLst/>
-                <a:latin typeface="+mn-lt"/>
-                <a:ea typeface="+mn-ea"/>
-                <a:cs typeface="+mn-cs"/>
-              </a:rPr>
-              <a:t> </a:t>
-            </a:r>
-            <a:r>
-              <a:rPr lang="en-US" sz="1200" kern="1200" dirty="0" err="1">
-                <a:solidFill>
-                  <a:schemeClr val="tx1"/>
-                </a:solidFill>
-                <a:effectLst/>
-                <a:latin typeface="+mn-lt"/>
-                <a:ea typeface="+mn-ea"/>
-                <a:cs typeface="+mn-cs"/>
-              </a:rPr>
-              <a:t>năm</a:t>
-            </a:r>
-            <a:r>
-              <a:rPr lang="en-US" sz="1200" kern="1200" dirty="0">
-                <a:solidFill>
-                  <a:schemeClr val="tx1"/>
-                </a:solidFill>
-                <a:effectLst/>
-                <a:latin typeface="+mn-lt"/>
-                <a:ea typeface="+mn-ea"/>
-                <a:cs typeface="+mn-cs"/>
-              </a:rPr>
-              <a:t> </a:t>
-            </a:r>
-            <a:r>
-              <a:rPr lang="en-US" sz="1200" kern="1200" dirty="0" err="1">
-                <a:solidFill>
-                  <a:schemeClr val="tx1"/>
-                </a:solidFill>
-                <a:effectLst/>
-                <a:latin typeface="+mn-lt"/>
-                <a:ea typeface="+mn-ea"/>
-                <a:cs typeface="+mn-cs"/>
-              </a:rPr>
-              <a:t>quyền</a:t>
-            </a:r>
-            <a:r>
-              <a:rPr lang="en-US" sz="1200" kern="1200" dirty="0">
-                <a:solidFill>
-                  <a:schemeClr val="tx1"/>
-                </a:solidFill>
-                <a:effectLst/>
-                <a:latin typeface="+mn-lt"/>
-                <a:ea typeface="+mn-ea"/>
-                <a:cs typeface="+mn-cs"/>
-              </a:rPr>
-              <a:t> </a:t>
-            </a:r>
-            <a:r>
-              <a:rPr lang="en-US" sz="1200" kern="1200" dirty="0" err="1">
-                <a:solidFill>
-                  <a:schemeClr val="tx1"/>
-                </a:solidFill>
-                <a:effectLst/>
-                <a:latin typeface="+mn-lt"/>
-                <a:ea typeface="+mn-ea"/>
-                <a:cs typeface="+mn-cs"/>
-              </a:rPr>
-              <a:t>lãnh</a:t>
-            </a:r>
-            <a:r>
-              <a:rPr lang="en-US" sz="1200" kern="1200" dirty="0">
-                <a:solidFill>
-                  <a:schemeClr val="tx1"/>
-                </a:solidFill>
-                <a:effectLst/>
-                <a:latin typeface="+mn-lt"/>
-                <a:ea typeface="+mn-ea"/>
-                <a:cs typeface="+mn-cs"/>
-              </a:rPr>
-              <a:t> </a:t>
-            </a:r>
-            <a:r>
-              <a:rPr lang="en-US" sz="1200" kern="1200" dirty="0" err="1">
-                <a:solidFill>
-                  <a:schemeClr val="tx1"/>
-                </a:solidFill>
-                <a:effectLst/>
-                <a:latin typeface="+mn-lt"/>
-                <a:ea typeface="+mn-ea"/>
-                <a:cs typeface="+mn-cs"/>
-              </a:rPr>
-              <a:t>đạo</a:t>
-            </a:r>
-            <a:r>
-              <a:rPr lang="en-US" sz="1200" kern="1200" dirty="0">
-                <a:solidFill>
-                  <a:schemeClr val="tx1"/>
-                </a:solidFill>
-                <a:effectLst/>
-                <a:latin typeface="+mn-lt"/>
-                <a:ea typeface="+mn-ea"/>
-                <a:cs typeface="+mn-cs"/>
-              </a:rPr>
-              <a:t> </a:t>
-            </a:r>
-            <a:r>
-              <a:rPr lang="en-US" sz="1200" kern="1200" dirty="0" err="1">
-                <a:solidFill>
-                  <a:schemeClr val="tx1"/>
-                </a:solidFill>
-                <a:effectLst/>
-                <a:latin typeface="+mn-lt"/>
-                <a:ea typeface="+mn-ea"/>
-                <a:cs typeface="+mn-cs"/>
-              </a:rPr>
-              <a:t>và</a:t>
-            </a:r>
-            <a:r>
-              <a:rPr lang="en-US" sz="1200" kern="1200" dirty="0">
-                <a:solidFill>
-                  <a:schemeClr val="tx1"/>
-                </a:solidFill>
-                <a:effectLst/>
-                <a:latin typeface="+mn-lt"/>
-                <a:ea typeface="+mn-ea"/>
-                <a:cs typeface="+mn-cs"/>
-              </a:rPr>
-              <a:t> </a:t>
-            </a:r>
-            <a:r>
-              <a:rPr lang="en-US" sz="1200" kern="1200" dirty="0" err="1">
-                <a:solidFill>
-                  <a:schemeClr val="tx1"/>
-                </a:solidFill>
-                <a:effectLst/>
-                <a:latin typeface="+mn-lt"/>
-                <a:ea typeface="+mn-ea"/>
-                <a:cs typeface="+mn-cs"/>
-              </a:rPr>
-              <a:t>được</a:t>
-            </a:r>
-            <a:r>
-              <a:rPr lang="en-US" sz="1200" kern="1200" dirty="0">
-                <a:solidFill>
-                  <a:schemeClr val="tx1"/>
-                </a:solidFill>
-                <a:effectLst/>
-                <a:latin typeface="+mn-lt"/>
-                <a:ea typeface="+mn-ea"/>
-                <a:cs typeface="+mn-cs"/>
-              </a:rPr>
-              <a:t> </a:t>
-            </a:r>
-            <a:r>
-              <a:rPr lang="en-US" sz="1200" kern="1200" dirty="0" err="1">
-                <a:solidFill>
-                  <a:schemeClr val="tx1"/>
-                </a:solidFill>
-                <a:effectLst/>
-                <a:latin typeface="+mn-lt"/>
-                <a:ea typeface="+mn-ea"/>
-                <a:cs typeface="+mn-cs"/>
-              </a:rPr>
-              <a:t>giúp</a:t>
-            </a:r>
-            <a:r>
-              <a:rPr lang="en-US" sz="1200" kern="1200" dirty="0">
-                <a:solidFill>
-                  <a:schemeClr val="tx1"/>
-                </a:solidFill>
-                <a:effectLst/>
-                <a:latin typeface="+mn-lt"/>
-                <a:ea typeface="+mn-ea"/>
-                <a:cs typeface="+mn-cs"/>
-              </a:rPr>
-              <a:t> </a:t>
-            </a:r>
-            <a:r>
-              <a:rPr lang="en-US" sz="1200" kern="1200" dirty="0" err="1">
-                <a:solidFill>
-                  <a:schemeClr val="tx1"/>
-                </a:solidFill>
-                <a:effectLst/>
-                <a:latin typeface="+mn-lt"/>
-                <a:ea typeface="+mn-ea"/>
-                <a:cs typeface="+mn-cs"/>
-              </a:rPr>
-              <a:t>đỡ</a:t>
-            </a:r>
-            <a:r>
-              <a:rPr lang="en-US" sz="1200" kern="1200" dirty="0">
-                <a:solidFill>
-                  <a:schemeClr val="tx1"/>
-                </a:solidFill>
-                <a:effectLst/>
-                <a:latin typeface="+mn-lt"/>
-                <a:ea typeface="+mn-ea"/>
-                <a:cs typeface="+mn-cs"/>
-              </a:rPr>
-              <a:t> </a:t>
-            </a:r>
-            <a:r>
-              <a:rPr lang="en-US" sz="1200" kern="1200" dirty="0" err="1">
-                <a:solidFill>
-                  <a:schemeClr val="tx1"/>
-                </a:solidFill>
-                <a:effectLst/>
-                <a:latin typeface="+mn-lt"/>
-                <a:ea typeface="+mn-ea"/>
-                <a:cs typeface="+mn-cs"/>
-              </a:rPr>
-              <a:t>từ</a:t>
-            </a:r>
-            <a:r>
-              <a:rPr lang="en-US" sz="1200" kern="1200" dirty="0">
-                <a:solidFill>
-                  <a:schemeClr val="tx1"/>
-                </a:solidFill>
-                <a:effectLst/>
-                <a:latin typeface="+mn-lt"/>
-                <a:ea typeface="+mn-ea"/>
-                <a:cs typeface="+mn-cs"/>
-              </a:rPr>
-              <a:t> </a:t>
-            </a:r>
-            <a:r>
-              <a:rPr lang="en-US" sz="1200" kern="1200" dirty="0" err="1">
-                <a:solidFill>
-                  <a:schemeClr val="tx1"/>
-                </a:solidFill>
-                <a:effectLst/>
-                <a:latin typeface="+mn-lt"/>
-                <a:ea typeface="+mn-ea"/>
-                <a:cs typeface="+mn-cs"/>
-              </a:rPr>
-              <a:t>các</a:t>
-            </a:r>
-            <a:r>
-              <a:rPr lang="en-US" sz="1200" kern="1200" dirty="0">
-                <a:solidFill>
-                  <a:schemeClr val="tx1"/>
-                </a:solidFill>
-                <a:effectLst/>
-                <a:latin typeface="+mn-lt"/>
-                <a:ea typeface="+mn-ea"/>
-                <a:cs typeface="+mn-cs"/>
-              </a:rPr>
-              <a:t> </a:t>
-            </a:r>
-            <a:r>
-              <a:rPr lang="en-US" sz="1200" kern="1200" dirty="0" err="1">
-                <a:solidFill>
-                  <a:schemeClr val="tx1"/>
-                </a:solidFill>
-                <a:effectLst/>
-                <a:latin typeface="+mn-lt"/>
-                <a:ea typeface="+mn-ea"/>
-                <a:cs typeface="+mn-cs"/>
-              </a:rPr>
-              <a:t>nước</a:t>
-            </a:r>
-            <a:r>
-              <a:rPr lang="en-US" sz="1200" kern="1200" dirty="0">
-                <a:solidFill>
-                  <a:schemeClr val="tx1"/>
-                </a:solidFill>
-                <a:effectLst/>
-                <a:latin typeface="+mn-lt"/>
-                <a:ea typeface="+mn-ea"/>
-                <a:cs typeface="+mn-cs"/>
-              </a:rPr>
-              <a:t> </a:t>
-            </a:r>
-            <a:r>
-              <a:rPr lang="en-US" sz="1200" kern="1200" dirty="0" err="1">
-                <a:solidFill>
-                  <a:schemeClr val="tx1"/>
-                </a:solidFill>
-                <a:effectLst/>
-                <a:latin typeface="+mn-lt"/>
-                <a:ea typeface="+mn-ea"/>
-                <a:cs typeface="+mn-cs"/>
-              </a:rPr>
-              <a:t>tiên</a:t>
-            </a:r>
-            <a:r>
-              <a:rPr lang="en-US" sz="1200" kern="1200" dirty="0">
-                <a:solidFill>
-                  <a:schemeClr val="tx1"/>
-                </a:solidFill>
-                <a:effectLst/>
-                <a:latin typeface="+mn-lt"/>
-                <a:ea typeface="+mn-ea"/>
-                <a:cs typeface="+mn-cs"/>
-              </a:rPr>
-              <a:t> </a:t>
-            </a:r>
-            <a:r>
-              <a:rPr lang="en-US" sz="1200" kern="1200" dirty="0" err="1">
-                <a:solidFill>
-                  <a:schemeClr val="tx1"/>
-                </a:solidFill>
-                <a:effectLst/>
-                <a:latin typeface="+mn-lt"/>
-                <a:ea typeface="+mn-ea"/>
-                <a:cs typeface="+mn-cs"/>
-              </a:rPr>
-              <a:t>tiến</a:t>
-            </a:r>
-            <a:r>
-              <a:rPr lang="en-US" sz="1200" kern="1200" dirty="0">
-                <a:solidFill>
-                  <a:schemeClr val="tx1"/>
-                </a:solidFill>
-                <a:effectLst/>
-                <a:latin typeface="+mn-lt"/>
-                <a:ea typeface="+mn-ea"/>
-                <a:cs typeface="+mn-cs"/>
-              </a:rPr>
-              <a:t>)</a:t>
-            </a:r>
-          </a:p>
-          <a:p>
-            <a:r>
-              <a:rPr lang="en-US" sz="1200" kern="1200" dirty="0">
-                <a:solidFill>
-                  <a:schemeClr val="tx1"/>
-                </a:solidFill>
-                <a:effectLst/>
-                <a:latin typeface="+mn-lt"/>
-                <a:ea typeface="+mn-ea"/>
-                <a:cs typeface="+mn-cs"/>
-              </a:rPr>
-              <a:t>**Ở VN, </a:t>
-            </a:r>
-            <a:r>
-              <a:rPr lang="en-US" sz="1200" kern="1200" dirty="0" err="1">
-                <a:solidFill>
-                  <a:schemeClr val="tx1"/>
-                </a:solidFill>
-                <a:effectLst/>
-                <a:latin typeface="+mn-lt"/>
-                <a:ea typeface="+mn-ea"/>
-                <a:cs typeface="+mn-cs"/>
-              </a:rPr>
-              <a:t>thời</a:t>
-            </a:r>
-            <a:r>
-              <a:rPr lang="en-US" sz="1200" kern="1200" dirty="0">
-                <a:solidFill>
-                  <a:schemeClr val="tx1"/>
-                </a:solidFill>
-                <a:effectLst/>
-                <a:latin typeface="+mn-lt"/>
-                <a:ea typeface="+mn-ea"/>
-                <a:cs typeface="+mn-cs"/>
-              </a:rPr>
-              <a:t> </a:t>
-            </a:r>
-            <a:r>
-              <a:rPr lang="en-US" sz="1200" kern="1200" dirty="0" err="1">
-                <a:solidFill>
-                  <a:schemeClr val="tx1"/>
-                </a:solidFill>
-                <a:effectLst/>
-                <a:latin typeface="+mn-lt"/>
-                <a:ea typeface="+mn-ea"/>
-                <a:cs typeface="+mn-cs"/>
-              </a:rPr>
-              <a:t>kỳ</a:t>
-            </a:r>
-            <a:r>
-              <a:rPr lang="en-US" sz="1200" kern="1200" dirty="0">
-                <a:solidFill>
-                  <a:schemeClr val="tx1"/>
-                </a:solidFill>
-                <a:effectLst/>
-                <a:latin typeface="+mn-lt"/>
-                <a:ea typeface="+mn-ea"/>
-                <a:cs typeface="+mn-cs"/>
-              </a:rPr>
-              <a:t> </a:t>
-            </a:r>
-            <a:r>
-              <a:rPr lang="en-US" sz="1200" kern="1200" dirty="0" err="1">
-                <a:solidFill>
-                  <a:schemeClr val="tx1"/>
-                </a:solidFill>
-                <a:effectLst/>
-                <a:latin typeface="+mn-lt"/>
-                <a:ea typeface="+mn-ea"/>
-                <a:cs typeface="+mn-cs"/>
-              </a:rPr>
-              <a:t>quá</a:t>
-            </a:r>
-            <a:r>
-              <a:rPr lang="en-US" sz="1200" kern="1200" dirty="0">
-                <a:solidFill>
-                  <a:schemeClr val="tx1"/>
-                </a:solidFill>
-                <a:effectLst/>
-                <a:latin typeface="+mn-lt"/>
-                <a:ea typeface="+mn-ea"/>
-                <a:cs typeface="+mn-cs"/>
-              </a:rPr>
-              <a:t> </a:t>
-            </a:r>
-            <a:r>
-              <a:rPr lang="en-US" sz="1200" kern="1200" dirty="0" err="1">
-                <a:solidFill>
-                  <a:schemeClr val="tx1"/>
-                </a:solidFill>
-                <a:effectLst/>
-                <a:latin typeface="+mn-lt"/>
-                <a:ea typeface="+mn-ea"/>
-                <a:cs typeface="+mn-cs"/>
-              </a:rPr>
-              <a:t>độ</a:t>
-            </a:r>
-            <a:r>
-              <a:rPr lang="en-US" sz="1200" kern="1200" dirty="0">
-                <a:solidFill>
-                  <a:schemeClr val="tx1"/>
-                </a:solidFill>
-                <a:effectLst/>
-                <a:latin typeface="+mn-lt"/>
-                <a:ea typeface="+mn-ea"/>
-                <a:cs typeface="+mn-cs"/>
-              </a:rPr>
-              <a:t> </a:t>
-            </a:r>
-            <a:r>
-              <a:rPr lang="en-US" sz="1200" kern="1200" dirty="0" err="1">
-                <a:solidFill>
-                  <a:schemeClr val="tx1"/>
-                </a:solidFill>
-                <a:effectLst/>
-                <a:latin typeface="+mn-lt"/>
-                <a:ea typeface="+mn-ea"/>
-                <a:cs typeface="+mn-cs"/>
-              </a:rPr>
-              <a:t>lên</a:t>
-            </a:r>
-            <a:r>
-              <a:rPr lang="en-US" sz="1200" kern="1200" dirty="0">
-                <a:solidFill>
-                  <a:schemeClr val="tx1"/>
-                </a:solidFill>
-                <a:effectLst/>
-                <a:latin typeface="+mn-lt"/>
-                <a:ea typeface="+mn-ea"/>
-                <a:cs typeface="+mn-cs"/>
-              </a:rPr>
-              <a:t> CNXH </a:t>
-            </a:r>
-            <a:r>
-              <a:rPr lang="en-US" sz="1200" kern="1200" dirty="0" err="1">
-                <a:solidFill>
-                  <a:schemeClr val="tx1"/>
-                </a:solidFill>
-                <a:effectLst/>
-                <a:latin typeface="+mn-lt"/>
-                <a:ea typeface="+mn-ea"/>
-                <a:cs typeface="+mn-cs"/>
-              </a:rPr>
-              <a:t>là</a:t>
-            </a:r>
-            <a:r>
-              <a:rPr lang="en-US" sz="1200" kern="1200" dirty="0">
-                <a:solidFill>
-                  <a:schemeClr val="tx1"/>
-                </a:solidFill>
-                <a:effectLst/>
-                <a:latin typeface="+mn-lt"/>
-                <a:ea typeface="+mn-ea"/>
-                <a:cs typeface="+mn-cs"/>
-              </a:rPr>
-              <a:t> con </a:t>
-            </a:r>
-            <a:r>
-              <a:rPr lang="en-US" sz="1200" kern="1200" dirty="0" err="1">
-                <a:solidFill>
-                  <a:schemeClr val="tx1"/>
-                </a:solidFill>
-                <a:effectLst/>
-                <a:latin typeface="+mn-lt"/>
-                <a:ea typeface="+mn-ea"/>
-                <a:cs typeface="+mn-cs"/>
-              </a:rPr>
-              <a:t>đường</a:t>
-            </a:r>
-            <a:r>
-              <a:rPr lang="en-US" sz="1200" kern="1200" dirty="0">
-                <a:solidFill>
-                  <a:schemeClr val="tx1"/>
-                </a:solidFill>
-                <a:effectLst/>
-                <a:latin typeface="+mn-lt"/>
-                <a:ea typeface="+mn-ea"/>
-                <a:cs typeface="+mn-cs"/>
-              </a:rPr>
-              <a:t> </a:t>
-            </a:r>
-            <a:r>
-              <a:rPr lang="en-US" sz="1200" kern="1200" dirty="0" err="1">
-                <a:solidFill>
-                  <a:schemeClr val="tx1"/>
-                </a:solidFill>
-                <a:effectLst/>
-                <a:latin typeface="+mn-lt"/>
-                <a:ea typeface="+mn-ea"/>
-                <a:cs typeface="+mn-cs"/>
-              </a:rPr>
-              <a:t>thứ</a:t>
-            </a:r>
-            <a:r>
-              <a:rPr lang="en-US" sz="1200" kern="1200" dirty="0">
-                <a:solidFill>
-                  <a:schemeClr val="tx1"/>
-                </a:solidFill>
-                <a:effectLst/>
-                <a:latin typeface="+mn-lt"/>
-                <a:ea typeface="+mn-ea"/>
-                <a:cs typeface="+mn-cs"/>
-              </a:rPr>
-              <a:t> 2 – con </a:t>
-            </a:r>
-            <a:r>
-              <a:rPr lang="en-US" sz="1200" kern="1200" dirty="0" err="1">
-                <a:solidFill>
-                  <a:schemeClr val="tx1"/>
-                </a:solidFill>
-                <a:effectLst/>
-                <a:latin typeface="+mn-lt"/>
-                <a:ea typeface="+mn-ea"/>
-                <a:cs typeface="+mn-cs"/>
-              </a:rPr>
-              <a:t>đường</a:t>
-            </a:r>
-            <a:r>
-              <a:rPr lang="en-US" sz="1200" kern="1200" dirty="0">
-                <a:solidFill>
-                  <a:schemeClr val="tx1"/>
-                </a:solidFill>
-                <a:effectLst/>
-                <a:latin typeface="+mn-lt"/>
-                <a:ea typeface="+mn-ea"/>
-                <a:cs typeface="+mn-cs"/>
-              </a:rPr>
-              <a:t> </a:t>
-            </a:r>
-            <a:r>
-              <a:rPr lang="en-US" sz="1200" kern="1200" dirty="0" err="1">
-                <a:solidFill>
-                  <a:schemeClr val="tx1"/>
-                </a:solidFill>
-                <a:effectLst/>
-                <a:latin typeface="+mn-lt"/>
-                <a:ea typeface="+mn-ea"/>
-                <a:cs typeface="+mn-cs"/>
-              </a:rPr>
-              <a:t>gián</a:t>
-            </a:r>
-            <a:r>
-              <a:rPr lang="en-US" sz="1200" kern="1200" dirty="0">
-                <a:solidFill>
-                  <a:schemeClr val="tx1"/>
-                </a:solidFill>
-                <a:effectLst/>
-                <a:latin typeface="+mn-lt"/>
-                <a:ea typeface="+mn-ea"/>
-                <a:cs typeface="+mn-cs"/>
-              </a:rPr>
-              <a:t> </a:t>
-            </a:r>
-            <a:r>
-              <a:rPr lang="en-US" sz="1200" kern="1200" dirty="0" err="1">
-                <a:solidFill>
-                  <a:schemeClr val="tx1"/>
-                </a:solidFill>
-                <a:effectLst/>
-                <a:latin typeface="+mn-lt"/>
-                <a:ea typeface="+mn-ea"/>
-                <a:cs typeface="+mn-cs"/>
-              </a:rPr>
-              <a:t>tiếp</a:t>
-            </a:r>
-            <a:r>
-              <a:rPr lang="en-US" sz="1200" kern="1200" dirty="0">
-                <a:solidFill>
-                  <a:schemeClr val="tx1"/>
-                </a:solidFill>
-                <a:effectLst/>
-                <a:latin typeface="+mn-lt"/>
-                <a:ea typeface="+mn-ea"/>
-                <a:cs typeface="+mn-cs"/>
-              </a:rPr>
-              <a:t>: </a:t>
-            </a:r>
-            <a:r>
-              <a:rPr lang="en-US" sz="1200" kern="1200" dirty="0" err="1">
-                <a:solidFill>
-                  <a:schemeClr val="tx1"/>
-                </a:solidFill>
-                <a:effectLst/>
-                <a:latin typeface="+mn-lt"/>
-                <a:ea typeface="+mn-ea"/>
-                <a:cs typeface="+mn-cs"/>
-              </a:rPr>
-              <a:t>quá</a:t>
-            </a:r>
-            <a:r>
-              <a:rPr lang="en-US" sz="1200" kern="1200" dirty="0">
-                <a:solidFill>
-                  <a:schemeClr val="tx1"/>
-                </a:solidFill>
-                <a:effectLst/>
-                <a:latin typeface="+mn-lt"/>
-                <a:ea typeface="+mn-ea"/>
-                <a:cs typeface="+mn-cs"/>
-              </a:rPr>
-              <a:t> </a:t>
-            </a:r>
-            <a:r>
-              <a:rPr lang="en-US" sz="1200" kern="1200" dirty="0" err="1">
-                <a:solidFill>
-                  <a:schemeClr val="tx1"/>
-                </a:solidFill>
-                <a:effectLst/>
-                <a:latin typeface="+mn-lt"/>
-                <a:ea typeface="+mn-ea"/>
-                <a:cs typeface="+mn-cs"/>
-              </a:rPr>
-              <a:t>độ</a:t>
-            </a:r>
-            <a:r>
-              <a:rPr lang="en-US" sz="1200" kern="1200" dirty="0">
-                <a:solidFill>
-                  <a:schemeClr val="tx1"/>
-                </a:solidFill>
-                <a:effectLst/>
-                <a:latin typeface="+mn-lt"/>
-                <a:ea typeface="+mn-ea"/>
-                <a:cs typeface="+mn-cs"/>
-              </a:rPr>
-              <a:t> </a:t>
-            </a:r>
-            <a:r>
-              <a:rPr lang="en-US" sz="1200" kern="1200" dirty="0" err="1">
-                <a:solidFill>
-                  <a:schemeClr val="tx1"/>
-                </a:solidFill>
-                <a:effectLst/>
-                <a:latin typeface="+mn-lt"/>
-                <a:ea typeface="+mn-ea"/>
-                <a:cs typeface="+mn-cs"/>
-              </a:rPr>
-              <a:t>từ</a:t>
-            </a:r>
-            <a:r>
-              <a:rPr lang="en-US" sz="1200" kern="1200" dirty="0">
-                <a:solidFill>
-                  <a:schemeClr val="tx1"/>
-                </a:solidFill>
-                <a:effectLst/>
-                <a:latin typeface="+mn-lt"/>
-                <a:ea typeface="+mn-ea"/>
-                <a:cs typeface="+mn-cs"/>
-              </a:rPr>
-              <a:t> 1 XH </a:t>
-            </a:r>
-            <a:r>
-              <a:rPr lang="en-US" sz="1200" kern="1200" dirty="0" err="1">
-                <a:solidFill>
-                  <a:schemeClr val="tx1"/>
-                </a:solidFill>
-                <a:effectLst/>
-                <a:latin typeface="+mn-lt"/>
-                <a:ea typeface="+mn-ea"/>
-                <a:cs typeface="+mn-cs"/>
-              </a:rPr>
-              <a:t>thuộc</a:t>
-            </a:r>
-            <a:r>
-              <a:rPr lang="en-US" sz="1200" kern="1200" dirty="0">
-                <a:solidFill>
-                  <a:schemeClr val="tx1"/>
-                </a:solidFill>
-                <a:effectLst/>
-                <a:latin typeface="+mn-lt"/>
-                <a:ea typeface="+mn-ea"/>
-                <a:cs typeface="+mn-cs"/>
-              </a:rPr>
-              <a:t> </a:t>
-            </a:r>
-            <a:r>
-              <a:rPr lang="en-US" sz="1200" kern="1200" dirty="0" err="1">
-                <a:solidFill>
-                  <a:schemeClr val="tx1"/>
-                </a:solidFill>
-                <a:effectLst/>
-                <a:latin typeface="+mn-lt"/>
-                <a:ea typeface="+mn-ea"/>
-                <a:cs typeface="+mn-cs"/>
-              </a:rPr>
-              <a:t>địa</a:t>
-            </a:r>
-            <a:r>
-              <a:rPr lang="en-US" sz="1200" kern="1200" dirty="0">
-                <a:solidFill>
-                  <a:schemeClr val="tx1"/>
-                </a:solidFill>
-                <a:effectLst/>
-                <a:latin typeface="+mn-lt"/>
-                <a:ea typeface="+mn-ea"/>
-                <a:cs typeface="+mn-cs"/>
-              </a:rPr>
-              <a:t> </a:t>
-            </a:r>
-            <a:r>
-              <a:rPr lang="en-US" sz="1200" kern="1200" dirty="0" err="1">
-                <a:solidFill>
-                  <a:schemeClr val="tx1"/>
-                </a:solidFill>
-                <a:effectLst/>
-                <a:latin typeface="+mn-lt"/>
-                <a:ea typeface="+mn-ea"/>
-                <a:cs typeface="+mn-cs"/>
-              </a:rPr>
-              <a:t>nửa</a:t>
-            </a:r>
-            <a:r>
-              <a:rPr lang="en-US" sz="1200" kern="1200" dirty="0">
-                <a:solidFill>
-                  <a:schemeClr val="tx1"/>
-                </a:solidFill>
-                <a:effectLst/>
-                <a:latin typeface="+mn-lt"/>
-                <a:ea typeface="+mn-ea"/>
-                <a:cs typeface="+mn-cs"/>
-              </a:rPr>
-              <a:t> PK, </a:t>
-            </a:r>
-            <a:r>
-              <a:rPr lang="en-US" sz="1200" kern="1200" dirty="0" err="1">
-                <a:solidFill>
-                  <a:schemeClr val="tx1"/>
-                </a:solidFill>
-                <a:effectLst/>
-                <a:latin typeface="+mn-lt"/>
-                <a:ea typeface="+mn-ea"/>
-                <a:cs typeface="+mn-cs"/>
-              </a:rPr>
-              <a:t>nông</a:t>
-            </a:r>
-            <a:r>
-              <a:rPr lang="en-US" sz="1200" kern="1200" dirty="0">
-                <a:solidFill>
-                  <a:schemeClr val="tx1"/>
-                </a:solidFill>
-                <a:effectLst/>
-                <a:latin typeface="+mn-lt"/>
-                <a:ea typeface="+mn-ea"/>
-                <a:cs typeface="+mn-cs"/>
-              </a:rPr>
-              <a:t> </a:t>
-            </a:r>
-            <a:r>
-              <a:rPr lang="en-US" sz="1200" kern="1200" dirty="0" err="1">
-                <a:solidFill>
-                  <a:schemeClr val="tx1"/>
-                </a:solidFill>
-                <a:effectLst/>
-                <a:latin typeface="+mn-lt"/>
-                <a:ea typeface="+mn-ea"/>
-                <a:cs typeface="+mn-cs"/>
-              </a:rPr>
-              <a:t>nghiệp</a:t>
-            </a:r>
-            <a:r>
-              <a:rPr lang="en-US" sz="1200" kern="1200" dirty="0">
-                <a:solidFill>
-                  <a:schemeClr val="tx1"/>
-                </a:solidFill>
-                <a:effectLst/>
-                <a:latin typeface="+mn-lt"/>
-                <a:ea typeface="+mn-ea"/>
-                <a:cs typeface="+mn-cs"/>
-              </a:rPr>
-              <a:t> </a:t>
-            </a:r>
-            <a:r>
-              <a:rPr lang="en-US" sz="1200" kern="1200" dirty="0" err="1">
-                <a:solidFill>
-                  <a:schemeClr val="tx1"/>
-                </a:solidFill>
-                <a:effectLst/>
-                <a:latin typeface="+mn-lt"/>
-                <a:ea typeface="+mn-ea"/>
-                <a:cs typeface="+mn-cs"/>
-              </a:rPr>
-              <a:t>lạc</a:t>
-            </a:r>
-            <a:r>
-              <a:rPr lang="en-US" sz="1200" kern="1200" dirty="0">
-                <a:solidFill>
-                  <a:schemeClr val="tx1"/>
-                </a:solidFill>
-                <a:effectLst/>
-                <a:latin typeface="+mn-lt"/>
-                <a:ea typeface="+mn-ea"/>
-                <a:cs typeface="+mn-cs"/>
-              </a:rPr>
-              <a:t> </a:t>
-            </a:r>
-            <a:r>
-              <a:rPr lang="en-US" sz="1200" kern="1200" dirty="0" err="1">
-                <a:solidFill>
-                  <a:schemeClr val="tx1"/>
-                </a:solidFill>
-                <a:effectLst/>
-                <a:latin typeface="+mn-lt"/>
-                <a:ea typeface="+mn-ea"/>
-                <a:cs typeface="+mn-cs"/>
-              </a:rPr>
-              <a:t>hậu</a:t>
-            </a:r>
-            <a:r>
-              <a:rPr lang="en-US" sz="1200" kern="1200" dirty="0">
-                <a:solidFill>
-                  <a:schemeClr val="tx1"/>
-                </a:solidFill>
-                <a:effectLst/>
-                <a:latin typeface="+mn-lt"/>
-                <a:ea typeface="+mn-ea"/>
-                <a:cs typeface="+mn-cs"/>
-              </a:rPr>
-              <a:t> </a:t>
-            </a:r>
-            <a:r>
-              <a:rPr lang="en-US" sz="1200" kern="1200" dirty="0" err="1">
-                <a:solidFill>
-                  <a:schemeClr val="tx1"/>
-                </a:solidFill>
-                <a:effectLst/>
-                <a:latin typeface="+mn-lt"/>
-                <a:ea typeface="+mn-ea"/>
-                <a:cs typeface="+mn-cs"/>
-              </a:rPr>
-              <a:t>sau</a:t>
-            </a:r>
-            <a:r>
-              <a:rPr lang="en-US" sz="1200" kern="1200" dirty="0">
-                <a:solidFill>
-                  <a:schemeClr val="tx1"/>
-                </a:solidFill>
-                <a:effectLst/>
-                <a:latin typeface="+mn-lt"/>
-                <a:ea typeface="+mn-ea"/>
-                <a:cs typeface="+mn-cs"/>
-              </a:rPr>
-              <a:t> </a:t>
-            </a:r>
-            <a:r>
-              <a:rPr lang="en-US" sz="1200" kern="1200" dirty="0" err="1">
-                <a:solidFill>
-                  <a:schemeClr val="tx1"/>
-                </a:solidFill>
-                <a:effectLst/>
-                <a:latin typeface="+mn-lt"/>
-                <a:ea typeface="+mn-ea"/>
-                <a:cs typeface="+mn-cs"/>
-              </a:rPr>
-              <a:t>khi</a:t>
-            </a:r>
-            <a:r>
-              <a:rPr lang="en-US" sz="1200" kern="1200" dirty="0">
-                <a:solidFill>
-                  <a:schemeClr val="tx1"/>
-                </a:solidFill>
-                <a:effectLst/>
-                <a:latin typeface="+mn-lt"/>
-                <a:ea typeface="+mn-ea"/>
-                <a:cs typeface="+mn-cs"/>
-              </a:rPr>
-              <a:t> </a:t>
-            </a:r>
-            <a:r>
-              <a:rPr lang="en-US" sz="1200" kern="1200" dirty="0" err="1">
-                <a:solidFill>
-                  <a:schemeClr val="tx1"/>
-                </a:solidFill>
-                <a:effectLst/>
-                <a:latin typeface="+mn-lt"/>
-                <a:ea typeface="+mn-ea"/>
-                <a:cs typeface="+mn-cs"/>
-              </a:rPr>
-              <a:t>dành</a:t>
-            </a:r>
-            <a:r>
-              <a:rPr lang="en-US" sz="1200" kern="1200" dirty="0">
-                <a:solidFill>
-                  <a:schemeClr val="tx1"/>
-                </a:solidFill>
-                <a:effectLst/>
-                <a:latin typeface="+mn-lt"/>
-                <a:ea typeface="+mn-ea"/>
-                <a:cs typeface="+mn-cs"/>
-              </a:rPr>
-              <a:t> </a:t>
-            </a:r>
-            <a:r>
-              <a:rPr lang="en-US" sz="1200" kern="1200" dirty="0" err="1">
-                <a:solidFill>
-                  <a:schemeClr val="tx1"/>
-                </a:solidFill>
-                <a:effectLst/>
-                <a:latin typeface="+mn-lt"/>
-                <a:ea typeface="+mn-ea"/>
-                <a:cs typeface="+mn-cs"/>
-              </a:rPr>
-              <a:t>được</a:t>
-            </a:r>
-            <a:r>
-              <a:rPr lang="en-US" sz="1200" kern="1200" dirty="0">
-                <a:solidFill>
-                  <a:schemeClr val="tx1"/>
-                </a:solidFill>
-                <a:effectLst/>
-                <a:latin typeface="+mn-lt"/>
-                <a:ea typeface="+mn-ea"/>
-                <a:cs typeface="+mn-cs"/>
-              </a:rPr>
-              <a:t> </a:t>
-            </a:r>
-            <a:r>
-              <a:rPr lang="en-US" sz="1200" kern="1200" dirty="0" err="1">
-                <a:solidFill>
-                  <a:schemeClr val="tx1"/>
-                </a:solidFill>
-                <a:effectLst/>
-                <a:latin typeface="+mn-lt"/>
-                <a:ea typeface="+mn-ea"/>
-                <a:cs typeface="+mn-cs"/>
-              </a:rPr>
-              <a:t>độc</a:t>
-            </a:r>
-            <a:r>
-              <a:rPr lang="en-US" sz="1200" kern="1200" dirty="0">
-                <a:solidFill>
-                  <a:schemeClr val="tx1"/>
-                </a:solidFill>
-                <a:effectLst/>
-                <a:latin typeface="+mn-lt"/>
-                <a:ea typeface="+mn-ea"/>
-                <a:cs typeface="+mn-cs"/>
-              </a:rPr>
-              <a:t> </a:t>
-            </a:r>
-            <a:r>
-              <a:rPr lang="en-US" sz="1200" kern="1200" dirty="0" err="1">
-                <a:solidFill>
-                  <a:schemeClr val="tx1"/>
-                </a:solidFill>
-                <a:effectLst/>
-                <a:latin typeface="+mn-lt"/>
-                <a:ea typeface="+mn-ea"/>
-                <a:cs typeface="+mn-cs"/>
-              </a:rPr>
-              <a:t>lập</a:t>
-            </a:r>
-            <a:r>
-              <a:rPr lang="en-US" sz="1200" kern="1200" dirty="0">
-                <a:solidFill>
-                  <a:schemeClr val="tx1"/>
-                </a:solidFill>
-                <a:effectLst/>
-                <a:latin typeface="+mn-lt"/>
-                <a:ea typeface="+mn-ea"/>
-                <a:cs typeface="+mn-cs"/>
-              </a:rPr>
-              <a:t> </a:t>
-            </a:r>
-            <a:r>
-              <a:rPr lang="en-US" sz="1200" kern="1200" dirty="0" err="1">
-                <a:solidFill>
-                  <a:schemeClr val="tx1"/>
-                </a:solidFill>
-                <a:effectLst/>
-                <a:latin typeface="+mn-lt"/>
-                <a:ea typeface="+mn-ea"/>
-                <a:cs typeface="+mn-cs"/>
-              </a:rPr>
-              <a:t>dân</a:t>
-            </a:r>
-            <a:r>
-              <a:rPr lang="en-US" sz="1200" kern="1200" dirty="0">
-                <a:solidFill>
-                  <a:schemeClr val="tx1"/>
-                </a:solidFill>
-                <a:effectLst/>
-                <a:latin typeface="+mn-lt"/>
-                <a:ea typeface="+mn-ea"/>
-                <a:cs typeface="+mn-cs"/>
-              </a:rPr>
-              <a:t> </a:t>
-            </a:r>
-            <a:r>
-              <a:rPr lang="en-US" sz="1200" kern="1200" dirty="0" err="1">
-                <a:solidFill>
-                  <a:schemeClr val="tx1"/>
-                </a:solidFill>
-                <a:effectLst/>
-                <a:latin typeface="+mn-lt"/>
-                <a:ea typeface="+mn-ea"/>
-                <a:cs typeface="+mn-cs"/>
-              </a:rPr>
-              <a:t>tộc</a:t>
-            </a:r>
-            <a:r>
-              <a:rPr lang="en-US" sz="1200" kern="1200" dirty="0">
-                <a:solidFill>
-                  <a:schemeClr val="tx1"/>
-                </a:solidFill>
-                <a:effectLst/>
-                <a:latin typeface="+mn-lt"/>
-                <a:ea typeface="+mn-ea"/>
-                <a:cs typeface="+mn-cs"/>
-              </a:rPr>
-              <a:t> </a:t>
-            </a:r>
-            <a:r>
-              <a:rPr lang="en-US" sz="1200" kern="1200" dirty="0" err="1">
-                <a:solidFill>
-                  <a:schemeClr val="tx1"/>
-                </a:solidFill>
-                <a:effectLst/>
-                <a:latin typeface="+mn-lt"/>
-                <a:ea typeface="+mn-ea"/>
-                <a:cs typeface="+mn-cs"/>
-              </a:rPr>
-              <a:t>đi</a:t>
-            </a:r>
-            <a:r>
-              <a:rPr lang="en-US" sz="1200" kern="1200" dirty="0">
-                <a:solidFill>
-                  <a:schemeClr val="tx1"/>
-                </a:solidFill>
-                <a:effectLst/>
-                <a:latin typeface="+mn-lt"/>
-                <a:ea typeface="+mn-ea"/>
-                <a:cs typeface="+mn-cs"/>
-              </a:rPr>
-              <a:t> </a:t>
-            </a:r>
-            <a:r>
-              <a:rPr lang="en-US" sz="1200" kern="1200" dirty="0" err="1">
-                <a:solidFill>
-                  <a:schemeClr val="tx1"/>
-                </a:solidFill>
-                <a:effectLst/>
-                <a:latin typeface="+mn-lt"/>
-                <a:ea typeface="+mn-ea"/>
-                <a:cs typeface="+mn-cs"/>
-              </a:rPr>
-              <a:t>lên</a:t>
-            </a:r>
-            <a:r>
-              <a:rPr lang="en-US" sz="1200" kern="1200" dirty="0">
-                <a:solidFill>
-                  <a:schemeClr val="tx1"/>
-                </a:solidFill>
-                <a:effectLst/>
-                <a:latin typeface="+mn-lt"/>
-                <a:ea typeface="+mn-ea"/>
-                <a:cs typeface="+mn-cs"/>
-              </a:rPr>
-              <a:t> CNXH</a:t>
-            </a:r>
-          </a:p>
-          <a:p>
-            <a:pPr marL="171450" indent="-171450">
-              <a:buFontTx/>
-              <a:buChar char="-"/>
-            </a:pPr>
-            <a:r>
-              <a:rPr lang="vi-VN" dirty="0" err="1"/>
-              <a:t>Nếu</a:t>
-            </a:r>
-            <a:r>
-              <a:rPr lang="vi-VN" dirty="0"/>
-              <a:t> </a:t>
-            </a:r>
-            <a:r>
-              <a:rPr lang="vi-VN" dirty="0" err="1"/>
-              <a:t>Mác</a:t>
-            </a:r>
-            <a:r>
-              <a:rPr lang="vi-VN" dirty="0"/>
-              <a:t> </a:t>
-            </a:r>
-            <a:r>
-              <a:rPr lang="vi-VN" dirty="0" err="1"/>
-              <a:t>mới</a:t>
-            </a:r>
-            <a:r>
-              <a:rPr lang="vi-VN" dirty="0"/>
-              <a:t> </a:t>
-            </a:r>
-            <a:r>
-              <a:rPr lang="vi-VN" dirty="0" err="1"/>
-              <a:t>chỉ</a:t>
-            </a:r>
-            <a:r>
-              <a:rPr lang="vi-VN" dirty="0"/>
-              <a:t> ra con </a:t>
-            </a:r>
-            <a:r>
-              <a:rPr lang="vi-VN" dirty="0" err="1"/>
-              <a:t>đường</a:t>
-            </a:r>
-            <a:r>
-              <a:rPr lang="vi-VN" dirty="0"/>
-              <a:t> </a:t>
-            </a:r>
-            <a:r>
-              <a:rPr lang="vi-VN" dirty="0" err="1"/>
-              <a:t>quá</a:t>
-            </a:r>
-            <a:r>
-              <a:rPr lang="vi-VN" dirty="0"/>
-              <a:t> </a:t>
-            </a:r>
-            <a:r>
-              <a:rPr lang="vi-VN" dirty="0" err="1"/>
-              <a:t>độ</a:t>
-            </a:r>
-            <a:r>
-              <a:rPr lang="vi-VN" dirty="0"/>
-              <a:t> </a:t>
-            </a:r>
-            <a:r>
-              <a:rPr lang="vi-VN" dirty="0" err="1"/>
-              <a:t>trực</a:t>
-            </a:r>
-            <a:r>
-              <a:rPr lang="vi-VN" dirty="0"/>
-              <a:t> </a:t>
-            </a:r>
-            <a:r>
-              <a:rPr lang="vi-VN" dirty="0" err="1"/>
-              <a:t>tiếp</a:t>
-            </a:r>
-            <a:r>
-              <a:rPr lang="vi-VN" dirty="0"/>
-              <a:t> </a:t>
-            </a:r>
-            <a:r>
-              <a:rPr lang="vi-VN" dirty="0" err="1"/>
-              <a:t>từ</a:t>
-            </a:r>
-            <a:r>
-              <a:rPr lang="vi-VN" dirty="0"/>
-              <a:t> </a:t>
-            </a:r>
-            <a:r>
-              <a:rPr lang="vi-VN" dirty="0" err="1"/>
-              <a:t>nước</a:t>
-            </a:r>
-            <a:r>
-              <a:rPr lang="vi-VN" dirty="0"/>
-              <a:t> tư </a:t>
-            </a:r>
-            <a:r>
-              <a:rPr lang="vi-VN" dirty="0" err="1"/>
-              <a:t>bản</a:t>
-            </a:r>
-            <a:r>
-              <a:rPr lang="vi-VN" dirty="0"/>
-              <a:t> </a:t>
-            </a:r>
-            <a:r>
-              <a:rPr lang="vi-VN" dirty="0" err="1"/>
-              <a:t>phát</a:t>
-            </a:r>
-            <a:r>
-              <a:rPr lang="vi-VN" dirty="0"/>
-              <a:t> </a:t>
-            </a:r>
-            <a:r>
-              <a:rPr lang="vi-VN" dirty="0" err="1"/>
-              <a:t>triển</a:t>
-            </a:r>
-            <a:r>
-              <a:rPr lang="vi-VN" dirty="0"/>
-              <a:t> ở </a:t>
-            </a:r>
-            <a:r>
-              <a:rPr lang="vi-VN" dirty="0" err="1"/>
-              <a:t>trình</a:t>
-            </a:r>
-            <a:r>
-              <a:rPr lang="vi-VN" dirty="0"/>
-              <a:t> </a:t>
-            </a:r>
-            <a:r>
-              <a:rPr lang="vi-VN" dirty="0" err="1"/>
-              <a:t>độ</a:t>
-            </a:r>
-            <a:r>
-              <a:rPr lang="vi-VN" dirty="0"/>
-              <a:t> cao lên CNXH </a:t>
-            </a:r>
-            <a:r>
-              <a:rPr lang="vi-VN" dirty="0" err="1"/>
-              <a:t>với</a:t>
-            </a:r>
-            <a:r>
-              <a:rPr lang="vi-VN" dirty="0"/>
-              <a:t> </a:t>
-            </a:r>
-            <a:r>
-              <a:rPr lang="vi-VN" dirty="0" err="1"/>
-              <a:t>tính</a:t>
-            </a:r>
-            <a:r>
-              <a:rPr lang="vi-VN" dirty="0"/>
-              <a:t> </a:t>
-            </a:r>
-            <a:r>
-              <a:rPr lang="vi-VN" dirty="0" err="1"/>
-              <a:t>chất</a:t>
-            </a:r>
-            <a:r>
-              <a:rPr lang="vi-VN" dirty="0"/>
-              <a:t> </a:t>
-            </a:r>
-            <a:r>
-              <a:rPr lang="vi-VN" dirty="0" err="1"/>
-              <a:t>là</a:t>
-            </a:r>
-            <a:r>
-              <a:rPr lang="vi-VN" dirty="0"/>
-              <a:t> </a:t>
-            </a:r>
-            <a:r>
-              <a:rPr lang="vi-VN" dirty="0" err="1"/>
-              <a:t>sự</a:t>
-            </a:r>
-            <a:r>
-              <a:rPr lang="vi-VN" dirty="0"/>
-              <a:t> </a:t>
-            </a:r>
-            <a:r>
-              <a:rPr lang="vi-VN" dirty="0" err="1"/>
-              <a:t>chuyển</a:t>
-            </a:r>
-            <a:r>
-              <a:rPr lang="vi-VN" dirty="0"/>
-              <a:t> </a:t>
-            </a:r>
-            <a:r>
-              <a:rPr lang="vi-VN" dirty="0" err="1"/>
-              <a:t>biến</a:t>
-            </a:r>
-            <a:r>
-              <a:rPr lang="vi-VN" dirty="0"/>
-              <a:t> </a:t>
-            </a:r>
-            <a:r>
-              <a:rPr lang="vi-VN" dirty="0" err="1"/>
-              <a:t>cách</a:t>
-            </a:r>
-            <a:r>
-              <a:rPr lang="vi-VN" dirty="0"/>
-              <a:t> </a:t>
-            </a:r>
-            <a:r>
-              <a:rPr lang="vi-VN" dirty="0" err="1"/>
-              <a:t>mạng</a:t>
-            </a:r>
-            <a:r>
-              <a:rPr lang="vi-VN" dirty="0"/>
-              <a:t> gay go </a:t>
-            </a:r>
-            <a:r>
-              <a:rPr lang="vi-VN" dirty="0" err="1"/>
-              <a:t>và</a:t>
-            </a:r>
-            <a:r>
-              <a:rPr lang="vi-VN" dirty="0"/>
-              <a:t> </a:t>
-            </a:r>
-            <a:r>
-              <a:rPr lang="vi-VN" dirty="0" err="1"/>
-              <a:t>quyết</a:t>
-            </a:r>
-            <a:r>
-              <a:rPr lang="vi-VN" dirty="0"/>
-              <a:t> </a:t>
-            </a:r>
-            <a:r>
-              <a:rPr lang="vi-VN" dirty="0" err="1"/>
-              <a:t>liệt</a:t>
-            </a:r>
-            <a:r>
-              <a:rPr lang="vi-VN" dirty="0"/>
-              <a:t>, </a:t>
-            </a:r>
-            <a:r>
-              <a:rPr lang="vi-VN" dirty="0" err="1"/>
-              <a:t>thì</a:t>
-            </a:r>
-            <a:r>
-              <a:rPr lang="vi-VN" dirty="0"/>
-              <a:t> </a:t>
-            </a:r>
-            <a:r>
-              <a:rPr lang="vi-VN" dirty="0" err="1"/>
-              <a:t>Lênin</a:t>
-            </a:r>
-            <a:r>
-              <a:rPr lang="vi-VN" dirty="0"/>
-              <a:t> </a:t>
-            </a:r>
-            <a:r>
-              <a:rPr lang="vi-VN" dirty="0" err="1"/>
-              <a:t>đã</a:t>
-            </a:r>
-            <a:r>
-              <a:rPr lang="vi-VN" dirty="0"/>
-              <a:t> </a:t>
-            </a:r>
-            <a:r>
-              <a:rPr lang="vi-VN" dirty="0" err="1"/>
-              <a:t>chỉ</a:t>
-            </a:r>
-            <a:r>
-              <a:rPr lang="vi-VN" dirty="0"/>
-              <a:t> ra con </a:t>
-            </a:r>
-            <a:r>
-              <a:rPr lang="vi-VN" dirty="0" err="1"/>
-              <a:t>đường</a:t>
-            </a:r>
-            <a:r>
-              <a:rPr lang="vi-VN" dirty="0"/>
-              <a:t> </a:t>
-            </a:r>
-            <a:r>
-              <a:rPr lang="vi-VN" dirty="0" err="1"/>
-              <a:t>thứ</a:t>
-            </a:r>
-            <a:r>
-              <a:rPr lang="vi-VN" dirty="0"/>
-              <a:t> hai – </a:t>
-            </a:r>
-            <a:r>
-              <a:rPr lang="vi-VN" dirty="0" err="1"/>
-              <a:t>quá</a:t>
-            </a:r>
-            <a:r>
-              <a:rPr lang="vi-VN" dirty="0"/>
-              <a:t> </a:t>
-            </a:r>
-            <a:r>
-              <a:rPr lang="vi-VN" dirty="0" err="1"/>
-              <a:t>độ</a:t>
-            </a:r>
-            <a:r>
-              <a:rPr lang="vi-VN" dirty="0"/>
-              <a:t> </a:t>
-            </a:r>
-            <a:r>
-              <a:rPr lang="vi-VN" dirty="0" err="1"/>
-              <a:t>gián</a:t>
-            </a:r>
-            <a:r>
-              <a:rPr lang="vi-VN" dirty="0"/>
-              <a:t> </a:t>
-            </a:r>
-            <a:r>
-              <a:rPr lang="vi-VN" dirty="0" err="1"/>
-              <a:t>tiếp</a:t>
-            </a:r>
-            <a:r>
-              <a:rPr lang="vi-VN" dirty="0"/>
-              <a:t> lên CNXH </a:t>
-            </a:r>
-            <a:r>
-              <a:rPr lang="vi-VN" dirty="0" err="1"/>
-              <a:t>với</a:t>
-            </a:r>
-            <a:r>
-              <a:rPr lang="vi-VN" dirty="0"/>
-              <a:t> hai </a:t>
-            </a:r>
-            <a:r>
-              <a:rPr lang="vi-VN" dirty="0" err="1"/>
-              <a:t>hình</a:t>
-            </a:r>
-            <a:r>
-              <a:rPr lang="vi-VN" dirty="0"/>
-              <a:t> </a:t>
-            </a:r>
-            <a:r>
-              <a:rPr lang="vi-VN" dirty="0" err="1"/>
-              <a:t>thức</a:t>
-            </a:r>
-            <a:r>
-              <a:rPr lang="vi-VN" dirty="0"/>
-              <a:t>:</a:t>
-            </a:r>
-          </a:p>
-          <a:p>
-            <a:pPr marL="171450" indent="-171450">
-              <a:buFontTx/>
-              <a:buChar char="-"/>
-            </a:pPr>
-            <a:r>
-              <a:rPr lang="vi-VN" dirty="0"/>
-              <a:t>1. </a:t>
-            </a:r>
-            <a:r>
-              <a:rPr lang="vi-VN" dirty="0" err="1"/>
-              <a:t>Từ</a:t>
-            </a:r>
-            <a:r>
-              <a:rPr lang="vi-VN" dirty="0"/>
-              <a:t> </a:t>
-            </a:r>
-            <a:r>
-              <a:rPr lang="vi-VN" dirty="0" err="1"/>
-              <a:t>nước</a:t>
-            </a:r>
-            <a:r>
-              <a:rPr lang="vi-VN" dirty="0"/>
-              <a:t> tư </a:t>
-            </a:r>
-            <a:r>
-              <a:rPr lang="vi-VN" dirty="0" err="1"/>
-              <a:t>bản</a:t>
-            </a:r>
-            <a:r>
-              <a:rPr lang="vi-VN" dirty="0"/>
-              <a:t> </a:t>
-            </a:r>
-            <a:r>
-              <a:rPr lang="vi-VN" dirty="0" err="1"/>
-              <a:t>phát</a:t>
-            </a:r>
-            <a:r>
-              <a:rPr lang="vi-VN" dirty="0"/>
-              <a:t> </a:t>
-            </a:r>
-            <a:r>
-              <a:rPr lang="vi-VN" dirty="0" err="1"/>
-              <a:t>triển</a:t>
-            </a:r>
-            <a:r>
-              <a:rPr lang="vi-VN" dirty="0"/>
-              <a:t> trung </a:t>
-            </a:r>
-            <a:r>
-              <a:rPr lang="vi-VN" dirty="0" err="1"/>
-              <a:t>bình</a:t>
-            </a:r>
-            <a:r>
-              <a:rPr lang="vi-VN" dirty="0"/>
-              <a:t> đi lên CNXH.</a:t>
-            </a:r>
-          </a:p>
-          <a:p>
-            <a:pPr marL="171450" indent="-171450">
-              <a:buFontTx/>
-              <a:buChar char="-"/>
-            </a:pPr>
-            <a:r>
-              <a:rPr lang="vi-VN" dirty="0"/>
-              <a:t>2. </a:t>
-            </a:r>
-            <a:r>
-              <a:rPr lang="vi-VN" dirty="0" err="1"/>
-              <a:t>Từ</a:t>
-            </a:r>
-            <a:r>
-              <a:rPr lang="vi-VN" dirty="0"/>
-              <a:t> </a:t>
-            </a:r>
-            <a:r>
-              <a:rPr lang="vi-VN" dirty="0" err="1"/>
-              <a:t>nước</a:t>
-            </a:r>
-            <a:r>
-              <a:rPr lang="vi-VN" dirty="0"/>
-              <a:t> </a:t>
-            </a:r>
-            <a:r>
-              <a:rPr lang="vi-VN" dirty="0" err="1"/>
-              <a:t>tiền</a:t>
-            </a:r>
-            <a:r>
-              <a:rPr lang="vi-VN" dirty="0"/>
-              <a:t> tư </a:t>
-            </a:r>
-            <a:r>
-              <a:rPr lang="vi-VN" dirty="0" err="1"/>
-              <a:t>bản</a:t>
-            </a:r>
-            <a:r>
-              <a:rPr lang="vi-VN" dirty="0"/>
-              <a:t> </a:t>
-            </a:r>
-            <a:r>
-              <a:rPr lang="vi-VN" dirty="0" err="1"/>
-              <a:t>hoặc</a:t>
-            </a:r>
-            <a:r>
-              <a:rPr lang="vi-VN" dirty="0"/>
-              <a:t> </a:t>
-            </a:r>
-            <a:r>
-              <a:rPr lang="vi-VN" dirty="0" err="1"/>
-              <a:t>kém</a:t>
-            </a:r>
-            <a:r>
-              <a:rPr lang="vi-VN" dirty="0"/>
-              <a:t> </a:t>
-            </a:r>
-            <a:r>
-              <a:rPr lang="vi-VN" dirty="0" err="1"/>
-              <a:t>phát</a:t>
-            </a:r>
-            <a:r>
-              <a:rPr lang="vi-VN" dirty="0"/>
-              <a:t> </a:t>
-            </a:r>
-            <a:r>
-              <a:rPr lang="vi-VN" dirty="0" err="1"/>
-              <a:t>triển</a:t>
-            </a:r>
-            <a:r>
-              <a:rPr lang="en-US" dirty="0"/>
-              <a:t> h</a:t>
-            </a:r>
-            <a:r>
-              <a:rPr lang="vi-VN" dirty="0"/>
-              <a:t>ơ</a:t>
-            </a:r>
-            <a:r>
-              <a:rPr lang="en-US" dirty="0"/>
-              <a:t>n</a:t>
-            </a:r>
-            <a:r>
-              <a:rPr lang="vi-VN" dirty="0"/>
-              <a:t> đi lên CNXH.</a:t>
-            </a:r>
-            <a:endParaRPr lang="en-US" dirty="0"/>
-          </a:p>
-          <a:p>
-            <a:pPr marL="171450" indent="-171450">
-              <a:buFontTx/>
-              <a:buChar char="-"/>
-            </a:pPr>
-            <a:endParaRPr lang="en-US" dirty="0"/>
-          </a:p>
-          <a:p>
-            <a:pPr marL="171450" indent="-171450">
-              <a:buFontTx/>
-              <a:buChar char="-"/>
-            </a:pPr>
-            <a:r>
-              <a:rPr lang="vi-VN" sz="1200" b="0" i="0" kern="1200" dirty="0" err="1">
-                <a:solidFill>
-                  <a:schemeClr val="tx1"/>
-                </a:solidFill>
-                <a:effectLst/>
-                <a:latin typeface="+mn-lt"/>
-                <a:ea typeface="+mn-ea"/>
-                <a:cs typeface="+mn-cs"/>
-              </a:rPr>
-              <a:t>Hồ</a:t>
-            </a:r>
-            <a:r>
-              <a:rPr lang="vi-VN" sz="1200" b="0" i="0" kern="1200" dirty="0">
-                <a:solidFill>
-                  <a:schemeClr val="tx1"/>
-                </a:solidFill>
-                <a:effectLst/>
-                <a:latin typeface="+mn-lt"/>
-                <a:ea typeface="+mn-ea"/>
-                <a:cs typeface="+mn-cs"/>
-              </a:rPr>
-              <a:t> </a:t>
-            </a:r>
-            <a:r>
-              <a:rPr lang="vi-VN" sz="1200" b="0" i="0" kern="1200" dirty="0" err="1">
-                <a:solidFill>
-                  <a:schemeClr val="tx1"/>
-                </a:solidFill>
-                <a:effectLst/>
-                <a:latin typeface="+mn-lt"/>
-                <a:ea typeface="+mn-ea"/>
-                <a:cs typeface="+mn-cs"/>
-              </a:rPr>
-              <a:t>Chí</a:t>
-            </a:r>
-            <a:r>
-              <a:rPr lang="vi-VN" sz="1200" b="0" i="0" kern="1200" dirty="0">
-                <a:solidFill>
-                  <a:schemeClr val="tx1"/>
-                </a:solidFill>
-                <a:effectLst/>
-                <a:latin typeface="+mn-lt"/>
-                <a:ea typeface="+mn-ea"/>
-                <a:cs typeface="+mn-cs"/>
-              </a:rPr>
-              <a:t> Minh </a:t>
-            </a:r>
-            <a:r>
-              <a:rPr lang="vi-VN" sz="1200" b="0" i="0" kern="1200" dirty="0" err="1">
-                <a:solidFill>
-                  <a:schemeClr val="tx1"/>
-                </a:solidFill>
-                <a:effectLst/>
-                <a:latin typeface="+mn-lt"/>
-                <a:ea typeface="+mn-ea"/>
-                <a:cs typeface="+mn-cs"/>
-              </a:rPr>
-              <a:t>đã</a:t>
-            </a:r>
-            <a:r>
-              <a:rPr lang="vi-VN" sz="1200" b="0" i="0" kern="1200" dirty="0">
-                <a:solidFill>
-                  <a:schemeClr val="tx1"/>
-                </a:solidFill>
-                <a:effectLst/>
-                <a:latin typeface="+mn-lt"/>
-                <a:ea typeface="+mn-ea"/>
-                <a:cs typeface="+mn-cs"/>
-              </a:rPr>
-              <a:t> </a:t>
-            </a:r>
-            <a:r>
-              <a:rPr lang="vi-VN" sz="1200" b="0" i="0" kern="1200" dirty="0" err="1">
-                <a:solidFill>
-                  <a:schemeClr val="tx1"/>
-                </a:solidFill>
-                <a:effectLst/>
-                <a:latin typeface="+mn-lt"/>
-                <a:ea typeface="+mn-ea"/>
-                <a:cs typeface="+mn-cs"/>
-              </a:rPr>
-              <a:t>khẳng</a:t>
-            </a:r>
-            <a:r>
-              <a:rPr lang="vi-VN" sz="1200" b="0" i="0" kern="1200" dirty="0">
-                <a:solidFill>
-                  <a:schemeClr val="tx1"/>
-                </a:solidFill>
-                <a:effectLst/>
-                <a:latin typeface="+mn-lt"/>
-                <a:ea typeface="+mn-ea"/>
-                <a:cs typeface="+mn-cs"/>
-              </a:rPr>
-              <a:t> </a:t>
-            </a:r>
-            <a:r>
-              <a:rPr lang="vi-VN" sz="1200" b="0" i="0" kern="1200" dirty="0" err="1">
-                <a:solidFill>
-                  <a:schemeClr val="tx1"/>
-                </a:solidFill>
-                <a:effectLst/>
-                <a:latin typeface="+mn-lt"/>
-                <a:ea typeface="+mn-ea"/>
-                <a:cs typeface="+mn-cs"/>
-              </a:rPr>
-              <a:t>định</a:t>
-            </a:r>
-            <a:r>
-              <a:rPr lang="vi-VN" sz="1200" b="0" i="0" kern="1200" dirty="0">
-                <a:solidFill>
-                  <a:schemeClr val="tx1"/>
-                </a:solidFill>
-                <a:effectLst/>
-                <a:latin typeface="+mn-lt"/>
-                <a:ea typeface="+mn-ea"/>
-                <a:cs typeface="+mn-cs"/>
-              </a:rPr>
-              <a:t> con </a:t>
-            </a:r>
-            <a:r>
-              <a:rPr lang="vi-VN" sz="1200" b="0" i="0" kern="1200" dirty="0" err="1">
-                <a:solidFill>
-                  <a:schemeClr val="tx1"/>
-                </a:solidFill>
-                <a:effectLst/>
-                <a:latin typeface="+mn-lt"/>
-                <a:ea typeface="+mn-ea"/>
-                <a:cs typeface="+mn-cs"/>
-              </a:rPr>
-              <a:t>đường</a:t>
-            </a:r>
-            <a:r>
-              <a:rPr lang="vi-VN" sz="1200" b="0" i="0" kern="1200" dirty="0">
-                <a:solidFill>
-                  <a:schemeClr val="tx1"/>
-                </a:solidFill>
-                <a:effectLst/>
-                <a:latin typeface="+mn-lt"/>
-                <a:ea typeface="+mn-ea"/>
-                <a:cs typeface="+mn-cs"/>
-              </a:rPr>
-              <a:t> </a:t>
-            </a:r>
-            <a:r>
-              <a:rPr lang="vi-VN" sz="1200" b="0" i="0" kern="1200" dirty="0" err="1">
-                <a:solidFill>
-                  <a:schemeClr val="tx1"/>
-                </a:solidFill>
-                <a:effectLst/>
-                <a:latin typeface="+mn-lt"/>
-                <a:ea typeface="+mn-ea"/>
-                <a:cs typeface="+mn-cs"/>
-              </a:rPr>
-              <a:t>cách</a:t>
-            </a:r>
-            <a:r>
-              <a:rPr lang="vi-VN" sz="1200" b="0" i="0" kern="1200" dirty="0">
-                <a:solidFill>
-                  <a:schemeClr val="tx1"/>
-                </a:solidFill>
-                <a:effectLst/>
-                <a:latin typeface="+mn-lt"/>
-                <a:ea typeface="+mn-ea"/>
-                <a:cs typeface="+mn-cs"/>
-              </a:rPr>
-              <a:t> </a:t>
-            </a:r>
-            <a:r>
-              <a:rPr lang="vi-VN" sz="1200" b="0" i="0" kern="1200" dirty="0" err="1">
-                <a:solidFill>
-                  <a:schemeClr val="tx1"/>
-                </a:solidFill>
-                <a:effectLst/>
-                <a:latin typeface="+mn-lt"/>
-                <a:ea typeface="+mn-ea"/>
-                <a:cs typeface="+mn-cs"/>
-              </a:rPr>
-              <a:t>mạng</a:t>
-            </a:r>
-            <a:r>
-              <a:rPr lang="vi-VN" sz="1200" b="0" i="0" kern="1200" dirty="0">
-                <a:solidFill>
-                  <a:schemeClr val="tx1"/>
-                </a:solidFill>
-                <a:effectLst/>
-                <a:latin typeface="+mn-lt"/>
-                <a:ea typeface="+mn-ea"/>
-                <a:cs typeface="+mn-cs"/>
-              </a:rPr>
-              <a:t> </a:t>
-            </a:r>
-            <a:r>
-              <a:rPr lang="vi-VN" sz="1200" b="0" i="0" kern="1200" dirty="0" err="1">
-                <a:solidFill>
-                  <a:schemeClr val="tx1"/>
-                </a:solidFill>
-                <a:effectLst/>
-                <a:latin typeface="+mn-lt"/>
-                <a:ea typeface="+mn-ea"/>
-                <a:cs typeface="+mn-cs"/>
-              </a:rPr>
-              <a:t>Việt</a:t>
-            </a:r>
-            <a:r>
-              <a:rPr lang="vi-VN" sz="1200" b="0" i="0" kern="1200" dirty="0">
-                <a:solidFill>
-                  <a:schemeClr val="tx1"/>
-                </a:solidFill>
-                <a:effectLst/>
-                <a:latin typeface="+mn-lt"/>
-                <a:ea typeface="+mn-ea"/>
-                <a:cs typeface="+mn-cs"/>
-              </a:rPr>
-              <a:t> Nam </a:t>
-            </a:r>
-            <a:r>
-              <a:rPr lang="vi-VN" sz="1200" b="0" i="0" kern="1200" dirty="0" err="1">
-                <a:solidFill>
-                  <a:schemeClr val="tx1"/>
-                </a:solidFill>
-                <a:effectLst/>
-                <a:latin typeface="+mn-lt"/>
-                <a:ea typeface="+mn-ea"/>
-                <a:cs typeface="+mn-cs"/>
-              </a:rPr>
-              <a:t>là</a:t>
-            </a:r>
-            <a:r>
-              <a:rPr lang="vi-VN" sz="1200" b="0" i="0" kern="1200" dirty="0">
-                <a:solidFill>
-                  <a:schemeClr val="tx1"/>
-                </a:solidFill>
-                <a:effectLst/>
-                <a:latin typeface="+mn-lt"/>
-                <a:ea typeface="+mn-ea"/>
-                <a:cs typeface="+mn-cs"/>
-              </a:rPr>
-              <a:t> </a:t>
-            </a:r>
-            <a:r>
-              <a:rPr lang="vi-VN" sz="1200" b="0" i="0" kern="1200" dirty="0" err="1">
-                <a:solidFill>
-                  <a:schemeClr val="tx1"/>
-                </a:solidFill>
-                <a:effectLst/>
-                <a:latin typeface="+mn-lt"/>
-                <a:ea typeface="+mn-ea"/>
-                <a:cs typeface="+mn-cs"/>
-              </a:rPr>
-              <a:t>tiến</a:t>
-            </a:r>
-            <a:r>
-              <a:rPr lang="vi-VN" sz="1200" b="0" i="0" kern="1200" dirty="0">
-                <a:solidFill>
-                  <a:schemeClr val="tx1"/>
-                </a:solidFill>
-                <a:effectLst/>
-                <a:latin typeface="+mn-lt"/>
-                <a:ea typeface="+mn-ea"/>
-                <a:cs typeface="+mn-cs"/>
-              </a:rPr>
-              <a:t> </a:t>
-            </a:r>
-            <a:r>
-              <a:rPr lang="vi-VN" sz="1200" b="0" i="0" kern="1200" dirty="0" err="1">
-                <a:solidFill>
-                  <a:schemeClr val="tx1"/>
-                </a:solidFill>
-                <a:effectLst/>
-                <a:latin typeface="+mn-lt"/>
-                <a:ea typeface="+mn-ea"/>
-                <a:cs typeface="+mn-cs"/>
-              </a:rPr>
-              <a:t>hành</a:t>
-            </a:r>
-            <a:r>
-              <a:rPr lang="vi-VN" sz="1200" b="0" i="0" kern="1200" dirty="0">
-                <a:solidFill>
-                  <a:schemeClr val="tx1"/>
-                </a:solidFill>
-                <a:effectLst/>
-                <a:latin typeface="+mn-lt"/>
-                <a:ea typeface="+mn-ea"/>
-                <a:cs typeface="+mn-cs"/>
-              </a:rPr>
-              <a:t> </a:t>
-            </a:r>
-            <a:r>
-              <a:rPr lang="vi-VN" sz="1200" b="0" i="0" kern="1200" dirty="0" err="1">
-                <a:solidFill>
-                  <a:schemeClr val="tx1"/>
-                </a:solidFill>
-                <a:effectLst/>
-                <a:latin typeface="+mn-lt"/>
-                <a:ea typeface="+mn-ea"/>
-                <a:cs typeface="+mn-cs"/>
-              </a:rPr>
-              <a:t>giải</a:t>
-            </a:r>
-            <a:r>
-              <a:rPr lang="vi-VN" sz="1200" b="0" i="0" kern="1200" dirty="0">
-                <a:solidFill>
-                  <a:schemeClr val="tx1"/>
-                </a:solidFill>
-                <a:effectLst/>
-                <a:latin typeface="+mn-lt"/>
-                <a:ea typeface="+mn-ea"/>
-                <a:cs typeface="+mn-cs"/>
-              </a:rPr>
-              <a:t> </a:t>
-            </a:r>
-            <a:r>
-              <a:rPr lang="vi-VN" sz="1200" b="0" i="0" kern="1200" dirty="0" err="1">
-                <a:solidFill>
-                  <a:schemeClr val="tx1"/>
-                </a:solidFill>
-                <a:effectLst/>
-                <a:latin typeface="+mn-lt"/>
-                <a:ea typeface="+mn-ea"/>
-                <a:cs typeface="+mn-cs"/>
-              </a:rPr>
-              <a:t>phóng</a:t>
-            </a:r>
-            <a:r>
-              <a:rPr lang="vi-VN" sz="1200" b="0" i="0" kern="1200" dirty="0">
-                <a:solidFill>
-                  <a:schemeClr val="tx1"/>
-                </a:solidFill>
-                <a:effectLst/>
-                <a:latin typeface="+mn-lt"/>
-                <a:ea typeface="+mn-ea"/>
-                <a:cs typeface="+mn-cs"/>
-              </a:rPr>
-              <a:t> dân </a:t>
-            </a:r>
-            <a:r>
-              <a:rPr lang="vi-VN" sz="1200" b="0" i="0" kern="1200" dirty="0" err="1">
-                <a:solidFill>
-                  <a:schemeClr val="tx1"/>
-                </a:solidFill>
-                <a:effectLst/>
-                <a:latin typeface="+mn-lt"/>
-                <a:ea typeface="+mn-ea"/>
-                <a:cs typeface="+mn-cs"/>
-              </a:rPr>
-              <a:t>tộc</a:t>
-            </a:r>
-            <a:r>
-              <a:rPr lang="vi-VN" sz="1200" b="0" i="0" kern="1200" dirty="0">
-                <a:solidFill>
-                  <a:schemeClr val="tx1"/>
-                </a:solidFill>
-                <a:effectLst/>
-                <a:latin typeface="+mn-lt"/>
-                <a:ea typeface="+mn-ea"/>
-                <a:cs typeface="+mn-cs"/>
-              </a:rPr>
-              <a:t>, </a:t>
-            </a:r>
-            <a:r>
-              <a:rPr lang="vi-VN" sz="1200" b="0" i="0" kern="1200" dirty="0" err="1">
-                <a:solidFill>
-                  <a:schemeClr val="tx1"/>
-                </a:solidFill>
-                <a:effectLst/>
-                <a:latin typeface="+mn-lt"/>
-                <a:ea typeface="+mn-ea"/>
-                <a:cs typeface="+mn-cs"/>
-              </a:rPr>
-              <a:t>hòan</a:t>
-            </a:r>
-            <a:r>
-              <a:rPr lang="vi-VN" sz="1200" b="0" i="0" kern="1200" dirty="0">
-                <a:solidFill>
-                  <a:schemeClr val="tx1"/>
-                </a:solidFill>
-                <a:effectLst/>
-                <a:latin typeface="+mn-lt"/>
-                <a:ea typeface="+mn-ea"/>
-                <a:cs typeface="+mn-cs"/>
-              </a:rPr>
-              <a:t> </a:t>
-            </a:r>
-            <a:r>
-              <a:rPr lang="vi-VN" sz="1200" b="0" i="0" kern="1200" dirty="0" err="1">
-                <a:solidFill>
-                  <a:schemeClr val="tx1"/>
-                </a:solidFill>
-                <a:effectLst/>
-                <a:latin typeface="+mn-lt"/>
-                <a:ea typeface="+mn-ea"/>
-                <a:cs typeface="+mn-cs"/>
-              </a:rPr>
-              <a:t>thành</a:t>
-            </a:r>
-            <a:r>
-              <a:rPr lang="vi-VN" sz="1200" b="0" i="0" kern="1200" dirty="0">
-                <a:solidFill>
-                  <a:schemeClr val="tx1"/>
-                </a:solidFill>
-                <a:effectLst/>
-                <a:latin typeface="+mn-lt"/>
-                <a:ea typeface="+mn-ea"/>
-                <a:cs typeface="+mn-cs"/>
-              </a:rPr>
-              <a:t> </a:t>
-            </a:r>
-            <a:r>
-              <a:rPr lang="vi-VN" sz="1200" b="0" i="0" kern="1200" dirty="0" err="1">
-                <a:solidFill>
-                  <a:schemeClr val="tx1"/>
-                </a:solidFill>
-                <a:effectLst/>
-                <a:latin typeface="+mn-lt"/>
-                <a:ea typeface="+mn-ea"/>
-                <a:cs typeface="+mn-cs"/>
-              </a:rPr>
-              <a:t>cách</a:t>
-            </a:r>
-            <a:r>
-              <a:rPr lang="vi-VN" sz="1200" b="0" i="0" kern="1200" dirty="0">
-                <a:solidFill>
-                  <a:schemeClr val="tx1"/>
-                </a:solidFill>
-                <a:effectLst/>
-                <a:latin typeface="+mn-lt"/>
-                <a:ea typeface="+mn-ea"/>
-                <a:cs typeface="+mn-cs"/>
-              </a:rPr>
-              <a:t> </a:t>
-            </a:r>
-            <a:r>
-              <a:rPr lang="vi-VN" sz="1200" b="0" i="0" kern="1200" dirty="0" err="1">
-                <a:solidFill>
-                  <a:schemeClr val="tx1"/>
-                </a:solidFill>
-                <a:effectLst/>
-                <a:latin typeface="+mn-lt"/>
-                <a:ea typeface="+mn-ea"/>
-                <a:cs typeface="+mn-cs"/>
-              </a:rPr>
-              <a:t>mạng</a:t>
-            </a:r>
-            <a:r>
-              <a:rPr lang="vi-VN" sz="1200" b="0" i="0" kern="1200" dirty="0">
-                <a:solidFill>
-                  <a:schemeClr val="tx1"/>
-                </a:solidFill>
-                <a:effectLst/>
-                <a:latin typeface="+mn-lt"/>
-                <a:ea typeface="+mn-ea"/>
-                <a:cs typeface="+mn-cs"/>
-              </a:rPr>
-              <a:t> dân </a:t>
-            </a:r>
-            <a:r>
-              <a:rPr lang="vi-VN" sz="1200" b="0" i="0" kern="1200" dirty="0" err="1">
-                <a:solidFill>
-                  <a:schemeClr val="tx1"/>
-                </a:solidFill>
-                <a:effectLst/>
-                <a:latin typeface="+mn-lt"/>
-                <a:ea typeface="+mn-ea"/>
-                <a:cs typeface="+mn-cs"/>
-              </a:rPr>
-              <a:t>tộc</a:t>
-            </a:r>
-            <a:r>
-              <a:rPr lang="vi-VN" sz="1200" b="0" i="0" kern="1200" dirty="0">
-                <a:solidFill>
-                  <a:schemeClr val="tx1"/>
-                </a:solidFill>
-                <a:effectLst/>
-                <a:latin typeface="+mn-lt"/>
-                <a:ea typeface="+mn-ea"/>
-                <a:cs typeface="+mn-cs"/>
-              </a:rPr>
-              <a:t> dân </a:t>
-            </a:r>
-            <a:r>
-              <a:rPr lang="vi-VN" sz="1200" b="0" i="0" kern="1200" dirty="0" err="1">
-                <a:solidFill>
-                  <a:schemeClr val="tx1"/>
-                </a:solidFill>
-                <a:effectLst/>
-                <a:latin typeface="+mn-lt"/>
-                <a:ea typeface="+mn-ea"/>
-                <a:cs typeface="+mn-cs"/>
-              </a:rPr>
-              <a:t>chủ</a:t>
-            </a:r>
-            <a:r>
-              <a:rPr lang="vi-VN" sz="1200" b="0" i="0" kern="1200" dirty="0">
-                <a:solidFill>
-                  <a:schemeClr val="tx1"/>
-                </a:solidFill>
-                <a:effectLst/>
-                <a:latin typeface="+mn-lt"/>
-                <a:ea typeface="+mn-ea"/>
-                <a:cs typeface="+mn-cs"/>
-              </a:rPr>
-              <a:t> nhân dân, </a:t>
-            </a:r>
-            <a:r>
-              <a:rPr lang="vi-VN" sz="1200" b="0" i="0" kern="1200" dirty="0" err="1">
-                <a:solidFill>
-                  <a:schemeClr val="tx1"/>
-                </a:solidFill>
-                <a:effectLst/>
-                <a:latin typeface="+mn-lt"/>
-                <a:ea typeface="+mn-ea"/>
-                <a:cs typeface="+mn-cs"/>
-              </a:rPr>
-              <a:t>tiến</a:t>
-            </a:r>
-            <a:r>
-              <a:rPr lang="vi-VN" sz="1200" b="0" i="0" kern="1200" dirty="0">
-                <a:solidFill>
-                  <a:schemeClr val="tx1"/>
-                </a:solidFill>
-                <a:effectLst/>
-                <a:latin typeface="+mn-lt"/>
-                <a:ea typeface="+mn-ea"/>
-                <a:cs typeface="+mn-cs"/>
-              </a:rPr>
-              <a:t> </a:t>
-            </a:r>
-            <a:r>
-              <a:rPr lang="vi-VN" sz="1200" b="0" i="0" kern="1200" dirty="0" err="1">
-                <a:solidFill>
-                  <a:schemeClr val="tx1"/>
-                </a:solidFill>
-                <a:effectLst/>
-                <a:latin typeface="+mn-lt"/>
-                <a:ea typeface="+mn-ea"/>
-                <a:cs typeface="+mn-cs"/>
-              </a:rPr>
-              <a:t>dần</a:t>
-            </a:r>
-            <a:r>
-              <a:rPr lang="vi-VN" sz="1200" b="0" i="0" kern="1200" dirty="0">
-                <a:solidFill>
-                  <a:schemeClr val="tx1"/>
-                </a:solidFill>
-                <a:effectLst/>
-                <a:latin typeface="+mn-lt"/>
-                <a:ea typeface="+mn-ea"/>
-                <a:cs typeface="+mn-cs"/>
-              </a:rPr>
-              <a:t> lên </a:t>
-            </a:r>
-            <a:r>
-              <a:rPr lang="vi-VN" sz="1200" b="0" i="0" kern="1200" dirty="0" err="1">
-                <a:solidFill>
-                  <a:schemeClr val="tx1"/>
-                </a:solidFill>
-                <a:effectLst/>
-                <a:latin typeface="+mn-lt"/>
-                <a:ea typeface="+mn-ea"/>
-                <a:cs typeface="+mn-cs"/>
-              </a:rPr>
-              <a:t>chủ</a:t>
-            </a:r>
-            <a:r>
-              <a:rPr lang="vi-VN" sz="1200" b="0" i="0" kern="1200" dirty="0">
-                <a:solidFill>
-                  <a:schemeClr val="tx1"/>
-                </a:solidFill>
-                <a:effectLst/>
-                <a:latin typeface="+mn-lt"/>
-                <a:ea typeface="+mn-ea"/>
-                <a:cs typeface="+mn-cs"/>
-              </a:rPr>
-              <a:t> </a:t>
-            </a:r>
-            <a:r>
-              <a:rPr lang="vi-VN" sz="1200" b="0" i="0" kern="1200" dirty="0" err="1">
-                <a:solidFill>
-                  <a:schemeClr val="tx1"/>
-                </a:solidFill>
-                <a:effectLst/>
-                <a:latin typeface="+mn-lt"/>
-                <a:ea typeface="+mn-ea"/>
-                <a:cs typeface="+mn-cs"/>
-              </a:rPr>
-              <a:t>nghĩa</a:t>
-            </a:r>
-            <a:r>
-              <a:rPr lang="vi-VN" sz="1200" b="0" i="0" kern="1200" dirty="0">
-                <a:solidFill>
-                  <a:schemeClr val="tx1"/>
-                </a:solidFill>
-                <a:effectLst/>
-                <a:latin typeface="+mn-lt"/>
-                <a:ea typeface="+mn-ea"/>
-                <a:cs typeface="+mn-cs"/>
-              </a:rPr>
-              <a:t> </a:t>
-            </a:r>
-            <a:r>
-              <a:rPr lang="vi-VN" sz="1200" b="0" i="0" kern="1200" dirty="0" err="1">
-                <a:solidFill>
-                  <a:schemeClr val="tx1"/>
-                </a:solidFill>
-                <a:effectLst/>
-                <a:latin typeface="+mn-lt"/>
-                <a:ea typeface="+mn-ea"/>
-                <a:cs typeface="+mn-cs"/>
-              </a:rPr>
-              <a:t>xã</a:t>
-            </a:r>
-            <a:r>
-              <a:rPr lang="vi-VN" sz="1200" b="0" i="0" kern="1200" dirty="0">
-                <a:solidFill>
-                  <a:schemeClr val="tx1"/>
-                </a:solidFill>
-                <a:effectLst/>
-                <a:latin typeface="+mn-lt"/>
-                <a:ea typeface="+mn-ea"/>
-                <a:cs typeface="+mn-cs"/>
-              </a:rPr>
-              <a:t> </a:t>
-            </a:r>
-            <a:r>
-              <a:rPr lang="vi-VN" sz="1200" b="0" i="0" kern="1200" dirty="0" err="1">
-                <a:solidFill>
-                  <a:schemeClr val="tx1"/>
-                </a:solidFill>
-                <a:effectLst/>
-                <a:latin typeface="+mn-lt"/>
-                <a:ea typeface="+mn-ea"/>
-                <a:cs typeface="+mn-cs"/>
-              </a:rPr>
-              <a:t>hội</a:t>
-            </a:r>
-            <a:r>
-              <a:rPr lang="vi-VN" sz="1200" b="0" i="0" kern="1200" dirty="0">
-                <a:solidFill>
-                  <a:schemeClr val="tx1"/>
-                </a:solidFill>
-                <a:effectLst/>
-                <a:latin typeface="+mn-lt"/>
-                <a:ea typeface="+mn-ea"/>
-                <a:cs typeface="+mn-cs"/>
-              </a:rPr>
-              <a:t>. Như </a:t>
-            </a:r>
-            <a:r>
-              <a:rPr lang="vi-VN" sz="1200" b="0" i="0" kern="1200" dirty="0" err="1">
-                <a:solidFill>
-                  <a:schemeClr val="tx1"/>
-                </a:solidFill>
-                <a:effectLst/>
-                <a:latin typeface="+mn-lt"/>
-                <a:ea typeface="+mn-ea"/>
-                <a:cs typeface="+mn-cs"/>
-              </a:rPr>
-              <a:t>vậy</a:t>
-            </a:r>
-            <a:r>
-              <a:rPr lang="vi-VN" sz="1200" b="0" i="0" kern="1200" dirty="0">
-                <a:solidFill>
-                  <a:schemeClr val="tx1"/>
-                </a:solidFill>
-                <a:effectLst/>
-                <a:latin typeface="+mn-lt"/>
-                <a:ea typeface="+mn-ea"/>
-                <a:cs typeface="+mn-cs"/>
-              </a:rPr>
-              <a:t>, quan </a:t>
-            </a:r>
-            <a:r>
-              <a:rPr lang="vi-VN" sz="1200" b="0" i="0" kern="1200" dirty="0" err="1">
-                <a:solidFill>
-                  <a:schemeClr val="tx1"/>
-                </a:solidFill>
-                <a:effectLst/>
-                <a:latin typeface="+mn-lt"/>
-                <a:ea typeface="+mn-ea"/>
-                <a:cs typeface="+mn-cs"/>
-              </a:rPr>
-              <a:t>niệm</a:t>
-            </a:r>
-            <a:r>
-              <a:rPr lang="vi-VN" sz="1200" b="0" i="0" kern="1200" dirty="0">
-                <a:solidFill>
-                  <a:schemeClr val="tx1"/>
-                </a:solidFill>
-                <a:effectLst/>
-                <a:latin typeface="+mn-lt"/>
-                <a:ea typeface="+mn-ea"/>
-                <a:cs typeface="+mn-cs"/>
-              </a:rPr>
-              <a:t> </a:t>
-            </a:r>
-            <a:r>
-              <a:rPr lang="vi-VN" sz="1200" b="0" i="0" kern="1200" dirty="0" err="1">
-                <a:solidFill>
-                  <a:schemeClr val="tx1"/>
-                </a:solidFill>
-                <a:effectLst/>
-                <a:latin typeface="+mn-lt"/>
-                <a:ea typeface="+mn-ea"/>
-                <a:cs typeface="+mn-cs"/>
-              </a:rPr>
-              <a:t>Hồ</a:t>
-            </a:r>
-            <a:r>
-              <a:rPr lang="vi-VN" sz="1200" b="0" i="0" kern="1200" dirty="0">
-                <a:solidFill>
-                  <a:schemeClr val="tx1"/>
-                </a:solidFill>
-                <a:effectLst/>
-                <a:latin typeface="+mn-lt"/>
-                <a:ea typeface="+mn-ea"/>
-                <a:cs typeface="+mn-cs"/>
-              </a:rPr>
-              <a:t> </a:t>
-            </a:r>
-            <a:r>
-              <a:rPr lang="vi-VN" sz="1200" b="0" i="0" kern="1200" dirty="0" err="1">
-                <a:solidFill>
-                  <a:schemeClr val="tx1"/>
-                </a:solidFill>
-                <a:effectLst/>
-                <a:latin typeface="+mn-lt"/>
-                <a:ea typeface="+mn-ea"/>
-                <a:cs typeface="+mn-cs"/>
-              </a:rPr>
-              <a:t>Chí</a:t>
-            </a:r>
-            <a:r>
-              <a:rPr lang="vi-VN" sz="1200" b="0" i="0" kern="1200" dirty="0">
-                <a:solidFill>
-                  <a:schemeClr val="tx1"/>
-                </a:solidFill>
-                <a:effectLst/>
-                <a:latin typeface="+mn-lt"/>
-                <a:ea typeface="+mn-ea"/>
-                <a:cs typeface="+mn-cs"/>
-              </a:rPr>
-              <a:t> Minh </a:t>
-            </a:r>
-            <a:r>
-              <a:rPr lang="vi-VN" sz="1200" b="0" i="0" kern="1200" dirty="0" err="1">
-                <a:solidFill>
-                  <a:schemeClr val="tx1"/>
-                </a:solidFill>
-                <a:effectLst/>
-                <a:latin typeface="+mn-lt"/>
-                <a:ea typeface="+mn-ea"/>
-                <a:cs typeface="+mn-cs"/>
-              </a:rPr>
-              <a:t>về</a:t>
-            </a:r>
-            <a:r>
-              <a:rPr lang="vi-VN" sz="1200" b="0" i="0" kern="1200" dirty="0">
-                <a:solidFill>
-                  <a:schemeClr val="tx1"/>
-                </a:solidFill>
-                <a:effectLst/>
-                <a:latin typeface="+mn-lt"/>
-                <a:ea typeface="+mn-ea"/>
-                <a:cs typeface="+mn-cs"/>
-              </a:rPr>
-              <a:t> </a:t>
-            </a:r>
-            <a:r>
-              <a:rPr lang="vi-VN" sz="1200" b="0" i="0" kern="1200" dirty="0" err="1">
-                <a:solidFill>
-                  <a:schemeClr val="tx1"/>
-                </a:solidFill>
-                <a:effectLst/>
-                <a:latin typeface="+mn-lt"/>
-                <a:ea typeface="+mn-ea"/>
-                <a:cs typeface="+mn-cs"/>
-              </a:rPr>
-              <a:t>thời</a:t>
-            </a:r>
-            <a:r>
-              <a:rPr lang="vi-VN" sz="1200" b="0" i="0" kern="1200" dirty="0">
-                <a:solidFill>
-                  <a:schemeClr val="tx1"/>
-                </a:solidFill>
-                <a:effectLst/>
-                <a:latin typeface="+mn-lt"/>
-                <a:ea typeface="+mn-ea"/>
-                <a:cs typeface="+mn-cs"/>
-              </a:rPr>
-              <a:t> </a:t>
-            </a:r>
-            <a:r>
-              <a:rPr lang="vi-VN" sz="1200" b="0" i="0" kern="1200" dirty="0" err="1">
-                <a:solidFill>
-                  <a:schemeClr val="tx1"/>
-                </a:solidFill>
-                <a:effectLst/>
-                <a:latin typeface="+mn-lt"/>
-                <a:ea typeface="+mn-ea"/>
-                <a:cs typeface="+mn-cs"/>
-              </a:rPr>
-              <a:t>kỳ</a:t>
-            </a:r>
-            <a:r>
-              <a:rPr lang="vi-VN" sz="1200" b="0" i="0" kern="1200" dirty="0">
-                <a:solidFill>
-                  <a:schemeClr val="tx1"/>
-                </a:solidFill>
-                <a:effectLst/>
-                <a:latin typeface="+mn-lt"/>
-                <a:ea typeface="+mn-ea"/>
-                <a:cs typeface="+mn-cs"/>
-              </a:rPr>
-              <a:t> </a:t>
-            </a:r>
-            <a:r>
-              <a:rPr lang="vi-VN" sz="1200" b="0" i="0" kern="1200" dirty="0" err="1">
-                <a:solidFill>
-                  <a:schemeClr val="tx1"/>
-                </a:solidFill>
-                <a:effectLst/>
-                <a:latin typeface="+mn-lt"/>
-                <a:ea typeface="+mn-ea"/>
-                <a:cs typeface="+mn-cs"/>
-              </a:rPr>
-              <a:t>quá</a:t>
-            </a:r>
-            <a:r>
-              <a:rPr lang="vi-VN" sz="1200" b="0" i="0" kern="1200" dirty="0">
-                <a:solidFill>
-                  <a:schemeClr val="tx1"/>
-                </a:solidFill>
-                <a:effectLst/>
-                <a:latin typeface="+mn-lt"/>
-                <a:ea typeface="+mn-ea"/>
-                <a:cs typeface="+mn-cs"/>
-              </a:rPr>
-              <a:t> </a:t>
-            </a:r>
-            <a:r>
-              <a:rPr lang="vi-VN" sz="1200" b="0" i="0" kern="1200" dirty="0" err="1">
-                <a:solidFill>
-                  <a:schemeClr val="tx1"/>
-                </a:solidFill>
-                <a:effectLst/>
-                <a:latin typeface="+mn-lt"/>
-                <a:ea typeface="+mn-ea"/>
-                <a:cs typeface="+mn-cs"/>
-              </a:rPr>
-              <a:t>độ</a:t>
-            </a:r>
-            <a:r>
-              <a:rPr lang="vi-VN" sz="1200" b="0" i="0" kern="1200" dirty="0">
-                <a:solidFill>
-                  <a:schemeClr val="tx1"/>
-                </a:solidFill>
-                <a:effectLst/>
-                <a:latin typeface="+mn-lt"/>
-                <a:ea typeface="+mn-ea"/>
-                <a:cs typeface="+mn-cs"/>
-              </a:rPr>
-              <a:t> lên </a:t>
-            </a:r>
-            <a:r>
-              <a:rPr lang="vi-VN" sz="1200" b="0" i="0" kern="1200" dirty="0" err="1">
-                <a:solidFill>
-                  <a:schemeClr val="tx1"/>
-                </a:solidFill>
-                <a:effectLst/>
-                <a:latin typeface="+mn-lt"/>
-                <a:ea typeface="+mn-ea"/>
-                <a:cs typeface="+mn-cs"/>
-              </a:rPr>
-              <a:t>chủ</a:t>
-            </a:r>
-            <a:r>
-              <a:rPr lang="vi-VN" sz="1200" b="0" i="0" kern="1200" dirty="0">
-                <a:solidFill>
-                  <a:schemeClr val="tx1"/>
-                </a:solidFill>
-                <a:effectLst/>
-                <a:latin typeface="+mn-lt"/>
-                <a:ea typeface="+mn-ea"/>
-                <a:cs typeface="+mn-cs"/>
-              </a:rPr>
-              <a:t> </a:t>
-            </a:r>
-            <a:r>
-              <a:rPr lang="vi-VN" sz="1200" b="0" i="0" kern="1200" dirty="0" err="1">
-                <a:solidFill>
-                  <a:schemeClr val="tx1"/>
-                </a:solidFill>
-                <a:effectLst/>
-                <a:latin typeface="+mn-lt"/>
-                <a:ea typeface="+mn-ea"/>
-                <a:cs typeface="+mn-cs"/>
-              </a:rPr>
-              <a:t>nghĩa</a:t>
-            </a:r>
-            <a:r>
-              <a:rPr lang="vi-VN" sz="1200" b="0" i="0" kern="1200" dirty="0">
-                <a:solidFill>
-                  <a:schemeClr val="tx1"/>
-                </a:solidFill>
-                <a:effectLst/>
-                <a:latin typeface="+mn-lt"/>
-                <a:ea typeface="+mn-ea"/>
-                <a:cs typeface="+mn-cs"/>
-              </a:rPr>
-              <a:t> </a:t>
-            </a:r>
-            <a:r>
-              <a:rPr lang="vi-VN" sz="1200" b="0" i="0" kern="1200" dirty="0" err="1">
-                <a:solidFill>
-                  <a:schemeClr val="tx1"/>
-                </a:solidFill>
-                <a:effectLst/>
-                <a:latin typeface="+mn-lt"/>
-                <a:ea typeface="+mn-ea"/>
-                <a:cs typeface="+mn-cs"/>
-              </a:rPr>
-              <a:t>xã</a:t>
-            </a:r>
-            <a:r>
-              <a:rPr lang="vi-VN" sz="1200" b="0" i="0" kern="1200" dirty="0">
-                <a:solidFill>
-                  <a:schemeClr val="tx1"/>
-                </a:solidFill>
-                <a:effectLst/>
-                <a:latin typeface="+mn-lt"/>
-                <a:ea typeface="+mn-ea"/>
-                <a:cs typeface="+mn-cs"/>
-              </a:rPr>
-              <a:t> </a:t>
-            </a:r>
-            <a:r>
-              <a:rPr lang="vi-VN" sz="1200" b="0" i="0" kern="1200" dirty="0" err="1">
-                <a:solidFill>
-                  <a:schemeClr val="tx1"/>
-                </a:solidFill>
-                <a:effectLst/>
-                <a:latin typeface="+mn-lt"/>
-                <a:ea typeface="+mn-ea"/>
-                <a:cs typeface="+mn-cs"/>
-              </a:rPr>
-              <a:t>hội</a:t>
-            </a:r>
-            <a:r>
-              <a:rPr lang="vi-VN" sz="1200" b="0" i="0" kern="1200" dirty="0">
-                <a:solidFill>
-                  <a:schemeClr val="tx1"/>
-                </a:solidFill>
-                <a:effectLst/>
-                <a:latin typeface="+mn-lt"/>
-                <a:ea typeface="+mn-ea"/>
-                <a:cs typeface="+mn-cs"/>
-              </a:rPr>
-              <a:t> ở </a:t>
-            </a:r>
-            <a:r>
-              <a:rPr lang="vi-VN" sz="1200" b="0" i="0" kern="1200" dirty="0" err="1">
-                <a:solidFill>
-                  <a:schemeClr val="tx1"/>
-                </a:solidFill>
-                <a:effectLst/>
-                <a:latin typeface="+mn-lt"/>
-                <a:ea typeface="+mn-ea"/>
-                <a:cs typeface="+mn-cs"/>
-              </a:rPr>
-              <a:t>Việt</a:t>
-            </a:r>
-            <a:r>
-              <a:rPr lang="vi-VN" sz="1200" b="0" i="0" kern="1200" dirty="0">
-                <a:solidFill>
-                  <a:schemeClr val="tx1"/>
-                </a:solidFill>
-                <a:effectLst/>
-                <a:latin typeface="+mn-lt"/>
-                <a:ea typeface="+mn-ea"/>
-                <a:cs typeface="+mn-cs"/>
-              </a:rPr>
-              <a:t> Nam </a:t>
-            </a:r>
-            <a:r>
-              <a:rPr lang="vi-VN" sz="1200" b="0" i="0" kern="1200" dirty="0" err="1">
-                <a:solidFill>
-                  <a:schemeClr val="tx1"/>
-                </a:solidFill>
-                <a:effectLst/>
-                <a:latin typeface="+mn-lt"/>
-                <a:ea typeface="+mn-ea"/>
-                <a:cs typeface="+mn-cs"/>
-              </a:rPr>
-              <a:t>là</a:t>
-            </a:r>
-            <a:r>
-              <a:rPr lang="en-US" sz="1200" b="0" i="0" kern="1200" dirty="0">
-                <a:solidFill>
-                  <a:schemeClr val="tx1"/>
-                </a:solidFill>
-                <a:effectLst/>
-                <a:latin typeface="+mn-lt"/>
-                <a:ea typeface="+mn-ea"/>
-                <a:cs typeface="+mn-cs"/>
-              </a:rPr>
-              <a:t> </a:t>
-            </a:r>
-            <a:r>
-              <a:rPr lang="en-US" sz="1200" b="0" i="0" kern="1200" dirty="0" err="1">
-                <a:solidFill>
-                  <a:schemeClr val="tx1"/>
-                </a:solidFill>
-                <a:effectLst/>
-                <a:latin typeface="+mn-lt"/>
-                <a:ea typeface="+mn-ea"/>
-                <a:cs typeface="+mn-cs"/>
-              </a:rPr>
-              <a:t>theo</a:t>
-            </a:r>
-            <a:r>
-              <a:rPr lang="en-US" sz="1200" b="0" i="0" kern="1200" dirty="0">
-                <a:solidFill>
-                  <a:schemeClr val="tx1"/>
-                </a:solidFill>
-                <a:effectLst/>
-                <a:latin typeface="+mn-lt"/>
-                <a:ea typeface="+mn-ea"/>
-                <a:cs typeface="+mn-cs"/>
-              </a:rPr>
-              <a:t> con đ</a:t>
-            </a:r>
-            <a:r>
-              <a:rPr lang="vi-VN" sz="1200" b="0" i="0" kern="1200" dirty="0">
-                <a:solidFill>
-                  <a:schemeClr val="tx1"/>
-                </a:solidFill>
-                <a:effectLst/>
-                <a:latin typeface="+mn-lt"/>
-                <a:ea typeface="+mn-ea"/>
-                <a:cs typeface="+mn-cs"/>
-              </a:rPr>
-              <a:t>ư</a:t>
-            </a:r>
-            <a:r>
-              <a:rPr lang="en-US" sz="1200" b="0" i="0" kern="1200" dirty="0" err="1">
-                <a:solidFill>
-                  <a:schemeClr val="tx1"/>
-                </a:solidFill>
-                <a:effectLst/>
-                <a:latin typeface="+mn-lt"/>
-                <a:ea typeface="+mn-ea"/>
-                <a:cs typeface="+mn-cs"/>
-              </a:rPr>
-              <a:t>ờng</a:t>
-            </a:r>
-            <a:r>
-              <a:rPr lang="en-US" sz="1200" b="0" i="0" kern="1200" dirty="0">
-                <a:solidFill>
-                  <a:schemeClr val="tx1"/>
-                </a:solidFill>
-                <a:effectLst/>
-                <a:latin typeface="+mn-lt"/>
-                <a:ea typeface="+mn-ea"/>
-                <a:cs typeface="+mn-cs"/>
-              </a:rPr>
-              <a:t> </a:t>
-            </a:r>
-            <a:r>
-              <a:rPr lang="en-US" sz="1200" b="0" i="0" kern="1200" dirty="0" err="1">
-                <a:solidFill>
-                  <a:schemeClr val="tx1"/>
-                </a:solidFill>
-                <a:effectLst/>
-                <a:latin typeface="+mn-lt"/>
-                <a:ea typeface="+mn-ea"/>
-                <a:cs typeface="+mn-cs"/>
-              </a:rPr>
-              <a:t>gián</a:t>
-            </a:r>
-            <a:r>
-              <a:rPr lang="en-US" sz="1200" b="0" i="0" kern="1200" dirty="0">
-                <a:solidFill>
-                  <a:schemeClr val="tx1"/>
-                </a:solidFill>
-                <a:effectLst/>
-                <a:latin typeface="+mn-lt"/>
-                <a:ea typeface="+mn-ea"/>
-                <a:cs typeface="+mn-cs"/>
-              </a:rPr>
-              <a:t> </a:t>
-            </a:r>
-            <a:r>
-              <a:rPr lang="en-US" sz="1200" b="0" i="0" kern="1200" dirty="0" err="1">
-                <a:solidFill>
-                  <a:schemeClr val="tx1"/>
-                </a:solidFill>
-                <a:effectLst/>
-                <a:latin typeface="+mn-lt"/>
-                <a:ea typeface="+mn-ea"/>
-                <a:cs typeface="+mn-cs"/>
-              </a:rPr>
-              <a:t>tiếp</a:t>
-            </a:r>
             <a:endParaRPr lang="en-US" sz="1200" kern="1200" dirty="0">
               <a:solidFill>
                 <a:schemeClr val="tx1"/>
@@ -5829,661 +881,6 @@
           <a:bodyPr/>
           <a:lstStyle/>
           <a:p>
-            <a:pPr marL="0" marR="0" lvl="0" indent="0" algn="l" defTabSz="914400" rtl="0" eaLnBrk="1" fontAlgn="auto" latinLnBrk="0" hangingPunct="1">
-              <a:lnSpc>
-                <a:spcPct val="100000"/>
-              </a:lnSpc>
-              <a:spcBef>
-                <a:spcPts val="0"/>
-              </a:spcBef>
-              <a:spcAft>
-                <a:spcPts val="0"/>
-              </a:spcAft>
-              <a:buClrTx/>
-              <a:buSzTx/>
-              <a:buFontTx/>
-              <a:buNone/>
-              <a:tabLst/>
-              <a:defRPr/>
-            </a:pPr>
-            <a:r>
-              <a:rPr lang="en-US" sz="1200" kern="1200" dirty="0">
-                <a:solidFill>
-                  <a:schemeClr val="tx1"/>
-                </a:solidFill>
-                <a:effectLst/>
-                <a:latin typeface="+mn-lt"/>
-                <a:ea typeface="+mn-ea"/>
-                <a:cs typeface="+mn-cs"/>
-              </a:rPr>
-              <a:t>+ </a:t>
-            </a:r>
-            <a:r>
-              <a:rPr lang="en-US" sz="1200" kern="1200" dirty="0" err="1">
-                <a:solidFill>
-                  <a:schemeClr val="tx1"/>
-                </a:solidFill>
-                <a:effectLst/>
-                <a:latin typeface="+mn-lt"/>
-                <a:ea typeface="+mn-ea"/>
-                <a:cs typeface="+mn-cs"/>
-              </a:rPr>
-              <a:t>Về</a:t>
-            </a:r>
-            <a:r>
-              <a:rPr lang="en-US" sz="1200" kern="1200" dirty="0">
-                <a:solidFill>
-                  <a:schemeClr val="tx1"/>
-                </a:solidFill>
-                <a:effectLst/>
-                <a:latin typeface="+mn-lt"/>
-                <a:ea typeface="+mn-ea"/>
-                <a:cs typeface="+mn-cs"/>
-              </a:rPr>
-              <a:t> </a:t>
-            </a:r>
-            <a:r>
-              <a:rPr lang="en-US" sz="1200" kern="1200" dirty="0" err="1">
-                <a:solidFill>
-                  <a:schemeClr val="tx1"/>
-                </a:solidFill>
-                <a:effectLst/>
-                <a:latin typeface="+mn-lt"/>
-                <a:ea typeface="+mn-ea"/>
-                <a:cs typeface="+mn-cs"/>
-              </a:rPr>
-              <a:t>kinh</a:t>
-            </a:r>
-            <a:r>
-              <a:rPr lang="en-US" sz="1200" kern="1200" dirty="0">
-                <a:solidFill>
-                  <a:schemeClr val="tx1"/>
-                </a:solidFill>
-                <a:effectLst/>
-                <a:latin typeface="+mn-lt"/>
-                <a:ea typeface="+mn-ea"/>
-                <a:cs typeface="+mn-cs"/>
-              </a:rPr>
-              <a:t> </a:t>
-            </a:r>
-            <a:r>
-              <a:rPr lang="en-US" sz="1200" kern="1200" dirty="0" err="1">
-                <a:solidFill>
-                  <a:schemeClr val="tx1"/>
-                </a:solidFill>
-                <a:effectLst/>
-                <a:latin typeface="+mn-lt"/>
-                <a:ea typeface="+mn-ea"/>
-                <a:cs typeface="+mn-cs"/>
-              </a:rPr>
-              <a:t>tế</a:t>
-            </a:r>
-            <a:r>
-              <a:rPr lang="en-US" sz="1200" kern="1200" dirty="0">
-                <a:solidFill>
-                  <a:schemeClr val="tx1"/>
-                </a:solidFill>
-                <a:effectLst/>
-                <a:latin typeface="+mn-lt"/>
-                <a:ea typeface="+mn-ea"/>
-                <a:cs typeface="+mn-cs"/>
-              </a:rPr>
-              <a:t>: </a:t>
-            </a:r>
-            <a:r>
-              <a:rPr lang="en-US" sz="1200" kern="1200" dirty="0" err="1">
-                <a:solidFill>
-                  <a:schemeClr val="tx1"/>
-                </a:solidFill>
-                <a:effectLst/>
-                <a:latin typeface="+mn-lt"/>
-                <a:ea typeface="+mn-ea"/>
-                <a:cs typeface="+mn-cs"/>
-              </a:rPr>
-              <a:t>thời</a:t>
-            </a:r>
-            <a:r>
-              <a:rPr lang="en-US" sz="1200" kern="1200" dirty="0">
-                <a:solidFill>
-                  <a:schemeClr val="tx1"/>
-                </a:solidFill>
-                <a:effectLst/>
-                <a:latin typeface="+mn-lt"/>
-                <a:ea typeface="+mn-ea"/>
-                <a:cs typeface="+mn-cs"/>
-              </a:rPr>
-              <a:t> </a:t>
-            </a:r>
-            <a:r>
-              <a:rPr lang="en-US" sz="1200" kern="1200" dirty="0" err="1">
-                <a:solidFill>
-                  <a:schemeClr val="tx1"/>
-                </a:solidFill>
-                <a:effectLst/>
-                <a:latin typeface="+mn-lt"/>
-                <a:ea typeface="+mn-ea"/>
-                <a:cs typeface="+mn-cs"/>
-              </a:rPr>
-              <a:t>kỳ</a:t>
-            </a:r>
-            <a:r>
-              <a:rPr lang="en-US" sz="1200" kern="1200" dirty="0">
-                <a:solidFill>
-                  <a:schemeClr val="tx1"/>
-                </a:solidFill>
-                <a:effectLst/>
-                <a:latin typeface="+mn-lt"/>
-                <a:ea typeface="+mn-ea"/>
-                <a:cs typeface="+mn-cs"/>
-              </a:rPr>
-              <a:t> </a:t>
-            </a:r>
-            <a:r>
-              <a:rPr lang="en-US" sz="1200" kern="1200" dirty="0" err="1">
-                <a:solidFill>
-                  <a:schemeClr val="tx1"/>
-                </a:solidFill>
-                <a:effectLst/>
-                <a:latin typeface="+mn-lt"/>
-                <a:ea typeface="+mn-ea"/>
-                <a:cs typeface="+mn-cs"/>
-              </a:rPr>
-              <a:t>tồn</a:t>
-            </a:r>
-            <a:r>
-              <a:rPr lang="en-US" sz="1200" kern="1200" dirty="0">
-                <a:solidFill>
-                  <a:schemeClr val="tx1"/>
-                </a:solidFill>
-                <a:effectLst/>
-                <a:latin typeface="+mn-lt"/>
-                <a:ea typeface="+mn-ea"/>
-                <a:cs typeface="+mn-cs"/>
-              </a:rPr>
-              <a:t> </a:t>
-            </a:r>
-            <a:r>
-              <a:rPr lang="en-US" sz="1200" kern="1200" dirty="0" err="1">
-                <a:solidFill>
-                  <a:schemeClr val="tx1"/>
-                </a:solidFill>
-                <a:effectLst/>
-                <a:latin typeface="+mn-lt"/>
-                <a:ea typeface="+mn-ea"/>
-                <a:cs typeface="+mn-cs"/>
-              </a:rPr>
-              <a:t>tại</a:t>
-            </a:r>
-            <a:r>
-              <a:rPr lang="en-US" sz="1200" kern="1200" dirty="0">
-                <a:solidFill>
-                  <a:schemeClr val="tx1"/>
-                </a:solidFill>
-                <a:effectLst/>
-                <a:latin typeface="+mn-lt"/>
-                <a:ea typeface="+mn-ea"/>
-                <a:cs typeface="+mn-cs"/>
-              </a:rPr>
-              <a:t> </a:t>
-            </a:r>
-            <a:r>
-              <a:rPr lang="en-US" sz="1200" kern="1200" dirty="0" err="1">
-                <a:solidFill>
-                  <a:schemeClr val="tx1"/>
-                </a:solidFill>
-                <a:effectLst/>
-                <a:latin typeface="+mn-lt"/>
-                <a:ea typeface="+mn-ea"/>
-                <a:cs typeface="+mn-cs"/>
-              </a:rPr>
-              <a:t>nhiều</a:t>
-            </a:r>
-            <a:r>
-              <a:rPr lang="en-US" sz="1200" kern="1200" dirty="0">
-                <a:solidFill>
-                  <a:schemeClr val="tx1"/>
-                </a:solidFill>
-                <a:effectLst/>
-                <a:latin typeface="+mn-lt"/>
-                <a:ea typeface="+mn-ea"/>
-                <a:cs typeface="+mn-cs"/>
-              </a:rPr>
-              <a:t> </a:t>
-            </a:r>
-            <a:r>
-              <a:rPr lang="en-US" sz="1200" kern="1200" dirty="0" err="1">
-                <a:solidFill>
-                  <a:schemeClr val="tx1"/>
-                </a:solidFill>
-                <a:effectLst/>
-                <a:latin typeface="+mn-lt"/>
-                <a:ea typeface="+mn-ea"/>
-                <a:cs typeface="+mn-cs"/>
-              </a:rPr>
-              <a:t>thành</a:t>
-            </a:r>
-            <a:r>
-              <a:rPr lang="en-US" sz="1200" kern="1200" dirty="0">
-                <a:solidFill>
-                  <a:schemeClr val="tx1"/>
-                </a:solidFill>
-                <a:effectLst/>
-                <a:latin typeface="+mn-lt"/>
-                <a:ea typeface="+mn-ea"/>
-                <a:cs typeface="+mn-cs"/>
-              </a:rPr>
-              <a:t> </a:t>
-            </a:r>
-            <a:r>
-              <a:rPr lang="en-US" sz="1200" kern="1200" dirty="0" err="1">
-                <a:solidFill>
-                  <a:schemeClr val="tx1"/>
-                </a:solidFill>
-                <a:effectLst/>
-                <a:latin typeface="+mn-lt"/>
-                <a:ea typeface="+mn-ea"/>
-                <a:cs typeface="+mn-cs"/>
-              </a:rPr>
-              <a:t>phần</a:t>
-            </a:r>
-            <a:r>
-              <a:rPr lang="en-US" sz="1200" kern="1200" dirty="0">
-                <a:solidFill>
-                  <a:schemeClr val="tx1"/>
-                </a:solidFill>
-                <a:effectLst/>
-                <a:latin typeface="+mn-lt"/>
-                <a:ea typeface="+mn-ea"/>
-                <a:cs typeface="+mn-cs"/>
-              </a:rPr>
-              <a:t> </a:t>
-            </a:r>
-            <a:r>
-              <a:rPr lang="en-US" sz="1200" kern="1200" dirty="0" err="1">
-                <a:solidFill>
-                  <a:schemeClr val="tx1"/>
-                </a:solidFill>
-                <a:effectLst/>
-                <a:latin typeface="+mn-lt"/>
-                <a:ea typeface="+mn-ea"/>
-                <a:cs typeface="+mn-cs"/>
-              </a:rPr>
-              <a:t>kinh</a:t>
-            </a:r>
-            <a:r>
-              <a:rPr lang="en-US" sz="1200" kern="1200" dirty="0">
-                <a:solidFill>
-                  <a:schemeClr val="tx1"/>
-                </a:solidFill>
-                <a:effectLst/>
-                <a:latin typeface="+mn-lt"/>
-                <a:ea typeface="+mn-ea"/>
-                <a:cs typeface="+mn-cs"/>
-              </a:rPr>
-              <a:t> </a:t>
-            </a:r>
-            <a:r>
-              <a:rPr lang="en-US" sz="1200" kern="1200" dirty="0" err="1">
-                <a:solidFill>
-                  <a:schemeClr val="tx1"/>
-                </a:solidFill>
-                <a:effectLst/>
-                <a:latin typeface="+mn-lt"/>
-                <a:ea typeface="+mn-ea"/>
-                <a:cs typeface="+mn-cs"/>
-              </a:rPr>
-              <a:t>tế</a:t>
-            </a:r>
-            <a:r>
-              <a:rPr lang="en-US" sz="1200" kern="1200" dirty="0">
-                <a:solidFill>
-                  <a:schemeClr val="tx1"/>
-                </a:solidFill>
-                <a:effectLst/>
-                <a:latin typeface="+mn-lt"/>
-                <a:ea typeface="+mn-ea"/>
-                <a:cs typeface="+mn-cs"/>
-              </a:rPr>
-              <a:t> (KT </a:t>
-            </a:r>
-            <a:r>
-              <a:rPr lang="en-US" sz="1200" kern="1200" dirty="0" err="1">
-                <a:solidFill>
-                  <a:schemeClr val="tx1"/>
-                </a:solidFill>
-                <a:effectLst/>
-                <a:latin typeface="+mn-lt"/>
-                <a:ea typeface="+mn-ea"/>
-                <a:cs typeface="+mn-cs"/>
-              </a:rPr>
-              <a:t>hàng</a:t>
-            </a:r>
-            <a:r>
-              <a:rPr lang="en-US" sz="1200" kern="1200" dirty="0">
-                <a:solidFill>
-                  <a:schemeClr val="tx1"/>
-                </a:solidFill>
-                <a:effectLst/>
-                <a:latin typeface="+mn-lt"/>
-                <a:ea typeface="+mn-ea"/>
-                <a:cs typeface="+mn-cs"/>
-              </a:rPr>
-              <a:t> </a:t>
-            </a:r>
-            <a:r>
-              <a:rPr lang="en-US" sz="1200" kern="1200" dirty="0" err="1">
-                <a:solidFill>
-                  <a:schemeClr val="tx1"/>
-                </a:solidFill>
-                <a:effectLst/>
-                <a:latin typeface="+mn-lt"/>
-                <a:ea typeface="+mn-ea"/>
-                <a:cs typeface="+mn-cs"/>
-              </a:rPr>
-              <a:t>hóa</a:t>
-            </a:r>
-            <a:r>
-              <a:rPr lang="en-US" sz="1200" kern="1200" dirty="0">
-                <a:solidFill>
-                  <a:schemeClr val="tx1"/>
-                </a:solidFill>
-                <a:effectLst/>
-                <a:latin typeface="+mn-lt"/>
-                <a:ea typeface="+mn-ea"/>
-                <a:cs typeface="+mn-cs"/>
-              </a:rPr>
-              <a:t> </a:t>
-            </a:r>
-            <a:r>
-              <a:rPr lang="en-US" sz="1200" kern="1200" dirty="0" err="1">
-                <a:solidFill>
-                  <a:schemeClr val="tx1"/>
-                </a:solidFill>
-                <a:effectLst/>
-                <a:latin typeface="+mn-lt"/>
-                <a:ea typeface="+mn-ea"/>
-                <a:cs typeface="+mn-cs"/>
-              </a:rPr>
-              <a:t>nhiều</a:t>
-            </a:r>
-            <a:r>
-              <a:rPr lang="en-US" sz="1200" kern="1200" dirty="0">
-                <a:solidFill>
-                  <a:schemeClr val="tx1"/>
-                </a:solidFill>
-                <a:effectLst/>
-                <a:latin typeface="+mn-lt"/>
-                <a:ea typeface="+mn-ea"/>
-                <a:cs typeface="+mn-cs"/>
-              </a:rPr>
-              <a:t> </a:t>
-            </a:r>
-            <a:r>
-              <a:rPr lang="en-US" sz="1200" kern="1200" dirty="0" err="1">
-                <a:solidFill>
-                  <a:schemeClr val="tx1"/>
-                </a:solidFill>
-                <a:effectLst/>
-                <a:latin typeface="+mn-lt"/>
-                <a:ea typeface="+mn-ea"/>
-                <a:cs typeface="+mn-cs"/>
-              </a:rPr>
-              <a:t>thành</a:t>
-            </a:r>
-            <a:r>
-              <a:rPr lang="en-US" sz="1200" kern="1200" dirty="0">
-                <a:solidFill>
-                  <a:schemeClr val="tx1"/>
-                </a:solidFill>
-                <a:effectLst/>
-                <a:latin typeface="+mn-lt"/>
-                <a:ea typeface="+mn-ea"/>
-                <a:cs typeface="+mn-cs"/>
-              </a:rPr>
-              <a:t> </a:t>
-            </a:r>
-            <a:r>
-              <a:rPr lang="en-US" sz="1200" kern="1200" dirty="0" err="1">
-                <a:solidFill>
-                  <a:schemeClr val="tx1"/>
-                </a:solidFill>
-                <a:effectLst/>
-                <a:latin typeface="+mn-lt"/>
-                <a:ea typeface="+mn-ea"/>
-                <a:cs typeface="+mn-cs"/>
-              </a:rPr>
-              <a:t>phần</a:t>
-            </a:r>
-            <a:r>
-              <a:rPr lang="en-US" sz="1200" kern="1200" dirty="0">
-                <a:solidFill>
-                  <a:schemeClr val="tx1"/>
-                </a:solidFill>
-                <a:effectLst/>
-                <a:latin typeface="+mn-lt"/>
-                <a:ea typeface="+mn-ea"/>
-                <a:cs typeface="+mn-cs"/>
-              </a:rPr>
-              <a:t>, KT XHCH, KT </a:t>
-            </a:r>
-            <a:r>
-              <a:rPr lang="en-US" sz="1200" kern="1200" dirty="0" err="1">
-                <a:solidFill>
-                  <a:schemeClr val="tx1"/>
-                </a:solidFill>
-                <a:effectLst/>
-                <a:latin typeface="+mn-lt"/>
-                <a:ea typeface="+mn-ea"/>
-                <a:cs typeface="+mn-cs"/>
-              </a:rPr>
-              <a:t>gia</a:t>
-            </a:r>
-            <a:r>
-              <a:rPr lang="en-US" sz="1200" kern="1200" dirty="0">
-                <a:solidFill>
-                  <a:schemeClr val="tx1"/>
-                </a:solidFill>
-                <a:effectLst/>
-                <a:latin typeface="+mn-lt"/>
-                <a:ea typeface="+mn-ea"/>
-                <a:cs typeface="+mn-cs"/>
-              </a:rPr>
-              <a:t> </a:t>
-            </a:r>
-            <a:r>
-              <a:rPr lang="en-US" sz="1200" kern="1200" dirty="0" err="1">
-                <a:solidFill>
-                  <a:schemeClr val="tx1"/>
-                </a:solidFill>
-                <a:effectLst/>
-                <a:latin typeface="+mn-lt"/>
-                <a:ea typeface="+mn-ea"/>
-                <a:cs typeface="+mn-cs"/>
-              </a:rPr>
-              <a:t>trưởng</a:t>
-            </a:r>
-            <a:r>
-              <a:rPr lang="en-US" sz="1200" kern="1200" dirty="0">
-                <a:solidFill>
-                  <a:schemeClr val="tx1"/>
-                </a:solidFill>
-                <a:effectLst/>
-                <a:latin typeface="+mn-lt"/>
-                <a:ea typeface="+mn-ea"/>
-                <a:cs typeface="+mn-cs"/>
-              </a:rPr>
-              <a:t>, KT </a:t>
-            </a:r>
-            <a:r>
-              <a:rPr lang="en-US" sz="1200" kern="1200" dirty="0" err="1">
-                <a:solidFill>
-                  <a:schemeClr val="tx1"/>
-                </a:solidFill>
-                <a:effectLst/>
-                <a:latin typeface="+mn-lt"/>
-                <a:ea typeface="+mn-ea"/>
-                <a:cs typeface="+mn-cs"/>
-              </a:rPr>
-              <a:t>hàng</a:t>
-            </a:r>
-            <a:r>
-              <a:rPr lang="en-US" sz="1200" kern="1200" dirty="0">
-                <a:solidFill>
-                  <a:schemeClr val="tx1"/>
-                </a:solidFill>
-                <a:effectLst/>
-                <a:latin typeface="+mn-lt"/>
-                <a:ea typeface="+mn-ea"/>
-                <a:cs typeface="+mn-cs"/>
-              </a:rPr>
-              <a:t> </a:t>
-            </a:r>
-            <a:r>
-              <a:rPr lang="en-US" sz="1200" kern="1200" dirty="0" err="1">
-                <a:solidFill>
-                  <a:schemeClr val="tx1"/>
-                </a:solidFill>
-                <a:effectLst/>
-                <a:latin typeface="+mn-lt"/>
-                <a:ea typeface="+mn-ea"/>
-                <a:cs typeface="+mn-cs"/>
-              </a:rPr>
-              <a:t>hóa</a:t>
-            </a:r>
-            <a:r>
-              <a:rPr lang="en-US" sz="1200" kern="1200" dirty="0">
-                <a:solidFill>
-                  <a:schemeClr val="tx1"/>
-                </a:solidFill>
-                <a:effectLst/>
-                <a:latin typeface="+mn-lt"/>
-                <a:ea typeface="+mn-ea"/>
-                <a:cs typeface="+mn-cs"/>
-              </a:rPr>
-              <a:t> </a:t>
-            </a:r>
-            <a:r>
-              <a:rPr lang="en-US" sz="1200" kern="1200" dirty="0" err="1">
-                <a:solidFill>
-                  <a:schemeClr val="tx1"/>
-                </a:solidFill>
-                <a:effectLst/>
-                <a:latin typeface="+mn-lt"/>
-                <a:ea typeface="+mn-ea"/>
-                <a:cs typeface="+mn-cs"/>
-              </a:rPr>
-              <a:t>nhỏ</a:t>
-            </a:r>
-            <a:r>
-              <a:rPr lang="en-US" sz="1200" kern="1200" dirty="0">
-                <a:solidFill>
-                  <a:schemeClr val="tx1"/>
-                </a:solidFill>
-                <a:effectLst/>
-                <a:latin typeface="+mn-lt"/>
-                <a:ea typeface="+mn-ea"/>
-                <a:cs typeface="+mn-cs"/>
-              </a:rPr>
-              <a:t>, KT </a:t>
-            </a:r>
-            <a:r>
-              <a:rPr lang="en-US" sz="1200" kern="1200" dirty="0" err="1">
-                <a:solidFill>
-                  <a:schemeClr val="tx1"/>
-                </a:solidFill>
-                <a:effectLst/>
-                <a:latin typeface="+mn-lt"/>
-                <a:ea typeface="+mn-ea"/>
-                <a:cs typeface="+mn-cs"/>
-              </a:rPr>
-              <a:t>tư</a:t>
-            </a:r>
-            <a:r>
-              <a:rPr lang="en-US" sz="1200" kern="1200" dirty="0">
-                <a:solidFill>
-                  <a:schemeClr val="tx1"/>
-                </a:solidFill>
-                <a:effectLst/>
-                <a:latin typeface="+mn-lt"/>
-                <a:ea typeface="+mn-ea"/>
-                <a:cs typeface="+mn-cs"/>
-              </a:rPr>
-              <a:t> </a:t>
-            </a:r>
-            <a:r>
-              <a:rPr lang="en-US" sz="1200" kern="1200" dirty="0" err="1">
-                <a:solidFill>
-                  <a:schemeClr val="tx1"/>
-                </a:solidFill>
-                <a:effectLst/>
-                <a:latin typeface="+mn-lt"/>
-                <a:ea typeface="+mn-ea"/>
-                <a:cs typeface="+mn-cs"/>
-              </a:rPr>
-              <a:t>bản</a:t>
-            </a:r>
-            <a:r>
-              <a:rPr lang="en-US" sz="1200" kern="1200" dirty="0">
-                <a:solidFill>
-                  <a:schemeClr val="tx1"/>
-                </a:solidFill>
-                <a:effectLst/>
-                <a:latin typeface="+mn-lt"/>
-                <a:ea typeface="+mn-ea"/>
-                <a:cs typeface="+mn-cs"/>
-              </a:rPr>
-              <a:t> </a:t>
-            </a:r>
-            <a:r>
-              <a:rPr lang="en-US" sz="1200" kern="1200" dirty="0" err="1">
-                <a:solidFill>
-                  <a:schemeClr val="tx1"/>
-                </a:solidFill>
-                <a:effectLst/>
-                <a:latin typeface="+mn-lt"/>
-                <a:ea typeface="+mn-ea"/>
-                <a:cs typeface="+mn-cs"/>
-              </a:rPr>
-              <a:t>nhà</a:t>
-            </a:r>
-            <a:r>
-              <a:rPr lang="en-US" sz="1200" kern="1200" dirty="0">
-                <a:solidFill>
-                  <a:schemeClr val="tx1"/>
-                </a:solidFill>
-                <a:effectLst/>
-                <a:latin typeface="+mn-lt"/>
-                <a:ea typeface="+mn-ea"/>
-                <a:cs typeface="+mn-cs"/>
-              </a:rPr>
-              <a:t> </a:t>
-            </a:r>
-            <a:r>
-              <a:rPr lang="en-US" sz="1200" kern="1200" dirty="0" err="1">
-                <a:solidFill>
-                  <a:schemeClr val="tx1"/>
-                </a:solidFill>
-                <a:effectLst/>
-                <a:latin typeface="+mn-lt"/>
-                <a:ea typeface="+mn-ea"/>
-                <a:cs typeface="+mn-cs"/>
-              </a:rPr>
-              <a:t>nước</a:t>
-            </a:r>
-            <a:r>
-              <a:rPr lang="en-US" sz="1200" kern="1200" dirty="0">
-                <a:solidFill>
-                  <a:schemeClr val="tx1"/>
-                </a:solidFill>
-                <a:effectLst/>
-                <a:latin typeface="+mn-lt"/>
-                <a:ea typeface="+mn-ea"/>
-                <a:cs typeface="+mn-cs"/>
-              </a:rPr>
-              <a:t>)</a:t>
-            </a:r>
-          </a:p>
-          <a:p>
             <a:endParaRPr lang="en-US" dirty="0"/>
           </a:p>
         </p:txBody>
@@ -6568,661 +965,6 @@
           <a:bodyPr/>
           <a:lstStyle/>
           <a:p>
-            <a:pPr marL="0" marR="0" lvl="0" indent="0" algn="l" defTabSz="914400" rtl="0" eaLnBrk="1" fontAlgn="auto" latinLnBrk="0" hangingPunct="1">
-              <a:lnSpc>
-                <a:spcPct val="100000"/>
-              </a:lnSpc>
-              <a:spcBef>
-                <a:spcPts val="0"/>
-              </a:spcBef>
-              <a:spcAft>
-                <a:spcPts val="0"/>
-              </a:spcAft>
-              <a:buClrTx/>
-              <a:buSzTx/>
-              <a:buFontTx/>
-              <a:buNone/>
-              <a:tabLst/>
-              <a:defRPr/>
-            </a:pPr>
-            <a:r>
-              <a:rPr lang="en-US" sz="1200" kern="1200" dirty="0">
-                <a:solidFill>
-                  <a:schemeClr val="tx1"/>
-                </a:solidFill>
-                <a:effectLst/>
-                <a:latin typeface="+mn-lt"/>
-                <a:ea typeface="+mn-ea"/>
-                <a:cs typeface="+mn-cs"/>
-              </a:rPr>
-              <a:t>+ </a:t>
-            </a:r>
-            <a:r>
-              <a:rPr lang="en-US" sz="1200" kern="1200" dirty="0" err="1">
-                <a:solidFill>
-                  <a:schemeClr val="tx1"/>
-                </a:solidFill>
-                <a:effectLst/>
-                <a:latin typeface="+mn-lt"/>
-                <a:ea typeface="+mn-ea"/>
-                <a:cs typeface="+mn-cs"/>
-              </a:rPr>
-              <a:t>Về</a:t>
-            </a:r>
-            <a:r>
-              <a:rPr lang="en-US" sz="1200" kern="1200" dirty="0">
-                <a:solidFill>
-                  <a:schemeClr val="tx1"/>
-                </a:solidFill>
-                <a:effectLst/>
-                <a:latin typeface="+mn-lt"/>
-                <a:ea typeface="+mn-ea"/>
-                <a:cs typeface="+mn-cs"/>
-              </a:rPr>
-              <a:t> </a:t>
-            </a:r>
-            <a:r>
-              <a:rPr lang="en-US" sz="1200" kern="1200" dirty="0" err="1">
-                <a:solidFill>
-                  <a:schemeClr val="tx1"/>
-                </a:solidFill>
-                <a:effectLst/>
-                <a:latin typeface="+mn-lt"/>
-                <a:ea typeface="+mn-ea"/>
-                <a:cs typeface="+mn-cs"/>
-              </a:rPr>
-              <a:t>kinh</a:t>
-            </a:r>
-            <a:r>
-              <a:rPr lang="en-US" sz="1200" kern="1200" dirty="0">
-                <a:solidFill>
-                  <a:schemeClr val="tx1"/>
-                </a:solidFill>
-                <a:effectLst/>
-                <a:latin typeface="+mn-lt"/>
-                <a:ea typeface="+mn-ea"/>
-                <a:cs typeface="+mn-cs"/>
-              </a:rPr>
-              <a:t> </a:t>
-            </a:r>
-            <a:r>
-              <a:rPr lang="en-US" sz="1200" kern="1200" dirty="0" err="1">
-                <a:solidFill>
-                  <a:schemeClr val="tx1"/>
-                </a:solidFill>
-                <a:effectLst/>
-                <a:latin typeface="+mn-lt"/>
-                <a:ea typeface="+mn-ea"/>
-                <a:cs typeface="+mn-cs"/>
-              </a:rPr>
-              <a:t>tế</a:t>
-            </a:r>
-            <a:r>
-              <a:rPr lang="en-US" sz="1200" kern="1200" dirty="0">
-                <a:solidFill>
-                  <a:schemeClr val="tx1"/>
-                </a:solidFill>
-                <a:effectLst/>
-                <a:latin typeface="+mn-lt"/>
-                <a:ea typeface="+mn-ea"/>
-                <a:cs typeface="+mn-cs"/>
-              </a:rPr>
-              <a:t>: </a:t>
-            </a:r>
-            <a:r>
-              <a:rPr lang="en-US" sz="1200" kern="1200" dirty="0" err="1">
-                <a:solidFill>
-                  <a:schemeClr val="tx1"/>
-                </a:solidFill>
-                <a:effectLst/>
-                <a:latin typeface="+mn-lt"/>
-                <a:ea typeface="+mn-ea"/>
-                <a:cs typeface="+mn-cs"/>
-              </a:rPr>
-              <a:t>thời</a:t>
-            </a:r>
-            <a:r>
-              <a:rPr lang="en-US" sz="1200" kern="1200" dirty="0">
-                <a:solidFill>
-                  <a:schemeClr val="tx1"/>
-                </a:solidFill>
-                <a:effectLst/>
-                <a:latin typeface="+mn-lt"/>
-                <a:ea typeface="+mn-ea"/>
-                <a:cs typeface="+mn-cs"/>
-              </a:rPr>
-              <a:t> </a:t>
-            </a:r>
-            <a:r>
-              <a:rPr lang="en-US" sz="1200" kern="1200" dirty="0" err="1">
-                <a:solidFill>
-                  <a:schemeClr val="tx1"/>
-                </a:solidFill>
-                <a:effectLst/>
-                <a:latin typeface="+mn-lt"/>
-                <a:ea typeface="+mn-ea"/>
-                <a:cs typeface="+mn-cs"/>
-              </a:rPr>
-              <a:t>kỳ</a:t>
-            </a:r>
-            <a:r>
-              <a:rPr lang="en-US" sz="1200" kern="1200" dirty="0">
-                <a:solidFill>
-                  <a:schemeClr val="tx1"/>
-                </a:solidFill>
-                <a:effectLst/>
-                <a:latin typeface="+mn-lt"/>
-                <a:ea typeface="+mn-ea"/>
-                <a:cs typeface="+mn-cs"/>
-              </a:rPr>
-              <a:t> </a:t>
-            </a:r>
-            <a:r>
-              <a:rPr lang="en-US" sz="1200" kern="1200" dirty="0" err="1">
-                <a:solidFill>
-                  <a:schemeClr val="tx1"/>
-                </a:solidFill>
-                <a:effectLst/>
-                <a:latin typeface="+mn-lt"/>
-                <a:ea typeface="+mn-ea"/>
-                <a:cs typeface="+mn-cs"/>
-              </a:rPr>
-              <a:t>tồn</a:t>
-            </a:r>
-            <a:r>
-              <a:rPr lang="en-US" sz="1200" kern="1200" dirty="0">
-                <a:solidFill>
-                  <a:schemeClr val="tx1"/>
-                </a:solidFill>
-                <a:effectLst/>
-                <a:latin typeface="+mn-lt"/>
-                <a:ea typeface="+mn-ea"/>
-                <a:cs typeface="+mn-cs"/>
-              </a:rPr>
-              <a:t> </a:t>
-            </a:r>
-            <a:r>
-              <a:rPr lang="en-US" sz="1200" kern="1200" dirty="0" err="1">
-                <a:solidFill>
-                  <a:schemeClr val="tx1"/>
-                </a:solidFill>
-                <a:effectLst/>
-                <a:latin typeface="+mn-lt"/>
-                <a:ea typeface="+mn-ea"/>
-                <a:cs typeface="+mn-cs"/>
-              </a:rPr>
-              <a:t>tại</a:t>
-            </a:r>
-            <a:r>
-              <a:rPr lang="en-US" sz="1200" kern="1200" dirty="0">
-                <a:solidFill>
-                  <a:schemeClr val="tx1"/>
-                </a:solidFill>
-                <a:effectLst/>
-                <a:latin typeface="+mn-lt"/>
-                <a:ea typeface="+mn-ea"/>
-                <a:cs typeface="+mn-cs"/>
-              </a:rPr>
-              <a:t> </a:t>
-            </a:r>
-            <a:r>
-              <a:rPr lang="en-US" sz="1200" kern="1200" dirty="0" err="1">
-                <a:solidFill>
-                  <a:schemeClr val="tx1"/>
-                </a:solidFill>
-                <a:effectLst/>
-                <a:latin typeface="+mn-lt"/>
-                <a:ea typeface="+mn-ea"/>
-                <a:cs typeface="+mn-cs"/>
-              </a:rPr>
-              <a:t>nhiều</a:t>
-            </a:r>
-            <a:r>
-              <a:rPr lang="en-US" sz="1200" kern="1200" dirty="0">
-                <a:solidFill>
-                  <a:schemeClr val="tx1"/>
-                </a:solidFill>
-                <a:effectLst/>
-                <a:latin typeface="+mn-lt"/>
-                <a:ea typeface="+mn-ea"/>
-                <a:cs typeface="+mn-cs"/>
-              </a:rPr>
-              <a:t> </a:t>
-            </a:r>
-            <a:r>
-              <a:rPr lang="en-US" sz="1200" kern="1200" dirty="0" err="1">
-                <a:solidFill>
-                  <a:schemeClr val="tx1"/>
-                </a:solidFill>
-                <a:effectLst/>
-                <a:latin typeface="+mn-lt"/>
-                <a:ea typeface="+mn-ea"/>
-                <a:cs typeface="+mn-cs"/>
-              </a:rPr>
-              <a:t>thành</a:t>
-            </a:r>
-            <a:r>
-              <a:rPr lang="en-US" sz="1200" kern="1200" dirty="0">
-                <a:solidFill>
-                  <a:schemeClr val="tx1"/>
-                </a:solidFill>
-                <a:effectLst/>
-                <a:latin typeface="+mn-lt"/>
-                <a:ea typeface="+mn-ea"/>
-                <a:cs typeface="+mn-cs"/>
-              </a:rPr>
-              <a:t> </a:t>
-            </a:r>
-            <a:r>
-              <a:rPr lang="en-US" sz="1200" kern="1200" dirty="0" err="1">
-                <a:solidFill>
-                  <a:schemeClr val="tx1"/>
-                </a:solidFill>
-                <a:effectLst/>
-                <a:latin typeface="+mn-lt"/>
-                <a:ea typeface="+mn-ea"/>
-                <a:cs typeface="+mn-cs"/>
-              </a:rPr>
-              <a:t>phần</a:t>
-            </a:r>
-            <a:r>
-              <a:rPr lang="en-US" sz="1200" kern="1200" dirty="0">
-                <a:solidFill>
-                  <a:schemeClr val="tx1"/>
-                </a:solidFill>
-                <a:effectLst/>
-                <a:latin typeface="+mn-lt"/>
-                <a:ea typeface="+mn-ea"/>
-                <a:cs typeface="+mn-cs"/>
-              </a:rPr>
-              <a:t> </a:t>
-            </a:r>
-            <a:r>
-              <a:rPr lang="en-US" sz="1200" kern="1200" dirty="0" err="1">
-                <a:solidFill>
-                  <a:schemeClr val="tx1"/>
-                </a:solidFill>
-                <a:effectLst/>
-                <a:latin typeface="+mn-lt"/>
-                <a:ea typeface="+mn-ea"/>
-                <a:cs typeface="+mn-cs"/>
-              </a:rPr>
-              <a:t>kinh</a:t>
-            </a:r>
-            <a:r>
-              <a:rPr lang="en-US" sz="1200" kern="1200" dirty="0">
-                <a:solidFill>
-                  <a:schemeClr val="tx1"/>
-                </a:solidFill>
-                <a:effectLst/>
-                <a:latin typeface="+mn-lt"/>
-                <a:ea typeface="+mn-ea"/>
-                <a:cs typeface="+mn-cs"/>
-              </a:rPr>
-              <a:t> </a:t>
-            </a:r>
-            <a:r>
-              <a:rPr lang="en-US" sz="1200" kern="1200" dirty="0" err="1">
-                <a:solidFill>
-                  <a:schemeClr val="tx1"/>
-                </a:solidFill>
-                <a:effectLst/>
-                <a:latin typeface="+mn-lt"/>
-                <a:ea typeface="+mn-ea"/>
-                <a:cs typeface="+mn-cs"/>
-              </a:rPr>
-              <a:t>tế</a:t>
-            </a:r>
-            <a:r>
-              <a:rPr lang="en-US" sz="1200" kern="1200" dirty="0">
-                <a:solidFill>
-                  <a:schemeClr val="tx1"/>
-                </a:solidFill>
-                <a:effectLst/>
-                <a:latin typeface="+mn-lt"/>
-                <a:ea typeface="+mn-ea"/>
-                <a:cs typeface="+mn-cs"/>
-              </a:rPr>
-              <a:t> (KT </a:t>
-            </a:r>
-            <a:r>
-              <a:rPr lang="en-US" sz="1200" kern="1200" dirty="0" err="1">
-                <a:solidFill>
-                  <a:schemeClr val="tx1"/>
-                </a:solidFill>
-                <a:effectLst/>
-                <a:latin typeface="+mn-lt"/>
-                <a:ea typeface="+mn-ea"/>
-                <a:cs typeface="+mn-cs"/>
-              </a:rPr>
-              <a:t>hàng</a:t>
-            </a:r>
-            <a:r>
-              <a:rPr lang="en-US" sz="1200" kern="1200" dirty="0">
-                <a:solidFill>
-                  <a:schemeClr val="tx1"/>
-                </a:solidFill>
-                <a:effectLst/>
-                <a:latin typeface="+mn-lt"/>
-                <a:ea typeface="+mn-ea"/>
-                <a:cs typeface="+mn-cs"/>
-              </a:rPr>
-              <a:t> </a:t>
-            </a:r>
-            <a:r>
-              <a:rPr lang="en-US" sz="1200" kern="1200" dirty="0" err="1">
-                <a:solidFill>
-                  <a:schemeClr val="tx1"/>
-                </a:solidFill>
-                <a:effectLst/>
-                <a:latin typeface="+mn-lt"/>
-                <a:ea typeface="+mn-ea"/>
-                <a:cs typeface="+mn-cs"/>
-              </a:rPr>
-              <a:t>hóa</a:t>
-            </a:r>
-            <a:r>
-              <a:rPr lang="en-US" sz="1200" kern="1200" dirty="0">
-                <a:solidFill>
-                  <a:schemeClr val="tx1"/>
-                </a:solidFill>
-                <a:effectLst/>
-                <a:latin typeface="+mn-lt"/>
-                <a:ea typeface="+mn-ea"/>
-                <a:cs typeface="+mn-cs"/>
-              </a:rPr>
-              <a:t> </a:t>
-            </a:r>
-            <a:r>
-              <a:rPr lang="en-US" sz="1200" kern="1200" dirty="0" err="1">
-                <a:solidFill>
-                  <a:schemeClr val="tx1"/>
-                </a:solidFill>
-                <a:effectLst/>
-                <a:latin typeface="+mn-lt"/>
-                <a:ea typeface="+mn-ea"/>
-                <a:cs typeface="+mn-cs"/>
-              </a:rPr>
-              <a:t>nhiều</a:t>
-            </a:r>
-            <a:r>
-              <a:rPr lang="en-US" sz="1200" kern="1200" dirty="0">
-                <a:solidFill>
-                  <a:schemeClr val="tx1"/>
-                </a:solidFill>
-                <a:effectLst/>
-                <a:latin typeface="+mn-lt"/>
-                <a:ea typeface="+mn-ea"/>
-                <a:cs typeface="+mn-cs"/>
-              </a:rPr>
-              <a:t> </a:t>
-            </a:r>
-            <a:r>
-              <a:rPr lang="en-US" sz="1200" kern="1200" dirty="0" err="1">
-                <a:solidFill>
-                  <a:schemeClr val="tx1"/>
-                </a:solidFill>
-                <a:effectLst/>
-                <a:latin typeface="+mn-lt"/>
-                <a:ea typeface="+mn-ea"/>
-                <a:cs typeface="+mn-cs"/>
-              </a:rPr>
-              <a:t>thành</a:t>
-            </a:r>
-            <a:r>
-              <a:rPr lang="en-US" sz="1200" kern="1200" dirty="0">
-                <a:solidFill>
-                  <a:schemeClr val="tx1"/>
-                </a:solidFill>
-                <a:effectLst/>
-                <a:latin typeface="+mn-lt"/>
-                <a:ea typeface="+mn-ea"/>
-                <a:cs typeface="+mn-cs"/>
-              </a:rPr>
-              <a:t> </a:t>
-            </a:r>
-            <a:r>
-              <a:rPr lang="en-US" sz="1200" kern="1200" dirty="0" err="1">
-                <a:solidFill>
-                  <a:schemeClr val="tx1"/>
-                </a:solidFill>
-                <a:effectLst/>
-                <a:latin typeface="+mn-lt"/>
-                <a:ea typeface="+mn-ea"/>
-                <a:cs typeface="+mn-cs"/>
-              </a:rPr>
-              <a:t>phần</a:t>
-            </a:r>
-            <a:r>
-              <a:rPr lang="en-US" sz="1200" kern="1200" dirty="0">
-                <a:solidFill>
-                  <a:schemeClr val="tx1"/>
-                </a:solidFill>
-                <a:effectLst/>
-                <a:latin typeface="+mn-lt"/>
-                <a:ea typeface="+mn-ea"/>
-                <a:cs typeface="+mn-cs"/>
-              </a:rPr>
-              <a:t>, KT XHCH, KT </a:t>
-            </a:r>
-            <a:r>
-              <a:rPr lang="en-US" sz="1200" kern="1200" dirty="0" err="1">
-                <a:solidFill>
-                  <a:schemeClr val="tx1"/>
-                </a:solidFill>
-                <a:effectLst/>
-                <a:latin typeface="+mn-lt"/>
-                <a:ea typeface="+mn-ea"/>
-                <a:cs typeface="+mn-cs"/>
-              </a:rPr>
-              <a:t>gia</a:t>
-            </a:r>
-            <a:r>
-              <a:rPr lang="en-US" sz="1200" kern="1200" dirty="0">
-                <a:solidFill>
-                  <a:schemeClr val="tx1"/>
-                </a:solidFill>
-                <a:effectLst/>
-                <a:latin typeface="+mn-lt"/>
-                <a:ea typeface="+mn-ea"/>
-                <a:cs typeface="+mn-cs"/>
-              </a:rPr>
-              <a:t> </a:t>
-            </a:r>
-            <a:r>
-              <a:rPr lang="en-US" sz="1200" kern="1200" dirty="0" err="1">
-                <a:solidFill>
-                  <a:schemeClr val="tx1"/>
-                </a:solidFill>
-                <a:effectLst/>
-                <a:latin typeface="+mn-lt"/>
-                <a:ea typeface="+mn-ea"/>
-                <a:cs typeface="+mn-cs"/>
-              </a:rPr>
-              <a:t>trưởng</a:t>
-            </a:r>
-            <a:r>
-              <a:rPr lang="en-US" sz="1200" kern="1200" dirty="0">
-                <a:solidFill>
-                  <a:schemeClr val="tx1"/>
-                </a:solidFill>
-                <a:effectLst/>
-                <a:latin typeface="+mn-lt"/>
-                <a:ea typeface="+mn-ea"/>
-                <a:cs typeface="+mn-cs"/>
-              </a:rPr>
-              <a:t>, KT </a:t>
-            </a:r>
-            <a:r>
-              <a:rPr lang="en-US" sz="1200" kern="1200" dirty="0" err="1">
-                <a:solidFill>
-                  <a:schemeClr val="tx1"/>
-                </a:solidFill>
-                <a:effectLst/>
-                <a:latin typeface="+mn-lt"/>
-                <a:ea typeface="+mn-ea"/>
-                <a:cs typeface="+mn-cs"/>
-              </a:rPr>
-              <a:t>hàng</a:t>
-            </a:r>
-            <a:r>
-              <a:rPr lang="en-US" sz="1200" kern="1200" dirty="0">
-                <a:solidFill>
-                  <a:schemeClr val="tx1"/>
-                </a:solidFill>
-                <a:effectLst/>
-                <a:latin typeface="+mn-lt"/>
-                <a:ea typeface="+mn-ea"/>
-                <a:cs typeface="+mn-cs"/>
-              </a:rPr>
-              <a:t> </a:t>
-            </a:r>
-            <a:r>
-              <a:rPr lang="en-US" sz="1200" kern="1200" dirty="0" err="1">
-                <a:solidFill>
-                  <a:schemeClr val="tx1"/>
-                </a:solidFill>
-                <a:effectLst/>
-                <a:latin typeface="+mn-lt"/>
-                <a:ea typeface="+mn-ea"/>
-                <a:cs typeface="+mn-cs"/>
-              </a:rPr>
-              <a:t>hóa</a:t>
-            </a:r>
-            <a:r>
-              <a:rPr lang="en-US" sz="1200" kern="1200" dirty="0">
-                <a:solidFill>
-                  <a:schemeClr val="tx1"/>
-                </a:solidFill>
-                <a:effectLst/>
-                <a:latin typeface="+mn-lt"/>
-                <a:ea typeface="+mn-ea"/>
-                <a:cs typeface="+mn-cs"/>
-              </a:rPr>
-              <a:t> </a:t>
-            </a:r>
-            <a:r>
-              <a:rPr lang="en-US" sz="1200" kern="1200" dirty="0" err="1">
-                <a:solidFill>
-                  <a:schemeClr val="tx1"/>
-                </a:solidFill>
-                <a:effectLst/>
-                <a:latin typeface="+mn-lt"/>
-                <a:ea typeface="+mn-ea"/>
-                <a:cs typeface="+mn-cs"/>
-              </a:rPr>
-              <a:t>nhỏ</a:t>
-            </a:r>
-            <a:r>
-              <a:rPr lang="en-US" sz="1200" kern="1200" dirty="0">
-                <a:solidFill>
-                  <a:schemeClr val="tx1"/>
-                </a:solidFill>
-                <a:effectLst/>
-                <a:latin typeface="+mn-lt"/>
-                <a:ea typeface="+mn-ea"/>
-                <a:cs typeface="+mn-cs"/>
-              </a:rPr>
-              <a:t>, KT </a:t>
-            </a:r>
-            <a:r>
-              <a:rPr lang="en-US" sz="1200" kern="1200" dirty="0" err="1">
-                <a:solidFill>
-                  <a:schemeClr val="tx1"/>
-                </a:solidFill>
-                <a:effectLst/>
-                <a:latin typeface="+mn-lt"/>
-                <a:ea typeface="+mn-ea"/>
-                <a:cs typeface="+mn-cs"/>
-              </a:rPr>
-              <a:t>tư</a:t>
-            </a:r>
-            <a:r>
-              <a:rPr lang="en-US" sz="1200" kern="1200" dirty="0">
-                <a:solidFill>
-                  <a:schemeClr val="tx1"/>
-                </a:solidFill>
-                <a:effectLst/>
-                <a:latin typeface="+mn-lt"/>
-                <a:ea typeface="+mn-ea"/>
-                <a:cs typeface="+mn-cs"/>
-              </a:rPr>
-              <a:t> </a:t>
-            </a:r>
-            <a:r>
-              <a:rPr lang="en-US" sz="1200" kern="1200" dirty="0" err="1">
-                <a:solidFill>
-                  <a:schemeClr val="tx1"/>
-                </a:solidFill>
-                <a:effectLst/>
-                <a:latin typeface="+mn-lt"/>
-                <a:ea typeface="+mn-ea"/>
-                <a:cs typeface="+mn-cs"/>
-              </a:rPr>
-              <a:t>bản</a:t>
-            </a:r>
-            <a:r>
-              <a:rPr lang="en-US" sz="1200" kern="1200" dirty="0">
-                <a:solidFill>
-                  <a:schemeClr val="tx1"/>
-                </a:solidFill>
-                <a:effectLst/>
-                <a:latin typeface="+mn-lt"/>
-                <a:ea typeface="+mn-ea"/>
-                <a:cs typeface="+mn-cs"/>
-              </a:rPr>
-              <a:t> </a:t>
-            </a:r>
-            <a:r>
-              <a:rPr lang="en-US" sz="1200" kern="1200" dirty="0" err="1">
-                <a:solidFill>
-                  <a:schemeClr val="tx1"/>
-                </a:solidFill>
-                <a:effectLst/>
-                <a:latin typeface="+mn-lt"/>
-                <a:ea typeface="+mn-ea"/>
-                <a:cs typeface="+mn-cs"/>
-              </a:rPr>
-              <a:t>nhà</a:t>
-            </a:r>
-            <a:r>
-              <a:rPr lang="en-US" sz="1200" kern="1200" dirty="0">
-                <a:solidFill>
-                  <a:schemeClr val="tx1"/>
-                </a:solidFill>
-                <a:effectLst/>
-                <a:latin typeface="+mn-lt"/>
-                <a:ea typeface="+mn-ea"/>
-                <a:cs typeface="+mn-cs"/>
-              </a:rPr>
-              <a:t> </a:t>
-            </a:r>
-            <a:r>
-              <a:rPr lang="en-US" sz="1200" kern="1200" dirty="0" err="1">
-                <a:solidFill>
-                  <a:schemeClr val="tx1"/>
-                </a:solidFill>
-                <a:effectLst/>
-                <a:latin typeface="+mn-lt"/>
-                <a:ea typeface="+mn-ea"/>
-                <a:cs typeface="+mn-cs"/>
-              </a:rPr>
-              <a:t>nước</a:t>
-            </a:r>
-            <a:r>
-              <a:rPr lang="en-US" sz="1200" kern="1200" dirty="0">
-                <a:solidFill>
-                  <a:schemeClr val="tx1"/>
-                </a:solidFill>
-                <a:effectLst/>
-                <a:latin typeface="+mn-lt"/>
-                <a:ea typeface="+mn-ea"/>
-                <a:cs typeface="+mn-cs"/>
-              </a:rPr>
-              <a:t>)</a:t>
-            </a:r>
-          </a:p>
-          <a:p>
             <a:endParaRPr lang="en-US" dirty="0"/>
           </a:p>
         </p:txBody>
@@ -7307,554 +1049,6 @@
           <a:bodyPr/>
           <a:lstStyle/>
           <a:p>
-            <a:r>
-              <a:rPr lang="vi-VN" dirty="0"/>
-              <a:t>Trong </a:t>
-            </a:r>
-            <a:r>
-              <a:rPr lang="vi-VN" dirty="0" err="1"/>
-              <a:t>lĩnh</a:t>
-            </a:r>
-            <a:r>
-              <a:rPr lang="vi-VN" dirty="0"/>
-              <a:t> </a:t>
-            </a:r>
-            <a:r>
-              <a:rPr lang="vi-VN" dirty="0" err="1"/>
-              <a:t>vực</a:t>
-            </a:r>
-            <a:r>
-              <a:rPr lang="vi-VN" dirty="0"/>
-              <a:t> </a:t>
-            </a:r>
-            <a:r>
-              <a:rPr lang="vi-VN" dirty="0" err="1"/>
-              <a:t>xã</a:t>
-            </a:r>
-            <a:r>
-              <a:rPr lang="vi-VN" dirty="0"/>
-              <a:t> </a:t>
-            </a:r>
-            <a:r>
-              <a:rPr lang="vi-VN" dirty="0" err="1"/>
-              <a:t>hội</a:t>
-            </a:r>
-            <a:r>
-              <a:rPr lang="vi-VN" dirty="0"/>
-              <a:t> </a:t>
-            </a:r>
-            <a:r>
-              <a:rPr lang="vi-VN" dirty="0" err="1"/>
-              <a:t>còn</a:t>
-            </a:r>
-            <a:r>
-              <a:rPr lang="vi-VN" dirty="0"/>
-              <a:t> </a:t>
-            </a:r>
-            <a:r>
-              <a:rPr lang="vi-VN" dirty="0" err="1"/>
-              <a:t>có</a:t>
-            </a:r>
-            <a:r>
-              <a:rPr lang="vi-VN" dirty="0"/>
-              <a:t> </a:t>
-            </a:r>
-            <a:r>
-              <a:rPr lang="vi-VN" dirty="0" err="1"/>
-              <a:t>sự</a:t>
-            </a:r>
-            <a:r>
-              <a:rPr lang="vi-VN" dirty="0"/>
-              <a:t> </a:t>
-            </a:r>
-            <a:r>
-              <a:rPr lang="vi-VN" dirty="0" err="1"/>
-              <a:t>khác</a:t>
-            </a:r>
-            <a:r>
-              <a:rPr lang="vi-VN" dirty="0"/>
-              <a:t> </a:t>
-            </a:r>
-            <a:r>
-              <a:rPr lang="vi-VN" dirty="0" err="1"/>
-              <a:t>biệt</a:t>
-            </a:r>
-            <a:r>
-              <a:rPr lang="vi-VN" dirty="0"/>
-              <a:t> </a:t>
-            </a:r>
-            <a:r>
-              <a:rPr lang="vi-VN" dirty="0" err="1"/>
-              <a:t>khá</a:t>
-            </a:r>
-            <a:r>
-              <a:rPr lang="vi-VN" dirty="0"/>
-              <a:t> </a:t>
-            </a:r>
-            <a:r>
-              <a:rPr lang="vi-VN" dirty="0" err="1"/>
-              <a:t>lớn</a:t>
-            </a:r>
-            <a:r>
-              <a:rPr lang="vi-VN" dirty="0"/>
-              <a:t> </a:t>
-            </a:r>
-            <a:r>
-              <a:rPr lang="vi-VN" dirty="0" err="1"/>
-              <a:t>giữa</a:t>
-            </a:r>
-            <a:r>
-              <a:rPr lang="vi-VN" dirty="0"/>
-              <a:t> lao </a:t>
-            </a:r>
-            <a:r>
-              <a:rPr lang="vi-VN" dirty="0" err="1"/>
-              <a:t>động</a:t>
-            </a:r>
-            <a:r>
-              <a:rPr lang="vi-VN" dirty="0"/>
-              <a:t> </a:t>
-            </a:r>
-            <a:r>
-              <a:rPr lang="vi-VN" dirty="0" err="1"/>
-              <a:t>trí</a:t>
-            </a:r>
-            <a:r>
-              <a:rPr lang="vi-VN" dirty="0"/>
-              <a:t> </a:t>
-            </a:r>
-            <a:r>
-              <a:rPr lang="vi-VN" dirty="0" err="1"/>
-              <a:t>óc</a:t>
-            </a:r>
-            <a:r>
-              <a:rPr lang="vi-VN" dirty="0"/>
-              <a:t> </a:t>
-            </a:r>
-            <a:r>
-              <a:rPr lang="vi-VN" dirty="0" err="1"/>
-              <a:t>với</a:t>
-            </a:r>
-            <a:r>
-              <a:rPr lang="vi-VN" dirty="0"/>
-              <a:t> lao </a:t>
-            </a:r>
-            <a:r>
-              <a:rPr lang="vi-VN" dirty="0" err="1"/>
-              <a:t>động</a:t>
-            </a:r>
-            <a:r>
-              <a:rPr lang="vi-VN" dirty="0"/>
-              <a:t> chân tay, </a:t>
-            </a:r>
-            <a:r>
-              <a:rPr lang="vi-VN" dirty="0" err="1"/>
-              <a:t>giữa</a:t>
-            </a:r>
-            <a:r>
-              <a:rPr lang="vi-VN" dirty="0"/>
-              <a:t> </a:t>
-            </a:r>
-            <a:r>
-              <a:rPr lang="vi-VN" dirty="0" err="1"/>
-              <a:t>thành</a:t>
-            </a:r>
-            <a:r>
-              <a:rPr lang="vi-VN" dirty="0"/>
-              <a:t> </a:t>
-            </a:r>
-            <a:r>
-              <a:rPr lang="vi-VN" dirty="0" err="1"/>
-              <a:t>thị</a:t>
-            </a:r>
-            <a:r>
-              <a:rPr lang="vi-VN" dirty="0"/>
-              <a:t> </a:t>
-            </a:r>
-            <a:r>
-              <a:rPr lang="vi-VN" dirty="0" err="1"/>
-              <a:t>và</a:t>
-            </a:r>
-            <a:r>
-              <a:rPr lang="vi-VN" dirty="0"/>
-              <a:t> nông thôn, </a:t>
-            </a:r>
-            <a:r>
-              <a:rPr lang="vi-VN" dirty="0" err="1"/>
-              <a:t>giữa</a:t>
-            </a:r>
-            <a:r>
-              <a:rPr lang="vi-VN" dirty="0"/>
-              <a:t> </a:t>
-            </a:r>
-            <a:r>
-              <a:rPr lang="vi-VN" dirty="0" err="1"/>
-              <a:t>miền</a:t>
-            </a:r>
-            <a:r>
-              <a:rPr lang="vi-VN" dirty="0"/>
-              <a:t> </a:t>
-            </a:r>
-            <a:r>
-              <a:rPr lang="vi-VN" dirty="0" err="1"/>
-              <a:t>núi</a:t>
-            </a:r>
-            <a:r>
-              <a:rPr lang="vi-VN" dirty="0"/>
-              <a:t> </a:t>
-            </a:r>
-            <a:r>
-              <a:rPr lang="vi-VN" dirty="0" err="1"/>
-              <a:t>và</a:t>
-            </a:r>
-            <a:r>
-              <a:rPr lang="vi-VN" dirty="0"/>
-              <a:t> </a:t>
-            </a:r>
-            <a:r>
-              <a:rPr lang="vi-VN" dirty="0" err="1"/>
-              <a:t>miền</a:t>
-            </a:r>
-            <a:r>
-              <a:rPr lang="vi-VN" dirty="0"/>
-              <a:t> xuôi. </a:t>
-            </a:r>
-            <a:r>
-              <a:rPr lang="vi-VN" dirty="0" err="1"/>
-              <a:t>Nhiều</a:t>
-            </a:r>
-            <a:r>
-              <a:rPr lang="vi-VN" dirty="0"/>
-              <a:t> </a:t>
-            </a:r>
-            <a:r>
-              <a:rPr lang="vi-VN" dirty="0" err="1"/>
-              <a:t>vấn</a:t>
-            </a:r>
-            <a:r>
-              <a:rPr lang="vi-VN" dirty="0"/>
-              <a:t> </a:t>
-            </a:r>
-            <a:r>
-              <a:rPr lang="vi-VN" dirty="0" err="1"/>
-              <a:t>đề</a:t>
-            </a:r>
-            <a:r>
-              <a:rPr lang="vi-VN" dirty="0"/>
-              <a:t> </a:t>
-            </a:r>
-            <a:r>
-              <a:rPr lang="vi-VN" dirty="0" err="1"/>
-              <a:t>xã</a:t>
-            </a:r>
-            <a:r>
-              <a:rPr lang="vi-VN" dirty="0"/>
-              <a:t> </a:t>
-            </a:r>
-            <a:r>
-              <a:rPr lang="vi-VN" dirty="0" err="1"/>
-              <a:t>hội</a:t>
-            </a:r>
-            <a:r>
-              <a:rPr lang="vi-VN" dirty="0"/>
-              <a:t> </a:t>
-            </a:r>
-            <a:r>
-              <a:rPr lang="vi-VN" dirty="0" err="1"/>
-              <a:t>khác</a:t>
-            </a:r>
-            <a:r>
-              <a:rPr lang="vi-VN" dirty="0"/>
-              <a:t> chưa </a:t>
-            </a:r>
-            <a:r>
-              <a:rPr lang="vi-VN" dirty="0" err="1"/>
-              <a:t>giải</a:t>
-            </a:r>
-            <a:r>
-              <a:rPr lang="vi-VN" dirty="0"/>
-              <a:t> </a:t>
-            </a:r>
-            <a:r>
-              <a:rPr lang="vi-VN" dirty="0" err="1"/>
-              <a:t>quyết</a:t>
-            </a:r>
-            <a:r>
-              <a:rPr lang="vi-VN" dirty="0"/>
-              <a:t> </a:t>
-            </a:r>
-            <a:r>
-              <a:rPr lang="vi-VN" dirty="0" err="1"/>
-              <a:t>triệt</a:t>
-            </a:r>
-            <a:r>
-              <a:rPr lang="vi-VN" dirty="0"/>
-              <a:t> </a:t>
-            </a:r>
-            <a:r>
-              <a:rPr lang="vi-VN" dirty="0" err="1"/>
-              <a:t>để</a:t>
-            </a:r>
-            <a:r>
-              <a:rPr lang="vi-VN" dirty="0"/>
-              <a:t> như </a:t>
-            </a:r>
-            <a:r>
-              <a:rPr lang="vi-VN" dirty="0" err="1"/>
-              <a:t>vấn</a:t>
-            </a:r>
-            <a:r>
-              <a:rPr lang="vi-VN" dirty="0"/>
-              <a:t> </a:t>
-            </a:r>
-            <a:r>
-              <a:rPr lang="vi-VN" dirty="0" err="1"/>
-              <a:t>đề</a:t>
-            </a:r>
-            <a:r>
-              <a:rPr lang="vi-VN" dirty="0"/>
-              <a:t> môi </a:t>
-            </a:r>
-            <a:r>
-              <a:rPr lang="vi-VN" dirty="0" err="1"/>
-              <a:t>trường</a:t>
-            </a:r>
-            <a:r>
-              <a:rPr lang="vi-VN" dirty="0"/>
-              <a:t> </a:t>
-            </a:r>
-            <a:r>
-              <a:rPr lang="vi-VN" dirty="0" err="1"/>
-              <a:t>bị</a:t>
-            </a:r>
-            <a:r>
-              <a:rPr lang="vi-VN" dirty="0"/>
-              <a:t> </a:t>
-            </a:r>
-            <a:r>
-              <a:rPr lang="vi-VN" dirty="0" err="1"/>
-              <a:t>huỷ</a:t>
-            </a:r>
-            <a:r>
-              <a:rPr lang="vi-VN" dirty="0"/>
-              <a:t> </a:t>
-            </a:r>
-            <a:r>
-              <a:rPr lang="vi-VN" dirty="0" err="1"/>
-              <a:t>hoại</a:t>
-            </a:r>
-            <a:r>
-              <a:rPr lang="vi-VN" dirty="0"/>
-              <a:t> nghiêm </a:t>
-            </a:r>
-            <a:r>
-              <a:rPr lang="vi-VN" dirty="0" err="1"/>
-              <a:t>trọng</a:t>
-            </a:r>
-            <a:r>
-              <a:rPr lang="vi-VN" dirty="0"/>
-              <a:t>, </a:t>
-            </a:r>
-            <a:r>
-              <a:rPr lang="vi-VN" dirty="0" err="1"/>
-              <a:t>vấn</a:t>
-            </a:r>
-            <a:r>
-              <a:rPr lang="vi-VN" dirty="0"/>
-              <a:t> </a:t>
-            </a:r>
-            <a:r>
-              <a:rPr lang="vi-VN" dirty="0" err="1"/>
-              <a:t>đề</a:t>
-            </a:r>
-            <a:r>
-              <a:rPr lang="vi-VN" dirty="0"/>
-              <a:t> </a:t>
-            </a:r>
-            <a:r>
-              <a:rPr lang="vi-VN" dirty="0" err="1"/>
-              <a:t>giải</a:t>
-            </a:r>
-            <a:r>
-              <a:rPr lang="vi-VN" dirty="0"/>
-              <a:t> </a:t>
-            </a:r>
-            <a:r>
-              <a:rPr lang="vi-VN" dirty="0" err="1"/>
-              <a:t>quyết</a:t>
-            </a:r>
-            <a:r>
-              <a:rPr lang="vi-VN" dirty="0"/>
-              <a:t> công ăn, </a:t>
-            </a:r>
-            <a:r>
-              <a:rPr lang="vi-VN" dirty="0" err="1"/>
-              <a:t>việc</a:t>
-            </a:r>
-            <a:r>
-              <a:rPr lang="vi-VN" dirty="0"/>
-              <a:t> </a:t>
-            </a:r>
-            <a:r>
-              <a:rPr lang="vi-VN" dirty="0" err="1"/>
-              <a:t>làm</a:t>
-            </a:r>
-            <a:r>
-              <a:rPr lang="vi-VN" dirty="0"/>
-              <a:t>, </a:t>
-            </a:r>
-            <a:r>
-              <a:rPr lang="vi-VN" dirty="0" err="1"/>
-              <a:t>vấn</a:t>
-            </a:r>
-            <a:r>
-              <a:rPr lang="vi-VN" dirty="0"/>
-              <a:t> </a:t>
-            </a:r>
-            <a:r>
-              <a:rPr lang="vi-VN" dirty="0" err="1"/>
-              <a:t>đề</a:t>
-            </a:r>
-            <a:r>
-              <a:rPr lang="vi-VN" dirty="0"/>
-              <a:t> chăm </a:t>
-            </a:r>
-            <a:r>
-              <a:rPr lang="vi-VN" dirty="0" err="1"/>
-              <a:t>sóc</a:t>
-            </a:r>
-            <a:r>
-              <a:rPr lang="vi-VN" dirty="0"/>
-              <a:t> </a:t>
-            </a:r>
-            <a:r>
-              <a:rPr lang="vi-VN" dirty="0" err="1"/>
-              <a:t>sức</a:t>
-            </a:r>
-            <a:r>
-              <a:rPr lang="vi-VN" dirty="0"/>
-              <a:t> </a:t>
-            </a:r>
-            <a:r>
-              <a:rPr lang="vi-VN" dirty="0" err="1"/>
-              <a:t>khoẻ</a:t>
-            </a:r>
-            <a:r>
-              <a:rPr lang="vi-VN" dirty="0"/>
-              <a:t> </a:t>
-            </a:r>
-            <a:r>
-              <a:rPr lang="vi-VN" dirty="0" err="1"/>
-              <a:t>cộng</a:t>
-            </a:r>
-            <a:r>
-              <a:rPr lang="vi-VN" dirty="0"/>
-              <a:t> </a:t>
-            </a:r>
-            <a:r>
-              <a:rPr lang="vi-VN" dirty="0" err="1"/>
-              <a:t>đồng</a:t>
-            </a:r>
-            <a:r>
-              <a:rPr lang="vi-VN" dirty="0"/>
-              <a:t> </a:t>
-            </a:r>
-            <a:r>
-              <a:rPr lang="vi-VN" dirty="0" err="1"/>
-              <a:t>v.v</a:t>
-            </a:r>
-            <a:r>
-              <a:rPr lang="vi-VN" dirty="0"/>
-              <a:t> đang </a:t>
-            </a:r>
-            <a:r>
-              <a:rPr lang="vi-VN" dirty="0" err="1"/>
-              <a:t>diễn</a:t>
-            </a:r>
-            <a:r>
-              <a:rPr lang="vi-VN" dirty="0"/>
-              <a:t> </a:t>
-            </a:r>
-            <a:r>
-              <a:rPr lang="vi-VN" dirty="0" err="1"/>
-              <a:t>biến</a:t>
-            </a:r>
-            <a:r>
-              <a:rPr lang="vi-VN" dirty="0"/>
-              <a:t> </a:t>
-            </a:r>
-            <a:r>
-              <a:rPr lang="vi-VN" dirty="0" err="1"/>
-              <a:t>phức</a:t>
-            </a:r>
-            <a:r>
-              <a:rPr lang="vi-VN" dirty="0"/>
-              <a:t> </a:t>
-            </a:r>
-            <a:r>
-              <a:rPr lang="vi-VN" dirty="0" err="1"/>
-              <a:t>tạp</a:t>
-            </a:r>
-            <a:r>
-              <a:rPr lang="vi-VN" dirty="0"/>
-              <a:t> </a:t>
-            </a:r>
-            <a:r>
-              <a:rPr lang="vi-VN" dirty="0" err="1"/>
-              <a:t>mà</a:t>
-            </a:r>
-            <a:r>
-              <a:rPr lang="vi-VN" dirty="0"/>
-              <a:t> chưa </a:t>
-            </a:r>
-            <a:r>
-              <a:rPr lang="vi-VN" dirty="0" err="1"/>
-              <a:t>có</a:t>
-            </a:r>
-            <a:r>
-              <a:rPr lang="vi-VN" dirty="0"/>
-              <a:t> </a:t>
-            </a:r>
-            <a:r>
-              <a:rPr lang="vi-VN" dirty="0" err="1"/>
-              <a:t>cách</a:t>
-            </a:r>
-            <a:r>
-              <a:rPr lang="vi-VN" dirty="0"/>
-              <a:t> </a:t>
-            </a:r>
-            <a:r>
-              <a:rPr lang="vi-VN" dirty="0" err="1"/>
-              <a:t>quản</a:t>
-            </a:r>
-            <a:r>
-              <a:rPr lang="vi-VN" dirty="0"/>
-              <a:t> </a:t>
-            </a:r>
-            <a:r>
-              <a:rPr lang="vi-VN" dirty="0" err="1"/>
-              <a:t>lý</a:t>
-            </a:r>
-            <a:r>
-              <a:rPr lang="vi-VN" dirty="0"/>
-              <a:t> </a:t>
-            </a:r>
-            <a:r>
-              <a:rPr lang="vi-VN" dirty="0" err="1"/>
-              <a:t>hiệu</a:t>
-            </a:r>
-            <a:r>
-              <a:rPr lang="vi-VN" dirty="0"/>
-              <a:t> </a:t>
-            </a:r>
-            <a:r>
-              <a:rPr lang="vi-VN" dirty="0" err="1"/>
-              <a:t>quả</a:t>
-            </a:r>
-            <a:r>
-              <a:rPr lang="vi-VN" dirty="0"/>
-              <a:t>.</a:t>
-            </a:r>
             <a:endParaRPr lang="en-US" dirty="0"/>
           </a:p>
         </p:txBody>
@@ -7939,661 +1133,6 @@
           <a:bodyPr/>
           <a:lstStyle/>
           <a:p>
-            <a:pPr marL="0" marR="0" lvl="0" indent="0" algn="l" defTabSz="914400" rtl="0" eaLnBrk="1" fontAlgn="auto" latinLnBrk="0" hangingPunct="1">
-              <a:lnSpc>
-                <a:spcPct val="100000"/>
-              </a:lnSpc>
-              <a:spcBef>
-                <a:spcPts val="0"/>
-              </a:spcBef>
-              <a:spcAft>
-                <a:spcPts val="0"/>
-              </a:spcAft>
-              <a:buClrTx/>
-              <a:buSzTx/>
-              <a:buFontTx/>
-              <a:buNone/>
-              <a:tabLst/>
-              <a:defRPr/>
-            </a:pPr>
-            <a:r>
-              <a:rPr lang="en-US" sz="1200" kern="1200" dirty="0">
-                <a:solidFill>
-                  <a:schemeClr val="tx1"/>
-                </a:solidFill>
-                <a:effectLst/>
-                <a:latin typeface="+mn-lt"/>
-                <a:ea typeface="+mn-ea"/>
-                <a:cs typeface="+mn-cs"/>
-              </a:rPr>
-              <a:t>+ </a:t>
-            </a:r>
-            <a:r>
-              <a:rPr lang="en-US" sz="1200" kern="1200" dirty="0" err="1">
-                <a:solidFill>
-                  <a:schemeClr val="tx1"/>
-                </a:solidFill>
-                <a:effectLst/>
-                <a:latin typeface="+mn-lt"/>
-                <a:ea typeface="+mn-ea"/>
-                <a:cs typeface="+mn-cs"/>
-              </a:rPr>
-              <a:t>Về</a:t>
-            </a:r>
-            <a:r>
-              <a:rPr lang="en-US" sz="1200" kern="1200" dirty="0">
-                <a:solidFill>
-                  <a:schemeClr val="tx1"/>
-                </a:solidFill>
-                <a:effectLst/>
-                <a:latin typeface="+mn-lt"/>
-                <a:ea typeface="+mn-ea"/>
-                <a:cs typeface="+mn-cs"/>
-              </a:rPr>
-              <a:t> </a:t>
-            </a:r>
-            <a:r>
-              <a:rPr lang="en-US" sz="1200" kern="1200" dirty="0" err="1">
-                <a:solidFill>
-                  <a:schemeClr val="tx1"/>
-                </a:solidFill>
-                <a:effectLst/>
-                <a:latin typeface="+mn-lt"/>
-                <a:ea typeface="+mn-ea"/>
-                <a:cs typeface="+mn-cs"/>
-              </a:rPr>
-              <a:t>kinh</a:t>
-            </a:r>
-            <a:r>
-              <a:rPr lang="en-US" sz="1200" kern="1200" dirty="0">
-                <a:solidFill>
-                  <a:schemeClr val="tx1"/>
-                </a:solidFill>
-                <a:effectLst/>
-                <a:latin typeface="+mn-lt"/>
-                <a:ea typeface="+mn-ea"/>
-                <a:cs typeface="+mn-cs"/>
-              </a:rPr>
-              <a:t> </a:t>
-            </a:r>
-            <a:r>
-              <a:rPr lang="en-US" sz="1200" kern="1200" dirty="0" err="1">
-                <a:solidFill>
-                  <a:schemeClr val="tx1"/>
-                </a:solidFill>
-                <a:effectLst/>
-                <a:latin typeface="+mn-lt"/>
-                <a:ea typeface="+mn-ea"/>
-                <a:cs typeface="+mn-cs"/>
-              </a:rPr>
-              <a:t>tế</a:t>
-            </a:r>
-            <a:r>
-              <a:rPr lang="en-US" sz="1200" kern="1200" dirty="0">
-                <a:solidFill>
-                  <a:schemeClr val="tx1"/>
-                </a:solidFill>
-                <a:effectLst/>
-                <a:latin typeface="+mn-lt"/>
-                <a:ea typeface="+mn-ea"/>
-                <a:cs typeface="+mn-cs"/>
-              </a:rPr>
-              <a:t>: </a:t>
-            </a:r>
-            <a:r>
-              <a:rPr lang="en-US" sz="1200" kern="1200" dirty="0" err="1">
-                <a:solidFill>
-                  <a:schemeClr val="tx1"/>
-                </a:solidFill>
-                <a:effectLst/>
-                <a:latin typeface="+mn-lt"/>
-                <a:ea typeface="+mn-ea"/>
-                <a:cs typeface="+mn-cs"/>
-              </a:rPr>
-              <a:t>thời</a:t>
-            </a:r>
-            <a:r>
-              <a:rPr lang="en-US" sz="1200" kern="1200" dirty="0">
-                <a:solidFill>
-                  <a:schemeClr val="tx1"/>
-                </a:solidFill>
-                <a:effectLst/>
-                <a:latin typeface="+mn-lt"/>
-                <a:ea typeface="+mn-ea"/>
-                <a:cs typeface="+mn-cs"/>
-              </a:rPr>
-              <a:t> </a:t>
-            </a:r>
-            <a:r>
-              <a:rPr lang="en-US" sz="1200" kern="1200" dirty="0" err="1">
-                <a:solidFill>
-                  <a:schemeClr val="tx1"/>
-                </a:solidFill>
-                <a:effectLst/>
-                <a:latin typeface="+mn-lt"/>
-                <a:ea typeface="+mn-ea"/>
-                <a:cs typeface="+mn-cs"/>
-              </a:rPr>
-              <a:t>kỳ</a:t>
-            </a:r>
-            <a:r>
-              <a:rPr lang="en-US" sz="1200" kern="1200" dirty="0">
-                <a:solidFill>
-                  <a:schemeClr val="tx1"/>
-                </a:solidFill>
-                <a:effectLst/>
-                <a:latin typeface="+mn-lt"/>
-                <a:ea typeface="+mn-ea"/>
-                <a:cs typeface="+mn-cs"/>
-              </a:rPr>
-              <a:t> </a:t>
-            </a:r>
-            <a:r>
-              <a:rPr lang="en-US" sz="1200" kern="1200" dirty="0" err="1">
-                <a:solidFill>
-                  <a:schemeClr val="tx1"/>
-                </a:solidFill>
-                <a:effectLst/>
-                <a:latin typeface="+mn-lt"/>
-                <a:ea typeface="+mn-ea"/>
-                <a:cs typeface="+mn-cs"/>
-              </a:rPr>
-              <a:t>tồn</a:t>
-            </a:r>
-            <a:r>
-              <a:rPr lang="en-US" sz="1200" kern="1200" dirty="0">
-                <a:solidFill>
-                  <a:schemeClr val="tx1"/>
-                </a:solidFill>
-                <a:effectLst/>
-                <a:latin typeface="+mn-lt"/>
-                <a:ea typeface="+mn-ea"/>
-                <a:cs typeface="+mn-cs"/>
-              </a:rPr>
-              <a:t> </a:t>
-            </a:r>
-            <a:r>
-              <a:rPr lang="en-US" sz="1200" kern="1200" dirty="0" err="1">
-                <a:solidFill>
-                  <a:schemeClr val="tx1"/>
-                </a:solidFill>
-                <a:effectLst/>
-                <a:latin typeface="+mn-lt"/>
-                <a:ea typeface="+mn-ea"/>
-                <a:cs typeface="+mn-cs"/>
-              </a:rPr>
-              <a:t>tại</a:t>
-            </a:r>
-            <a:r>
-              <a:rPr lang="en-US" sz="1200" kern="1200" dirty="0">
-                <a:solidFill>
-                  <a:schemeClr val="tx1"/>
-                </a:solidFill>
-                <a:effectLst/>
-                <a:latin typeface="+mn-lt"/>
-                <a:ea typeface="+mn-ea"/>
-                <a:cs typeface="+mn-cs"/>
-              </a:rPr>
-              <a:t> </a:t>
-            </a:r>
-            <a:r>
-              <a:rPr lang="en-US" sz="1200" kern="1200" dirty="0" err="1">
-                <a:solidFill>
-                  <a:schemeClr val="tx1"/>
-                </a:solidFill>
-                <a:effectLst/>
-                <a:latin typeface="+mn-lt"/>
-                <a:ea typeface="+mn-ea"/>
-                <a:cs typeface="+mn-cs"/>
-              </a:rPr>
-              <a:t>nhiều</a:t>
-            </a:r>
-            <a:r>
-              <a:rPr lang="en-US" sz="1200" kern="1200" dirty="0">
-                <a:solidFill>
-                  <a:schemeClr val="tx1"/>
-                </a:solidFill>
-                <a:effectLst/>
-                <a:latin typeface="+mn-lt"/>
-                <a:ea typeface="+mn-ea"/>
-                <a:cs typeface="+mn-cs"/>
-              </a:rPr>
-              <a:t> </a:t>
-            </a:r>
-            <a:r>
-              <a:rPr lang="en-US" sz="1200" kern="1200" dirty="0" err="1">
-                <a:solidFill>
-                  <a:schemeClr val="tx1"/>
-                </a:solidFill>
-                <a:effectLst/>
-                <a:latin typeface="+mn-lt"/>
-                <a:ea typeface="+mn-ea"/>
-                <a:cs typeface="+mn-cs"/>
-              </a:rPr>
-              <a:t>thành</a:t>
-            </a:r>
-            <a:r>
-              <a:rPr lang="en-US" sz="1200" kern="1200" dirty="0">
-                <a:solidFill>
-                  <a:schemeClr val="tx1"/>
-                </a:solidFill>
-                <a:effectLst/>
-                <a:latin typeface="+mn-lt"/>
-                <a:ea typeface="+mn-ea"/>
-                <a:cs typeface="+mn-cs"/>
-              </a:rPr>
-              <a:t> </a:t>
-            </a:r>
-            <a:r>
-              <a:rPr lang="en-US" sz="1200" kern="1200" dirty="0" err="1">
-                <a:solidFill>
-                  <a:schemeClr val="tx1"/>
-                </a:solidFill>
-                <a:effectLst/>
-                <a:latin typeface="+mn-lt"/>
-                <a:ea typeface="+mn-ea"/>
-                <a:cs typeface="+mn-cs"/>
-              </a:rPr>
-              <a:t>phần</a:t>
-            </a:r>
-            <a:r>
-              <a:rPr lang="en-US" sz="1200" kern="1200" dirty="0">
-                <a:solidFill>
-                  <a:schemeClr val="tx1"/>
-                </a:solidFill>
-                <a:effectLst/>
-                <a:latin typeface="+mn-lt"/>
-                <a:ea typeface="+mn-ea"/>
-                <a:cs typeface="+mn-cs"/>
-              </a:rPr>
-              <a:t> </a:t>
-            </a:r>
-            <a:r>
-              <a:rPr lang="en-US" sz="1200" kern="1200" dirty="0" err="1">
-                <a:solidFill>
-                  <a:schemeClr val="tx1"/>
-                </a:solidFill>
-                <a:effectLst/>
-                <a:latin typeface="+mn-lt"/>
-                <a:ea typeface="+mn-ea"/>
-                <a:cs typeface="+mn-cs"/>
-              </a:rPr>
-              <a:t>kinh</a:t>
-            </a:r>
-            <a:r>
-              <a:rPr lang="en-US" sz="1200" kern="1200" dirty="0">
-                <a:solidFill>
-                  <a:schemeClr val="tx1"/>
-                </a:solidFill>
-                <a:effectLst/>
-                <a:latin typeface="+mn-lt"/>
-                <a:ea typeface="+mn-ea"/>
-                <a:cs typeface="+mn-cs"/>
-              </a:rPr>
-              <a:t> </a:t>
-            </a:r>
-            <a:r>
-              <a:rPr lang="en-US" sz="1200" kern="1200" dirty="0" err="1">
-                <a:solidFill>
-                  <a:schemeClr val="tx1"/>
-                </a:solidFill>
-                <a:effectLst/>
-                <a:latin typeface="+mn-lt"/>
-                <a:ea typeface="+mn-ea"/>
-                <a:cs typeface="+mn-cs"/>
-              </a:rPr>
-              <a:t>tế</a:t>
-            </a:r>
-            <a:r>
-              <a:rPr lang="en-US" sz="1200" kern="1200" dirty="0">
-                <a:solidFill>
-                  <a:schemeClr val="tx1"/>
-                </a:solidFill>
-                <a:effectLst/>
-                <a:latin typeface="+mn-lt"/>
-                <a:ea typeface="+mn-ea"/>
-                <a:cs typeface="+mn-cs"/>
-              </a:rPr>
-              <a:t> (KT </a:t>
-            </a:r>
-            <a:r>
-              <a:rPr lang="en-US" sz="1200" kern="1200" dirty="0" err="1">
-                <a:solidFill>
-                  <a:schemeClr val="tx1"/>
-                </a:solidFill>
-                <a:effectLst/>
-                <a:latin typeface="+mn-lt"/>
-                <a:ea typeface="+mn-ea"/>
-                <a:cs typeface="+mn-cs"/>
-              </a:rPr>
-              <a:t>hàng</a:t>
-            </a:r>
-            <a:r>
-              <a:rPr lang="en-US" sz="1200" kern="1200" dirty="0">
-                <a:solidFill>
-                  <a:schemeClr val="tx1"/>
-                </a:solidFill>
-                <a:effectLst/>
-                <a:latin typeface="+mn-lt"/>
-                <a:ea typeface="+mn-ea"/>
-                <a:cs typeface="+mn-cs"/>
-              </a:rPr>
-              <a:t> </a:t>
-            </a:r>
-            <a:r>
-              <a:rPr lang="en-US" sz="1200" kern="1200" dirty="0" err="1">
-                <a:solidFill>
-                  <a:schemeClr val="tx1"/>
-                </a:solidFill>
-                <a:effectLst/>
-                <a:latin typeface="+mn-lt"/>
-                <a:ea typeface="+mn-ea"/>
-                <a:cs typeface="+mn-cs"/>
-              </a:rPr>
-              <a:t>hóa</a:t>
-            </a:r>
-            <a:r>
-              <a:rPr lang="en-US" sz="1200" kern="1200" dirty="0">
-                <a:solidFill>
-                  <a:schemeClr val="tx1"/>
-                </a:solidFill>
-                <a:effectLst/>
-                <a:latin typeface="+mn-lt"/>
-                <a:ea typeface="+mn-ea"/>
-                <a:cs typeface="+mn-cs"/>
-              </a:rPr>
-              <a:t> </a:t>
-            </a:r>
-            <a:r>
-              <a:rPr lang="en-US" sz="1200" kern="1200" dirty="0" err="1">
-                <a:solidFill>
-                  <a:schemeClr val="tx1"/>
-                </a:solidFill>
-                <a:effectLst/>
-                <a:latin typeface="+mn-lt"/>
-                <a:ea typeface="+mn-ea"/>
-                <a:cs typeface="+mn-cs"/>
-              </a:rPr>
-              <a:t>nhiều</a:t>
-            </a:r>
-            <a:r>
-              <a:rPr lang="en-US" sz="1200" kern="1200" dirty="0">
-                <a:solidFill>
-                  <a:schemeClr val="tx1"/>
-                </a:solidFill>
-                <a:effectLst/>
-                <a:latin typeface="+mn-lt"/>
-                <a:ea typeface="+mn-ea"/>
-                <a:cs typeface="+mn-cs"/>
-              </a:rPr>
-              <a:t> </a:t>
-            </a:r>
-            <a:r>
-              <a:rPr lang="en-US" sz="1200" kern="1200" dirty="0" err="1">
-                <a:solidFill>
-                  <a:schemeClr val="tx1"/>
-                </a:solidFill>
-                <a:effectLst/>
-                <a:latin typeface="+mn-lt"/>
-                <a:ea typeface="+mn-ea"/>
-                <a:cs typeface="+mn-cs"/>
-              </a:rPr>
-              <a:t>thành</a:t>
-            </a:r>
-            <a:r>
-              <a:rPr lang="en-US" sz="1200" kern="1200" dirty="0">
-                <a:solidFill>
-                  <a:schemeClr val="tx1"/>
-                </a:solidFill>
-                <a:effectLst/>
-                <a:latin typeface="+mn-lt"/>
-                <a:ea typeface="+mn-ea"/>
-                <a:cs typeface="+mn-cs"/>
-              </a:rPr>
-              <a:t> </a:t>
-            </a:r>
-            <a:r>
-              <a:rPr lang="en-US" sz="1200" kern="1200" dirty="0" err="1">
-                <a:solidFill>
-                  <a:schemeClr val="tx1"/>
-                </a:solidFill>
-                <a:effectLst/>
-                <a:latin typeface="+mn-lt"/>
-                <a:ea typeface="+mn-ea"/>
-                <a:cs typeface="+mn-cs"/>
-              </a:rPr>
-              <a:t>phần</a:t>
-            </a:r>
-            <a:r>
-              <a:rPr lang="en-US" sz="1200" kern="1200" dirty="0">
-                <a:solidFill>
-                  <a:schemeClr val="tx1"/>
-                </a:solidFill>
-                <a:effectLst/>
-                <a:latin typeface="+mn-lt"/>
-                <a:ea typeface="+mn-ea"/>
-                <a:cs typeface="+mn-cs"/>
-              </a:rPr>
-              <a:t>, KT XHCH, KT </a:t>
-            </a:r>
-            <a:r>
-              <a:rPr lang="en-US" sz="1200" kern="1200" dirty="0" err="1">
-                <a:solidFill>
-                  <a:schemeClr val="tx1"/>
-                </a:solidFill>
-                <a:effectLst/>
-                <a:latin typeface="+mn-lt"/>
-                <a:ea typeface="+mn-ea"/>
-                <a:cs typeface="+mn-cs"/>
-              </a:rPr>
-              <a:t>gia</a:t>
-            </a:r>
-            <a:r>
-              <a:rPr lang="en-US" sz="1200" kern="1200" dirty="0">
-                <a:solidFill>
-                  <a:schemeClr val="tx1"/>
-                </a:solidFill>
-                <a:effectLst/>
-                <a:latin typeface="+mn-lt"/>
-                <a:ea typeface="+mn-ea"/>
-                <a:cs typeface="+mn-cs"/>
-              </a:rPr>
-              <a:t> </a:t>
-            </a:r>
-            <a:r>
-              <a:rPr lang="en-US" sz="1200" kern="1200" dirty="0" err="1">
-                <a:solidFill>
-                  <a:schemeClr val="tx1"/>
-                </a:solidFill>
-                <a:effectLst/>
-                <a:latin typeface="+mn-lt"/>
-                <a:ea typeface="+mn-ea"/>
-                <a:cs typeface="+mn-cs"/>
-              </a:rPr>
-              <a:t>trưởng</a:t>
-            </a:r>
-            <a:r>
-              <a:rPr lang="en-US" sz="1200" kern="1200" dirty="0">
-                <a:solidFill>
-                  <a:schemeClr val="tx1"/>
-                </a:solidFill>
-                <a:effectLst/>
-                <a:latin typeface="+mn-lt"/>
-                <a:ea typeface="+mn-ea"/>
-                <a:cs typeface="+mn-cs"/>
-              </a:rPr>
-              <a:t>, KT </a:t>
-            </a:r>
-            <a:r>
-              <a:rPr lang="en-US" sz="1200" kern="1200" dirty="0" err="1">
-                <a:solidFill>
-                  <a:schemeClr val="tx1"/>
-                </a:solidFill>
-                <a:effectLst/>
-                <a:latin typeface="+mn-lt"/>
-                <a:ea typeface="+mn-ea"/>
-                <a:cs typeface="+mn-cs"/>
-              </a:rPr>
-              <a:t>hàng</a:t>
-            </a:r>
-            <a:r>
-              <a:rPr lang="en-US" sz="1200" kern="1200" dirty="0">
-                <a:solidFill>
-                  <a:schemeClr val="tx1"/>
-                </a:solidFill>
-                <a:effectLst/>
-                <a:latin typeface="+mn-lt"/>
-                <a:ea typeface="+mn-ea"/>
-                <a:cs typeface="+mn-cs"/>
-              </a:rPr>
-              <a:t> </a:t>
-            </a:r>
-            <a:r>
-              <a:rPr lang="en-US" sz="1200" kern="1200" dirty="0" err="1">
-                <a:solidFill>
-                  <a:schemeClr val="tx1"/>
-                </a:solidFill>
-                <a:effectLst/>
-                <a:latin typeface="+mn-lt"/>
-                <a:ea typeface="+mn-ea"/>
-                <a:cs typeface="+mn-cs"/>
-              </a:rPr>
-              <a:t>hóa</a:t>
-            </a:r>
-            <a:r>
-              <a:rPr lang="en-US" sz="1200" kern="1200" dirty="0">
-                <a:solidFill>
-                  <a:schemeClr val="tx1"/>
-                </a:solidFill>
-                <a:effectLst/>
-                <a:latin typeface="+mn-lt"/>
-                <a:ea typeface="+mn-ea"/>
-                <a:cs typeface="+mn-cs"/>
-              </a:rPr>
-              <a:t> </a:t>
-            </a:r>
-            <a:r>
-              <a:rPr lang="en-US" sz="1200" kern="1200" dirty="0" err="1">
-                <a:solidFill>
-                  <a:schemeClr val="tx1"/>
-                </a:solidFill>
-                <a:effectLst/>
-                <a:latin typeface="+mn-lt"/>
-                <a:ea typeface="+mn-ea"/>
-                <a:cs typeface="+mn-cs"/>
-              </a:rPr>
-              <a:t>nhỏ</a:t>
-            </a:r>
-            <a:r>
-              <a:rPr lang="en-US" sz="1200" kern="1200" dirty="0">
-                <a:solidFill>
-                  <a:schemeClr val="tx1"/>
-                </a:solidFill>
-                <a:effectLst/>
-                <a:latin typeface="+mn-lt"/>
-                <a:ea typeface="+mn-ea"/>
-                <a:cs typeface="+mn-cs"/>
-              </a:rPr>
-              <a:t>, KT </a:t>
-            </a:r>
-            <a:r>
-              <a:rPr lang="en-US" sz="1200" kern="1200" dirty="0" err="1">
-                <a:solidFill>
-                  <a:schemeClr val="tx1"/>
-                </a:solidFill>
-                <a:effectLst/>
-                <a:latin typeface="+mn-lt"/>
-                <a:ea typeface="+mn-ea"/>
-                <a:cs typeface="+mn-cs"/>
-              </a:rPr>
-              <a:t>tư</a:t>
-            </a:r>
-            <a:r>
-              <a:rPr lang="en-US" sz="1200" kern="1200" dirty="0">
-                <a:solidFill>
-                  <a:schemeClr val="tx1"/>
-                </a:solidFill>
-                <a:effectLst/>
-                <a:latin typeface="+mn-lt"/>
-                <a:ea typeface="+mn-ea"/>
-                <a:cs typeface="+mn-cs"/>
-              </a:rPr>
-              <a:t> </a:t>
-            </a:r>
-            <a:r>
-              <a:rPr lang="en-US" sz="1200" kern="1200" dirty="0" err="1">
-                <a:solidFill>
-                  <a:schemeClr val="tx1"/>
-                </a:solidFill>
-                <a:effectLst/>
-                <a:latin typeface="+mn-lt"/>
-                <a:ea typeface="+mn-ea"/>
-                <a:cs typeface="+mn-cs"/>
-              </a:rPr>
-              <a:t>bản</a:t>
-            </a:r>
-            <a:r>
-              <a:rPr lang="en-US" sz="1200" kern="1200" dirty="0">
-                <a:solidFill>
-                  <a:schemeClr val="tx1"/>
-                </a:solidFill>
-                <a:effectLst/>
-                <a:latin typeface="+mn-lt"/>
-                <a:ea typeface="+mn-ea"/>
-                <a:cs typeface="+mn-cs"/>
-              </a:rPr>
-              <a:t> </a:t>
-            </a:r>
-            <a:r>
-              <a:rPr lang="en-US" sz="1200" kern="1200" dirty="0" err="1">
-                <a:solidFill>
-                  <a:schemeClr val="tx1"/>
-                </a:solidFill>
-                <a:effectLst/>
-                <a:latin typeface="+mn-lt"/>
-                <a:ea typeface="+mn-ea"/>
-                <a:cs typeface="+mn-cs"/>
-              </a:rPr>
-              <a:t>nhà</a:t>
-            </a:r>
-            <a:r>
-              <a:rPr lang="en-US" sz="1200" kern="1200" dirty="0">
-                <a:solidFill>
-                  <a:schemeClr val="tx1"/>
-                </a:solidFill>
-                <a:effectLst/>
-                <a:latin typeface="+mn-lt"/>
-                <a:ea typeface="+mn-ea"/>
-                <a:cs typeface="+mn-cs"/>
-              </a:rPr>
-              <a:t> </a:t>
-            </a:r>
-            <a:r>
-              <a:rPr lang="en-US" sz="1200" kern="1200" dirty="0" err="1">
-                <a:solidFill>
-                  <a:schemeClr val="tx1"/>
-                </a:solidFill>
-                <a:effectLst/>
-                <a:latin typeface="+mn-lt"/>
-                <a:ea typeface="+mn-ea"/>
-                <a:cs typeface="+mn-cs"/>
-              </a:rPr>
-              <a:t>nước</a:t>
-            </a:r>
-            <a:r>
-              <a:rPr lang="en-US" sz="1200" kern="1200" dirty="0">
-                <a:solidFill>
-                  <a:schemeClr val="tx1"/>
-                </a:solidFill>
-                <a:effectLst/>
-                <a:latin typeface="+mn-lt"/>
-                <a:ea typeface="+mn-ea"/>
-                <a:cs typeface="+mn-cs"/>
-              </a:rPr>
-              <a:t>)</a:t>
-            </a:r>
-          </a:p>
-          <a:p>
             <a:endParaRPr lang="en-US" dirty="0"/>
           </a:p>
         </p:txBody>
@@ -8677,661 +1216,6 @@
         <p:txBody>
           <a:bodyPr/>
           <a:lstStyle/>
-          <a:p>
-            <a:pPr marL="0" marR="0" lvl="0" indent="0" algn="l" defTabSz="914400" rtl="0" eaLnBrk="1" fontAlgn="auto" latinLnBrk="0" hangingPunct="1">
-              <a:lnSpc>
-                <a:spcPct val="100000"/>
-              </a:lnSpc>
-              <a:spcBef>
-                <a:spcPts val="0"/>
-              </a:spcBef>
-              <a:spcAft>
-                <a:spcPts val="0"/>
-              </a:spcAft>
-              <a:buClrTx/>
-              <a:buSzTx/>
-              <a:buFontTx/>
-              <a:buNone/>
-              <a:tabLst/>
-              <a:defRPr/>
-            </a:pPr>
-            <a:r>
-              <a:rPr lang="en-US" sz="1200" kern="1200" dirty="0">
-                <a:solidFill>
-                  <a:schemeClr val="tx1"/>
-                </a:solidFill>
-                <a:effectLst/>
-                <a:latin typeface="+mn-lt"/>
-                <a:ea typeface="+mn-ea"/>
-                <a:cs typeface="+mn-cs"/>
-              </a:rPr>
-              <a:t>+ </a:t>
-            </a:r>
-            <a:r>
-              <a:rPr lang="en-US" sz="1200" kern="1200" dirty="0" err="1">
-                <a:solidFill>
-                  <a:schemeClr val="tx1"/>
-                </a:solidFill>
-                <a:effectLst/>
-                <a:latin typeface="+mn-lt"/>
-                <a:ea typeface="+mn-ea"/>
-                <a:cs typeface="+mn-cs"/>
-              </a:rPr>
-              <a:t>Về</a:t>
-            </a:r>
-            <a:r>
-              <a:rPr lang="en-US" sz="1200" kern="1200" dirty="0">
-                <a:solidFill>
-                  <a:schemeClr val="tx1"/>
-                </a:solidFill>
-                <a:effectLst/>
-                <a:latin typeface="+mn-lt"/>
-                <a:ea typeface="+mn-ea"/>
-                <a:cs typeface="+mn-cs"/>
-              </a:rPr>
-              <a:t> </a:t>
-            </a:r>
-            <a:r>
-              <a:rPr lang="en-US" sz="1200" kern="1200" dirty="0" err="1">
-                <a:solidFill>
-                  <a:schemeClr val="tx1"/>
-                </a:solidFill>
-                <a:effectLst/>
-                <a:latin typeface="+mn-lt"/>
-                <a:ea typeface="+mn-ea"/>
-                <a:cs typeface="+mn-cs"/>
-              </a:rPr>
-              <a:t>kinh</a:t>
-            </a:r>
-            <a:r>
-              <a:rPr lang="en-US" sz="1200" kern="1200" dirty="0">
-                <a:solidFill>
-                  <a:schemeClr val="tx1"/>
-                </a:solidFill>
-                <a:effectLst/>
-                <a:latin typeface="+mn-lt"/>
-                <a:ea typeface="+mn-ea"/>
-                <a:cs typeface="+mn-cs"/>
-              </a:rPr>
-              <a:t> </a:t>
-            </a:r>
-            <a:r>
-              <a:rPr lang="en-US" sz="1200" kern="1200" dirty="0" err="1">
-                <a:solidFill>
-                  <a:schemeClr val="tx1"/>
-                </a:solidFill>
-                <a:effectLst/>
-                <a:latin typeface="+mn-lt"/>
-                <a:ea typeface="+mn-ea"/>
-                <a:cs typeface="+mn-cs"/>
-              </a:rPr>
-              <a:t>tế</a:t>
-            </a:r>
-            <a:r>
-              <a:rPr lang="en-US" sz="1200" kern="1200" dirty="0">
-                <a:solidFill>
-                  <a:schemeClr val="tx1"/>
-                </a:solidFill>
-                <a:effectLst/>
-                <a:latin typeface="+mn-lt"/>
-                <a:ea typeface="+mn-ea"/>
-                <a:cs typeface="+mn-cs"/>
-              </a:rPr>
-              <a:t>: </a:t>
-            </a:r>
-            <a:r>
-              <a:rPr lang="en-US" sz="1200" kern="1200" dirty="0" err="1">
-                <a:solidFill>
-                  <a:schemeClr val="tx1"/>
-                </a:solidFill>
-                <a:effectLst/>
-                <a:latin typeface="+mn-lt"/>
-                <a:ea typeface="+mn-ea"/>
-                <a:cs typeface="+mn-cs"/>
-              </a:rPr>
-              <a:t>thời</a:t>
-            </a:r>
-            <a:r>
-              <a:rPr lang="en-US" sz="1200" kern="1200" dirty="0">
-                <a:solidFill>
-                  <a:schemeClr val="tx1"/>
-                </a:solidFill>
-                <a:effectLst/>
-                <a:latin typeface="+mn-lt"/>
-                <a:ea typeface="+mn-ea"/>
-                <a:cs typeface="+mn-cs"/>
-              </a:rPr>
-              <a:t> </a:t>
-            </a:r>
-            <a:r>
-              <a:rPr lang="en-US" sz="1200" kern="1200" dirty="0" err="1">
-                <a:solidFill>
-                  <a:schemeClr val="tx1"/>
-                </a:solidFill>
-                <a:effectLst/>
-                <a:latin typeface="+mn-lt"/>
-                <a:ea typeface="+mn-ea"/>
-                <a:cs typeface="+mn-cs"/>
-              </a:rPr>
-              <a:t>kỳ</a:t>
-            </a:r>
-            <a:r>
-              <a:rPr lang="en-US" sz="1200" kern="1200" dirty="0">
-                <a:solidFill>
-                  <a:schemeClr val="tx1"/>
-                </a:solidFill>
-                <a:effectLst/>
-                <a:latin typeface="+mn-lt"/>
-                <a:ea typeface="+mn-ea"/>
-                <a:cs typeface="+mn-cs"/>
-              </a:rPr>
-              <a:t> </a:t>
-            </a:r>
-            <a:r>
-              <a:rPr lang="en-US" sz="1200" kern="1200" dirty="0" err="1">
-                <a:solidFill>
-                  <a:schemeClr val="tx1"/>
-                </a:solidFill>
-                <a:effectLst/>
-                <a:latin typeface="+mn-lt"/>
-                <a:ea typeface="+mn-ea"/>
-                <a:cs typeface="+mn-cs"/>
-              </a:rPr>
-              <a:t>tồn</a:t>
-            </a:r>
-            <a:r>
-              <a:rPr lang="en-US" sz="1200" kern="1200" dirty="0">
-                <a:solidFill>
-                  <a:schemeClr val="tx1"/>
-                </a:solidFill>
-                <a:effectLst/>
-                <a:latin typeface="+mn-lt"/>
-                <a:ea typeface="+mn-ea"/>
-                <a:cs typeface="+mn-cs"/>
-              </a:rPr>
-              <a:t> </a:t>
-            </a:r>
-            <a:r>
-              <a:rPr lang="en-US" sz="1200" kern="1200" dirty="0" err="1">
-                <a:solidFill>
-                  <a:schemeClr val="tx1"/>
-                </a:solidFill>
-                <a:effectLst/>
-                <a:latin typeface="+mn-lt"/>
-                <a:ea typeface="+mn-ea"/>
-                <a:cs typeface="+mn-cs"/>
-              </a:rPr>
-              <a:t>tại</a:t>
-            </a:r>
-            <a:r>
-              <a:rPr lang="en-US" sz="1200" kern="1200" dirty="0">
-                <a:solidFill>
-                  <a:schemeClr val="tx1"/>
-                </a:solidFill>
-                <a:effectLst/>
-                <a:latin typeface="+mn-lt"/>
-                <a:ea typeface="+mn-ea"/>
-                <a:cs typeface="+mn-cs"/>
-              </a:rPr>
-              <a:t> </a:t>
-            </a:r>
-            <a:r>
-              <a:rPr lang="en-US" sz="1200" kern="1200" dirty="0" err="1">
-                <a:solidFill>
-                  <a:schemeClr val="tx1"/>
-                </a:solidFill>
-                <a:effectLst/>
-                <a:latin typeface="+mn-lt"/>
-                <a:ea typeface="+mn-ea"/>
-                <a:cs typeface="+mn-cs"/>
-              </a:rPr>
-              <a:t>nhiều</a:t>
-            </a:r>
-            <a:r>
-              <a:rPr lang="en-US" sz="1200" kern="1200" dirty="0">
-                <a:solidFill>
-                  <a:schemeClr val="tx1"/>
-                </a:solidFill>
-                <a:effectLst/>
-                <a:latin typeface="+mn-lt"/>
-                <a:ea typeface="+mn-ea"/>
-                <a:cs typeface="+mn-cs"/>
-              </a:rPr>
-              <a:t> </a:t>
-            </a:r>
-            <a:r>
-              <a:rPr lang="en-US" sz="1200" kern="1200" dirty="0" err="1">
-                <a:solidFill>
-                  <a:schemeClr val="tx1"/>
-                </a:solidFill>
-                <a:effectLst/>
-                <a:latin typeface="+mn-lt"/>
-                <a:ea typeface="+mn-ea"/>
-                <a:cs typeface="+mn-cs"/>
-              </a:rPr>
-              <a:t>thành</a:t>
-            </a:r>
-            <a:r>
-              <a:rPr lang="en-US" sz="1200" kern="1200" dirty="0">
-                <a:solidFill>
-                  <a:schemeClr val="tx1"/>
-                </a:solidFill>
-                <a:effectLst/>
-                <a:latin typeface="+mn-lt"/>
-                <a:ea typeface="+mn-ea"/>
-                <a:cs typeface="+mn-cs"/>
-              </a:rPr>
-              <a:t> </a:t>
-            </a:r>
-            <a:r>
-              <a:rPr lang="en-US" sz="1200" kern="1200" dirty="0" err="1">
-                <a:solidFill>
-                  <a:schemeClr val="tx1"/>
-                </a:solidFill>
-                <a:effectLst/>
-                <a:latin typeface="+mn-lt"/>
-                <a:ea typeface="+mn-ea"/>
-                <a:cs typeface="+mn-cs"/>
-              </a:rPr>
-              <a:t>phần</a:t>
-            </a:r>
-            <a:r>
-              <a:rPr lang="en-US" sz="1200" kern="1200" dirty="0">
-                <a:solidFill>
-                  <a:schemeClr val="tx1"/>
-                </a:solidFill>
-                <a:effectLst/>
-                <a:latin typeface="+mn-lt"/>
-                <a:ea typeface="+mn-ea"/>
-                <a:cs typeface="+mn-cs"/>
-              </a:rPr>
-              <a:t> </a:t>
-            </a:r>
-            <a:r>
-              <a:rPr lang="en-US" sz="1200" kern="1200" dirty="0" err="1">
-                <a:solidFill>
-                  <a:schemeClr val="tx1"/>
-                </a:solidFill>
-                <a:effectLst/>
-                <a:latin typeface="+mn-lt"/>
-                <a:ea typeface="+mn-ea"/>
-                <a:cs typeface="+mn-cs"/>
-              </a:rPr>
-              <a:t>kinh</a:t>
-            </a:r>
-            <a:r>
-              <a:rPr lang="en-US" sz="1200" kern="1200" dirty="0">
-                <a:solidFill>
-                  <a:schemeClr val="tx1"/>
-                </a:solidFill>
-                <a:effectLst/>
-                <a:latin typeface="+mn-lt"/>
-                <a:ea typeface="+mn-ea"/>
-                <a:cs typeface="+mn-cs"/>
-              </a:rPr>
-              <a:t> </a:t>
-            </a:r>
-            <a:r>
-              <a:rPr lang="en-US" sz="1200" kern="1200" dirty="0" err="1">
-                <a:solidFill>
-                  <a:schemeClr val="tx1"/>
-                </a:solidFill>
-                <a:effectLst/>
-                <a:latin typeface="+mn-lt"/>
-                <a:ea typeface="+mn-ea"/>
-                <a:cs typeface="+mn-cs"/>
-              </a:rPr>
-              <a:t>tế</a:t>
-            </a:r>
-            <a:r>
-              <a:rPr lang="en-US" sz="1200" kern="1200" dirty="0">
-                <a:solidFill>
-                  <a:schemeClr val="tx1"/>
-                </a:solidFill>
-                <a:effectLst/>
-                <a:latin typeface="+mn-lt"/>
-                <a:ea typeface="+mn-ea"/>
-                <a:cs typeface="+mn-cs"/>
-              </a:rPr>
-              <a:t> (KT </a:t>
-            </a:r>
-            <a:r>
-              <a:rPr lang="en-US" sz="1200" kern="1200" dirty="0" err="1">
-                <a:solidFill>
-                  <a:schemeClr val="tx1"/>
-                </a:solidFill>
-                <a:effectLst/>
-                <a:latin typeface="+mn-lt"/>
-                <a:ea typeface="+mn-ea"/>
-                <a:cs typeface="+mn-cs"/>
-              </a:rPr>
-              <a:t>hàng</a:t>
-            </a:r>
-            <a:r>
-              <a:rPr lang="en-US" sz="1200" kern="1200" dirty="0">
-                <a:solidFill>
-                  <a:schemeClr val="tx1"/>
-                </a:solidFill>
-                <a:effectLst/>
-                <a:latin typeface="+mn-lt"/>
-                <a:ea typeface="+mn-ea"/>
-                <a:cs typeface="+mn-cs"/>
-              </a:rPr>
-              <a:t> </a:t>
-            </a:r>
-            <a:r>
-              <a:rPr lang="en-US" sz="1200" kern="1200" dirty="0" err="1">
-                <a:solidFill>
-                  <a:schemeClr val="tx1"/>
-                </a:solidFill>
-                <a:effectLst/>
-                <a:latin typeface="+mn-lt"/>
-                <a:ea typeface="+mn-ea"/>
-                <a:cs typeface="+mn-cs"/>
-              </a:rPr>
-              <a:t>hóa</a:t>
-            </a:r>
-            <a:r>
-              <a:rPr lang="en-US" sz="1200" kern="1200" dirty="0">
-                <a:solidFill>
-                  <a:schemeClr val="tx1"/>
-                </a:solidFill>
-                <a:effectLst/>
-                <a:latin typeface="+mn-lt"/>
-                <a:ea typeface="+mn-ea"/>
-                <a:cs typeface="+mn-cs"/>
-              </a:rPr>
-              <a:t> </a:t>
-            </a:r>
-            <a:r>
-              <a:rPr lang="en-US" sz="1200" kern="1200" dirty="0" err="1">
-                <a:solidFill>
-                  <a:schemeClr val="tx1"/>
-                </a:solidFill>
-                <a:effectLst/>
-                <a:latin typeface="+mn-lt"/>
-                <a:ea typeface="+mn-ea"/>
-                <a:cs typeface="+mn-cs"/>
-              </a:rPr>
-              <a:t>nhiều</a:t>
-            </a:r>
-            <a:r>
-              <a:rPr lang="en-US" sz="1200" kern="1200" dirty="0">
-                <a:solidFill>
-                  <a:schemeClr val="tx1"/>
-                </a:solidFill>
-                <a:effectLst/>
-                <a:latin typeface="+mn-lt"/>
-                <a:ea typeface="+mn-ea"/>
-                <a:cs typeface="+mn-cs"/>
-              </a:rPr>
-              <a:t> </a:t>
-            </a:r>
-            <a:r>
-              <a:rPr lang="en-US" sz="1200" kern="1200" dirty="0" err="1">
-                <a:solidFill>
-                  <a:schemeClr val="tx1"/>
-                </a:solidFill>
-                <a:effectLst/>
-                <a:latin typeface="+mn-lt"/>
-                <a:ea typeface="+mn-ea"/>
-                <a:cs typeface="+mn-cs"/>
-              </a:rPr>
-              <a:t>thành</a:t>
-            </a:r>
-            <a:r>
-              <a:rPr lang="en-US" sz="1200" kern="1200" dirty="0">
-                <a:solidFill>
-                  <a:schemeClr val="tx1"/>
-                </a:solidFill>
-                <a:effectLst/>
-                <a:latin typeface="+mn-lt"/>
-                <a:ea typeface="+mn-ea"/>
-                <a:cs typeface="+mn-cs"/>
-              </a:rPr>
-              <a:t> </a:t>
-            </a:r>
-            <a:r>
-              <a:rPr lang="en-US" sz="1200" kern="1200" dirty="0" err="1">
-                <a:solidFill>
-                  <a:schemeClr val="tx1"/>
-                </a:solidFill>
-                <a:effectLst/>
-                <a:latin typeface="+mn-lt"/>
-                <a:ea typeface="+mn-ea"/>
-                <a:cs typeface="+mn-cs"/>
-              </a:rPr>
-              <a:t>phần</a:t>
-            </a:r>
-            <a:r>
-              <a:rPr lang="en-US" sz="1200" kern="1200" dirty="0">
-                <a:solidFill>
-                  <a:schemeClr val="tx1"/>
-                </a:solidFill>
-                <a:effectLst/>
-                <a:latin typeface="+mn-lt"/>
-                <a:ea typeface="+mn-ea"/>
-                <a:cs typeface="+mn-cs"/>
-              </a:rPr>
-              <a:t>, KT XHCH, KT </a:t>
-            </a:r>
-            <a:r>
-              <a:rPr lang="en-US" sz="1200" kern="1200" dirty="0" err="1">
-                <a:solidFill>
-                  <a:schemeClr val="tx1"/>
-                </a:solidFill>
-                <a:effectLst/>
-                <a:latin typeface="+mn-lt"/>
-                <a:ea typeface="+mn-ea"/>
-                <a:cs typeface="+mn-cs"/>
-              </a:rPr>
-              <a:t>gia</a:t>
-            </a:r>
-            <a:r>
-              <a:rPr lang="en-US" sz="1200" kern="1200" dirty="0">
-                <a:solidFill>
-                  <a:schemeClr val="tx1"/>
-                </a:solidFill>
-                <a:effectLst/>
-                <a:latin typeface="+mn-lt"/>
-                <a:ea typeface="+mn-ea"/>
-                <a:cs typeface="+mn-cs"/>
-              </a:rPr>
-              <a:t> </a:t>
-            </a:r>
-            <a:r>
-              <a:rPr lang="en-US" sz="1200" kern="1200" dirty="0" err="1">
-                <a:solidFill>
-                  <a:schemeClr val="tx1"/>
-                </a:solidFill>
-                <a:effectLst/>
-                <a:latin typeface="+mn-lt"/>
-                <a:ea typeface="+mn-ea"/>
-                <a:cs typeface="+mn-cs"/>
-              </a:rPr>
-              <a:t>trưởng</a:t>
-            </a:r>
-            <a:r>
-              <a:rPr lang="en-US" sz="1200" kern="1200" dirty="0">
-                <a:solidFill>
-                  <a:schemeClr val="tx1"/>
-                </a:solidFill>
-                <a:effectLst/>
-                <a:latin typeface="+mn-lt"/>
-                <a:ea typeface="+mn-ea"/>
-                <a:cs typeface="+mn-cs"/>
-              </a:rPr>
-              <a:t>, KT </a:t>
-            </a:r>
-            <a:r>
-              <a:rPr lang="en-US" sz="1200" kern="1200" dirty="0" err="1">
-                <a:solidFill>
-                  <a:schemeClr val="tx1"/>
-                </a:solidFill>
-                <a:effectLst/>
-                <a:latin typeface="+mn-lt"/>
-                <a:ea typeface="+mn-ea"/>
-                <a:cs typeface="+mn-cs"/>
-              </a:rPr>
-              <a:t>hàng</a:t>
-            </a:r>
-            <a:r>
-              <a:rPr lang="en-US" sz="1200" kern="1200" dirty="0">
-                <a:solidFill>
-                  <a:schemeClr val="tx1"/>
-                </a:solidFill>
-                <a:effectLst/>
-                <a:latin typeface="+mn-lt"/>
-                <a:ea typeface="+mn-ea"/>
-                <a:cs typeface="+mn-cs"/>
-              </a:rPr>
-              <a:t> </a:t>
-            </a:r>
-            <a:r>
-              <a:rPr lang="en-US" sz="1200" kern="1200" dirty="0" err="1">
-                <a:solidFill>
-                  <a:schemeClr val="tx1"/>
-                </a:solidFill>
-                <a:effectLst/>
-                <a:latin typeface="+mn-lt"/>
-                <a:ea typeface="+mn-ea"/>
-                <a:cs typeface="+mn-cs"/>
-              </a:rPr>
-              <a:t>hóa</a:t>
-            </a:r>
-            <a:r>
-              <a:rPr lang="en-US" sz="1200" kern="1200" dirty="0">
-                <a:solidFill>
-                  <a:schemeClr val="tx1"/>
-                </a:solidFill>
-                <a:effectLst/>
-                <a:latin typeface="+mn-lt"/>
-                <a:ea typeface="+mn-ea"/>
-                <a:cs typeface="+mn-cs"/>
-              </a:rPr>
-              <a:t> </a:t>
-            </a:r>
-            <a:r>
-              <a:rPr lang="en-US" sz="1200" kern="1200" dirty="0" err="1">
-                <a:solidFill>
-                  <a:schemeClr val="tx1"/>
-                </a:solidFill>
-                <a:effectLst/>
-                <a:latin typeface="+mn-lt"/>
-                <a:ea typeface="+mn-ea"/>
-                <a:cs typeface="+mn-cs"/>
-              </a:rPr>
-              <a:t>nhỏ</a:t>
-            </a:r>
-            <a:r>
-              <a:rPr lang="en-US" sz="1200" kern="1200" dirty="0">
-                <a:solidFill>
-                  <a:schemeClr val="tx1"/>
-                </a:solidFill>
-                <a:effectLst/>
-                <a:latin typeface="+mn-lt"/>
-                <a:ea typeface="+mn-ea"/>
-                <a:cs typeface="+mn-cs"/>
-              </a:rPr>
-              <a:t>, KT </a:t>
-            </a:r>
-            <a:r>
-              <a:rPr lang="en-US" sz="1200" kern="1200" dirty="0" err="1">
-                <a:solidFill>
-                  <a:schemeClr val="tx1"/>
-                </a:solidFill>
-                <a:effectLst/>
-                <a:latin typeface="+mn-lt"/>
-                <a:ea typeface="+mn-ea"/>
-                <a:cs typeface="+mn-cs"/>
-              </a:rPr>
-              <a:t>tư</a:t>
-            </a:r>
-            <a:r>
-              <a:rPr lang="en-US" sz="1200" kern="1200" dirty="0">
-                <a:solidFill>
-                  <a:schemeClr val="tx1"/>
-                </a:solidFill>
-                <a:effectLst/>
-                <a:latin typeface="+mn-lt"/>
-                <a:ea typeface="+mn-ea"/>
-                <a:cs typeface="+mn-cs"/>
-              </a:rPr>
-              <a:t> </a:t>
-            </a:r>
-            <a:r>
-              <a:rPr lang="en-US" sz="1200" kern="1200" dirty="0" err="1">
-                <a:solidFill>
-                  <a:schemeClr val="tx1"/>
-                </a:solidFill>
-                <a:effectLst/>
-                <a:latin typeface="+mn-lt"/>
-                <a:ea typeface="+mn-ea"/>
-                <a:cs typeface="+mn-cs"/>
-              </a:rPr>
-              <a:t>bản</a:t>
-            </a:r>
-            <a:r>
-              <a:rPr lang="en-US" sz="1200" kern="1200" dirty="0">
-                <a:solidFill>
-                  <a:schemeClr val="tx1"/>
-                </a:solidFill>
-                <a:effectLst/>
-                <a:latin typeface="+mn-lt"/>
-                <a:ea typeface="+mn-ea"/>
-                <a:cs typeface="+mn-cs"/>
-              </a:rPr>
-              <a:t> </a:t>
-            </a:r>
-            <a:r>
-              <a:rPr lang="en-US" sz="1200" kern="1200" dirty="0" err="1">
-                <a:solidFill>
-                  <a:schemeClr val="tx1"/>
-                </a:solidFill>
-                <a:effectLst/>
-                <a:latin typeface="+mn-lt"/>
-                <a:ea typeface="+mn-ea"/>
-                <a:cs typeface="+mn-cs"/>
-              </a:rPr>
-              <a:t>nhà</a:t>
-            </a:r>
-            <a:r>
-              <a:rPr lang="en-US" sz="1200" kern="1200" dirty="0">
-                <a:solidFill>
-                  <a:schemeClr val="tx1"/>
-                </a:solidFill>
-                <a:effectLst/>
-                <a:latin typeface="+mn-lt"/>
-                <a:ea typeface="+mn-ea"/>
-                <a:cs typeface="+mn-cs"/>
-              </a:rPr>
-              <a:t> </a:t>
-            </a:r>
-            <a:r>
-              <a:rPr lang="en-US" sz="1200" kern="1200" dirty="0" err="1">
-                <a:solidFill>
-                  <a:schemeClr val="tx1"/>
-                </a:solidFill>
-                <a:effectLst/>
-                <a:latin typeface="+mn-lt"/>
-                <a:ea typeface="+mn-ea"/>
-                <a:cs typeface="+mn-cs"/>
-              </a:rPr>
-              <a:t>nước</a:t>
-            </a:r>
-            <a:r>
-              <a:rPr lang="en-US" sz="1200" kern="1200" dirty="0">
-                <a:solidFill>
-                  <a:schemeClr val="tx1"/>
-                </a:solidFill>
-                <a:effectLst/>
-                <a:latin typeface="+mn-lt"/>
-                <a:ea typeface="+mn-ea"/>
-                <a:cs typeface="+mn-cs"/>
-              </a:rPr>
-              <a:t>)</a:t>
-            </a:r>
-          </a:p>
           <a:p>
             <a:endParaRPr lang="en-US" dirty="0"/>
           </a:p>
@@ -9502,7 +1386,7 @@
           <a:p>
             <a:fld id="{203B8AA3-7918-4E0E-B802-84529C2C3994}" type="datetimeFigureOut">
               <a:rPr lang="en-US" smtClean="0"/>
-              <a:t>4/28/2017</a:t>
+              <a:t>5/7/2017</a:t>
             </a:fld>
             <a:endParaRPr lang="en-US"/>
           </a:p>
@@ -9670,7 +1554,7 @@
           <a:p>
             <a:fld id="{203B8AA3-7918-4E0E-B802-84529C2C3994}" type="datetimeFigureOut">
               <a:rPr lang="en-US" smtClean="0"/>
-              <a:t>4/28/2017</a:t>
+              <a:t>5/7/2017</a:t>
             </a:fld>
             <a:endParaRPr lang="en-US"/>
           </a:p>
@@ -9848,7 +1732,7 @@
           <a:p>
             <a:fld id="{203B8AA3-7918-4E0E-B802-84529C2C3994}" type="datetimeFigureOut">
               <a:rPr lang="en-US" smtClean="0"/>
-              <a:t>4/28/2017</a:t>
+              <a:t>5/7/2017</a:t>
             </a:fld>
             <a:endParaRPr lang="en-US"/>
           </a:p>
@@ -10016,7 +1900,7 @@
           <a:p>
             <a:fld id="{203B8AA3-7918-4E0E-B802-84529C2C3994}" type="datetimeFigureOut">
               <a:rPr lang="en-US" smtClean="0"/>
-              <a:t>4/28/2017</a:t>
+              <a:t>5/7/2017</a:t>
             </a:fld>
             <a:endParaRPr lang="en-US"/>
           </a:p>
@@ -10261,7 +2145,7 @@
           <a:p>
             <a:fld id="{203B8AA3-7918-4E0E-B802-84529C2C3994}" type="datetimeFigureOut">
               <a:rPr lang="en-US" smtClean="0"/>
-              <a:t>4/28/2017</a:t>
+              <a:t>5/7/2017</a:t>
             </a:fld>
             <a:endParaRPr lang="en-US"/>
           </a:p>
@@ -10490,7 +2374,7 @@
           <a:p>
             <a:fld id="{203B8AA3-7918-4E0E-B802-84529C2C3994}" type="datetimeFigureOut">
               <a:rPr lang="en-US" smtClean="0"/>
-              <a:t>4/28/2017</a:t>
+              <a:t>5/7/2017</a:t>
             </a:fld>
             <a:endParaRPr lang="en-US"/>
           </a:p>
@@ -10854,7 +2738,7 @@
           <a:p>
             <a:fld id="{203B8AA3-7918-4E0E-B802-84529C2C3994}" type="datetimeFigureOut">
               <a:rPr lang="en-US" smtClean="0"/>
-              <a:t>4/28/2017</a:t>
+              <a:t>5/7/2017</a:t>
             </a:fld>
             <a:endParaRPr lang="en-US"/>
           </a:p>
@@ -10971,7 +2855,7 @@
           <a:p>
             <a:fld id="{203B8AA3-7918-4E0E-B802-84529C2C3994}" type="datetimeFigureOut">
               <a:rPr lang="en-US" smtClean="0"/>
-              <a:t>4/28/2017</a:t>
+              <a:t>5/7/2017</a:t>
             </a:fld>
             <a:endParaRPr lang="en-US"/>
           </a:p>
@@ -11066,7 +2950,7 @@
           <a:p>
             <a:fld id="{203B8AA3-7918-4E0E-B802-84529C2C3994}" type="datetimeFigureOut">
               <a:rPr lang="en-US" smtClean="0"/>
-              <a:t>4/28/2017</a:t>
+              <a:t>5/7/2017</a:t>
             </a:fld>
             <a:endParaRPr lang="en-US"/>
           </a:p>
@@ -11341,7 +3225,7 @@
           <a:p>
             <a:fld id="{203B8AA3-7918-4E0E-B802-84529C2C3994}" type="datetimeFigureOut">
               <a:rPr lang="en-US" smtClean="0"/>
-              <a:t>4/28/2017</a:t>
+              <a:t>5/7/2017</a:t>
             </a:fld>
             <a:endParaRPr lang="en-US"/>
           </a:p>
@@ -11593,7 +3477,7 @@
           <a:p>
             <a:fld id="{203B8AA3-7918-4E0E-B802-84529C2C3994}" type="datetimeFigureOut">
               <a:rPr lang="en-US" smtClean="0"/>
-              <a:t>4/28/2017</a:t>
+              <a:t>5/7/2017</a:t>
             </a:fld>
             <a:endParaRPr lang="en-US"/>
           </a:p>
@@ -11804,7 +3688,7 @@
           <a:p>
             <a:fld id="{203B8AA3-7918-4E0E-B802-84529C2C3994}" type="datetimeFigureOut">
               <a:rPr lang="en-US" smtClean="0"/>
-              <a:t>4/28/2017</a:t>
+              <a:t>5/7/2017</a:t>
             </a:fld>
             <a:endParaRPr lang="en-US"/>
           </a:p>
@@ -12469,7 +4353,7 @@
     <a:masterClrMapping/>
   </p:clrMapOvr>
   <mc:AlternateContent xmlns:mc="http://schemas.openxmlformats.org/markup-compatibility/2006">
-    <mc:Choice xmlns:p159="http://schemas.microsoft.com/office/powerpoint/2015/09/main" Requires="p159">
+    <mc:Choice xmlns:p159="http://schemas.microsoft.com/office/powerpoint/2015/09/main" xmlns="" Requires="p159">
       <p:transition xmlns:p14="http://schemas.microsoft.com/office/powerpoint/2010/main" spd="slow" p14:dur="2000">
         <p159:morph option="byObject"/>
       </p:transition>
@@ -13436,7 +5320,7 @@
     <a:masterClrMapping/>
   </p:clrMapOvr>
   <mc:AlternateContent xmlns:mc="http://schemas.openxmlformats.org/markup-compatibility/2006">
-    <mc:Choice xmlns:p159="http://schemas.microsoft.com/office/powerpoint/2015/09/main" Requires="p159">
+    <mc:Choice xmlns:p159="http://schemas.microsoft.com/office/powerpoint/2015/09/main" xmlns="" Requires="p159">
       <p:transition xmlns:p14="http://schemas.microsoft.com/office/powerpoint/2010/main" spd="slow" p14:dur="2000">
         <p159:morph option="byObject"/>
       </p:transition>
@@ -14031,7 +5915,7 @@
     <a:masterClrMapping/>
   </p:clrMapOvr>
   <mc:AlternateContent xmlns:mc="http://schemas.openxmlformats.org/markup-compatibility/2006">
-    <mc:Choice xmlns:p159="http://schemas.microsoft.com/office/powerpoint/2015/09/main" Requires="p159">
+    <mc:Choice xmlns:p159="http://schemas.microsoft.com/office/powerpoint/2015/09/main" xmlns="" Requires="p159">
       <p:transition xmlns:p14="http://schemas.microsoft.com/office/powerpoint/2010/main" spd="slow" p14:dur="2000">
         <p159:morph option="byObject"/>
       </p:transition>
@@ -14294,7 +6178,7 @@
     <a:masterClrMapping/>
   </p:clrMapOvr>
   <mc:AlternateContent xmlns:mc="http://schemas.openxmlformats.org/markup-compatibility/2006">
-    <mc:Choice xmlns:p159="http://schemas.microsoft.com/office/powerpoint/2015/09/main" Requires="p159">
+    <mc:Choice xmlns:p159="http://schemas.microsoft.com/office/powerpoint/2015/09/main" xmlns="" Requires="p159">
       <p:transition xmlns:p14="http://schemas.microsoft.com/office/powerpoint/2010/main" spd="slow" p14:dur="2000">
         <p159:morph option="byObject"/>
       </p:transition>
@@ -14933,7 +6817,7 @@
     <a:masterClrMapping/>
   </p:clrMapOvr>
   <mc:AlternateContent xmlns:mc="http://schemas.openxmlformats.org/markup-compatibility/2006">
-    <mc:Choice xmlns:p159="http://schemas.microsoft.com/office/powerpoint/2015/09/main" Requires="p159">
+    <mc:Choice xmlns:p159="http://schemas.microsoft.com/office/powerpoint/2015/09/main" xmlns="" Requires="p159">
       <p:transition xmlns:p14="http://schemas.microsoft.com/office/powerpoint/2010/main" spd="slow" p14:dur="2000">
         <p159:morph option="byObject"/>
       </p:transition>
@@ -15402,7 +7286,7 @@
     <a:masterClrMapping/>
   </p:clrMapOvr>
   <mc:AlternateContent xmlns:mc="http://schemas.openxmlformats.org/markup-compatibility/2006">
-    <mc:Choice xmlns:p159="http://schemas.microsoft.com/office/powerpoint/2015/09/main" Requires="p159">
+    <mc:Choice xmlns:p159="http://schemas.microsoft.com/office/powerpoint/2015/09/main" xmlns="" Requires="p159">
       <p:transition xmlns:p14="http://schemas.microsoft.com/office/powerpoint/2010/main" spd="slow" p14:dur="2000">
         <p159:morph option="byObject"/>
       </p:transition>
@@ -15569,7 +7453,7 @@
     <a:masterClrMapping/>
   </p:clrMapOvr>
   <mc:AlternateContent xmlns:mc="http://schemas.openxmlformats.org/markup-compatibility/2006">
-    <mc:Choice xmlns:p159="http://schemas.microsoft.com/office/powerpoint/2015/09/main" Requires="p159">
+    <mc:Choice xmlns:p159="http://schemas.microsoft.com/office/powerpoint/2015/09/main" xmlns="" Requires="p159">
       <p:transition xmlns:p14="http://schemas.microsoft.com/office/powerpoint/2010/main" spd="slow" p14:dur="2000">
         <p159:morph option="byObject"/>
       </p:transition>
@@ -16071,7 +7955,7 @@
     <a:masterClrMapping/>
   </p:clrMapOvr>
   <mc:AlternateContent xmlns:mc="http://schemas.openxmlformats.org/markup-compatibility/2006">
-    <mc:Choice xmlns:p159="http://schemas.microsoft.com/office/powerpoint/2015/09/main" Requires="p159">
+    <mc:Choice xmlns:p159="http://schemas.microsoft.com/office/powerpoint/2015/09/main" xmlns="" Requires="p159">
       <p:transition xmlns:p14="http://schemas.microsoft.com/office/powerpoint/2010/main" spd="slow" p14:dur="2000">
         <p159:morph option="byObject"/>
       </p:transition>
@@ -16782,7 +8666,7 @@
     <a:masterClrMapping/>
   </p:clrMapOvr>
   <mc:AlternateContent xmlns:mc="http://schemas.openxmlformats.org/markup-compatibility/2006">
-    <mc:Choice xmlns:p159="http://schemas.microsoft.com/office/powerpoint/2015/09/main" Requires="p159">
+    <mc:Choice xmlns:p159="http://schemas.microsoft.com/office/powerpoint/2015/09/main" xmlns="" Requires="p159">
       <p:transition xmlns:p14="http://schemas.microsoft.com/office/powerpoint/2010/main" spd="slow" p14:dur="2000">
         <p159:morph option="byObject"/>
       </p:transition>

--- a/JasmineJS.pptx
+++ b/JasmineJS.pptx
@@ -5,18 +5,21 @@
     <p:sldMasterId id="2147483648" r:id="rId1"/>
   </p:sldMasterIdLst>
   <p:notesMasterIdLst>
-    <p:notesMasterId r:id="rId11"/>
+    <p:notesMasterId r:id="rId14"/>
   </p:notesMasterIdLst>
   <p:sldIdLst>
     <p:sldId id="256" r:id="rId2"/>
-    <p:sldId id="259" r:id="rId3"/>
-    <p:sldId id="283" r:id="rId4"/>
-    <p:sldId id="358" r:id="rId5"/>
-    <p:sldId id="359" r:id="rId6"/>
-    <p:sldId id="360" r:id="rId7"/>
-    <p:sldId id="362" r:id="rId8"/>
-    <p:sldId id="364" r:id="rId9"/>
-    <p:sldId id="363" r:id="rId10"/>
+    <p:sldId id="365" r:id="rId3"/>
+    <p:sldId id="259" r:id="rId4"/>
+    <p:sldId id="283" r:id="rId5"/>
+    <p:sldId id="366" r:id="rId6"/>
+    <p:sldId id="358" r:id="rId7"/>
+    <p:sldId id="359" r:id="rId8"/>
+    <p:sldId id="360" r:id="rId9"/>
+    <p:sldId id="362" r:id="rId10"/>
+    <p:sldId id="364" r:id="rId11"/>
+    <p:sldId id="363" r:id="rId12"/>
+    <p:sldId id="367" r:id="rId13"/>
   </p:sldIdLst>
   <p:sldSz cx="12192000" cy="6858000"/>
   <p:notesSz cx="6858000" cy="9144000"/>
@@ -556,6 +559,90 @@
 </p:notes>
 </file>
 
+<file path=ppt/notesSlides/notesSlide10.xml><?xml version="1.0" encoding="utf-8"?>
+<p:notes xmlns:a="http://schemas.openxmlformats.org/drawingml/2006/main" xmlns:r="http://schemas.openxmlformats.org/officeDocument/2006/relationships" xmlns:p="http://schemas.openxmlformats.org/presentationml/2006/main">
+  <p:cSld>
+    <p:spTree>
+      <p:nvGrpSpPr>
+        <p:cNvPr id="1" name=""/>
+        <p:cNvGrpSpPr/>
+        <p:nvPr/>
+      </p:nvGrpSpPr>
+      <p:grpSpPr>
+        <a:xfrm>
+          <a:off x="0" y="0"/>
+          <a:ext cx="0" cy="0"/>
+          <a:chOff x="0" y="0"/>
+          <a:chExt cx="0" cy="0"/>
+        </a:xfrm>
+      </p:grpSpPr>
+      <p:sp>
+        <p:nvSpPr>
+          <p:cNvPr id="2" name="Chỗ dành sẵn cho Hình ảnh của Bản chiếu 1"/>
+          <p:cNvSpPr>
+            <a:spLocks noGrp="1" noRot="1" noChangeAspect="1"/>
+          </p:cNvSpPr>
+          <p:nvPr>
+            <p:ph type="sldImg"/>
+          </p:nvPr>
+        </p:nvSpPr>
+        <p:spPr/>
+      </p:sp>
+      <p:sp>
+        <p:nvSpPr>
+          <p:cNvPr id="3" name="Chỗ dành sẵn cho Ghi chú 2"/>
+          <p:cNvSpPr>
+            <a:spLocks noGrp="1"/>
+          </p:cNvSpPr>
+          <p:nvPr>
+            <p:ph type="body" idx="1"/>
+          </p:nvPr>
+        </p:nvSpPr>
+        <p:spPr/>
+        <p:txBody>
+          <a:bodyPr/>
+          <a:lstStyle/>
+          <a:p>
+            <a:endParaRPr lang="en-US" dirty="0"/>
+          </a:p>
+        </p:txBody>
+      </p:sp>
+      <p:sp>
+        <p:nvSpPr>
+          <p:cNvPr id="4" name="Chỗ dành sẵn cho Số hiệu Bản chiếu 3"/>
+          <p:cNvSpPr>
+            <a:spLocks noGrp="1"/>
+          </p:cNvSpPr>
+          <p:nvPr>
+            <p:ph type="sldNum" sz="quarter" idx="10"/>
+          </p:nvPr>
+        </p:nvSpPr>
+        <p:spPr/>
+        <p:txBody>
+          <a:bodyPr/>
+          <a:lstStyle/>
+          <a:p>
+            <a:fld id="{2D982179-367A-4731-A3B9-C976E98E90B9}" type="slidenum">
+              <a:rPr lang="en-US" smtClean="0"/>
+              <a:t>12</a:t>
+            </a:fld>
+            <a:endParaRPr lang="en-US"/>
+          </a:p>
+        </p:txBody>
+      </p:sp>
+    </p:spTree>
+    <p:extLst>
+      <p:ext uri="{BB962C8B-B14F-4D97-AF65-F5344CB8AC3E}">
+        <p14:creationId xmlns:p14="http://schemas.microsoft.com/office/powerpoint/2010/main" val="480327426"/>
+      </p:ext>
+    </p:extLst>
+  </p:cSld>
+  <p:clrMapOvr>
+    <a:masterClrMapping/>
+  </p:clrMapOvr>
+</p:notes>
+</file>
+
 <file path=ppt/notesSlides/notesSlide2.xml><?xml version="1.0" encoding="utf-8"?>
 <p:notes xmlns:a="http://schemas.openxmlformats.org/drawingml/2006/main" xmlns:r="http://schemas.openxmlformats.org/officeDocument/2006/relationships" xmlns:p="http://schemas.openxmlformats.org/presentationml/2006/main">
   <p:cSld>
@@ -625,7 +712,7 @@
           <a:p>
             <a:fld id="{2D982179-367A-4731-A3B9-C976E98E90B9}" type="slidenum">
               <a:rPr lang="en-US" smtClean="0"/>
-              <a:t>2</a:t>
+              <a:t>3</a:t>
             </a:fld>
             <a:endParaRPr lang="en-US"/>
           </a:p>
@@ -717,7 +804,7 @@
           <a:p>
             <a:fld id="{2D982179-367A-4731-A3B9-C976E98E90B9}" type="slidenum">
               <a:rPr lang="en-US" smtClean="0"/>
-              <a:t>3</a:t>
+              <a:t>4</a:t>
             </a:fld>
             <a:endParaRPr lang="en-US"/>
           </a:p>
@@ -818,7 +905,7 @@
           <a:p>
             <a:fld id="{2D982179-367A-4731-A3B9-C976E98E90B9}" type="slidenum">
               <a:rPr lang="en-US" smtClean="0"/>
-              <a:t>4</a:t>
+              <a:t>6</a:t>
             </a:fld>
             <a:endParaRPr lang="en-US"/>
           </a:p>
@@ -902,7 +989,7 @@
           <a:p>
             <a:fld id="{2D982179-367A-4731-A3B9-C976E98E90B9}" type="slidenum">
               <a:rPr lang="en-US" smtClean="0"/>
-              <a:t>5</a:t>
+              <a:t>7</a:t>
             </a:fld>
             <a:endParaRPr lang="en-US"/>
           </a:p>
@@ -986,7 +1073,7 @@
           <a:p>
             <a:fld id="{2D982179-367A-4731-A3B9-C976E98E90B9}" type="slidenum">
               <a:rPr lang="en-US" smtClean="0"/>
-              <a:t>6</a:t>
+              <a:t>8</a:t>
             </a:fld>
             <a:endParaRPr lang="en-US"/>
           </a:p>
@@ -1070,7 +1157,7 @@
           <a:p>
             <a:fld id="{2D982179-367A-4731-A3B9-C976E98E90B9}" type="slidenum">
               <a:rPr lang="en-US" smtClean="0"/>
-              <a:t>7</a:t>
+              <a:t>9</a:t>
             </a:fld>
             <a:endParaRPr lang="en-US"/>
           </a:p>
@@ -1154,7 +1241,7 @@
           <a:p>
             <a:fld id="{2D982179-367A-4731-A3B9-C976E98E90B9}" type="slidenum">
               <a:rPr lang="en-US" smtClean="0"/>
-              <a:t>8</a:t>
+              <a:t>10</a:t>
             </a:fld>
             <a:endParaRPr lang="en-US"/>
           </a:p>
@@ -1238,7 +1325,7 @@
           <a:p>
             <a:fld id="{2D982179-367A-4731-A3B9-C976E98E90B9}" type="slidenum">
               <a:rPr lang="en-US" smtClean="0"/>
-              <a:t>9</a:t>
+              <a:t>11</a:t>
             </a:fld>
             <a:endParaRPr lang="en-US"/>
           </a:p>
@@ -4339,6 +4426,124 @@
               </a:rPr>
               <a:t>JASMINE JS</a:t>
             </a:r>
+          </a:p>
+        </p:txBody>
+      </p:sp>
+      <p:sp>
+        <p:nvSpPr>
+          <p:cNvPr id="2" name="Hình chữ nhật 1"/>
+          <p:cNvSpPr/>
+          <p:nvPr/>
+        </p:nvSpPr>
+        <p:spPr>
+          <a:xfrm>
+            <a:off x="3553941" y="4922438"/>
+            <a:ext cx="6096000" cy="954107"/>
+          </a:xfrm>
+          <a:prstGeom prst="rect">
+            <a:avLst/>
+          </a:prstGeom>
+        </p:spPr>
+        <p:txBody>
+          <a:bodyPr>
+            <a:spAutoFit/>
+          </a:bodyPr>
+          <a:lstStyle/>
+          <a:p>
+            <a:r>
+              <a:rPr lang="en-US" sz="2800" b="1" dirty="0">
+                <a:latin typeface="Times New Roman" panose="02020603050405020304" pitchFamily="18" charset="0"/>
+                <a:cs typeface="Times New Roman" panose="02020603050405020304" pitchFamily="18" charset="0"/>
+              </a:rPr>
+              <a:t>1412557 – </a:t>
+            </a:r>
+            <a:r>
+              <a:rPr lang="en-US" sz="2800" b="1" dirty="0" err="1">
+                <a:latin typeface="Times New Roman" panose="02020603050405020304" pitchFamily="18" charset="0"/>
+                <a:cs typeface="Times New Roman" panose="02020603050405020304" pitchFamily="18" charset="0"/>
+              </a:rPr>
+              <a:t>Phạm</a:t>
+            </a:r>
+            <a:r>
+              <a:rPr lang="en-US" sz="2800" b="1" dirty="0">
+                <a:latin typeface="Times New Roman" panose="02020603050405020304" pitchFamily="18" charset="0"/>
+                <a:cs typeface="Times New Roman" panose="02020603050405020304" pitchFamily="18" charset="0"/>
+              </a:rPr>
+              <a:t> </a:t>
+            </a:r>
+            <a:r>
+              <a:rPr lang="en-US" sz="2800" b="1" dirty="0" err="1">
+                <a:latin typeface="Times New Roman" panose="02020603050405020304" pitchFamily="18" charset="0"/>
+                <a:cs typeface="Times New Roman" panose="02020603050405020304" pitchFamily="18" charset="0"/>
+              </a:rPr>
+              <a:t>Đức</a:t>
+            </a:r>
+            <a:r>
+              <a:rPr lang="en-US" sz="2800" b="1" dirty="0">
+                <a:latin typeface="Times New Roman" panose="02020603050405020304" pitchFamily="18" charset="0"/>
+                <a:cs typeface="Times New Roman" panose="02020603050405020304" pitchFamily="18" charset="0"/>
+              </a:rPr>
+              <a:t> </a:t>
+            </a:r>
+            <a:r>
+              <a:rPr lang="en-US" sz="2800" b="1" dirty="0" err="1">
+                <a:latin typeface="Times New Roman" panose="02020603050405020304" pitchFamily="18" charset="0"/>
+                <a:cs typeface="Times New Roman" panose="02020603050405020304" pitchFamily="18" charset="0"/>
+              </a:rPr>
+              <a:t>Toàn</a:t>
+            </a:r>
+            <a:endParaRPr lang="en-US" sz="2800" b="1" dirty="0">
+              <a:latin typeface="Times New Roman" panose="02020603050405020304" pitchFamily="18" charset="0"/>
+              <a:cs typeface="Times New Roman" panose="02020603050405020304" pitchFamily="18" charset="0"/>
+            </a:endParaRPr>
+          </a:p>
+          <a:p>
+            <a:r>
+              <a:rPr lang="en-US" sz="2800" b="1" dirty="0">
+                <a:latin typeface="Times New Roman" panose="02020603050405020304" pitchFamily="18" charset="0"/>
+                <a:cs typeface="Times New Roman" panose="02020603050405020304" pitchFamily="18" charset="0"/>
+              </a:rPr>
+              <a:t>1412604 – </a:t>
+            </a:r>
+            <a:r>
+              <a:rPr lang="en-US" sz="2800" b="1" dirty="0" err="1">
+                <a:latin typeface="Times New Roman" panose="02020603050405020304" pitchFamily="18" charset="0"/>
+                <a:cs typeface="Times New Roman" panose="02020603050405020304" pitchFamily="18" charset="0"/>
+              </a:rPr>
+              <a:t>Lữ</a:t>
+            </a:r>
+            <a:r>
+              <a:rPr lang="en-US" sz="2800" b="1" dirty="0">
+                <a:latin typeface="Times New Roman" panose="02020603050405020304" pitchFamily="18" charset="0"/>
+                <a:cs typeface="Times New Roman" panose="02020603050405020304" pitchFamily="18" charset="0"/>
+              </a:rPr>
+              <a:t> </a:t>
+            </a:r>
+            <a:r>
+              <a:rPr lang="en-US" sz="2800" b="1" dirty="0" err="1">
+                <a:latin typeface="Times New Roman" panose="02020603050405020304" pitchFamily="18" charset="0"/>
+                <a:cs typeface="Times New Roman" panose="02020603050405020304" pitchFamily="18" charset="0"/>
+              </a:rPr>
+              <a:t>Hoàng</a:t>
+            </a:r>
+            <a:r>
+              <a:rPr lang="en-US" sz="2800" b="1" dirty="0">
+                <a:latin typeface="Times New Roman" panose="02020603050405020304" pitchFamily="18" charset="0"/>
+                <a:cs typeface="Times New Roman" panose="02020603050405020304" pitchFamily="18" charset="0"/>
+              </a:rPr>
+              <a:t> Phi </a:t>
+            </a:r>
+            <a:r>
+              <a:rPr lang="en-US" sz="2800" b="1" dirty="0" err="1">
+                <a:latin typeface="Times New Roman" panose="02020603050405020304" pitchFamily="18" charset="0"/>
+                <a:cs typeface="Times New Roman" panose="02020603050405020304" pitchFamily="18" charset="0"/>
+              </a:rPr>
+              <a:t>Tuấn</a:t>
+            </a:r>
+            <a:endParaRPr lang="en-US" sz="2800" b="1" dirty="0">
+              <a:latin typeface="Times New Roman" panose="02020603050405020304" pitchFamily="18" charset="0"/>
+              <a:cs typeface="Times New Roman" panose="02020603050405020304" pitchFamily="18" charset="0"/>
+            </a:endParaRPr>
           </a:p>
         </p:txBody>
       </p:sp>
@@ -4692,6 +4897,79 @@
                                   </p:childTnLst>
                                 </p:cTn>
                               </p:par>
+                              <p:par>
+                                <p:cTn id="26" presetID="2" presetClass="entr" presetSubtype="4" fill="hold" grpId="0" nodeType="withEffect">
+                                  <p:stCondLst>
+                                    <p:cond delay="0"/>
+                                  </p:stCondLst>
+                                  <p:childTnLst>
+                                    <p:set>
+                                      <p:cBhvr>
+                                        <p:cTn id="27" dur="1" fill="hold">
+                                          <p:stCondLst>
+                                            <p:cond delay="0"/>
+                                          </p:stCondLst>
+                                        </p:cTn>
+                                        <p:tgtEl>
+                                          <p:spTgt spid="2"/>
+                                        </p:tgtEl>
+                                        <p:attrNameLst>
+                                          <p:attrName>style.visibility</p:attrName>
+                                        </p:attrNameLst>
+                                      </p:cBhvr>
+                                      <p:to>
+                                        <p:strVal val="visible"/>
+                                      </p:to>
+                                    </p:set>
+                                    <p:anim calcmode="lin" valueType="num">
+                                      <p:cBhvr additive="base">
+                                        <p:cTn id="28" dur="500" fill="hold"/>
+                                        <p:tgtEl>
+                                          <p:spTgt spid="2"/>
+                                        </p:tgtEl>
+                                        <p:attrNameLst>
+                                          <p:attrName>ppt_x</p:attrName>
+                                        </p:attrNameLst>
+                                      </p:cBhvr>
+                                      <p:tavLst>
+                                        <p:tav tm="0">
+                                          <p:val>
+                                            <p:strVal val="#ppt_x"/>
+                                          </p:val>
+                                        </p:tav>
+                                        <p:tav tm="100000">
+                                          <p:val>
+                                            <p:strVal val="#ppt_x"/>
+                                          </p:val>
+                                        </p:tav>
+                                      </p:tavLst>
+                                    </p:anim>
+                                    <p:anim calcmode="lin" valueType="num">
+                                      <p:cBhvr additive="base">
+                                        <p:cTn id="29" dur="500" fill="hold"/>
+                                        <p:tgtEl>
+                                          <p:spTgt spid="2"/>
+                                        </p:tgtEl>
+                                        <p:attrNameLst>
+                                          <p:attrName>ppt_y</p:attrName>
+                                        </p:attrNameLst>
+                                      </p:cBhvr>
+                                      <p:tavLst>
+                                        <p:tav tm="0">
+                                          <p:val>
+                                            <p:strVal val="1+#ppt_h/2"/>
+                                          </p:val>
+                                        </p:tav>
+                                        <p:tav tm="100000">
+                                          <p:val>
+                                            <p:strVal val="#ppt_y"/>
+                                          </p:val>
+                                        </p:tav>
+                                      </p:tavLst>
+                                    </p:anim>
+                                  </p:childTnLst>
+                                </p:cTn>
+                              </p:par>
                             </p:childTnLst>
                           </p:cTn>
                         </p:par>
@@ -4724,12 +5002,13 @@
       <p:bldP spid="8" grpId="0" animBg="1"/>
       <p:bldP spid="11" grpId="0" animBg="1"/>
       <p:bldP spid="13" grpId="0"/>
+      <p:bldP spid="2" grpId="0"/>
     </p:bldLst>
   </p:timing>
 </p:sld>
 </file>
 
-<file path=ppt/slides/slide2.xml><?xml version="1.0" encoding="utf-8"?>
+<file path=ppt/slides/slide10.xml><?xml version="1.0" encoding="utf-8"?>
 <p:sld xmlns:a="http://schemas.openxmlformats.org/drawingml/2006/main" xmlns:r="http://schemas.openxmlformats.org/officeDocument/2006/relationships" xmlns:p="http://schemas.openxmlformats.org/presentationml/2006/main">
   <p:cSld>
     <p:spTree>
@@ -4786,7 +5065,7 @@
           <a:p>
             <a:r>
               <a:rPr lang="en-US" sz="5400" b="1" dirty="0"/>
-              <a:t>   1</a:t>
+              <a:t>   5</a:t>
             </a:r>
           </a:p>
         </p:txBody>
@@ -4842,14 +5121,1625 @@
                   </a:schemeClr>
                 </a:solidFill>
               </a:rPr>
-              <a:t>Suite</a:t>
+              <a:t>CUSTOM MATCHER</a:t>
             </a:r>
           </a:p>
         </p:txBody>
       </p:sp>
       <p:sp>
         <p:nvSpPr>
-          <p:cNvPr id="11" name="Rectangle 11"/>
+          <p:cNvPr id="12" name="Rectangle 11"/>
+          <p:cNvSpPr/>
+          <p:nvPr/>
+        </p:nvSpPr>
+        <p:spPr>
+          <a:xfrm>
+            <a:off x="393700" y="1574156"/>
+            <a:ext cx="4853709" cy="4877443"/>
+          </a:xfrm>
+          <a:prstGeom prst="rect">
+            <a:avLst/>
+          </a:prstGeom>
+          <a:solidFill>
+            <a:schemeClr val="bg1"/>
+          </a:solidFill>
+          <a:ln>
+            <a:solidFill>
+              <a:schemeClr val="tx1">
+                <a:lumMod val="65000"/>
+                <a:lumOff val="35000"/>
+              </a:schemeClr>
+            </a:solidFill>
+          </a:ln>
+        </p:spPr>
+        <p:style>
+          <a:lnRef idx="2">
+            <a:schemeClr val="accent1">
+              <a:shade val="50000"/>
+            </a:schemeClr>
+          </a:lnRef>
+          <a:fillRef idx="1">
+            <a:schemeClr val="accent1"/>
+          </a:fillRef>
+          <a:effectRef idx="0">
+            <a:schemeClr val="accent1"/>
+          </a:effectRef>
+          <a:fontRef idx="minor">
+            <a:schemeClr val="lt1"/>
+          </a:fontRef>
+        </p:style>
+        <p:txBody>
+          <a:bodyPr rtlCol="0" anchor="t"/>
+          <a:lstStyle/>
+          <a:p>
+            <a:pPr marL="342900" indent="-342900">
+              <a:buFontTx/>
+              <a:buChar char="-"/>
+            </a:pPr>
+            <a:endParaRPr lang="en-US" sz="2400" dirty="0" smtClean="0">
+              <a:solidFill>
+                <a:schemeClr val="tx1">
+                  <a:lumMod val="65000"/>
+                  <a:lumOff val="35000"/>
+                </a:schemeClr>
+              </a:solidFill>
+              <a:latin typeface="Times New Roman" panose="02020603050405020304" pitchFamily="18" charset="0"/>
+              <a:cs typeface="Times New Roman" panose="02020603050405020304" pitchFamily="18" charset="0"/>
+            </a:endParaRPr>
+          </a:p>
+          <a:p>
+            <a:pPr marL="342900" indent="-342900">
+              <a:buFontTx/>
+              <a:buChar char="-"/>
+            </a:pPr>
+            <a:endParaRPr lang="en-US" sz="2400" dirty="0">
+              <a:solidFill>
+                <a:schemeClr val="tx1">
+                  <a:lumMod val="65000"/>
+                  <a:lumOff val="35000"/>
+                </a:schemeClr>
+              </a:solidFill>
+              <a:latin typeface="Times New Roman" panose="02020603050405020304" pitchFamily="18" charset="0"/>
+              <a:cs typeface="Times New Roman" panose="02020603050405020304" pitchFamily="18" charset="0"/>
+            </a:endParaRPr>
+          </a:p>
+          <a:p>
+            <a:pPr marL="342900" indent="-342900">
+              <a:buFontTx/>
+              <a:buChar char="-"/>
+            </a:pPr>
+            <a:r>
+              <a:rPr lang="en-US" sz="2400" dirty="0" smtClean="0">
+                <a:solidFill>
+                  <a:schemeClr val="tx1">
+                    <a:lumMod val="65000"/>
+                    <a:lumOff val="35000"/>
+                  </a:schemeClr>
+                </a:solidFill>
+                <a:latin typeface="Times New Roman" panose="02020603050405020304" pitchFamily="18" charset="0"/>
+                <a:cs typeface="Times New Roman" panose="02020603050405020304" pitchFamily="18" charset="0"/>
+              </a:rPr>
+              <a:t>Jasmine </a:t>
+            </a:r>
+            <a:r>
+              <a:rPr lang="en-US" sz="2400" dirty="0" err="1">
+                <a:solidFill>
+                  <a:schemeClr val="tx1">
+                    <a:lumMod val="65000"/>
+                    <a:lumOff val="35000"/>
+                  </a:schemeClr>
+                </a:solidFill>
+                <a:latin typeface="Times New Roman" panose="02020603050405020304" pitchFamily="18" charset="0"/>
+                <a:cs typeface="Times New Roman" panose="02020603050405020304" pitchFamily="18" charset="0"/>
+              </a:rPr>
+              <a:t>cung</a:t>
+            </a:r>
+            <a:r>
+              <a:rPr lang="en-US" sz="2400" dirty="0">
+                <a:solidFill>
+                  <a:schemeClr val="tx1">
+                    <a:lumMod val="65000"/>
+                    <a:lumOff val="35000"/>
+                  </a:schemeClr>
+                </a:solidFill>
+                <a:latin typeface="Times New Roman" panose="02020603050405020304" pitchFamily="18" charset="0"/>
+                <a:cs typeface="Times New Roman" panose="02020603050405020304" pitchFamily="18" charset="0"/>
+              </a:rPr>
+              <a:t> </a:t>
+            </a:r>
+            <a:r>
+              <a:rPr lang="en-US" sz="2400" dirty="0" err="1">
+                <a:solidFill>
+                  <a:schemeClr val="tx1">
+                    <a:lumMod val="65000"/>
+                    <a:lumOff val="35000"/>
+                  </a:schemeClr>
+                </a:solidFill>
+                <a:latin typeface="Times New Roman" panose="02020603050405020304" pitchFamily="18" charset="0"/>
+                <a:cs typeface="Times New Roman" panose="02020603050405020304" pitchFamily="18" charset="0"/>
+              </a:rPr>
+              <a:t>cấp</a:t>
+            </a:r>
+            <a:r>
+              <a:rPr lang="en-US" sz="2400" dirty="0">
+                <a:solidFill>
+                  <a:schemeClr val="tx1">
+                    <a:lumMod val="65000"/>
+                    <a:lumOff val="35000"/>
+                  </a:schemeClr>
+                </a:solidFill>
+                <a:latin typeface="Times New Roman" panose="02020603050405020304" pitchFamily="18" charset="0"/>
+                <a:cs typeface="Times New Roman" panose="02020603050405020304" pitchFamily="18" charset="0"/>
+              </a:rPr>
+              <a:t> </a:t>
+            </a:r>
+            <a:r>
+              <a:rPr lang="en-US" sz="2400" dirty="0" err="1">
+                <a:solidFill>
+                  <a:schemeClr val="tx1">
+                    <a:lumMod val="65000"/>
+                    <a:lumOff val="35000"/>
+                  </a:schemeClr>
+                </a:solidFill>
+                <a:latin typeface="Times New Roman" panose="02020603050405020304" pitchFamily="18" charset="0"/>
+                <a:cs typeface="Times New Roman" panose="02020603050405020304" pitchFamily="18" charset="0"/>
+              </a:rPr>
+              <a:t>hàm</a:t>
+            </a:r>
+            <a:r>
+              <a:rPr lang="en-US" sz="2400" dirty="0">
+                <a:solidFill>
+                  <a:schemeClr val="tx1">
+                    <a:lumMod val="65000"/>
+                    <a:lumOff val="35000"/>
+                  </a:schemeClr>
+                </a:solidFill>
+                <a:latin typeface="Times New Roman" panose="02020603050405020304" pitchFamily="18" charset="0"/>
+                <a:cs typeface="Times New Roman" panose="02020603050405020304" pitchFamily="18" charset="0"/>
+              </a:rPr>
+              <a:t> </a:t>
+            </a:r>
+            <a:r>
+              <a:rPr lang="en-US" sz="2400" dirty="0" err="1">
+                <a:solidFill>
+                  <a:schemeClr val="tx1">
+                    <a:lumMod val="65000"/>
+                    <a:lumOff val="35000"/>
+                  </a:schemeClr>
+                </a:solidFill>
+                <a:latin typeface="Times New Roman" panose="02020603050405020304" pitchFamily="18" charset="0"/>
+                <a:cs typeface="Times New Roman" panose="02020603050405020304" pitchFamily="18" charset="0"/>
+              </a:rPr>
+              <a:t>addMatchers</a:t>
+            </a:r>
+            <a:r>
+              <a:rPr lang="en-US" sz="2400" dirty="0">
+                <a:solidFill>
+                  <a:schemeClr val="tx1">
+                    <a:lumMod val="65000"/>
+                    <a:lumOff val="35000"/>
+                  </a:schemeClr>
+                </a:solidFill>
+                <a:latin typeface="Times New Roman" panose="02020603050405020304" pitchFamily="18" charset="0"/>
+                <a:cs typeface="Times New Roman" panose="02020603050405020304" pitchFamily="18" charset="0"/>
+              </a:rPr>
+              <a:t>, </a:t>
+            </a:r>
+            <a:r>
+              <a:rPr lang="en-US" sz="2400" dirty="0" err="1">
+                <a:solidFill>
+                  <a:schemeClr val="tx1">
+                    <a:lumMod val="65000"/>
+                    <a:lumOff val="35000"/>
+                  </a:schemeClr>
+                </a:solidFill>
+                <a:latin typeface="Times New Roman" panose="02020603050405020304" pitchFamily="18" charset="0"/>
+                <a:cs typeface="Times New Roman" panose="02020603050405020304" pitchFamily="18" charset="0"/>
+              </a:rPr>
+              <a:t>nhờ</a:t>
+            </a:r>
+            <a:r>
+              <a:rPr lang="en-US" sz="2400" dirty="0">
+                <a:solidFill>
+                  <a:schemeClr val="tx1">
+                    <a:lumMod val="65000"/>
+                    <a:lumOff val="35000"/>
+                  </a:schemeClr>
+                </a:solidFill>
+                <a:latin typeface="Times New Roman" panose="02020603050405020304" pitchFamily="18" charset="0"/>
+                <a:cs typeface="Times New Roman" panose="02020603050405020304" pitchFamily="18" charset="0"/>
+              </a:rPr>
+              <a:t> </a:t>
+            </a:r>
+            <a:r>
+              <a:rPr lang="en-US" sz="2400" dirty="0" err="1">
+                <a:solidFill>
+                  <a:schemeClr val="tx1">
+                    <a:lumMod val="65000"/>
+                    <a:lumOff val="35000"/>
+                  </a:schemeClr>
+                </a:solidFill>
+                <a:latin typeface="Times New Roman" panose="02020603050405020304" pitchFamily="18" charset="0"/>
+                <a:cs typeface="Times New Roman" panose="02020603050405020304" pitchFamily="18" charset="0"/>
+              </a:rPr>
+              <a:t>đó</a:t>
+            </a:r>
+            <a:r>
+              <a:rPr lang="en-US" sz="2400" dirty="0">
+                <a:solidFill>
+                  <a:schemeClr val="tx1">
+                    <a:lumMod val="65000"/>
+                    <a:lumOff val="35000"/>
+                  </a:schemeClr>
+                </a:solidFill>
+                <a:latin typeface="Times New Roman" panose="02020603050405020304" pitchFamily="18" charset="0"/>
+                <a:cs typeface="Times New Roman" panose="02020603050405020304" pitchFamily="18" charset="0"/>
+              </a:rPr>
+              <a:t> </a:t>
+            </a:r>
+            <a:r>
+              <a:rPr lang="en-US" sz="2400" dirty="0" err="1">
+                <a:solidFill>
+                  <a:schemeClr val="tx1">
+                    <a:lumMod val="65000"/>
+                    <a:lumOff val="35000"/>
+                  </a:schemeClr>
+                </a:solidFill>
+                <a:latin typeface="Times New Roman" panose="02020603050405020304" pitchFamily="18" charset="0"/>
+                <a:cs typeface="Times New Roman" panose="02020603050405020304" pitchFamily="18" charset="0"/>
+              </a:rPr>
+              <a:t>có</a:t>
+            </a:r>
+            <a:r>
+              <a:rPr lang="en-US" sz="2400" dirty="0">
+                <a:solidFill>
+                  <a:schemeClr val="tx1">
+                    <a:lumMod val="65000"/>
+                    <a:lumOff val="35000"/>
+                  </a:schemeClr>
+                </a:solidFill>
+                <a:latin typeface="Times New Roman" panose="02020603050405020304" pitchFamily="18" charset="0"/>
+                <a:cs typeface="Times New Roman" panose="02020603050405020304" pitchFamily="18" charset="0"/>
+              </a:rPr>
+              <a:t> </a:t>
+            </a:r>
+            <a:r>
+              <a:rPr lang="en-US" sz="2400" dirty="0" err="1">
+                <a:solidFill>
+                  <a:schemeClr val="tx1">
+                    <a:lumMod val="65000"/>
+                    <a:lumOff val="35000"/>
+                  </a:schemeClr>
+                </a:solidFill>
+                <a:latin typeface="Times New Roman" panose="02020603050405020304" pitchFamily="18" charset="0"/>
+                <a:cs typeface="Times New Roman" panose="02020603050405020304" pitchFamily="18" charset="0"/>
+              </a:rPr>
+              <a:t>thể</a:t>
+            </a:r>
+            <a:r>
+              <a:rPr lang="en-US" sz="2400" dirty="0">
+                <a:solidFill>
+                  <a:schemeClr val="tx1">
+                    <a:lumMod val="65000"/>
+                    <a:lumOff val="35000"/>
+                  </a:schemeClr>
+                </a:solidFill>
+                <a:latin typeface="Times New Roman" panose="02020603050405020304" pitchFamily="18" charset="0"/>
+                <a:cs typeface="Times New Roman" panose="02020603050405020304" pitchFamily="18" charset="0"/>
+              </a:rPr>
+              <a:t> </a:t>
+            </a:r>
+            <a:r>
+              <a:rPr lang="en-US" sz="2400" dirty="0" err="1">
+                <a:solidFill>
+                  <a:schemeClr val="tx1">
+                    <a:lumMod val="65000"/>
+                    <a:lumOff val="35000"/>
+                  </a:schemeClr>
+                </a:solidFill>
+                <a:latin typeface="Times New Roman" panose="02020603050405020304" pitchFamily="18" charset="0"/>
+                <a:cs typeface="Times New Roman" panose="02020603050405020304" pitchFamily="18" charset="0"/>
+              </a:rPr>
+              <a:t>tạo</a:t>
+            </a:r>
+            <a:r>
+              <a:rPr lang="en-US" sz="2400" dirty="0">
+                <a:solidFill>
+                  <a:schemeClr val="tx1">
+                    <a:lumMod val="65000"/>
+                    <a:lumOff val="35000"/>
+                  </a:schemeClr>
+                </a:solidFill>
+                <a:latin typeface="Times New Roman" panose="02020603050405020304" pitchFamily="18" charset="0"/>
+                <a:cs typeface="Times New Roman" panose="02020603050405020304" pitchFamily="18" charset="0"/>
+              </a:rPr>
+              <a:t> </a:t>
+            </a:r>
+            <a:r>
+              <a:rPr lang="en-US" sz="2400" dirty="0" err="1">
+                <a:solidFill>
+                  <a:schemeClr val="tx1">
+                    <a:lumMod val="65000"/>
+                    <a:lumOff val="35000"/>
+                  </a:schemeClr>
+                </a:solidFill>
+                <a:latin typeface="Times New Roman" panose="02020603050405020304" pitchFamily="18" charset="0"/>
+                <a:cs typeface="Times New Roman" panose="02020603050405020304" pitchFamily="18" charset="0"/>
+              </a:rPr>
+              <a:t>một</a:t>
+            </a:r>
+            <a:r>
+              <a:rPr lang="en-US" sz="2400" dirty="0">
+                <a:solidFill>
+                  <a:schemeClr val="tx1">
+                    <a:lumMod val="65000"/>
+                    <a:lumOff val="35000"/>
+                  </a:schemeClr>
+                </a:solidFill>
+                <a:latin typeface="Times New Roman" panose="02020603050405020304" pitchFamily="18" charset="0"/>
+                <a:cs typeface="Times New Roman" panose="02020603050405020304" pitchFamily="18" charset="0"/>
+              </a:rPr>
+              <a:t> Matcher </a:t>
+            </a:r>
+            <a:r>
+              <a:rPr lang="en-US" sz="2400" dirty="0" err="1">
+                <a:solidFill>
+                  <a:schemeClr val="tx1">
+                    <a:lumMod val="65000"/>
+                    <a:lumOff val="35000"/>
+                  </a:schemeClr>
+                </a:solidFill>
+                <a:latin typeface="Times New Roman" panose="02020603050405020304" pitchFamily="18" charset="0"/>
+                <a:cs typeface="Times New Roman" panose="02020603050405020304" pitchFamily="18" charset="0"/>
+              </a:rPr>
+              <a:t>riêng</a:t>
+            </a:r>
+            <a:r>
+              <a:rPr lang="en-US" sz="2400" dirty="0">
+                <a:solidFill>
+                  <a:schemeClr val="tx1">
+                    <a:lumMod val="65000"/>
+                    <a:lumOff val="35000"/>
+                  </a:schemeClr>
+                </a:solidFill>
+                <a:latin typeface="Times New Roman" panose="02020603050405020304" pitchFamily="18" charset="0"/>
+                <a:cs typeface="Times New Roman" panose="02020603050405020304" pitchFamily="18" charset="0"/>
+              </a:rPr>
+              <a:t> </a:t>
+            </a:r>
+            <a:r>
+              <a:rPr lang="en-US" sz="2400" dirty="0" err="1">
+                <a:solidFill>
+                  <a:schemeClr val="tx1">
+                    <a:lumMod val="65000"/>
+                    <a:lumOff val="35000"/>
+                  </a:schemeClr>
+                </a:solidFill>
+                <a:latin typeface="Times New Roman" panose="02020603050405020304" pitchFamily="18" charset="0"/>
+                <a:cs typeface="Times New Roman" panose="02020603050405020304" pitchFamily="18" charset="0"/>
+              </a:rPr>
+              <a:t>biệt</a:t>
+            </a:r>
+            <a:endParaRPr lang="en-US" sz="2400" dirty="0">
+              <a:solidFill>
+                <a:schemeClr val="tx1">
+                  <a:lumMod val="65000"/>
+                  <a:lumOff val="35000"/>
+                </a:schemeClr>
+              </a:solidFill>
+              <a:latin typeface="Times New Roman" panose="02020603050405020304" pitchFamily="18" charset="0"/>
+              <a:cs typeface="Times New Roman" panose="02020603050405020304" pitchFamily="18" charset="0"/>
+            </a:endParaRPr>
+          </a:p>
+          <a:p>
+            <a:endParaRPr lang="en-US" sz="2400" dirty="0">
+              <a:solidFill>
+                <a:schemeClr val="tx1">
+                  <a:lumMod val="65000"/>
+                  <a:lumOff val="35000"/>
+                </a:schemeClr>
+              </a:solidFill>
+              <a:latin typeface="Times New Roman" panose="02020603050405020304" pitchFamily="18" charset="0"/>
+              <a:cs typeface="Times New Roman" panose="02020603050405020304" pitchFamily="18" charset="0"/>
+            </a:endParaRPr>
+          </a:p>
+        </p:txBody>
+      </p:sp>
+      <p:pic>
+        <p:nvPicPr>
+          <p:cNvPr id="3" name="Hình ảnh 2"/>
+          <p:cNvPicPr>
+            <a:picLocks noChangeAspect="1"/>
+          </p:cNvPicPr>
+          <p:nvPr/>
+        </p:nvPicPr>
+        <p:blipFill>
+          <a:blip r:embed="rId3"/>
+          <a:stretch>
+            <a:fillRect/>
+          </a:stretch>
+        </p:blipFill>
+        <p:spPr>
+          <a:xfrm>
+            <a:off x="5582083" y="1574155"/>
+            <a:ext cx="6248322" cy="4877443"/>
+          </a:xfrm>
+          <a:prstGeom prst="rect">
+            <a:avLst/>
+          </a:prstGeom>
+        </p:spPr>
+      </p:pic>
+    </p:spTree>
+    <p:extLst>
+      <p:ext uri="{BB962C8B-B14F-4D97-AF65-F5344CB8AC3E}">
+        <p14:creationId xmlns:p14="http://schemas.microsoft.com/office/powerpoint/2010/main" val="2138363249"/>
+      </p:ext>
+    </p:extLst>
+  </p:cSld>
+  <p:clrMapOvr>
+    <a:masterClrMapping/>
+  </p:clrMapOvr>
+  <mc:AlternateContent xmlns:mc="http://schemas.openxmlformats.org/markup-compatibility/2006">
+    <mc:Choice xmlns:p159="http://schemas.microsoft.com/office/powerpoint/2015/09/main" xmlns="" Requires="p159">
+      <p:transition xmlns:p14="http://schemas.microsoft.com/office/powerpoint/2010/main" spd="slow" p14:dur="2000">
+        <p159:morph option="byObject"/>
+      </p:transition>
+    </mc:Choice>
+    <mc:Fallback>
+      <p:transition spd="slow">
+        <p:fade/>
+      </p:transition>
+    </mc:Fallback>
+  </mc:AlternateContent>
+  <p:timing>
+    <p:tnLst>
+      <p:par>
+        <p:cTn id="1" dur="indefinite" restart="never" nodeType="tmRoot"/>
+      </p:par>
+    </p:tnLst>
+  </p:timing>
+</p:sld>
+</file>
+
+<file path=ppt/slides/slide11.xml><?xml version="1.0" encoding="utf-8"?>
+<p:sld xmlns:a="http://schemas.openxmlformats.org/drawingml/2006/main" xmlns:r="http://schemas.openxmlformats.org/officeDocument/2006/relationships" xmlns:p="http://schemas.openxmlformats.org/presentationml/2006/main">
+  <p:cSld>
+    <p:spTree>
+      <p:nvGrpSpPr>
+        <p:cNvPr id="1" name=""/>
+        <p:cNvGrpSpPr/>
+        <p:nvPr/>
+      </p:nvGrpSpPr>
+      <p:grpSpPr>
+        <a:xfrm>
+          <a:off x="0" y="0"/>
+          <a:ext cx="0" cy="0"/>
+          <a:chOff x="0" y="0"/>
+          <a:chExt cx="0" cy="0"/>
+        </a:xfrm>
+      </p:grpSpPr>
+      <p:sp>
+        <p:nvSpPr>
+          <p:cNvPr id="4" name="Rectangle 3"/>
+          <p:cNvSpPr/>
+          <p:nvPr/>
+        </p:nvSpPr>
+        <p:spPr>
+          <a:xfrm>
+            <a:off x="0" y="271312"/>
+            <a:ext cx="12192000" cy="854233"/>
+          </a:xfrm>
+          <a:prstGeom prst="rect">
+            <a:avLst/>
+          </a:prstGeom>
+          <a:solidFill>
+            <a:srgbClr val="466077"/>
+          </a:solidFill>
+        </p:spPr>
+        <p:style>
+          <a:lnRef idx="2">
+            <a:schemeClr val="dk1">
+              <a:shade val="50000"/>
+            </a:schemeClr>
+          </a:lnRef>
+          <a:fillRef idx="1">
+            <a:schemeClr val="dk1"/>
+          </a:fillRef>
+          <a:effectRef idx="0">
+            <a:schemeClr val="dk1"/>
+          </a:effectRef>
+          <a:fontRef idx="minor">
+            <a:schemeClr val="lt1"/>
+          </a:fontRef>
+        </p:style>
+        <p:txBody>
+          <a:bodyPr rtlCol="0" anchor="ctr"/>
+          <a:lstStyle/>
+          <a:p>
+            <a:r>
+              <a:rPr lang="en-US" sz="5400" b="1" dirty="0"/>
+              <a:t>   6</a:t>
+            </a:r>
+          </a:p>
+        </p:txBody>
+      </p:sp>
+      <p:sp>
+        <p:nvSpPr>
+          <p:cNvPr id="8" name="Rectangle 7"/>
+          <p:cNvSpPr/>
+          <p:nvPr/>
+        </p:nvSpPr>
+        <p:spPr>
+          <a:xfrm>
+            <a:off x="1435100" y="501263"/>
+            <a:ext cx="10086340" cy="432058"/>
+          </a:xfrm>
+          <a:prstGeom prst="rect">
+            <a:avLst/>
+          </a:prstGeom>
+          <a:solidFill>
+            <a:schemeClr val="bg1"/>
+          </a:solidFill>
+          <a:ln>
+            <a:noFill/>
+          </a:ln>
+        </p:spPr>
+        <p:style>
+          <a:lnRef idx="2">
+            <a:schemeClr val="accent1">
+              <a:shade val="50000"/>
+            </a:schemeClr>
+          </a:lnRef>
+          <a:fillRef idx="1">
+            <a:schemeClr val="accent1"/>
+          </a:fillRef>
+          <a:effectRef idx="0">
+            <a:schemeClr val="accent1"/>
+          </a:effectRef>
+          <a:fontRef idx="minor">
+            <a:schemeClr val="lt1"/>
+          </a:fontRef>
+        </p:style>
+        <p:txBody>
+          <a:bodyPr rtlCol="0" anchor="ctr"/>
+          <a:lstStyle/>
+          <a:p>
+            <a:pPr algn="ctr"/>
+            <a:r>
+              <a:rPr lang="en-US" sz="2400" b="1" dirty="0">
+                <a:solidFill>
+                  <a:schemeClr val="tx1">
+                    <a:lumMod val="65000"/>
+                    <a:lumOff val="35000"/>
+                  </a:schemeClr>
+                </a:solidFill>
+              </a:rPr>
+              <a:t>SPY</a:t>
+            </a:r>
+          </a:p>
+        </p:txBody>
+      </p:sp>
+      <p:sp>
+        <p:nvSpPr>
+          <p:cNvPr id="12" name="Rectangle 11"/>
+          <p:cNvSpPr/>
+          <p:nvPr/>
+        </p:nvSpPr>
+        <p:spPr>
+          <a:xfrm>
+            <a:off x="393700" y="1574156"/>
+            <a:ext cx="4853709" cy="4877443"/>
+          </a:xfrm>
+          <a:prstGeom prst="rect">
+            <a:avLst/>
+          </a:prstGeom>
+          <a:solidFill>
+            <a:schemeClr val="bg1"/>
+          </a:solidFill>
+          <a:ln>
+            <a:solidFill>
+              <a:schemeClr val="tx1">
+                <a:lumMod val="65000"/>
+                <a:lumOff val="35000"/>
+              </a:schemeClr>
+            </a:solidFill>
+          </a:ln>
+        </p:spPr>
+        <p:style>
+          <a:lnRef idx="2">
+            <a:schemeClr val="accent1">
+              <a:shade val="50000"/>
+            </a:schemeClr>
+          </a:lnRef>
+          <a:fillRef idx="1">
+            <a:schemeClr val="accent1"/>
+          </a:fillRef>
+          <a:effectRef idx="0">
+            <a:schemeClr val="accent1"/>
+          </a:effectRef>
+          <a:fontRef idx="minor">
+            <a:schemeClr val="lt1"/>
+          </a:fontRef>
+        </p:style>
+        <p:txBody>
+          <a:bodyPr rtlCol="0" anchor="t"/>
+          <a:lstStyle/>
+          <a:p>
+            <a:pPr marL="342900" indent="-342900">
+              <a:buFontTx/>
+              <a:buChar char="-"/>
+            </a:pPr>
+            <a:endParaRPr lang="en-US" sz="2400" dirty="0" smtClean="0">
+              <a:solidFill>
+                <a:schemeClr val="tx1">
+                  <a:lumMod val="65000"/>
+                  <a:lumOff val="35000"/>
+                </a:schemeClr>
+              </a:solidFill>
+              <a:latin typeface="Times New Roman" panose="02020603050405020304" pitchFamily="18" charset="0"/>
+              <a:cs typeface="Times New Roman" panose="02020603050405020304" pitchFamily="18" charset="0"/>
+            </a:endParaRPr>
+          </a:p>
+          <a:p>
+            <a:pPr marL="342900" indent="-342900">
+              <a:buFontTx/>
+              <a:buChar char="-"/>
+            </a:pPr>
+            <a:endParaRPr lang="en-US" sz="2400" dirty="0">
+              <a:solidFill>
+                <a:schemeClr val="tx1">
+                  <a:lumMod val="65000"/>
+                  <a:lumOff val="35000"/>
+                </a:schemeClr>
+              </a:solidFill>
+              <a:latin typeface="Times New Roman" panose="02020603050405020304" pitchFamily="18" charset="0"/>
+              <a:cs typeface="Times New Roman" panose="02020603050405020304" pitchFamily="18" charset="0"/>
+            </a:endParaRPr>
+          </a:p>
+          <a:p>
+            <a:pPr marL="342900" indent="-342900">
+              <a:buFontTx/>
+              <a:buChar char="-"/>
+            </a:pPr>
+            <a:endParaRPr lang="en-US" sz="2400" dirty="0" smtClean="0">
+              <a:solidFill>
+                <a:schemeClr val="tx1">
+                  <a:lumMod val="65000"/>
+                  <a:lumOff val="35000"/>
+                </a:schemeClr>
+              </a:solidFill>
+              <a:latin typeface="Times New Roman" panose="02020603050405020304" pitchFamily="18" charset="0"/>
+              <a:cs typeface="Times New Roman" panose="02020603050405020304" pitchFamily="18" charset="0"/>
+            </a:endParaRPr>
+          </a:p>
+          <a:p>
+            <a:pPr marL="342900" indent="-342900">
+              <a:buFontTx/>
+              <a:buChar char="-"/>
+            </a:pPr>
+            <a:r>
+              <a:rPr lang="en-US" sz="2400" dirty="0" smtClean="0">
+                <a:solidFill>
+                  <a:schemeClr val="tx1">
+                    <a:lumMod val="65000"/>
+                    <a:lumOff val="35000"/>
+                  </a:schemeClr>
+                </a:solidFill>
+                <a:latin typeface="Times New Roman" panose="02020603050405020304" pitchFamily="18" charset="0"/>
+                <a:cs typeface="Times New Roman" panose="02020603050405020304" pitchFamily="18" charset="0"/>
+              </a:rPr>
+              <a:t>Spy </a:t>
+            </a:r>
+            <a:r>
+              <a:rPr lang="en-US" sz="2400" dirty="0" err="1">
+                <a:solidFill>
+                  <a:schemeClr val="tx1">
+                    <a:lumMod val="65000"/>
+                    <a:lumOff val="35000"/>
+                  </a:schemeClr>
+                </a:solidFill>
+                <a:latin typeface="Times New Roman" panose="02020603050405020304" pitchFamily="18" charset="0"/>
+                <a:cs typeface="Times New Roman" panose="02020603050405020304" pitchFamily="18" charset="0"/>
+              </a:rPr>
+              <a:t>dùng</a:t>
+            </a:r>
+            <a:r>
+              <a:rPr lang="en-US" sz="2400" dirty="0">
+                <a:solidFill>
+                  <a:schemeClr val="tx1">
+                    <a:lumMod val="65000"/>
+                    <a:lumOff val="35000"/>
+                  </a:schemeClr>
+                </a:solidFill>
+                <a:latin typeface="Times New Roman" panose="02020603050405020304" pitchFamily="18" charset="0"/>
+                <a:cs typeface="Times New Roman" panose="02020603050405020304" pitchFamily="18" charset="0"/>
+              </a:rPr>
+              <a:t> </a:t>
+            </a:r>
+            <a:r>
+              <a:rPr lang="en-US" sz="2400" dirty="0" err="1">
+                <a:solidFill>
+                  <a:schemeClr val="tx1">
+                    <a:lumMod val="65000"/>
+                    <a:lumOff val="35000"/>
+                  </a:schemeClr>
+                </a:solidFill>
+                <a:latin typeface="Times New Roman" panose="02020603050405020304" pitchFamily="18" charset="0"/>
+                <a:cs typeface="Times New Roman" panose="02020603050405020304" pitchFamily="18" charset="0"/>
+              </a:rPr>
+              <a:t>để</a:t>
+            </a:r>
+            <a:r>
+              <a:rPr lang="en-US" sz="2400" dirty="0">
+                <a:solidFill>
+                  <a:schemeClr val="tx1">
+                    <a:lumMod val="65000"/>
+                    <a:lumOff val="35000"/>
+                  </a:schemeClr>
+                </a:solidFill>
+                <a:latin typeface="Times New Roman" panose="02020603050405020304" pitchFamily="18" charset="0"/>
+                <a:cs typeface="Times New Roman" panose="02020603050405020304" pitchFamily="18" charset="0"/>
+              </a:rPr>
+              <a:t> </a:t>
+            </a:r>
+            <a:r>
+              <a:rPr lang="en-US" sz="2400" dirty="0" err="1">
+                <a:solidFill>
+                  <a:schemeClr val="tx1">
+                    <a:lumMod val="65000"/>
+                    <a:lumOff val="35000"/>
+                  </a:schemeClr>
+                </a:solidFill>
+                <a:latin typeface="Times New Roman" panose="02020603050405020304" pitchFamily="18" charset="0"/>
+                <a:cs typeface="Times New Roman" panose="02020603050405020304" pitchFamily="18" charset="0"/>
+              </a:rPr>
+              <a:t>theo</a:t>
+            </a:r>
+            <a:r>
+              <a:rPr lang="en-US" sz="2400" dirty="0">
+                <a:solidFill>
+                  <a:schemeClr val="tx1">
+                    <a:lumMod val="65000"/>
+                    <a:lumOff val="35000"/>
+                  </a:schemeClr>
+                </a:solidFill>
+                <a:latin typeface="Times New Roman" panose="02020603050405020304" pitchFamily="18" charset="0"/>
+                <a:cs typeface="Times New Roman" panose="02020603050405020304" pitchFamily="18" charset="0"/>
+              </a:rPr>
+              <a:t> </a:t>
+            </a:r>
+            <a:r>
+              <a:rPr lang="en-US" sz="2400" dirty="0" err="1">
+                <a:solidFill>
+                  <a:schemeClr val="tx1">
+                    <a:lumMod val="65000"/>
+                    <a:lumOff val="35000"/>
+                  </a:schemeClr>
+                </a:solidFill>
+                <a:latin typeface="Times New Roman" panose="02020603050405020304" pitchFamily="18" charset="0"/>
+                <a:cs typeface="Times New Roman" panose="02020603050405020304" pitchFamily="18" charset="0"/>
+              </a:rPr>
+              <a:t>dõi</a:t>
+            </a:r>
+            <a:r>
+              <a:rPr lang="en-US" sz="2400" dirty="0">
+                <a:solidFill>
+                  <a:schemeClr val="tx1">
+                    <a:lumMod val="65000"/>
+                    <a:lumOff val="35000"/>
+                  </a:schemeClr>
+                </a:solidFill>
+                <a:latin typeface="Times New Roman" panose="02020603050405020304" pitchFamily="18" charset="0"/>
+                <a:cs typeface="Times New Roman" panose="02020603050405020304" pitchFamily="18" charset="0"/>
+              </a:rPr>
+              <a:t> </a:t>
+            </a:r>
+            <a:r>
+              <a:rPr lang="en-US" sz="2400" dirty="0" err="1">
+                <a:solidFill>
+                  <a:schemeClr val="tx1">
+                    <a:lumMod val="65000"/>
+                    <a:lumOff val="35000"/>
+                  </a:schemeClr>
+                </a:solidFill>
+                <a:latin typeface="Times New Roman" panose="02020603050405020304" pitchFamily="18" charset="0"/>
+                <a:cs typeface="Times New Roman" panose="02020603050405020304" pitchFamily="18" charset="0"/>
+              </a:rPr>
+              <a:t>một</a:t>
+            </a:r>
+            <a:r>
+              <a:rPr lang="en-US" sz="2400" dirty="0">
+                <a:solidFill>
+                  <a:schemeClr val="tx1">
+                    <a:lumMod val="65000"/>
+                    <a:lumOff val="35000"/>
+                  </a:schemeClr>
+                </a:solidFill>
+                <a:latin typeface="Times New Roman" panose="02020603050405020304" pitchFamily="18" charset="0"/>
+                <a:cs typeface="Times New Roman" panose="02020603050405020304" pitchFamily="18" charset="0"/>
+              </a:rPr>
+              <a:t> </a:t>
+            </a:r>
+            <a:r>
+              <a:rPr lang="en-US" sz="2400" dirty="0" err="1">
+                <a:solidFill>
+                  <a:schemeClr val="tx1">
+                    <a:lumMod val="65000"/>
+                    <a:lumOff val="35000"/>
+                  </a:schemeClr>
+                </a:solidFill>
+                <a:latin typeface="Times New Roman" panose="02020603050405020304" pitchFamily="18" charset="0"/>
+                <a:cs typeface="Times New Roman" panose="02020603050405020304" pitchFamily="18" charset="0"/>
+              </a:rPr>
+              <a:t>đối</a:t>
+            </a:r>
+            <a:r>
+              <a:rPr lang="en-US" sz="2400" dirty="0">
+                <a:solidFill>
+                  <a:schemeClr val="tx1">
+                    <a:lumMod val="65000"/>
+                    <a:lumOff val="35000"/>
+                  </a:schemeClr>
+                </a:solidFill>
+                <a:latin typeface="Times New Roman" panose="02020603050405020304" pitchFamily="18" charset="0"/>
+                <a:cs typeface="Times New Roman" panose="02020603050405020304" pitchFamily="18" charset="0"/>
+              </a:rPr>
+              <a:t> t</a:t>
+            </a:r>
+            <a:r>
+              <a:rPr lang="vi-VN" sz="2400" dirty="0">
+                <a:solidFill>
+                  <a:schemeClr val="tx1">
+                    <a:lumMod val="65000"/>
+                    <a:lumOff val="35000"/>
+                  </a:schemeClr>
+                </a:solidFill>
+                <a:latin typeface="Times New Roman" panose="02020603050405020304" pitchFamily="18" charset="0"/>
+                <a:cs typeface="Times New Roman" panose="02020603050405020304" pitchFamily="18" charset="0"/>
+              </a:rPr>
+              <a:t>ư</a:t>
+            </a:r>
+            <a:r>
+              <a:rPr lang="en-US" sz="2400" dirty="0" err="1">
+                <a:solidFill>
+                  <a:schemeClr val="tx1">
+                    <a:lumMod val="65000"/>
+                    <a:lumOff val="35000"/>
+                  </a:schemeClr>
+                </a:solidFill>
+                <a:latin typeface="Times New Roman" panose="02020603050405020304" pitchFamily="18" charset="0"/>
+                <a:cs typeface="Times New Roman" panose="02020603050405020304" pitchFamily="18" charset="0"/>
+              </a:rPr>
+              <a:t>ợng</a:t>
+            </a:r>
+            <a:r>
+              <a:rPr lang="en-US" sz="2400" dirty="0">
+                <a:solidFill>
+                  <a:schemeClr val="tx1">
+                    <a:lumMod val="65000"/>
+                    <a:lumOff val="35000"/>
+                  </a:schemeClr>
+                </a:solidFill>
+                <a:latin typeface="Times New Roman" panose="02020603050405020304" pitchFamily="18" charset="0"/>
+                <a:cs typeface="Times New Roman" panose="02020603050405020304" pitchFamily="18" charset="0"/>
+              </a:rPr>
+              <a:t> </a:t>
+            </a:r>
+            <a:r>
+              <a:rPr lang="en-US" sz="2400" dirty="0" err="1">
+                <a:solidFill>
+                  <a:schemeClr val="tx1">
+                    <a:lumMod val="65000"/>
+                    <a:lumOff val="35000"/>
+                  </a:schemeClr>
+                </a:solidFill>
+                <a:latin typeface="Times New Roman" panose="02020603050405020304" pitchFamily="18" charset="0"/>
+                <a:cs typeface="Times New Roman" panose="02020603050405020304" pitchFamily="18" charset="0"/>
+              </a:rPr>
+              <a:t>hàm</a:t>
+            </a:r>
+            <a:r>
+              <a:rPr lang="en-US" sz="2400" dirty="0">
+                <a:solidFill>
+                  <a:schemeClr val="tx1">
+                    <a:lumMod val="65000"/>
+                    <a:lumOff val="35000"/>
+                  </a:schemeClr>
+                </a:solidFill>
+                <a:latin typeface="Times New Roman" panose="02020603050405020304" pitchFamily="18" charset="0"/>
+                <a:cs typeface="Times New Roman" panose="02020603050405020304" pitchFamily="18" charset="0"/>
+              </a:rPr>
+              <a:t> </a:t>
+            </a:r>
+            <a:r>
+              <a:rPr lang="en-US" sz="2400" dirty="0" err="1">
+                <a:solidFill>
+                  <a:schemeClr val="tx1">
+                    <a:lumMod val="65000"/>
+                    <a:lumOff val="35000"/>
+                  </a:schemeClr>
+                </a:solidFill>
+                <a:latin typeface="Times New Roman" panose="02020603050405020304" pitchFamily="18" charset="0"/>
+                <a:cs typeface="Times New Roman" panose="02020603050405020304" pitchFamily="18" charset="0"/>
+              </a:rPr>
+              <a:t>có</a:t>
+            </a:r>
+            <a:r>
+              <a:rPr lang="en-US" sz="2400" dirty="0">
+                <a:solidFill>
+                  <a:schemeClr val="tx1">
+                    <a:lumMod val="65000"/>
+                    <a:lumOff val="35000"/>
+                  </a:schemeClr>
+                </a:solidFill>
+                <a:latin typeface="Times New Roman" panose="02020603050405020304" pitchFamily="18" charset="0"/>
+                <a:cs typeface="Times New Roman" panose="02020603050405020304" pitchFamily="18" charset="0"/>
+              </a:rPr>
+              <a:t> đ</a:t>
+            </a:r>
+            <a:r>
+              <a:rPr lang="vi-VN" sz="2400" dirty="0">
+                <a:solidFill>
+                  <a:schemeClr val="tx1">
+                    <a:lumMod val="65000"/>
+                    <a:lumOff val="35000"/>
+                  </a:schemeClr>
+                </a:solidFill>
+                <a:latin typeface="Times New Roman" panose="02020603050405020304" pitchFamily="18" charset="0"/>
+                <a:cs typeface="Times New Roman" panose="02020603050405020304" pitchFamily="18" charset="0"/>
+              </a:rPr>
+              <a:t>ư</a:t>
+            </a:r>
+            <a:r>
+              <a:rPr lang="en-US" sz="2400" dirty="0" err="1">
+                <a:solidFill>
+                  <a:schemeClr val="tx1">
+                    <a:lumMod val="65000"/>
+                    <a:lumOff val="35000"/>
+                  </a:schemeClr>
+                </a:solidFill>
+                <a:latin typeface="Times New Roman" panose="02020603050405020304" pitchFamily="18" charset="0"/>
+                <a:cs typeface="Times New Roman" panose="02020603050405020304" pitchFamily="18" charset="0"/>
+              </a:rPr>
+              <a:t>ợc</a:t>
+            </a:r>
+            <a:r>
+              <a:rPr lang="en-US" sz="2400" dirty="0">
+                <a:solidFill>
+                  <a:schemeClr val="tx1">
+                    <a:lumMod val="65000"/>
+                    <a:lumOff val="35000"/>
+                  </a:schemeClr>
+                </a:solidFill>
+                <a:latin typeface="Times New Roman" panose="02020603050405020304" pitchFamily="18" charset="0"/>
+                <a:cs typeface="Times New Roman" panose="02020603050405020304" pitchFamily="18" charset="0"/>
+              </a:rPr>
+              <a:t> </a:t>
+            </a:r>
+            <a:r>
+              <a:rPr lang="en-US" sz="2400" dirty="0" err="1">
+                <a:solidFill>
+                  <a:schemeClr val="tx1">
+                    <a:lumMod val="65000"/>
+                    <a:lumOff val="35000"/>
+                  </a:schemeClr>
+                </a:solidFill>
+                <a:latin typeface="Times New Roman" panose="02020603050405020304" pitchFamily="18" charset="0"/>
+                <a:cs typeface="Times New Roman" panose="02020603050405020304" pitchFamily="18" charset="0"/>
+              </a:rPr>
+              <a:t>gọi</a:t>
+            </a:r>
+            <a:r>
+              <a:rPr lang="en-US" sz="2400" dirty="0">
+                <a:solidFill>
+                  <a:schemeClr val="tx1">
+                    <a:lumMod val="65000"/>
+                    <a:lumOff val="35000"/>
+                  </a:schemeClr>
+                </a:solidFill>
+                <a:latin typeface="Times New Roman" panose="02020603050405020304" pitchFamily="18" charset="0"/>
+                <a:cs typeface="Times New Roman" panose="02020603050405020304" pitchFamily="18" charset="0"/>
+              </a:rPr>
+              <a:t> hay </a:t>
+            </a:r>
+            <a:r>
+              <a:rPr lang="en-US" sz="2400" dirty="0" err="1">
+                <a:solidFill>
+                  <a:schemeClr val="tx1">
+                    <a:lumMod val="65000"/>
+                    <a:lumOff val="35000"/>
+                  </a:schemeClr>
+                </a:solidFill>
+                <a:latin typeface="Times New Roman" panose="02020603050405020304" pitchFamily="18" charset="0"/>
+                <a:cs typeface="Times New Roman" panose="02020603050405020304" pitchFamily="18" charset="0"/>
+              </a:rPr>
+              <a:t>không</a:t>
+            </a:r>
+            <a:r>
+              <a:rPr lang="en-US" sz="2400" dirty="0">
+                <a:solidFill>
+                  <a:schemeClr val="tx1">
+                    <a:lumMod val="65000"/>
+                    <a:lumOff val="35000"/>
+                  </a:schemeClr>
+                </a:solidFill>
+                <a:latin typeface="Times New Roman" panose="02020603050405020304" pitchFamily="18" charset="0"/>
+                <a:cs typeface="Times New Roman" panose="02020603050405020304" pitchFamily="18" charset="0"/>
+              </a:rPr>
+              <a:t> </a:t>
+            </a:r>
+            <a:r>
+              <a:rPr lang="en-US" sz="2400" dirty="0" err="1">
+                <a:solidFill>
+                  <a:schemeClr val="tx1">
+                    <a:lumMod val="65000"/>
+                    <a:lumOff val="35000"/>
+                  </a:schemeClr>
+                </a:solidFill>
+                <a:latin typeface="Times New Roman" panose="02020603050405020304" pitchFamily="18" charset="0"/>
+                <a:cs typeface="Times New Roman" panose="02020603050405020304" pitchFamily="18" charset="0"/>
+              </a:rPr>
+              <a:t>hoặc</a:t>
+            </a:r>
+            <a:r>
+              <a:rPr lang="en-US" sz="2400" dirty="0">
+                <a:solidFill>
+                  <a:schemeClr val="tx1">
+                    <a:lumMod val="65000"/>
+                    <a:lumOff val="35000"/>
+                  </a:schemeClr>
+                </a:solidFill>
+                <a:latin typeface="Times New Roman" panose="02020603050405020304" pitchFamily="18" charset="0"/>
+                <a:cs typeface="Times New Roman" panose="02020603050405020304" pitchFamily="18" charset="0"/>
+              </a:rPr>
+              <a:t> đ</a:t>
+            </a:r>
+            <a:r>
+              <a:rPr lang="vi-VN" sz="2400" dirty="0">
+                <a:solidFill>
+                  <a:schemeClr val="tx1">
+                    <a:lumMod val="65000"/>
+                    <a:lumOff val="35000"/>
+                  </a:schemeClr>
+                </a:solidFill>
+                <a:latin typeface="Times New Roman" panose="02020603050405020304" pitchFamily="18" charset="0"/>
+                <a:cs typeface="Times New Roman" panose="02020603050405020304" pitchFamily="18" charset="0"/>
+              </a:rPr>
+              <a:t>ư</a:t>
+            </a:r>
+            <a:r>
+              <a:rPr lang="en-US" sz="2400" dirty="0" err="1">
+                <a:solidFill>
+                  <a:schemeClr val="tx1">
+                    <a:lumMod val="65000"/>
+                    <a:lumOff val="35000"/>
+                  </a:schemeClr>
+                </a:solidFill>
+                <a:latin typeface="Times New Roman" panose="02020603050405020304" pitchFamily="18" charset="0"/>
+                <a:cs typeface="Times New Roman" panose="02020603050405020304" pitchFamily="18" charset="0"/>
+              </a:rPr>
+              <a:t>ợc</a:t>
+            </a:r>
+            <a:r>
+              <a:rPr lang="en-US" sz="2400" dirty="0">
+                <a:solidFill>
+                  <a:schemeClr val="tx1">
+                    <a:lumMod val="65000"/>
+                    <a:lumOff val="35000"/>
+                  </a:schemeClr>
+                </a:solidFill>
+                <a:latin typeface="Times New Roman" panose="02020603050405020304" pitchFamily="18" charset="0"/>
+                <a:cs typeface="Times New Roman" panose="02020603050405020304" pitchFamily="18" charset="0"/>
+              </a:rPr>
+              <a:t> </a:t>
+            </a:r>
+            <a:r>
+              <a:rPr lang="en-US" sz="2400" dirty="0" err="1">
+                <a:solidFill>
+                  <a:schemeClr val="tx1">
+                    <a:lumMod val="65000"/>
+                    <a:lumOff val="35000"/>
+                  </a:schemeClr>
+                </a:solidFill>
+                <a:latin typeface="Times New Roman" panose="02020603050405020304" pitchFamily="18" charset="0"/>
+                <a:cs typeface="Times New Roman" panose="02020603050405020304" pitchFamily="18" charset="0"/>
+              </a:rPr>
+              <a:t>gọi</a:t>
+            </a:r>
+            <a:r>
+              <a:rPr lang="en-US" sz="2400" dirty="0">
+                <a:solidFill>
+                  <a:schemeClr val="tx1">
+                    <a:lumMod val="65000"/>
+                    <a:lumOff val="35000"/>
+                  </a:schemeClr>
+                </a:solidFill>
+                <a:latin typeface="Times New Roman" panose="02020603050405020304" pitchFamily="18" charset="0"/>
+                <a:cs typeface="Times New Roman" panose="02020603050405020304" pitchFamily="18" charset="0"/>
+              </a:rPr>
+              <a:t> </a:t>
+            </a:r>
+            <a:r>
+              <a:rPr lang="en-US" sz="2400" dirty="0" err="1">
+                <a:solidFill>
+                  <a:schemeClr val="tx1">
+                    <a:lumMod val="65000"/>
+                    <a:lumOff val="35000"/>
+                  </a:schemeClr>
+                </a:solidFill>
+                <a:latin typeface="Times New Roman" panose="02020603050405020304" pitchFamily="18" charset="0"/>
+                <a:cs typeface="Times New Roman" panose="02020603050405020304" pitchFamily="18" charset="0"/>
+              </a:rPr>
+              <a:t>với</a:t>
+            </a:r>
+            <a:r>
+              <a:rPr lang="en-US" sz="2400" dirty="0">
+                <a:solidFill>
+                  <a:schemeClr val="tx1">
+                    <a:lumMod val="65000"/>
+                    <a:lumOff val="35000"/>
+                  </a:schemeClr>
+                </a:solidFill>
+                <a:latin typeface="Times New Roman" panose="02020603050405020304" pitchFamily="18" charset="0"/>
+                <a:cs typeface="Times New Roman" panose="02020603050405020304" pitchFamily="18" charset="0"/>
+              </a:rPr>
+              <a:t> </a:t>
+            </a:r>
+            <a:r>
+              <a:rPr lang="en-US" sz="2400" dirty="0" err="1">
+                <a:solidFill>
+                  <a:schemeClr val="tx1">
+                    <a:lumMod val="65000"/>
+                    <a:lumOff val="35000"/>
+                  </a:schemeClr>
+                </a:solidFill>
+                <a:latin typeface="Times New Roman" panose="02020603050405020304" pitchFamily="18" charset="0"/>
+                <a:cs typeface="Times New Roman" panose="02020603050405020304" pitchFamily="18" charset="0"/>
+              </a:rPr>
+              <a:t>biến</a:t>
+            </a:r>
+            <a:r>
+              <a:rPr lang="en-US" sz="2400" dirty="0">
+                <a:solidFill>
+                  <a:schemeClr val="tx1">
+                    <a:lumMod val="65000"/>
+                    <a:lumOff val="35000"/>
+                  </a:schemeClr>
+                </a:solidFill>
+                <a:latin typeface="Times New Roman" panose="02020603050405020304" pitchFamily="18" charset="0"/>
+                <a:cs typeface="Times New Roman" panose="02020603050405020304" pitchFamily="18" charset="0"/>
+              </a:rPr>
+              <a:t> </a:t>
+            </a:r>
+            <a:r>
+              <a:rPr lang="en-US" sz="2400" dirty="0" err="1">
+                <a:solidFill>
+                  <a:schemeClr val="tx1">
+                    <a:lumMod val="65000"/>
+                    <a:lumOff val="35000"/>
+                  </a:schemeClr>
+                </a:solidFill>
+                <a:latin typeface="Times New Roman" panose="02020603050405020304" pitchFamily="18" charset="0"/>
+                <a:cs typeface="Times New Roman" panose="02020603050405020304" pitchFamily="18" charset="0"/>
+              </a:rPr>
+              <a:t>cho</a:t>
+            </a:r>
+            <a:r>
+              <a:rPr lang="en-US" sz="2400" dirty="0">
+                <a:solidFill>
+                  <a:schemeClr val="tx1">
+                    <a:lumMod val="65000"/>
+                    <a:lumOff val="35000"/>
+                  </a:schemeClr>
+                </a:solidFill>
+                <a:latin typeface="Times New Roman" panose="02020603050405020304" pitchFamily="18" charset="0"/>
+                <a:cs typeface="Times New Roman" panose="02020603050405020304" pitchFamily="18" charset="0"/>
+              </a:rPr>
+              <a:t> </a:t>
+            </a:r>
+            <a:r>
+              <a:rPr lang="en-US" sz="2400" dirty="0" err="1">
+                <a:solidFill>
+                  <a:schemeClr val="tx1">
+                    <a:lumMod val="65000"/>
+                    <a:lumOff val="35000"/>
+                  </a:schemeClr>
+                </a:solidFill>
+                <a:latin typeface="Times New Roman" panose="02020603050405020304" pitchFamily="18" charset="0"/>
+                <a:cs typeface="Times New Roman" panose="02020603050405020304" pitchFamily="18" charset="0"/>
+              </a:rPr>
+              <a:t>sẵn</a:t>
+            </a:r>
+            <a:r>
+              <a:rPr lang="en-US" sz="2400" dirty="0">
+                <a:solidFill>
+                  <a:schemeClr val="tx1">
+                    <a:lumMod val="65000"/>
+                    <a:lumOff val="35000"/>
+                  </a:schemeClr>
+                </a:solidFill>
+                <a:latin typeface="Times New Roman" panose="02020603050405020304" pitchFamily="18" charset="0"/>
+                <a:cs typeface="Times New Roman" panose="02020603050405020304" pitchFamily="18" charset="0"/>
+              </a:rPr>
+              <a:t> hay </a:t>
+            </a:r>
+            <a:r>
+              <a:rPr lang="en-US" sz="2400" dirty="0" err="1">
+                <a:solidFill>
+                  <a:schemeClr val="tx1">
+                    <a:lumMod val="65000"/>
+                    <a:lumOff val="35000"/>
+                  </a:schemeClr>
+                </a:solidFill>
+                <a:latin typeface="Times New Roman" panose="02020603050405020304" pitchFamily="18" charset="0"/>
+                <a:cs typeface="Times New Roman" panose="02020603050405020304" pitchFamily="18" charset="0"/>
+              </a:rPr>
+              <a:t>không</a:t>
+            </a:r>
+            <a:endParaRPr lang="en-US" sz="2400" dirty="0">
+              <a:solidFill>
+                <a:schemeClr val="tx1">
+                  <a:lumMod val="65000"/>
+                  <a:lumOff val="35000"/>
+                </a:schemeClr>
+              </a:solidFill>
+              <a:latin typeface="Times New Roman" panose="02020603050405020304" pitchFamily="18" charset="0"/>
+              <a:cs typeface="Times New Roman" panose="02020603050405020304" pitchFamily="18" charset="0"/>
+            </a:endParaRPr>
+          </a:p>
+          <a:p>
+            <a:endParaRPr lang="en-US" sz="2400" dirty="0">
+              <a:solidFill>
+                <a:schemeClr val="tx1">
+                  <a:lumMod val="65000"/>
+                  <a:lumOff val="35000"/>
+                </a:schemeClr>
+              </a:solidFill>
+              <a:latin typeface="Times New Roman" panose="02020603050405020304" pitchFamily="18" charset="0"/>
+              <a:cs typeface="Times New Roman" panose="02020603050405020304" pitchFamily="18" charset="0"/>
+            </a:endParaRPr>
+          </a:p>
+        </p:txBody>
+      </p:sp>
+      <p:pic>
+        <p:nvPicPr>
+          <p:cNvPr id="3" name="Hình ảnh 2"/>
+          <p:cNvPicPr>
+            <a:picLocks noChangeAspect="1"/>
+          </p:cNvPicPr>
+          <p:nvPr/>
+        </p:nvPicPr>
+        <p:blipFill>
+          <a:blip r:embed="rId3"/>
+          <a:stretch>
+            <a:fillRect/>
+          </a:stretch>
+        </p:blipFill>
+        <p:spPr>
+          <a:xfrm>
+            <a:off x="5606762" y="1574156"/>
+            <a:ext cx="5553074" cy="4882875"/>
+          </a:xfrm>
+          <a:prstGeom prst="rect">
+            <a:avLst/>
+          </a:prstGeom>
+        </p:spPr>
+      </p:pic>
+    </p:spTree>
+    <p:extLst>
+      <p:ext uri="{BB962C8B-B14F-4D97-AF65-F5344CB8AC3E}">
+        <p14:creationId xmlns:p14="http://schemas.microsoft.com/office/powerpoint/2010/main" val="1622681206"/>
+      </p:ext>
+    </p:extLst>
+  </p:cSld>
+  <p:clrMapOvr>
+    <a:masterClrMapping/>
+  </p:clrMapOvr>
+  <mc:AlternateContent xmlns:mc="http://schemas.openxmlformats.org/markup-compatibility/2006">
+    <mc:Choice xmlns:p159="http://schemas.microsoft.com/office/powerpoint/2015/09/main" xmlns="" Requires="p159">
+      <p:transition xmlns:p14="http://schemas.microsoft.com/office/powerpoint/2010/main" spd="slow" p14:dur="2000">
+        <p159:morph option="byObject"/>
+      </p:transition>
+    </mc:Choice>
+    <mc:Fallback>
+      <p:transition spd="slow">
+        <p:fade/>
+      </p:transition>
+    </mc:Fallback>
+  </mc:AlternateContent>
+  <p:timing>
+    <p:tnLst>
+      <p:par>
+        <p:cTn id="1" dur="indefinite" restart="never" nodeType="tmRoot"/>
+      </p:par>
+    </p:tnLst>
+  </p:timing>
+</p:sld>
+</file>
+
+<file path=ppt/slides/slide12.xml><?xml version="1.0" encoding="utf-8"?>
+<p:sld xmlns:a="http://schemas.openxmlformats.org/drawingml/2006/main" xmlns:r="http://schemas.openxmlformats.org/officeDocument/2006/relationships" xmlns:p="http://schemas.openxmlformats.org/presentationml/2006/main">
+  <p:cSld>
+    <p:spTree>
+      <p:nvGrpSpPr>
+        <p:cNvPr id="1" name=""/>
+        <p:cNvGrpSpPr/>
+        <p:nvPr/>
+      </p:nvGrpSpPr>
+      <p:grpSpPr>
+        <a:xfrm>
+          <a:off x="0" y="0"/>
+          <a:ext cx="0" cy="0"/>
+          <a:chOff x="0" y="0"/>
+          <a:chExt cx="0" cy="0"/>
+        </a:xfrm>
+      </p:grpSpPr>
+      <p:pic>
+        <p:nvPicPr>
+          <p:cNvPr id="3076" name="Picture 4" descr="Kết quả hình ảnh cho thank you"/>
+          <p:cNvPicPr>
+            <a:picLocks noChangeAspect="1" noChangeArrowheads="1"/>
+          </p:cNvPicPr>
+          <p:nvPr/>
+        </p:nvPicPr>
+        <p:blipFill>
+          <a:blip r:embed="rId3" cstate="print">
+            <a:extLst>
+              <a:ext uri="{28A0092B-C50C-407E-A947-70E740481C1C}">
+                <a14:useLocalDpi xmlns:a14="http://schemas.microsoft.com/office/drawing/2010/main" val="0"/>
+              </a:ext>
+            </a:extLst>
+          </a:blip>
+          <a:srcRect/>
+          <a:stretch>
+            <a:fillRect/>
+          </a:stretch>
+        </p:blipFill>
+        <p:spPr bwMode="auto">
+          <a:xfrm>
+            <a:off x="0" y="0"/>
+            <a:ext cx="12191999" cy="6858000"/>
+          </a:xfrm>
+          <a:prstGeom prst="rect">
+            <a:avLst/>
+          </a:prstGeom>
+          <a:noFill/>
+          <a:extLst>
+            <a:ext uri="{909E8E84-426E-40DD-AFC4-6F175D3DCCD1}">
+              <a14:hiddenFill xmlns:a14="http://schemas.microsoft.com/office/drawing/2010/main">
+                <a:solidFill>
+                  <a:srgbClr val="FFFFFF"/>
+                </a:solidFill>
+              </a14:hiddenFill>
+            </a:ext>
+          </a:extLst>
+        </p:spPr>
+      </p:pic>
+    </p:spTree>
+    <p:extLst>
+      <p:ext uri="{BB962C8B-B14F-4D97-AF65-F5344CB8AC3E}">
+        <p14:creationId xmlns:p14="http://schemas.microsoft.com/office/powerpoint/2010/main" val="3840919541"/>
+      </p:ext>
+    </p:extLst>
+  </p:cSld>
+  <p:clrMapOvr>
+    <a:masterClrMapping/>
+  </p:clrMapOvr>
+  <p:timing>
+    <p:tnLst>
+      <p:par>
+        <p:cTn id="1" dur="indefinite" restart="never" nodeType="tmRoot">
+          <p:childTnLst>
+            <p:seq concurrent="1" nextAc="seek">
+              <p:cTn id="2" dur="indefinite" nodeType="mainSeq">
+                <p:childTnLst>
+                  <p:par>
+                    <p:cTn id="3" fill="hold">
+                      <p:stCondLst>
+                        <p:cond delay="indefinite"/>
+                      </p:stCondLst>
+                      <p:childTnLst>
+                        <p:par>
+                          <p:cTn id="4" fill="hold">
+                            <p:stCondLst>
+                              <p:cond delay="0"/>
+                            </p:stCondLst>
+                            <p:childTnLst>
+                              <p:par>
+                                <p:cTn id="5" presetID="21" presetClass="entr" presetSubtype="1" fill="hold" nodeType="clickEffect">
+                                  <p:stCondLst>
+                                    <p:cond delay="0"/>
+                                  </p:stCondLst>
+                                  <p:childTnLst>
+                                    <p:set>
+                                      <p:cBhvr>
+                                        <p:cTn id="6" dur="1" fill="hold">
+                                          <p:stCondLst>
+                                            <p:cond delay="0"/>
+                                          </p:stCondLst>
+                                        </p:cTn>
+                                        <p:tgtEl>
+                                          <p:spTgt spid="3076"/>
+                                        </p:tgtEl>
+                                        <p:attrNameLst>
+                                          <p:attrName>style.visibility</p:attrName>
+                                        </p:attrNameLst>
+                                      </p:cBhvr>
+                                      <p:to>
+                                        <p:strVal val="visible"/>
+                                      </p:to>
+                                    </p:set>
+                                    <p:animEffect transition="in" filter="wheel(1)">
+                                      <p:cBhvr>
+                                        <p:cTn id="7" dur="2000"/>
+                                        <p:tgtEl>
+                                          <p:spTgt spid="3076"/>
+                                        </p:tgtEl>
+                                      </p:cBhvr>
+                                    </p:animEffect>
+                                  </p:childTnLst>
+                                </p:cTn>
+                              </p:par>
+                            </p:childTnLst>
+                          </p:cTn>
+                        </p:par>
+                      </p:childTnLst>
+                    </p:cTn>
+                  </p:par>
+                </p:childTnLst>
+              </p:cTn>
+              <p:prevCondLst>
+                <p:cond evt="onPrev" delay="0">
+                  <p:tgtEl>
+                    <p:sldTgt/>
+                  </p:tgtEl>
+                </p:cond>
+              </p:prevCondLst>
+              <p:nextCondLst>
+                <p:cond evt="onNext" delay="0">
+                  <p:tgtEl>
+                    <p:sldTgt/>
+                  </p:tgtEl>
+                </p:cond>
+              </p:nextCondLst>
+            </p:seq>
+          </p:childTnLst>
+        </p:cTn>
+      </p:par>
+    </p:tnLst>
+  </p:timing>
+</p:sld>
+</file>
+
+<file path=ppt/slides/slide2.xml><?xml version="1.0" encoding="utf-8"?>
+<p:sld xmlns:a="http://schemas.openxmlformats.org/drawingml/2006/main" xmlns:r="http://schemas.openxmlformats.org/officeDocument/2006/relationships" xmlns:p="http://schemas.openxmlformats.org/presentationml/2006/main">
+  <p:cSld>
+    <p:spTree>
+      <p:nvGrpSpPr>
+        <p:cNvPr id="1" name=""/>
+        <p:cNvGrpSpPr/>
+        <p:nvPr/>
+      </p:nvGrpSpPr>
+      <p:grpSpPr>
+        <a:xfrm>
+          <a:off x="0" y="0"/>
+          <a:ext cx="0" cy="0"/>
+          <a:chOff x="0" y="0"/>
+          <a:chExt cx="0" cy="0"/>
+        </a:xfrm>
+      </p:grpSpPr>
+      <p:sp>
+        <p:nvSpPr>
+          <p:cNvPr id="4" name="Rectangle 3"/>
+          <p:cNvSpPr/>
+          <p:nvPr/>
+        </p:nvSpPr>
+        <p:spPr>
+          <a:xfrm>
+            <a:off x="0" y="271312"/>
+            <a:ext cx="12192000" cy="854233"/>
+          </a:xfrm>
+          <a:prstGeom prst="rect">
+            <a:avLst/>
+          </a:prstGeom>
+          <a:solidFill>
+            <a:srgbClr val="466077"/>
+          </a:solidFill>
+        </p:spPr>
+        <p:style>
+          <a:lnRef idx="2">
+            <a:schemeClr val="dk1">
+              <a:shade val="50000"/>
+            </a:schemeClr>
+          </a:lnRef>
+          <a:fillRef idx="1">
+            <a:schemeClr val="dk1"/>
+          </a:fillRef>
+          <a:effectRef idx="0">
+            <a:schemeClr val="dk1"/>
+          </a:effectRef>
+          <a:fontRef idx="minor">
+            <a:schemeClr val="lt1"/>
+          </a:fontRef>
+        </p:style>
+        <p:txBody>
+          <a:bodyPr rtlCol="0" anchor="ctr"/>
+          <a:lstStyle/>
+          <a:p>
+            <a:r>
+              <a:rPr lang="en-US" sz="5400" b="1" dirty="0"/>
+              <a:t>   1</a:t>
+            </a:r>
+          </a:p>
+        </p:txBody>
+      </p:sp>
+      <p:sp>
+        <p:nvSpPr>
+          <p:cNvPr id="5" name="Rectangle 7"/>
+          <p:cNvSpPr/>
+          <p:nvPr/>
+        </p:nvSpPr>
+        <p:spPr>
+          <a:xfrm>
+            <a:off x="1435100" y="501263"/>
+            <a:ext cx="10086340" cy="432058"/>
+          </a:xfrm>
+          <a:prstGeom prst="rect">
+            <a:avLst/>
+          </a:prstGeom>
+          <a:solidFill>
+            <a:schemeClr val="bg1"/>
+          </a:solidFill>
+          <a:ln>
+            <a:noFill/>
+          </a:ln>
+        </p:spPr>
+        <p:style>
+          <a:lnRef idx="2">
+            <a:schemeClr val="accent1">
+              <a:shade val="50000"/>
+            </a:schemeClr>
+          </a:lnRef>
+          <a:fillRef idx="1">
+            <a:schemeClr val="accent1"/>
+          </a:fillRef>
+          <a:effectRef idx="0">
+            <a:schemeClr val="accent1"/>
+          </a:effectRef>
+          <a:fontRef idx="minor">
+            <a:schemeClr val="lt1"/>
+          </a:fontRef>
+        </p:style>
+        <p:txBody>
+          <a:bodyPr rtlCol="0" anchor="ctr"/>
+          <a:lstStyle/>
+          <a:p>
+            <a:pPr algn="ctr"/>
+            <a:r>
+              <a:rPr lang="en-US" sz="2400" b="1" dirty="0" smtClean="0">
+                <a:solidFill>
+                  <a:schemeClr val="tx1">
+                    <a:lumMod val="65000"/>
+                    <a:lumOff val="35000"/>
+                  </a:schemeClr>
+                </a:solidFill>
+              </a:rPr>
+              <a:t>Jasmine JS</a:t>
+            </a:r>
+            <a:endParaRPr lang="en-US" sz="2400" b="1" dirty="0">
+              <a:solidFill>
+                <a:schemeClr val="tx1">
+                  <a:lumMod val="65000"/>
+                  <a:lumOff val="35000"/>
+                </a:schemeClr>
+              </a:solidFill>
+            </a:endParaRPr>
+          </a:p>
+        </p:txBody>
+      </p:sp>
+      <p:sp>
+        <p:nvSpPr>
+          <p:cNvPr id="6" name="Rectangle 11"/>
           <p:cNvSpPr/>
           <p:nvPr/>
         </p:nvSpPr>
@@ -4901,13 +6791,926 @@
               <a:buChar char="-"/>
             </a:pPr>
             <a:r>
+              <a:rPr lang="en-US" sz="2400" dirty="0">
+                <a:solidFill>
+                  <a:schemeClr val="tx1"/>
+                </a:solidFill>
+                <a:latin typeface="Times New Roman" panose="02020603050405020304" pitchFamily="18" charset="0"/>
+                <a:cs typeface="Times New Roman" panose="02020603050405020304" pitchFamily="18" charset="0"/>
+              </a:rPr>
+              <a:t>Jasmine </a:t>
+            </a:r>
+            <a:r>
               <a:rPr lang="en-US" sz="2400" dirty="0" err="1">
                 <a:solidFill>
-                  <a:schemeClr val="tx1">
-                    <a:lumMod val="65000"/>
-                    <a:lumOff val="35000"/>
-                  </a:schemeClr>
-                </a:solidFill>
+                  <a:schemeClr val="tx1"/>
+                </a:solidFill>
+                <a:latin typeface="Times New Roman" panose="02020603050405020304" pitchFamily="18" charset="0"/>
+                <a:cs typeface="Times New Roman" panose="02020603050405020304" pitchFamily="18" charset="0"/>
+              </a:rPr>
+              <a:t>là</a:t>
+            </a:r>
+            <a:r>
+              <a:rPr lang="en-US" sz="2400" dirty="0">
+                <a:solidFill>
+                  <a:schemeClr val="tx1"/>
+                </a:solidFill>
+                <a:latin typeface="Times New Roman" panose="02020603050405020304" pitchFamily="18" charset="0"/>
+                <a:cs typeface="Times New Roman" panose="02020603050405020304" pitchFamily="18" charset="0"/>
+              </a:rPr>
+              <a:t> </a:t>
+            </a:r>
+            <a:r>
+              <a:rPr lang="en-US" sz="2400" dirty="0" err="1">
+                <a:solidFill>
+                  <a:schemeClr val="tx1"/>
+                </a:solidFill>
+                <a:latin typeface="Times New Roman" panose="02020603050405020304" pitchFamily="18" charset="0"/>
+                <a:cs typeface="Times New Roman" panose="02020603050405020304" pitchFamily="18" charset="0"/>
+              </a:rPr>
+              <a:t>một</a:t>
+            </a:r>
+            <a:r>
+              <a:rPr lang="en-US" sz="2400" dirty="0">
+                <a:solidFill>
+                  <a:schemeClr val="tx1"/>
+                </a:solidFill>
+                <a:latin typeface="Times New Roman" panose="02020603050405020304" pitchFamily="18" charset="0"/>
+                <a:cs typeface="Times New Roman" panose="02020603050405020304" pitchFamily="18" charset="0"/>
+              </a:rPr>
+              <a:t> framework </a:t>
+            </a:r>
+            <a:r>
+              <a:rPr lang="en-US" sz="2400" dirty="0" err="1">
+                <a:solidFill>
+                  <a:schemeClr val="tx1"/>
+                </a:solidFill>
+                <a:latin typeface="Times New Roman" panose="02020603050405020304" pitchFamily="18" charset="0"/>
+                <a:cs typeface="Times New Roman" panose="02020603050405020304" pitchFamily="18" charset="0"/>
+              </a:rPr>
+              <a:t>để</a:t>
+            </a:r>
+            <a:r>
+              <a:rPr lang="en-US" sz="2400" dirty="0">
+                <a:solidFill>
+                  <a:schemeClr val="tx1"/>
+                </a:solidFill>
+                <a:latin typeface="Times New Roman" panose="02020603050405020304" pitchFamily="18" charset="0"/>
+                <a:cs typeface="Times New Roman" panose="02020603050405020304" pitchFamily="18" charset="0"/>
+              </a:rPr>
+              <a:t> test code </a:t>
+            </a:r>
+            <a:r>
+              <a:rPr lang="en-US" sz="2400" dirty="0" err="1" smtClean="0">
+                <a:solidFill>
+                  <a:schemeClr val="tx1"/>
+                </a:solidFill>
+                <a:latin typeface="Times New Roman" panose="02020603050405020304" pitchFamily="18" charset="0"/>
+                <a:cs typeface="Times New Roman" panose="02020603050405020304" pitchFamily="18" charset="0"/>
+              </a:rPr>
+              <a:t>javascript</a:t>
+            </a:r>
+            <a:r>
+              <a:rPr lang="en-US" sz="2400" dirty="0" smtClean="0">
+                <a:solidFill>
+                  <a:schemeClr val="tx1"/>
+                </a:solidFill>
+                <a:latin typeface="Times New Roman" panose="02020603050405020304" pitchFamily="18" charset="0"/>
+                <a:cs typeface="Times New Roman" panose="02020603050405020304" pitchFamily="18" charset="0"/>
+              </a:rPr>
+              <a:t> </a:t>
+            </a:r>
+            <a:r>
+              <a:rPr lang="en-US" sz="2400" dirty="0" err="1">
+                <a:solidFill>
+                  <a:schemeClr val="tx1"/>
+                </a:solidFill>
+                <a:latin typeface="Times New Roman" panose="02020603050405020304" pitchFamily="18" charset="0"/>
+                <a:cs typeface="Times New Roman" panose="02020603050405020304" pitchFamily="18" charset="0"/>
+              </a:rPr>
+              <a:t>theo</a:t>
+            </a:r>
+            <a:r>
+              <a:rPr lang="en-US" sz="2400" dirty="0">
+                <a:solidFill>
+                  <a:schemeClr val="tx1"/>
+                </a:solidFill>
+                <a:latin typeface="Times New Roman" panose="02020603050405020304" pitchFamily="18" charset="0"/>
+                <a:cs typeface="Times New Roman" panose="02020603050405020304" pitchFamily="18" charset="0"/>
+              </a:rPr>
+              <a:t> </a:t>
+            </a:r>
+            <a:r>
+              <a:rPr lang="en-US" sz="2400" dirty="0" err="1">
+                <a:solidFill>
+                  <a:schemeClr val="tx1"/>
+                </a:solidFill>
+                <a:latin typeface="Times New Roman" panose="02020603050405020304" pitchFamily="18" charset="0"/>
+                <a:cs typeface="Times New Roman" panose="02020603050405020304" pitchFamily="18" charset="0"/>
+              </a:rPr>
+              <a:t>mô</a:t>
+            </a:r>
+            <a:r>
+              <a:rPr lang="en-US" sz="2400" dirty="0">
+                <a:solidFill>
+                  <a:schemeClr val="tx1"/>
+                </a:solidFill>
+                <a:latin typeface="Times New Roman" panose="02020603050405020304" pitchFamily="18" charset="0"/>
+                <a:cs typeface="Times New Roman" panose="02020603050405020304" pitchFamily="18" charset="0"/>
+              </a:rPr>
+              <a:t> </a:t>
+            </a:r>
+            <a:r>
+              <a:rPr lang="en-US" sz="2400" dirty="0" err="1">
+                <a:solidFill>
+                  <a:schemeClr val="tx1"/>
+                </a:solidFill>
+                <a:latin typeface="Times New Roman" panose="02020603050405020304" pitchFamily="18" charset="0"/>
+                <a:cs typeface="Times New Roman" panose="02020603050405020304" pitchFamily="18" charset="0"/>
+              </a:rPr>
+              <a:t>hình</a:t>
+            </a:r>
+            <a:r>
+              <a:rPr lang="en-US" sz="2400" dirty="0">
+                <a:solidFill>
+                  <a:schemeClr val="tx1"/>
+                </a:solidFill>
+                <a:latin typeface="Times New Roman" panose="02020603050405020304" pitchFamily="18" charset="0"/>
+                <a:cs typeface="Times New Roman" panose="02020603050405020304" pitchFamily="18" charset="0"/>
+              </a:rPr>
+              <a:t> </a:t>
+            </a:r>
+            <a:r>
+              <a:rPr lang="en-US" sz="2400" dirty="0" smtClean="0">
+                <a:solidFill>
+                  <a:schemeClr val="tx1"/>
+                </a:solidFill>
+                <a:latin typeface="Times New Roman" panose="02020603050405020304" pitchFamily="18" charset="0"/>
+                <a:cs typeface="Times New Roman" panose="02020603050405020304" pitchFamily="18" charset="0"/>
+              </a:rPr>
+              <a:t>BDD (</a:t>
+            </a:r>
+            <a:r>
+              <a:rPr lang="en-US" sz="2400" dirty="0">
+                <a:solidFill>
+                  <a:schemeClr val="tx1"/>
+                </a:solidFill>
+                <a:latin typeface="Times New Roman" panose="02020603050405020304" pitchFamily="18" charset="0"/>
+                <a:cs typeface="Times New Roman" panose="02020603050405020304" pitchFamily="18" charset="0"/>
+              </a:rPr>
+              <a:t>Behavior-Driven </a:t>
+            </a:r>
+            <a:r>
+              <a:rPr lang="en-US" sz="2400" dirty="0" smtClean="0">
+                <a:solidFill>
+                  <a:schemeClr val="tx1"/>
+                </a:solidFill>
+                <a:latin typeface="Times New Roman" panose="02020603050405020304" pitchFamily="18" charset="0"/>
+                <a:cs typeface="Times New Roman" panose="02020603050405020304" pitchFamily="18" charset="0"/>
+              </a:rPr>
+              <a:t>Development)</a:t>
+            </a:r>
+          </a:p>
+          <a:p>
+            <a:pPr marL="342900" indent="-342900">
+              <a:lnSpc>
+                <a:spcPct val="150000"/>
+              </a:lnSpc>
+              <a:buFontTx/>
+              <a:buChar char="-"/>
+            </a:pPr>
+            <a:r>
+              <a:rPr lang="vi-VN" sz="2400" dirty="0" err="1">
+                <a:solidFill>
+                  <a:schemeClr val="tx1"/>
+                </a:solidFill>
+                <a:latin typeface="Times New Roman" panose="02020603050405020304" pitchFamily="18" charset="0"/>
+                <a:cs typeface="Times New Roman" panose="02020603050405020304" pitchFamily="18" charset="0"/>
+              </a:rPr>
+              <a:t>Đến</a:t>
+            </a:r>
+            <a:r>
+              <a:rPr lang="vi-VN" sz="2400" dirty="0">
+                <a:solidFill>
+                  <a:schemeClr val="tx1"/>
+                </a:solidFill>
+                <a:latin typeface="Times New Roman" panose="02020603050405020304" pitchFamily="18" charset="0"/>
+                <a:cs typeface="Times New Roman" panose="02020603050405020304" pitchFamily="18" charset="0"/>
+              </a:rPr>
+              <a:t> </a:t>
+            </a:r>
+            <a:r>
+              <a:rPr lang="vi-VN" sz="2400" dirty="0" err="1">
+                <a:solidFill>
+                  <a:schemeClr val="tx1"/>
+                </a:solidFill>
+                <a:latin typeface="Times New Roman" panose="02020603050405020304" pitchFamily="18" charset="0"/>
+                <a:cs typeface="Times New Roman" panose="02020603050405020304" pitchFamily="18" charset="0"/>
+              </a:rPr>
+              <a:t>gần</a:t>
+            </a:r>
+            <a:r>
+              <a:rPr lang="vi-VN" sz="2400" dirty="0">
+                <a:solidFill>
+                  <a:schemeClr val="tx1"/>
+                </a:solidFill>
+                <a:latin typeface="Times New Roman" panose="02020603050405020304" pitchFamily="18" charset="0"/>
+                <a:cs typeface="Times New Roman" panose="02020603050405020304" pitchFamily="18" charset="0"/>
+              </a:rPr>
+              <a:t> đây, </a:t>
+            </a:r>
+            <a:r>
+              <a:rPr lang="vi-VN" sz="2400" dirty="0" err="1">
+                <a:solidFill>
+                  <a:schemeClr val="tx1"/>
+                </a:solidFill>
+                <a:latin typeface="Times New Roman" panose="02020603050405020304" pitchFamily="18" charset="0"/>
+                <a:cs typeface="Times New Roman" panose="02020603050405020304" pitchFamily="18" charset="0"/>
+              </a:rPr>
+              <a:t>javascript</a:t>
+            </a:r>
+            <a:r>
+              <a:rPr lang="vi-VN" sz="2400" dirty="0">
+                <a:solidFill>
+                  <a:schemeClr val="tx1"/>
+                </a:solidFill>
+                <a:latin typeface="Times New Roman" panose="02020603050405020304" pitchFamily="18" charset="0"/>
+                <a:cs typeface="Times New Roman" panose="02020603050405020304" pitchFamily="18" charset="0"/>
+              </a:rPr>
+              <a:t> </a:t>
+            </a:r>
+            <a:r>
+              <a:rPr lang="vi-VN" sz="2400" dirty="0" err="1">
+                <a:solidFill>
+                  <a:schemeClr val="tx1"/>
+                </a:solidFill>
+                <a:latin typeface="Times New Roman" panose="02020603050405020304" pitchFamily="18" charset="0"/>
+                <a:cs typeface="Times New Roman" panose="02020603050405020304" pitchFamily="18" charset="0"/>
+              </a:rPr>
+              <a:t>đã</a:t>
+            </a:r>
+            <a:r>
+              <a:rPr lang="vi-VN" sz="2400" dirty="0">
+                <a:solidFill>
+                  <a:schemeClr val="tx1"/>
+                </a:solidFill>
+                <a:latin typeface="Times New Roman" panose="02020603050405020304" pitchFamily="18" charset="0"/>
+                <a:cs typeface="Times New Roman" panose="02020603050405020304" pitchFamily="18" charset="0"/>
+              </a:rPr>
+              <a:t> </a:t>
+            </a:r>
+            <a:r>
+              <a:rPr lang="vi-VN" sz="2400" dirty="0" err="1">
+                <a:solidFill>
+                  <a:schemeClr val="tx1"/>
+                </a:solidFill>
+                <a:latin typeface="Times New Roman" panose="02020603050405020304" pitchFamily="18" charset="0"/>
+                <a:cs typeface="Times New Roman" panose="02020603050405020304" pitchFamily="18" charset="0"/>
+              </a:rPr>
+              <a:t>thành</a:t>
+            </a:r>
+            <a:r>
+              <a:rPr lang="vi-VN" sz="2400" dirty="0">
+                <a:solidFill>
+                  <a:schemeClr val="tx1"/>
+                </a:solidFill>
+                <a:latin typeface="Times New Roman" panose="02020603050405020304" pitchFamily="18" charset="0"/>
+                <a:cs typeface="Times New Roman" panose="02020603050405020304" pitchFamily="18" charset="0"/>
+              </a:rPr>
+              <a:t> 1 ngôn </a:t>
+            </a:r>
+            <a:r>
+              <a:rPr lang="vi-VN" sz="2400" dirty="0" err="1">
+                <a:solidFill>
+                  <a:schemeClr val="tx1"/>
+                </a:solidFill>
+                <a:latin typeface="Times New Roman" panose="02020603050405020304" pitchFamily="18" charset="0"/>
+                <a:cs typeface="Times New Roman" panose="02020603050405020304" pitchFamily="18" charset="0"/>
+              </a:rPr>
+              <a:t>ngữ</a:t>
+            </a:r>
+            <a:r>
+              <a:rPr lang="vi-VN" sz="2400" dirty="0">
+                <a:solidFill>
+                  <a:schemeClr val="tx1"/>
+                </a:solidFill>
+                <a:latin typeface="Times New Roman" panose="02020603050405020304" pitchFamily="18" charset="0"/>
+                <a:cs typeface="Times New Roman" panose="02020603050405020304" pitchFamily="18" charset="0"/>
+              </a:rPr>
+              <a:t> </a:t>
+            </a:r>
+            <a:r>
+              <a:rPr lang="vi-VN" sz="2400" dirty="0" err="1">
+                <a:solidFill>
+                  <a:schemeClr val="tx1"/>
+                </a:solidFill>
+                <a:latin typeface="Times New Roman" panose="02020603050405020304" pitchFamily="18" charset="0"/>
+                <a:cs typeface="Times New Roman" panose="02020603050405020304" pitchFamily="18" charset="0"/>
+              </a:rPr>
+              <a:t>hot</a:t>
+            </a:r>
+            <a:r>
+              <a:rPr lang="vi-VN" sz="2400" dirty="0">
+                <a:solidFill>
+                  <a:schemeClr val="tx1"/>
+                </a:solidFill>
+                <a:latin typeface="Times New Roman" panose="02020603050405020304" pitchFamily="18" charset="0"/>
+                <a:cs typeface="Times New Roman" panose="02020603050405020304" pitchFamily="18" charset="0"/>
+              </a:rPr>
+              <a:t>, </a:t>
+            </a:r>
+            <a:r>
+              <a:rPr lang="vi-VN" sz="2400" dirty="0" err="1">
+                <a:solidFill>
+                  <a:schemeClr val="tx1"/>
+                </a:solidFill>
+                <a:latin typeface="Times New Roman" panose="02020603050405020304" pitchFamily="18" charset="0"/>
+                <a:cs typeface="Times New Roman" panose="02020603050405020304" pitchFamily="18" charset="0"/>
+              </a:rPr>
+              <a:t>với</a:t>
+            </a:r>
+            <a:r>
+              <a:rPr lang="vi-VN" sz="2400" dirty="0">
+                <a:solidFill>
+                  <a:schemeClr val="tx1"/>
+                </a:solidFill>
+                <a:latin typeface="Times New Roman" panose="02020603050405020304" pitchFamily="18" charset="0"/>
+                <a:cs typeface="Times New Roman" panose="02020603050405020304" pitchFamily="18" charset="0"/>
+              </a:rPr>
+              <a:t> vô </a:t>
+            </a:r>
+            <a:r>
+              <a:rPr lang="vi-VN" sz="2400" dirty="0" err="1">
+                <a:solidFill>
+                  <a:schemeClr val="tx1"/>
+                </a:solidFill>
+                <a:latin typeface="Times New Roman" panose="02020603050405020304" pitchFamily="18" charset="0"/>
+                <a:cs typeface="Times New Roman" panose="02020603050405020304" pitchFamily="18" charset="0"/>
+              </a:rPr>
+              <a:t>số</a:t>
+            </a:r>
+            <a:r>
+              <a:rPr lang="vi-VN" sz="2400" dirty="0">
+                <a:solidFill>
+                  <a:schemeClr val="tx1"/>
+                </a:solidFill>
+                <a:latin typeface="Times New Roman" panose="02020603050405020304" pitchFamily="18" charset="0"/>
+                <a:cs typeface="Times New Roman" panose="02020603050405020304" pitchFamily="18" charset="0"/>
+              </a:rPr>
+              <a:t> thư </a:t>
+            </a:r>
+            <a:r>
+              <a:rPr lang="vi-VN" sz="2400" dirty="0" err="1">
+                <a:solidFill>
+                  <a:schemeClr val="tx1"/>
+                </a:solidFill>
+                <a:latin typeface="Times New Roman" panose="02020603050405020304" pitchFamily="18" charset="0"/>
+                <a:cs typeface="Times New Roman" panose="02020603050405020304" pitchFamily="18" charset="0"/>
+              </a:rPr>
+              <a:t>viện</a:t>
+            </a:r>
+            <a:r>
+              <a:rPr lang="vi-VN" sz="2400" dirty="0">
+                <a:solidFill>
+                  <a:schemeClr val="tx1"/>
+                </a:solidFill>
+                <a:latin typeface="Times New Roman" panose="02020603050405020304" pitchFamily="18" charset="0"/>
+                <a:cs typeface="Times New Roman" panose="02020603050405020304" pitchFamily="18" charset="0"/>
+              </a:rPr>
+              <a:t> </a:t>
+            </a:r>
+            <a:r>
+              <a:rPr lang="vi-VN" sz="2400" dirty="0" err="1">
+                <a:solidFill>
+                  <a:schemeClr val="tx1"/>
+                </a:solidFill>
+                <a:latin typeface="Times New Roman" panose="02020603050405020304" pitchFamily="18" charset="0"/>
+                <a:cs typeface="Times New Roman" panose="02020603050405020304" pitchFamily="18" charset="0"/>
+              </a:rPr>
+              <a:t>hỗ</a:t>
+            </a:r>
+            <a:r>
+              <a:rPr lang="vi-VN" sz="2400" dirty="0">
+                <a:solidFill>
+                  <a:schemeClr val="tx1"/>
+                </a:solidFill>
+                <a:latin typeface="Times New Roman" panose="02020603050405020304" pitchFamily="18" charset="0"/>
+                <a:cs typeface="Times New Roman" panose="02020603050405020304" pitchFamily="18" charset="0"/>
+              </a:rPr>
+              <a:t> </a:t>
+            </a:r>
+            <a:r>
+              <a:rPr lang="vi-VN" sz="2400" dirty="0" err="1">
+                <a:solidFill>
+                  <a:schemeClr val="tx1"/>
+                </a:solidFill>
+                <a:latin typeface="Times New Roman" panose="02020603050405020304" pitchFamily="18" charset="0"/>
+                <a:cs typeface="Times New Roman" panose="02020603050405020304" pitchFamily="18" charset="0"/>
+              </a:rPr>
+              <a:t>trợ</a:t>
+            </a:r>
+            <a:r>
+              <a:rPr lang="vi-VN" sz="2400" dirty="0">
+                <a:solidFill>
+                  <a:schemeClr val="tx1"/>
+                </a:solidFill>
+                <a:latin typeface="Times New Roman" panose="02020603050405020304" pitchFamily="18" charset="0"/>
+                <a:cs typeface="Times New Roman" panose="02020603050405020304" pitchFamily="18" charset="0"/>
+              </a:rPr>
+              <a:t>. </a:t>
+            </a:r>
+            <a:r>
+              <a:rPr lang="vi-VN" sz="2400" dirty="0" err="1">
+                <a:solidFill>
+                  <a:schemeClr val="tx1"/>
+                </a:solidFill>
+                <a:latin typeface="Times New Roman" panose="02020603050405020304" pitchFamily="18" charset="0"/>
+                <a:cs typeface="Times New Roman" panose="02020603050405020304" pitchFamily="18" charset="0"/>
+              </a:rPr>
+              <a:t>Jasmine</a:t>
+            </a:r>
+            <a:r>
+              <a:rPr lang="vi-VN" sz="2400" dirty="0">
+                <a:solidFill>
+                  <a:schemeClr val="tx1"/>
+                </a:solidFill>
+                <a:latin typeface="Times New Roman" panose="02020603050405020304" pitchFamily="18" charset="0"/>
+                <a:cs typeface="Times New Roman" panose="02020603050405020304" pitchFamily="18" charset="0"/>
+              </a:rPr>
+              <a:t> </a:t>
+            </a:r>
+            <a:r>
+              <a:rPr lang="vi-VN" sz="2400" dirty="0" err="1">
+                <a:solidFill>
+                  <a:schemeClr val="tx1"/>
+                </a:solidFill>
+                <a:latin typeface="Times New Roman" panose="02020603050405020304" pitchFamily="18" charset="0"/>
+                <a:cs typeface="Times New Roman" panose="02020603050405020304" pitchFamily="18" charset="0"/>
+              </a:rPr>
+              <a:t>là</a:t>
+            </a:r>
+            <a:r>
+              <a:rPr lang="vi-VN" sz="2400" dirty="0">
+                <a:solidFill>
+                  <a:schemeClr val="tx1"/>
+                </a:solidFill>
+                <a:latin typeface="Times New Roman" panose="02020603050405020304" pitchFamily="18" charset="0"/>
+                <a:cs typeface="Times New Roman" panose="02020603050405020304" pitchFamily="18" charset="0"/>
+              </a:rPr>
+              <a:t> 1 trong 3 thư </a:t>
+            </a:r>
+            <a:r>
+              <a:rPr lang="vi-VN" sz="2400" dirty="0" err="1">
+                <a:solidFill>
+                  <a:schemeClr val="tx1"/>
+                </a:solidFill>
+                <a:latin typeface="Times New Roman" panose="02020603050405020304" pitchFamily="18" charset="0"/>
+                <a:cs typeface="Times New Roman" panose="02020603050405020304" pitchFamily="18" charset="0"/>
+              </a:rPr>
+              <a:t>viện</a:t>
+            </a:r>
+            <a:r>
+              <a:rPr lang="vi-VN" sz="2400" dirty="0">
+                <a:solidFill>
+                  <a:schemeClr val="tx1"/>
+                </a:solidFill>
+                <a:latin typeface="Times New Roman" panose="02020603050405020304" pitchFamily="18" charset="0"/>
+                <a:cs typeface="Times New Roman" panose="02020603050405020304" pitchFamily="18" charset="0"/>
+              </a:rPr>
+              <a:t> </a:t>
+            </a:r>
+            <a:r>
+              <a:rPr lang="vi-VN" sz="2400" dirty="0" err="1">
+                <a:solidFill>
+                  <a:schemeClr val="tx1"/>
+                </a:solidFill>
+                <a:latin typeface="Times New Roman" panose="02020603050405020304" pitchFamily="18" charset="0"/>
+                <a:cs typeface="Times New Roman" panose="02020603050405020304" pitchFamily="18" charset="0"/>
+              </a:rPr>
+              <a:t>hỗ</a:t>
+            </a:r>
+            <a:r>
+              <a:rPr lang="vi-VN" sz="2400" dirty="0">
+                <a:solidFill>
+                  <a:schemeClr val="tx1"/>
+                </a:solidFill>
+                <a:latin typeface="Times New Roman" panose="02020603050405020304" pitchFamily="18" charset="0"/>
+                <a:cs typeface="Times New Roman" panose="02020603050405020304" pitchFamily="18" charset="0"/>
+              </a:rPr>
+              <a:t> </a:t>
+            </a:r>
+            <a:r>
+              <a:rPr lang="vi-VN" sz="2400" dirty="0" err="1">
+                <a:solidFill>
+                  <a:schemeClr val="tx1"/>
+                </a:solidFill>
+                <a:latin typeface="Times New Roman" panose="02020603050405020304" pitchFamily="18" charset="0"/>
+                <a:cs typeface="Times New Roman" panose="02020603050405020304" pitchFamily="18" charset="0"/>
+              </a:rPr>
+              <a:t>trợ</a:t>
+            </a:r>
+            <a:r>
+              <a:rPr lang="vi-VN" sz="2400" dirty="0">
+                <a:solidFill>
+                  <a:schemeClr val="tx1"/>
+                </a:solidFill>
+                <a:latin typeface="Times New Roman" panose="02020603050405020304" pitchFamily="18" charset="0"/>
+                <a:cs typeface="Times New Roman" panose="02020603050405020304" pitchFamily="18" charset="0"/>
+              </a:rPr>
+              <a:t> </a:t>
+            </a:r>
+            <a:r>
+              <a:rPr lang="vi-VN" sz="2400" dirty="0" err="1">
+                <a:solidFill>
+                  <a:schemeClr val="tx1"/>
+                </a:solidFill>
+                <a:latin typeface="Times New Roman" panose="02020603050405020304" pitchFamily="18" charset="0"/>
+                <a:cs typeface="Times New Roman" panose="02020603050405020304" pitchFamily="18" charset="0"/>
+              </a:rPr>
+              <a:t>unit</a:t>
+            </a:r>
+            <a:r>
+              <a:rPr lang="vi-VN" sz="2400" dirty="0">
+                <a:solidFill>
+                  <a:schemeClr val="tx1"/>
+                </a:solidFill>
+                <a:latin typeface="Times New Roman" panose="02020603050405020304" pitchFamily="18" charset="0"/>
+                <a:cs typeface="Times New Roman" panose="02020603050405020304" pitchFamily="18" charset="0"/>
+              </a:rPr>
+              <a:t> </a:t>
+            </a:r>
+            <a:r>
+              <a:rPr lang="vi-VN" sz="2400" dirty="0" err="1">
+                <a:solidFill>
+                  <a:schemeClr val="tx1"/>
+                </a:solidFill>
+                <a:latin typeface="Times New Roman" panose="02020603050405020304" pitchFamily="18" charset="0"/>
+                <a:cs typeface="Times New Roman" panose="02020603050405020304" pitchFamily="18" charset="0"/>
+              </a:rPr>
+              <a:t>test</a:t>
+            </a:r>
+            <a:r>
+              <a:rPr lang="vi-VN" sz="2400" dirty="0">
+                <a:solidFill>
+                  <a:schemeClr val="tx1"/>
+                </a:solidFill>
+                <a:latin typeface="Times New Roman" panose="02020603050405020304" pitchFamily="18" charset="0"/>
+                <a:cs typeface="Times New Roman" panose="02020603050405020304" pitchFamily="18" charset="0"/>
+              </a:rPr>
+              <a:t> </a:t>
+            </a:r>
+            <a:r>
+              <a:rPr lang="vi-VN" sz="2400" dirty="0" err="1">
+                <a:solidFill>
+                  <a:schemeClr val="tx1"/>
+                </a:solidFill>
+                <a:latin typeface="Times New Roman" panose="02020603050405020304" pitchFamily="18" charset="0"/>
+                <a:cs typeface="Times New Roman" panose="02020603050405020304" pitchFamily="18" charset="0"/>
+              </a:rPr>
+              <a:t>mạnh</a:t>
+            </a:r>
+            <a:r>
+              <a:rPr lang="vi-VN" sz="2400" dirty="0">
+                <a:solidFill>
+                  <a:schemeClr val="tx1"/>
+                </a:solidFill>
+                <a:latin typeface="Times New Roman" panose="02020603050405020304" pitchFamily="18" charset="0"/>
+                <a:cs typeface="Times New Roman" panose="02020603050405020304" pitchFamily="18" charset="0"/>
+              </a:rPr>
+              <a:t> </a:t>
+            </a:r>
+            <a:r>
+              <a:rPr lang="vi-VN" sz="2400" dirty="0" err="1">
+                <a:solidFill>
+                  <a:schemeClr val="tx1"/>
+                </a:solidFill>
+                <a:latin typeface="Times New Roman" panose="02020603050405020304" pitchFamily="18" charset="0"/>
+                <a:cs typeface="Times New Roman" panose="02020603050405020304" pitchFamily="18" charset="0"/>
+              </a:rPr>
+              <a:t>nhất</a:t>
+            </a:r>
+            <a:r>
+              <a:rPr lang="vi-VN" sz="2400" dirty="0">
+                <a:solidFill>
+                  <a:schemeClr val="tx1"/>
+                </a:solidFill>
+                <a:latin typeface="Times New Roman" panose="02020603050405020304" pitchFamily="18" charset="0"/>
+                <a:cs typeface="Times New Roman" panose="02020603050405020304" pitchFamily="18" charset="0"/>
+              </a:rPr>
+              <a:t> cho </a:t>
+            </a:r>
+            <a:r>
+              <a:rPr lang="vi-VN" sz="2400" dirty="0" err="1">
+                <a:solidFill>
+                  <a:schemeClr val="tx1"/>
+                </a:solidFill>
+                <a:latin typeface="Times New Roman" panose="02020603050405020304" pitchFamily="18" charset="0"/>
+                <a:cs typeface="Times New Roman" panose="02020603050405020304" pitchFamily="18" charset="0"/>
+              </a:rPr>
+              <a:t>javascript</a:t>
+            </a:r>
+            <a:r>
+              <a:rPr lang="vi-VN" sz="2400" dirty="0">
+                <a:solidFill>
+                  <a:schemeClr val="tx1"/>
+                </a:solidFill>
+                <a:latin typeface="Times New Roman" panose="02020603050405020304" pitchFamily="18" charset="0"/>
+                <a:cs typeface="Times New Roman" panose="02020603050405020304" pitchFamily="18" charset="0"/>
+              </a:rPr>
+              <a:t> </a:t>
+            </a:r>
+            <a:r>
+              <a:rPr lang="vi-VN" sz="2400" dirty="0" err="1">
+                <a:solidFill>
+                  <a:schemeClr val="tx1"/>
+                </a:solidFill>
+                <a:latin typeface="Times New Roman" panose="02020603050405020304" pitchFamily="18" charset="0"/>
+                <a:cs typeface="Times New Roman" panose="02020603050405020304" pitchFamily="18" charset="0"/>
+              </a:rPr>
+              <a:t>hiện</a:t>
+            </a:r>
+            <a:r>
+              <a:rPr lang="vi-VN" sz="2400" dirty="0">
+                <a:solidFill>
+                  <a:schemeClr val="tx1"/>
+                </a:solidFill>
+                <a:latin typeface="Times New Roman" panose="02020603050405020304" pitchFamily="18" charset="0"/>
+                <a:cs typeface="Times New Roman" panose="02020603050405020304" pitchFamily="18" charset="0"/>
+              </a:rPr>
+              <a:t> </a:t>
+            </a:r>
+            <a:r>
+              <a:rPr lang="vi-VN" sz="2400" dirty="0" err="1">
+                <a:solidFill>
+                  <a:schemeClr val="tx1"/>
+                </a:solidFill>
+                <a:latin typeface="Times New Roman" panose="02020603050405020304" pitchFamily="18" charset="0"/>
+                <a:cs typeface="Times New Roman" panose="02020603050405020304" pitchFamily="18" charset="0"/>
+              </a:rPr>
+              <a:t>tại</a:t>
+            </a:r>
+            <a:r>
+              <a:rPr lang="vi-VN" sz="2400" dirty="0">
+                <a:solidFill>
+                  <a:schemeClr val="tx1"/>
+                </a:solidFill>
+                <a:latin typeface="Times New Roman" panose="02020603050405020304" pitchFamily="18" charset="0"/>
+                <a:cs typeface="Times New Roman" panose="02020603050405020304" pitchFamily="18" charset="0"/>
+              </a:rPr>
+              <a:t>.</a:t>
+            </a:r>
+            <a:endParaRPr lang="en-US" sz="2400" dirty="0">
+              <a:solidFill>
+                <a:schemeClr val="tx1"/>
+              </a:solidFill>
+              <a:latin typeface="Times New Roman" panose="02020603050405020304" pitchFamily="18" charset="0"/>
+              <a:cs typeface="Times New Roman" panose="02020603050405020304" pitchFamily="18" charset="0"/>
+            </a:endParaRPr>
+          </a:p>
+        </p:txBody>
+      </p:sp>
+      <p:pic>
+        <p:nvPicPr>
+          <p:cNvPr id="1026" name="Picture 2" descr="testing-framework"/>
+          <p:cNvPicPr>
+            <a:picLocks noChangeAspect="1" noChangeArrowheads="1"/>
+          </p:cNvPicPr>
+          <p:nvPr/>
+        </p:nvPicPr>
+        <p:blipFill>
+          <a:blip r:embed="rId2">
+            <a:extLst>
+              <a:ext uri="{28A0092B-C50C-407E-A947-70E740481C1C}">
+                <a14:useLocalDpi xmlns:a14="http://schemas.microsoft.com/office/drawing/2010/main" val="0"/>
+              </a:ext>
+            </a:extLst>
+          </a:blip>
+          <a:srcRect/>
+          <a:stretch>
+            <a:fillRect/>
+          </a:stretch>
+        </p:blipFill>
+        <p:spPr bwMode="auto">
+          <a:xfrm>
+            <a:off x="6278880" y="2096452"/>
+            <a:ext cx="5242559" cy="3435668"/>
+          </a:xfrm>
+          <a:prstGeom prst="rect">
+            <a:avLst/>
+          </a:prstGeom>
+          <a:noFill/>
+          <a:extLst>
+            <a:ext uri="{909E8E84-426E-40DD-AFC4-6F175D3DCCD1}">
+              <a14:hiddenFill xmlns:a14="http://schemas.microsoft.com/office/drawing/2010/main">
+                <a:solidFill>
+                  <a:srgbClr val="FFFFFF"/>
+                </a:solidFill>
+              </a14:hiddenFill>
+            </a:ext>
+          </a:extLst>
+        </p:spPr>
+      </p:pic>
+    </p:spTree>
+    <p:extLst>
+      <p:ext uri="{BB962C8B-B14F-4D97-AF65-F5344CB8AC3E}">
+        <p14:creationId xmlns:p14="http://schemas.microsoft.com/office/powerpoint/2010/main" val="2909867008"/>
+      </p:ext>
+    </p:extLst>
+  </p:cSld>
+  <p:clrMapOvr>
+    <a:masterClrMapping/>
+  </p:clrMapOvr>
+  <p:timing>
+    <p:tnLst>
+      <p:par>
+        <p:cTn id="1" dur="indefinite" restart="never" nodeType="tmRoot"/>
+      </p:par>
+    </p:tnLst>
+  </p:timing>
+</p:sld>
+</file>
+
+<file path=ppt/slides/slide3.xml><?xml version="1.0" encoding="utf-8"?>
+<p:sld xmlns:a="http://schemas.openxmlformats.org/drawingml/2006/main" xmlns:r="http://schemas.openxmlformats.org/officeDocument/2006/relationships" xmlns:p="http://schemas.openxmlformats.org/presentationml/2006/main">
+  <p:cSld>
+    <p:spTree>
+      <p:nvGrpSpPr>
+        <p:cNvPr id="1" name=""/>
+        <p:cNvGrpSpPr/>
+        <p:nvPr/>
+      </p:nvGrpSpPr>
+      <p:grpSpPr>
+        <a:xfrm>
+          <a:off x="0" y="0"/>
+          <a:ext cx="0" cy="0"/>
+          <a:chOff x="0" y="0"/>
+          <a:chExt cx="0" cy="0"/>
+        </a:xfrm>
+      </p:grpSpPr>
+      <p:sp>
+        <p:nvSpPr>
+          <p:cNvPr id="4" name="Rectangle 3"/>
+          <p:cNvSpPr/>
+          <p:nvPr/>
+        </p:nvSpPr>
+        <p:spPr>
+          <a:xfrm>
+            <a:off x="0" y="271312"/>
+            <a:ext cx="12192000" cy="854233"/>
+          </a:xfrm>
+          <a:prstGeom prst="rect">
+            <a:avLst/>
+          </a:prstGeom>
+          <a:solidFill>
+            <a:srgbClr val="466077"/>
+          </a:solidFill>
+        </p:spPr>
+        <p:style>
+          <a:lnRef idx="2">
+            <a:schemeClr val="dk1">
+              <a:shade val="50000"/>
+            </a:schemeClr>
+          </a:lnRef>
+          <a:fillRef idx="1">
+            <a:schemeClr val="dk1"/>
+          </a:fillRef>
+          <a:effectRef idx="0">
+            <a:schemeClr val="dk1"/>
+          </a:effectRef>
+          <a:fontRef idx="minor">
+            <a:schemeClr val="lt1"/>
+          </a:fontRef>
+        </p:style>
+        <p:txBody>
+          <a:bodyPr rtlCol="0" anchor="ctr"/>
+          <a:lstStyle/>
+          <a:p>
+            <a:r>
+              <a:rPr lang="en-US" sz="5400" b="1" dirty="0"/>
+              <a:t>   1</a:t>
+            </a:r>
+          </a:p>
+        </p:txBody>
+      </p:sp>
+      <p:sp>
+        <p:nvSpPr>
+          <p:cNvPr id="8" name="Rectangle 7"/>
+          <p:cNvSpPr/>
+          <p:nvPr/>
+        </p:nvSpPr>
+        <p:spPr>
+          <a:xfrm>
+            <a:off x="1435100" y="501263"/>
+            <a:ext cx="10086340" cy="432058"/>
+          </a:xfrm>
+          <a:prstGeom prst="rect">
+            <a:avLst/>
+          </a:prstGeom>
+          <a:solidFill>
+            <a:schemeClr val="bg1"/>
+          </a:solidFill>
+          <a:ln>
+            <a:noFill/>
+          </a:ln>
+        </p:spPr>
+        <p:style>
+          <a:lnRef idx="2">
+            <a:schemeClr val="accent1">
+              <a:shade val="50000"/>
+            </a:schemeClr>
+          </a:lnRef>
+          <a:fillRef idx="1">
+            <a:schemeClr val="accent1"/>
+          </a:fillRef>
+          <a:effectRef idx="0">
+            <a:schemeClr val="accent1"/>
+          </a:effectRef>
+          <a:fontRef idx="minor">
+            <a:schemeClr val="lt1"/>
+          </a:fontRef>
+        </p:style>
+        <p:txBody>
+          <a:bodyPr rtlCol="0" anchor="ctr"/>
+          <a:lstStyle/>
+          <a:p>
+            <a:pPr algn="ctr"/>
+            <a:r>
+              <a:rPr lang="en-US" sz="2400" b="1" dirty="0">
+                <a:solidFill>
+                  <a:schemeClr val="tx1">
+                    <a:lumMod val="65000"/>
+                    <a:lumOff val="35000"/>
+                  </a:schemeClr>
+                </a:solidFill>
+              </a:rPr>
+              <a:t>Suite</a:t>
+            </a:r>
+          </a:p>
+        </p:txBody>
+      </p:sp>
+      <p:sp>
+        <p:nvSpPr>
+          <p:cNvPr id="11" name="Rectangle 11"/>
+          <p:cNvSpPr/>
+          <p:nvPr/>
+        </p:nvSpPr>
+        <p:spPr>
+          <a:xfrm>
+            <a:off x="374650" y="1892877"/>
+            <a:ext cx="5641686" cy="4559300"/>
+          </a:xfrm>
+          <a:prstGeom prst="rect">
+            <a:avLst/>
+          </a:prstGeom>
+          <a:solidFill>
+            <a:schemeClr val="bg1"/>
+          </a:solidFill>
+          <a:ln>
+            <a:solidFill>
+              <a:schemeClr val="tx1">
+                <a:lumMod val="65000"/>
+                <a:lumOff val="35000"/>
+              </a:schemeClr>
+            </a:solidFill>
+          </a:ln>
+        </p:spPr>
+        <p:style>
+          <a:lnRef idx="2">
+            <a:schemeClr val="accent1">
+              <a:shade val="50000"/>
+            </a:schemeClr>
+          </a:lnRef>
+          <a:fillRef idx="1">
+            <a:schemeClr val="accent1"/>
+          </a:fillRef>
+          <a:effectRef idx="0">
+            <a:schemeClr val="accent1"/>
+          </a:effectRef>
+          <a:fontRef idx="minor">
+            <a:schemeClr val="lt1"/>
+          </a:fontRef>
+        </p:style>
+        <p:txBody>
+          <a:bodyPr rtlCol="0" anchor="t"/>
+          <a:lstStyle/>
+          <a:p>
+            <a:pPr marL="342900" indent="-342900">
+              <a:lnSpc>
+                <a:spcPct val="150000"/>
+              </a:lnSpc>
+              <a:buFontTx/>
+              <a:buChar char="-"/>
+            </a:pPr>
+            <a:r>
+              <a:rPr lang="en-US" sz="2400" dirty="0" err="1">
+                <a:solidFill>
+                  <a:schemeClr val="tx1">
+                    <a:lumMod val="65000"/>
+                    <a:lumOff val="35000"/>
+                  </a:schemeClr>
+                </a:solidFill>
+                <a:latin typeface="Times New Roman" panose="02020603050405020304" pitchFamily="18" charset="0"/>
+                <a:cs typeface="Times New Roman" panose="02020603050405020304" pitchFamily="18" charset="0"/>
               </a:rPr>
               <a:t>Là</a:t>
             </a:r>
@@ -4919,6 +7722,8 @@
                     <a:lumOff val="35000"/>
                   </a:schemeClr>
                 </a:solidFill>
+                <a:latin typeface="Times New Roman" panose="02020603050405020304" pitchFamily="18" charset="0"/>
+                <a:cs typeface="Times New Roman" panose="02020603050405020304" pitchFamily="18" charset="0"/>
               </a:rPr>
               <a:t> 1 </a:t>
             </a:r>
@@ -4930,6 +7735,8 @@
                     <a:lumOff val="35000"/>
                   </a:schemeClr>
                 </a:solidFill>
+                <a:latin typeface="Times New Roman" panose="02020603050405020304" pitchFamily="18" charset="0"/>
+                <a:cs typeface="Times New Roman" panose="02020603050405020304" pitchFamily="18" charset="0"/>
               </a:rPr>
               <a:t>nhóm</a:t>
             </a:r>
@@ -4941,6 +7748,8 @@
                     <a:lumOff val="35000"/>
                   </a:schemeClr>
                 </a:solidFill>
+                <a:latin typeface="Times New Roman" panose="02020603050405020304" pitchFamily="18" charset="0"/>
+                <a:cs typeface="Times New Roman" panose="02020603050405020304" pitchFamily="18" charset="0"/>
               </a:rPr>
               <a:t> </a:t>
             </a:r>
@@ -4952,6 +7761,8 @@
                     <a:lumOff val="35000"/>
                   </a:schemeClr>
                 </a:solidFill>
+                <a:latin typeface="Times New Roman" panose="02020603050405020304" pitchFamily="18" charset="0"/>
+                <a:cs typeface="Times New Roman" panose="02020603050405020304" pitchFamily="18" charset="0"/>
               </a:rPr>
               <a:t>các</a:t>
             </a:r>
@@ -4963,6 +7774,8 @@
                     <a:lumOff val="35000"/>
                   </a:schemeClr>
                 </a:solidFill>
+                <a:latin typeface="Times New Roman" panose="02020603050405020304" pitchFamily="18" charset="0"/>
+                <a:cs typeface="Times New Roman" panose="02020603050405020304" pitchFamily="18" charset="0"/>
               </a:rPr>
               <a:t> test case </a:t>
             </a:r>
@@ -4974,6 +7787,8 @@
                     <a:lumOff val="35000"/>
                   </a:schemeClr>
                 </a:solidFill>
+                <a:latin typeface="Times New Roman" panose="02020603050405020304" pitchFamily="18" charset="0"/>
+                <a:cs typeface="Times New Roman" panose="02020603050405020304" pitchFamily="18" charset="0"/>
               </a:rPr>
               <a:t>đc</a:t>
             </a:r>
@@ -4985,6 +7800,8 @@
                     <a:lumOff val="35000"/>
                   </a:schemeClr>
                 </a:solidFill>
+                <a:latin typeface="Times New Roman" panose="02020603050405020304" pitchFamily="18" charset="0"/>
+                <a:cs typeface="Times New Roman" panose="02020603050405020304" pitchFamily="18" charset="0"/>
               </a:rPr>
               <a:t> </a:t>
             </a:r>
@@ -4996,6 +7813,8 @@
                     <a:lumOff val="35000"/>
                   </a:schemeClr>
                 </a:solidFill>
+                <a:latin typeface="Times New Roman" panose="02020603050405020304" pitchFamily="18" charset="0"/>
+                <a:cs typeface="Times New Roman" panose="02020603050405020304" pitchFamily="18" charset="0"/>
               </a:rPr>
               <a:t>sử</a:t>
             </a:r>
@@ -5007,6 +7826,8 @@
                     <a:lumOff val="35000"/>
                   </a:schemeClr>
                 </a:solidFill>
+                <a:latin typeface="Times New Roman" panose="02020603050405020304" pitchFamily="18" charset="0"/>
+                <a:cs typeface="Times New Roman" panose="02020603050405020304" pitchFamily="18" charset="0"/>
               </a:rPr>
               <a:t> </a:t>
             </a:r>
@@ -5018,6 +7839,8 @@
                     <a:lumOff val="35000"/>
                   </a:schemeClr>
                 </a:solidFill>
+                <a:latin typeface="Times New Roman" panose="02020603050405020304" pitchFamily="18" charset="0"/>
+                <a:cs typeface="Times New Roman" panose="02020603050405020304" pitchFamily="18" charset="0"/>
               </a:rPr>
               <a:t>dụng</a:t>
             </a:r>
@@ -5029,6 +7852,8 @@
                     <a:lumOff val="35000"/>
                   </a:schemeClr>
                 </a:solidFill>
+                <a:latin typeface="Times New Roman" panose="02020603050405020304" pitchFamily="18" charset="0"/>
+                <a:cs typeface="Times New Roman" panose="02020603050405020304" pitchFamily="18" charset="0"/>
               </a:rPr>
               <a:t> </a:t>
             </a:r>
@@ -5040,6 +7865,8 @@
                     <a:lumOff val="35000"/>
                   </a:schemeClr>
                 </a:solidFill>
+                <a:latin typeface="Times New Roman" panose="02020603050405020304" pitchFamily="18" charset="0"/>
+                <a:cs typeface="Times New Roman" panose="02020603050405020304" pitchFamily="18" charset="0"/>
               </a:rPr>
               <a:t>để</a:t>
             </a:r>
@@ -5051,6 +7878,8 @@
                     <a:lumOff val="35000"/>
                   </a:schemeClr>
                 </a:solidFill>
+                <a:latin typeface="Times New Roman" panose="02020603050405020304" pitchFamily="18" charset="0"/>
+                <a:cs typeface="Times New Roman" panose="02020603050405020304" pitchFamily="18" charset="0"/>
               </a:rPr>
               <a:t> test </a:t>
             </a:r>
@@ -5062,6 +7891,8 @@
                     <a:lumOff val="35000"/>
                   </a:schemeClr>
                 </a:solidFill>
+                <a:latin typeface="Times New Roman" panose="02020603050405020304" pitchFamily="18" charset="0"/>
+                <a:cs typeface="Times New Roman" panose="02020603050405020304" pitchFamily="18" charset="0"/>
               </a:rPr>
               <a:t>các</a:t>
             </a:r>
@@ -5073,6 +7904,8 @@
                     <a:lumOff val="35000"/>
                   </a:schemeClr>
                 </a:solidFill>
+                <a:latin typeface="Times New Roman" panose="02020603050405020304" pitchFamily="18" charset="0"/>
+                <a:cs typeface="Times New Roman" panose="02020603050405020304" pitchFamily="18" charset="0"/>
               </a:rPr>
               <a:t> </a:t>
             </a:r>
@@ -5084,6 +7917,8 @@
                     <a:lumOff val="35000"/>
                   </a:schemeClr>
                 </a:solidFill>
+                <a:latin typeface="Times New Roman" panose="02020603050405020304" pitchFamily="18" charset="0"/>
+                <a:cs typeface="Times New Roman" panose="02020603050405020304" pitchFamily="18" charset="0"/>
               </a:rPr>
               <a:t>chức</a:t>
             </a:r>
@@ -5095,6 +7930,8 @@
                     <a:lumOff val="35000"/>
                   </a:schemeClr>
                 </a:solidFill>
+                <a:latin typeface="Times New Roman" panose="02020603050405020304" pitchFamily="18" charset="0"/>
+                <a:cs typeface="Times New Roman" panose="02020603050405020304" pitchFamily="18" charset="0"/>
               </a:rPr>
               <a:t> </a:t>
             </a:r>
@@ -5106,6 +7943,8 @@
                     <a:lumOff val="35000"/>
                   </a:schemeClr>
                 </a:solidFill>
+                <a:latin typeface="Times New Roman" panose="02020603050405020304" pitchFamily="18" charset="0"/>
+                <a:cs typeface="Times New Roman" panose="02020603050405020304" pitchFamily="18" charset="0"/>
               </a:rPr>
               <a:t>năng</a:t>
             </a:r>
@@ -5117,6 +7956,8 @@
                     <a:lumOff val="35000"/>
                   </a:schemeClr>
                 </a:solidFill>
+                <a:latin typeface="Times New Roman" panose="02020603050405020304" pitchFamily="18" charset="0"/>
+                <a:cs typeface="Times New Roman" panose="02020603050405020304" pitchFamily="18" charset="0"/>
               </a:rPr>
               <a:t> </a:t>
             </a:r>
@@ -5128,6 +7969,8 @@
                     <a:lumOff val="35000"/>
                   </a:schemeClr>
                 </a:solidFill>
+                <a:latin typeface="Times New Roman" panose="02020603050405020304" pitchFamily="18" charset="0"/>
+                <a:cs typeface="Times New Roman" panose="02020603050405020304" pitchFamily="18" charset="0"/>
               </a:rPr>
               <a:t>hoặc</a:t>
             </a:r>
@@ -5139,6 +7982,8 @@
                     <a:lumOff val="35000"/>
                   </a:schemeClr>
                 </a:solidFill>
+                <a:latin typeface="Times New Roman" panose="02020603050405020304" pitchFamily="18" charset="0"/>
+                <a:cs typeface="Times New Roman" panose="02020603050405020304" pitchFamily="18" charset="0"/>
               </a:rPr>
               <a:t> </a:t>
             </a:r>
@@ -5150,6 +7995,8 @@
                     <a:lumOff val="35000"/>
                   </a:schemeClr>
                 </a:solidFill>
+                <a:latin typeface="Times New Roman" panose="02020603050405020304" pitchFamily="18" charset="0"/>
+                <a:cs typeface="Times New Roman" panose="02020603050405020304" pitchFamily="18" charset="0"/>
               </a:rPr>
               <a:t>đối</a:t>
             </a:r>
@@ -5161,6 +8008,8 @@
                     <a:lumOff val="35000"/>
                   </a:schemeClr>
                 </a:solidFill>
+                <a:latin typeface="Times New Roman" panose="02020603050405020304" pitchFamily="18" charset="0"/>
+                <a:cs typeface="Times New Roman" panose="02020603050405020304" pitchFamily="18" charset="0"/>
               </a:rPr>
               <a:t> t</a:t>
             </a:r>
@@ -5172,6 +8021,8 @@
                     <a:lumOff val="35000"/>
                   </a:schemeClr>
                 </a:solidFill>
+                <a:latin typeface="Times New Roman" panose="02020603050405020304" pitchFamily="18" charset="0"/>
+                <a:cs typeface="Times New Roman" panose="02020603050405020304" pitchFamily="18" charset="0"/>
               </a:rPr>
               <a:t>ư</a:t>
             </a:r>
@@ -5183,6 +8034,8 @@
                     <a:lumOff val="35000"/>
                   </a:schemeClr>
                 </a:solidFill>
+                <a:latin typeface="Times New Roman" panose="02020603050405020304" pitchFamily="18" charset="0"/>
+                <a:cs typeface="Times New Roman" panose="02020603050405020304" pitchFamily="18" charset="0"/>
               </a:rPr>
               <a:t>ợng</a:t>
             </a:r>
@@ -5194,6 +8047,8 @@
                     <a:lumOff val="35000"/>
                   </a:schemeClr>
                 </a:solidFill>
+                <a:latin typeface="Times New Roman" panose="02020603050405020304" pitchFamily="18" charset="0"/>
+                <a:cs typeface="Times New Roman" panose="02020603050405020304" pitchFamily="18" charset="0"/>
               </a:rPr>
               <a:t> </a:t>
             </a:r>
@@ -5205,6 +8060,8 @@
                     <a:lumOff val="35000"/>
                   </a:schemeClr>
                 </a:solidFill>
+                <a:latin typeface="Times New Roman" panose="02020603050405020304" pitchFamily="18" charset="0"/>
+                <a:cs typeface="Times New Roman" panose="02020603050405020304" pitchFamily="18" charset="0"/>
               </a:rPr>
               <a:t>cụ</a:t>
             </a:r>
@@ -5216,6 +8073,8 @@
                     <a:lumOff val="35000"/>
                   </a:schemeClr>
                 </a:solidFill>
+                <a:latin typeface="Times New Roman" panose="02020603050405020304" pitchFamily="18" charset="0"/>
+                <a:cs typeface="Times New Roman" panose="02020603050405020304" pitchFamily="18" charset="0"/>
               </a:rPr>
               <a:t> </a:t>
             </a:r>
@@ -5227,6 +8086,8 @@
                     <a:lumOff val="35000"/>
                   </a:schemeClr>
                 </a:solidFill>
+                <a:latin typeface="Times New Roman" panose="02020603050405020304" pitchFamily="18" charset="0"/>
+                <a:cs typeface="Times New Roman" panose="02020603050405020304" pitchFamily="18" charset="0"/>
               </a:rPr>
               <a:t>thể</a:t>
             </a:r>
@@ -5238,6 +8099,8 @@
                     <a:lumOff val="35000"/>
                   </a:schemeClr>
                 </a:solidFill>
+                <a:latin typeface="Times New Roman" panose="02020603050405020304" pitchFamily="18" charset="0"/>
+                <a:cs typeface="Times New Roman" panose="02020603050405020304" pitchFamily="18" charset="0"/>
               </a:rPr>
               <a:t> </a:t>
             </a:r>
@@ -5249,6 +8112,8 @@
                     <a:lumOff val="35000"/>
                   </a:schemeClr>
                 </a:solidFill>
+                <a:latin typeface="Times New Roman" panose="02020603050405020304" pitchFamily="18" charset="0"/>
+                <a:cs typeface="Times New Roman" panose="02020603050405020304" pitchFamily="18" charset="0"/>
               </a:rPr>
               <a:t>của</a:t>
             </a:r>
@@ -5260,6 +8125,8 @@
                     <a:lumOff val="35000"/>
                   </a:schemeClr>
                 </a:solidFill>
+                <a:latin typeface="Times New Roman" panose="02020603050405020304" pitchFamily="18" charset="0"/>
+                <a:cs typeface="Times New Roman" panose="02020603050405020304" pitchFamily="18" charset="0"/>
               </a:rPr>
               <a:t> </a:t>
             </a:r>
@@ -5271,6 +8138,8 @@
                     <a:lumOff val="35000"/>
                   </a:schemeClr>
                 </a:solidFill>
+                <a:latin typeface="Times New Roman" panose="02020603050405020304" pitchFamily="18" charset="0"/>
+                <a:cs typeface="Times New Roman" panose="02020603050405020304" pitchFamily="18" charset="0"/>
               </a:rPr>
               <a:t>javascript</a:t>
             </a:r>
@@ -5281,6 +8150,8 @@
                   <a:lumOff val="35000"/>
                 </a:schemeClr>
               </a:solidFill>
+              <a:latin typeface="Times New Roman" panose="02020603050405020304" pitchFamily="18" charset="0"/>
+              <a:cs typeface="Times New Roman" panose="02020603050405020304" pitchFamily="18" charset="0"/>
             </a:endParaRPr>
           </a:p>
         </p:txBody>
@@ -5331,10 +8202,17 @@
       </p:transition>
     </mc:Fallback>
   </mc:AlternateContent>
+  <p:timing>
+    <p:tnLst>
+      <p:par>
+        <p:cTn id="1" dur="indefinite" restart="never" nodeType="tmRoot"/>
+      </p:par>
+    </p:tnLst>
+  </p:timing>
 </p:sld>
 </file>
 
-<file path=ppt/slides/slide3.xml><?xml version="1.0" encoding="utf-8"?>
+<file path=ppt/slides/slide4.xml><?xml version="1.0" encoding="utf-8"?>
 <p:sld xmlns:a="http://schemas.openxmlformats.org/drawingml/2006/main" xmlns:r="http://schemas.openxmlformats.org/officeDocument/2006/relationships" xmlns:p="http://schemas.openxmlformats.org/presentationml/2006/main">
   <p:cSld>
     <p:spTree>
@@ -5513,6 +8391,8 @@
                     <a:lumOff val="35000"/>
                   </a:schemeClr>
                 </a:solidFill>
+                <a:latin typeface="Times New Roman" panose="02020603050405020304" pitchFamily="18" charset="0"/>
+                <a:cs typeface="Times New Roman" panose="02020603050405020304" pitchFamily="18" charset="0"/>
               </a:rPr>
               <a:t>1 spec </a:t>
             </a:r>
@@ -5524,6 +8404,8 @@
                     <a:lumOff val="35000"/>
                   </a:schemeClr>
                 </a:solidFill>
+                <a:latin typeface="Times New Roman" panose="02020603050405020304" pitchFamily="18" charset="0"/>
+                <a:cs typeface="Times New Roman" panose="02020603050405020304" pitchFamily="18" charset="0"/>
               </a:rPr>
               <a:t>đại</a:t>
             </a:r>
@@ -5535,6 +8417,8 @@
                     <a:lumOff val="35000"/>
                   </a:schemeClr>
                 </a:solidFill>
+                <a:latin typeface="Times New Roman" panose="02020603050405020304" pitchFamily="18" charset="0"/>
+                <a:cs typeface="Times New Roman" panose="02020603050405020304" pitchFamily="18" charset="0"/>
               </a:rPr>
               <a:t> </a:t>
             </a:r>
@@ -5546,6 +8430,8 @@
                     <a:lumOff val="35000"/>
                   </a:schemeClr>
                 </a:solidFill>
+                <a:latin typeface="Times New Roman" panose="02020603050405020304" pitchFamily="18" charset="0"/>
+                <a:cs typeface="Times New Roman" panose="02020603050405020304" pitchFamily="18" charset="0"/>
               </a:rPr>
               <a:t>diện</a:t>
             </a:r>
@@ -5557,6 +8443,8 @@
                     <a:lumOff val="35000"/>
                   </a:schemeClr>
                 </a:solidFill>
+                <a:latin typeface="Times New Roman" panose="02020603050405020304" pitchFamily="18" charset="0"/>
+                <a:cs typeface="Times New Roman" panose="02020603050405020304" pitchFamily="18" charset="0"/>
               </a:rPr>
               <a:t> </a:t>
             </a:r>
@@ -5568,6 +8456,8 @@
                     <a:lumOff val="35000"/>
                   </a:schemeClr>
                 </a:solidFill>
+                <a:latin typeface="Times New Roman" panose="02020603050405020304" pitchFamily="18" charset="0"/>
+                <a:cs typeface="Times New Roman" panose="02020603050405020304" pitchFamily="18" charset="0"/>
               </a:rPr>
               <a:t>cho</a:t>
             </a:r>
@@ -5579,6 +8469,8 @@
                     <a:lumOff val="35000"/>
                   </a:schemeClr>
                 </a:solidFill>
+                <a:latin typeface="Times New Roman" panose="02020603050405020304" pitchFamily="18" charset="0"/>
+                <a:cs typeface="Times New Roman" panose="02020603050405020304" pitchFamily="18" charset="0"/>
               </a:rPr>
               <a:t> </a:t>
             </a:r>
@@ -5590,6 +8482,8 @@
                     <a:lumOff val="35000"/>
                   </a:schemeClr>
                 </a:solidFill>
+                <a:latin typeface="Times New Roman" panose="02020603050405020304" pitchFamily="18" charset="0"/>
+                <a:cs typeface="Times New Roman" panose="02020603050405020304" pitchFamily="18" charset="0"/>
               </a:rPr>
               <a:t>một</a:t>
             </a:r>
@@ -5601,6 +8495,8 @@
                     <a:lumOff val="35000"/>
                   </a:schemeClr>
                 </a:solidFill>
+                <a:latin typeface="Times New Roman" panose="02020603050405020304" pitchFamily="18" charset="0"/>
+                <a:cs typeface="Times New Roman" panose="02020603050405020304" pitchFamily="18" charset="0"/>
               </a:rPr>
               <a:t> test case </a:t>
             </a:r>
@@ -5612,6 +8508,8 @@
                     <a:lumOff val="35000"/>
                   </a:schemeClr>
                 </a:solidFill>
+                <a:latin typeface="Times New Roman" panose="02020603050405020304" pitchFamily="18" charset="0"/>
+                <a:cs typeface="Times New Roman" panose="02020603050405020304" pitchFamily="18" charset="0"/>
               </a:rPr>
               <a:t>trong</a:t>
             </a:r>
@@ -5623,6 +8521,8 @@
                     <a:lumOff val="35000"/>
                   </a:schemeClr>
                 </a:solidFill>
+                <a:latin typeface="Times New Roman" panose="02020603050405020304" pitchFamily="18" charset="0"/>
+                <a:cs typeface="Times New Roman" panose="02020603050405020304" pitchFamily="18" charset="0"/>
               </a:rPr>
               <a:t> suite</a:t>
             </a:r>
@@ -5643,6 +8543,8 @@
                     <a:lumOff val="35000"/>
                   </a:schemeClr>
                 </a:solidFill>
+                <a:latin typeface="Times New Roman" panose="02020603050405020304" pitchFamily="18" charset="0"/>
+                <a:cs typeface="Times New Roman" panose="02020603050405020304" pitchFamily="18" charset="0"/>
               </a:rPr>
               <a:t>Mỗi</a:t>
             </a:r>
@@ -5654,6 +8556,8 @@
                     <a:lumOff val="35000"/>
                   </a:schemeClr>
                 </a:solidFill>
+                <a:latin typeface="Times New Roman" panose="02020603050405020304" pitchFamily="18" charset="0"/>
+                <a:cs typeface="Times New Roman" panose="02020603050405020304" pitchFamily="18" charset="0"/>
               </a:rPr>
               <a:t> </a:t>
             </a:r>
@@ -5665,6 +8569,8 @@
                     <a:lumOff val="35000"/>
                   </a:schemeClr>
                 </a:solidFill>
+                <a:latin typeface="Times New Roman" panose="02020603050405020304" pitchFamily="18" charset="0"/>
+                <a:cs typeface="Times New Roman" panose="02020603050405020304" pitchFamily="18" charset="0"/>
               </a:rPr>
               <a:t>một</a:t>
             </a:r>
@@ -5676,6 +8582,8 @@
                     <a:lumOff val="35000"/>
                   </a:schemeClr>
                 </a:solidFill>
+                <a:latin typeface="Times New Roman" panose="02020603050405020304" pitchFamily="18" charset="0"/>
+                <a:cs typeface="Times New Roman" panose="02020603050405020304" pitchFamily="18" charset="0"/>
               </a:rPr>
               <a:t> spec </a:t>
             </a:r>
@@ -5687,6 +8595,8 @@
                     <a:lumOff val="35000"/>
                   </a:schemeClr>
                 </a:solidFill>
+                <a:latin typeface="Times New Roman" panose="02020603050405020304" pitchFamily="18" charset="0"/>
+                <a:cs typeface="Times New Roman" panose="02020603050405020304" pitchFamily="18" charset="0"/>
               </a:rPr>
               <a:t>có</a:t>
             </a:r>
@@ -5698,6 +8608,8 @@
                     <a:lumOff val="35000"/>
                   </a:schemeClr>
                 </a:solidFill>
+                <a:latin typeface="Times New Roman" panose="02020603050405020304" pitchFamily="18" charset="0"/>
+                <a:cs typeface="Times New Roman" panose="02020603050405020304" pitchFamily="18" charset="0"/>
               </a:rPr>
               <a:t> </a:t>
             </a:r>
@@ -5709,6 +8621,8 @@
                     <a:lumOff val="35000"/>
                   </a:schemeClr>
                 </a:solidFill>
+                <a:latin typeface="Times New Roman" panose="02020603050405020304" pitchFamily="18" charset="0"/>
+                <a:cs typeface="Times New Roman" panose="02020603050405020304" pitchFamily="18" charset="0"/>
               </a:rPr>
               <a:t>thể</a:t>
             </a:r>
@@ -5720,6 +8634,8 @@
                     <a:lumOff val="35000"/>
                   </a:schemeClr>
                 </a:solidFill>
+                <a:latin typeface="Times New Roman" panose="02020603050405020304" pitchFamily="18" charset="0"/>
+                <a:cs typeface="Times New Roman" panose="02020603050405020304" pitchFamily="18" charset="0"/>
               </a:rPr>
               <a:t> </a:t>
             </a:r>
@@ -5731,6 +8647,8 @@
                     <a:lumOff val="35000"/>
                   </a:schemeClr>
                 </a:solidFill>
+                <a:latin typeface="Times New Roman" panose="02020603050405020304" pitchFamily="18" charset="0"/>
+                <a:cs typeface="Times New Roman" panose="02020603050405020304" pitchFamily="18" charset="0"/>
               </a:rPr>
               <a:t>chứa</a:t>
             </a:r>
@@ -5742,6 +8660,8 @@
                     <a:lumOff val="35000"/>
                   </a:schemeClr>
                 </a:solidFill>
+                <a:latin typeface="Times New Roman" panose="02020603050405020304" pitchFamily="18" charset="0"/>
+                <a:cs typeface="Times New Roman" panose="02020603050405020304" pitchFamily="18" charset="0"/>
               </a:rPr>
               <a:t> 1 </a:t>
             </a:r>
@@ -5753,6 +8673,8 @@
                     <a:lumOff val="35000"/>
                   </a:schemeClr>
                 </a:solidFill>
+                <a:latin typeface="Times New Roman" panose="02020603050405020304" pitchFamily="18" charset="0"/>
+                <a:cs typeface="Times New Roman" panose="02020603050405020304" pitchFamily="18" charset="0"/>
               </a:rPr>
               <a:t>hoặc</a:t>
             </a:r>
@@ -5764,6 +8686,8 @@
                     <a:lumOff val="35000"/>
                   </a:schemeClr>
                 </a:solidFill>
+                <a:latin typeface="Times New Roman" panose="02020603050405020304" pitchFamily="18" charset="0"/>
+                <a:cs typeface="Times New Roman" panose="02020603050405020304" pitchFamily="18" charset="0"/>
               </a:rPr>
               <a:t> </a:t>
             </a:r>
@@ -5775,6 +8699,8 @@
                     <a:lumOff val="35000"/>
                   </a:schemeClr>
                 </a:solidFill>
+                <a:latin typeface="Times New Roman" panose="02020603050405020304" pitchFamily="18" charset="0"/>
+                <a:cs typeface="Times New Roman" panose="02020603050405020304" pitchFamily="18" charset="0"/>
               </a:rPr>
               <a:t>nhiều</a:t>
             </a:r>
@@ -5786,6 +8712,8 @@
                     <a:lumOff val="35000"/>
                   </a:schemeClr>
                 </a:solidFill>
+                <a:latin typeface="Times New Roman" panose="02020603050405020304" pitchFamily="18" charset="0"/>
+                <a:cs typeface="Times New Roman" panose="02020603050405020304" pitchFamily="18" charset="0"/>
               </a:rPr>
               <a:t> </a:t>
             </a:r>
@@ -5797,6 +8725,8 @@
                     <a:lumOff val="35000"/>
                   </a:schemeClr>
                 </a:solidFill>
+                <a:latin typeface="Times New Roman" panose="02020603050405020304" pitchFamily="18" charset="0"/>
+                <a:cs typeface="Times New Roman" panose="02020603050405020304" pitchFamily="18" charset="0"/>
               </a:rPr>
               <a:t>kết</a:t>
             </a:r>
@@ -5808,6 +8738,8 @@
                     <a:lumOff val="35000"/>
                   </a:schemeClr>
                 </a:solidFill>
+                <a:latin typeface="Times New Roman" panose="02020603050405020304" pitchFamily="18" charset="0"/>
+                <a:cs typeface="Times New Roman" panose="02020603050405020304" pitchFamily="18" charset="0"/>
               </a:rPr>
               <a:t> </a:t>
             </a:r>
@@ -5819,6 +8751,8 @@
                     <a:lumOff val="35000"/>
                   </a:schemeClr>
                 </a:solidFill>
+                <a:latin typeface="Times New Roman" panose="02020603050405020304" pitchFamily="18" charset="0"/>
+                <a:cs typeface="Times New Roman" panose="02020603050405020304" pitchFamily="18" charset="0"/>
               </a:rPr>
               <a:t>quả</a:t>
             </a:r>
@@ -5830,6 +8764,8 @@
                     <a:lumOff val="35000"/>
                   </a:schemeClr>
                 </a:solidFill>
+                <a:latin typeface="Times New Roman" panose="02020603050405020304" pitchFamily="18" charset="0"/>
+                <a:cs typeface="Times New Roman" panose="02020603050405020304" pitchFamily="18" charset="0"/>
               </a:rPr>
               <a:t> </a:t>
             </a:r>
@@ -5841,6 +8777,8 @@
                     <a:lumOff val="35000"/>
                   </a:schemeClr>
                 </a:solidFill>
+                <a:latin typeface="Times New Roman" panose="02020603050405020304" pitchFamily="18" charset="0"/>
+                <a:cs typeface="Times New Roman" panose="02020603050405020304" pitchFamily="18" charset="0"/>
               </a:rPr>
               <a:t>mong</a:t>
             </a:r>
@@ -5852,6 +8790,8 @@
                     <a:lumOff val="35000"/>
                   </a:schemeClr>
                 </a:solidFill>
+                <a:latin typeface="Times New Roman" panose="02020603050405020304" pitchFamily="18" charset="0"/>
+                <a:cs typeface="Times New Roman" panose="02020603050405020304" pitchFamily="18" charset="0"/>
               </a:rPr>
               <a:t> </a:t>
             </a:r>
@@ -5863,6 +8803,8 @@
                     <a:lumOff val="35000"/>
                   </a:schemeClr>
                 </a:solidFill>
+                <a:latin typeface="Times New Roman" panose="02020603050405020304" pitchFamily="18" charset="0"/>
+                <a:cs typeface="Times New Roman" panose="02020603050405020304" pitchFamily="18" charset="0"/>
               </a:rPr>
               <a:t>đợi</a:t>
             </a:r>
@@ -5874,6 +8816,8 @@
                     <a:lumOff val="35000"/>
                   </a:schemeClr>
                 </a:solidFill>
+                <a:latin typeface="Times New Roman" panose="02020603050405020304" pitchFamily="18" charset="0"/>
+                <a:cs typeface="Times New Roman" panose="02020603050405020304" pitchFamily="18" charset="0"/>
               </a:rPr>
               <a:t>.</a:t>
             </a:r>
@@ -5926,10 +8870,842 @@
       </p:transition>
     </mc:Fallback>
   </mc:AlternateContent>
+  <p:timing>
+    <p:tnLst>
+      <p:par>
+        <p:cTn id="1" dur="indefinite" restart="never" nodeType="tmRoot"/>
+      </p:par>
+    </p:tnLst>
+  </p:timing>
 </p:sld>
 </file>
 
-<file path=ppt/slides/slide4.xml><?xml version="1.0" encoding="utf-8"?>
+<file path=ppt/slides/slide5.xml><?xml version="1.0" encoding="utf-8"?>
+<p:sld xmlns:a="http://schemas.openxmlformats.org/drawingml/2006/main" xmlns:r="http://schemas.openxmlformats.org/officeDocument/2006/relationships" xmlns:p="http://schemas.openxmlformats.org/presentationml/2006/main">
+  <p:cSld>
+    <p:spTree>
+      <p:nvGrpSpPr>
+        <p:cNvPr id="1" name=""/>
+        <p:cNvGrpSpPr/>
+        <p:nvPr/>
+      </p:nvGrpSpPr>
+      <p:grpSpPr>
+        <a:xfrm>
+          <a:off x="0" y="0"/>
+          <a:ext cx="0" cy="0"/>
+          <a:chOff x="0" y="0"/>
+          <a:chExt cx="0" cy="0"/>
+        </a:xfrm>
+      </p:grpSpPr>
+      <p:sp>
+        <p:nvSpPr>
+          <p:cNvPr id="4" name="Rectangle 3"/>
+          <p:cNvSpPr/>
+          <p:nvPr/>
+        </p:nvSpPr>
+        <p:spPr>
+          <a:xfrm>
+            <a:off x="0" y="271312"/>
+            <a:ext cx="12192000" cy="854233"/>
+          </a:xfrm>
+          <a:prstGeom prst="rect">
+            <a:avLst/>
+          </a:prstGeom>
+          <a:solidFill>
+            <a:srgbClr val="466077"/>
+          </a:solidFill>
+        </p:spPr>
+        <p:style>
+          <a:lnRef idx="2">
+            <a:schemeClr val="dk1">
+              <a:shade val="50000"/>
+            </a:schemeClr>
+          </a:lnRef>
+          <a:fillRef idx="1">
+            <a:schemeClr val="dk1"/>
+          </a:fillRef>
+          <a:effectRef idx="0">
+            <a:schemeClr val="dk1"/>
+          </a:effectRef>
+          <a:fontRef idx="minor">
+            <a:schemeClr val="lt1"/>
+          </a:fontRef>
+        </p:style>
+        <p:txBody>
+          <a:bodyPr rtlCol="0" anchor="ctr"/>
+          <a:lstStyle/>
+          <a:p>
+            <a:r>
+              <a:rPr lang="en-US" sz="5400" b="1" dirty="0"/>
+              <a:t>   2</a:t>
+            </a:r>
+          </a:p>
+        </p:txBody>
+      </p:sp>
+      <p:sp>
+        <p:nvSpPr>
+          <p:cNvPr id="5" name="Rectangle 7"/>
+          <p:cNvSpPr/>
+          <p:nvPr/>
+        </p:nvSpPr>
+        <p:spPr>
+          <a:xfrm>
+            <a:off x="1243330" y="482399"/>
+            <a:ext cx="10086340" cy="432058"/>
+          </a:xfrm>
+          <a:prstGeom prst="rect">
+            <a:avLst/>
+          </a:prstGeom>
+          <a:solidFill>
+            <a:schemeClr val="bg1"/>
+          </a:solidFill>
+          <a:ln>
+            <a:noFill/>
+          </a:ln>
+        </p:spPr>
+        <p:style>
+          <a:lnRef idx="2">
+            <a:schemeClr val="accent1">
+              <a:shade val="50000"/>
+            </a:schemeClr>
+          </a:lnRef>
+          <a:fillRef idx="1">
+            <a:schemeClr val="accent1"/>
+          </a:fillRef>
+          <a:effectRef idx="0">
+            <a:schemeClr val="accent1"/>
+          </a:effectRef>
+          <a:fontRef idx="minor">
+            <a:schemeClr val="lt1"/>
+          </a:fontRef>
+        </p:style>
+        <p:txBody>
+          <a:bodyPr rtlCol="0" anchor="ctr"/>
+          <a:lstStyle/>
+          <a:p>
+            <a:pPr algn="ctr"/>
+            <a:r>
+              <a:rPr lang="en-US" sz="2400" b="1" dirty="0">
+                <a:solidFill>
+                  <a:schemeClr val="tx1">
+                    <a:lumMod val="65000"/>
+                    <a:lumOff val="35000"/>
+                  </a:schemeClr>
+                </a:solidFill>
+              </a:rPr>
+              <a:t>SPEC</a:t>
+            </a:r>
+          </a:p>
+        </p:txBody>
+      </p:sp>
+      <p:sp>
+        <p:nvSpPr>
+          <p:cNvPr id="6" name="Rectangle 11"/>
+          <p:cNvSpPr/>
+          <p:nvPr/>
+        </p:nvSpPr>
+        <p:spPr>
+          <a:xfrm>
+            <a:off x="393700" y="1892300"/>
+            <a:ext cx="5892800" cy="4559300"/>
+          </a:xfrm>
+          <a:prstGeom prst="rect">
+            <a:avLst/>
+          </a:prstGeom>
+          <a:solidFill>
+            <a:schemeClr val="bg1"/>
+          </a:solidFill>
+          <a:ln>
+            <a:solidFill>
+              <a:schemeClr val="tx1">
+                <a:lumMod val="65000"/>
+                <a:lumOff val="35000"/>
+              </a:schemeClr>
+            </a:solidFill>
+          </a:ln>
+        </p:spPr>
+        <p:style>
+          <a:lnRef idx="2">
+            <a:schemeClr val="accent1">
+              <a:shade val="50000"/>
+            </a:schemeClr>
+          </a:lnRef>
+          <a:fillRef idx="1">
+            <a:schemeClr val="accent1"/>
+          </a:fillRef>
+          <a:effectRef idx="0">
+            <a:schemeClr val="accent1"/>
+          </a:effectRef>
+          <a:fontRef idx="minor">
+            <a:schemeClr val="lt1"/>
+          </a:fontRef>
+        </p:style>
+        <p:txBody>
+          <a:bodyPr rtlCol="0" anchor="t"/>
+          <a:lstStyle/>
+          <a:p>
+            <a:pPr fontAlgn="base"/>
+            <a:endParaRPr lang="en-US" sz="2400" dirty="0" smtClean="0">
+              <a:solidFill>
+                <a:schemeClr val="tx1"/>
+              </a:solidFill>
+              <a:latin typeface="Times New Roman" panose="02020603050405020304" pitchFamily="18" charset="0"/>
+              <a:cs typeface="Times New Roman" panose="02020603050405020304" pitchFamily="18" charset="0"/>
+            </a:endParaRPr>
+          </a:p>
+          <a:p>
+            <a:pPr fontAlgn="base"/>
+            <a:endParaRPr lang="en-US" sz="2400" dirty="0">
+              <a:solidFill>
+                <a:schemeClr val="tx1"/>
+              </a:solidFill>
+              <a:latin typeface="Times New Roman" panose="02020603050405020304" pitchFamily="18" charset="0"/>
+              <a:cs typeface="Times New Roman" panose="02020603050405020304" pitchFamily="18" charset="0"/>
+            </a:endParaRPr>
+          </a:p>
+          <a:p>
+            <a:pPr fontAlgn="base"/>
+            <a:r>
+              <a:rPr lang="en-US" sz="2400" dirty="0" smtClean="0">
+                <a:solidFill>
+                  <a:schemeClr val="tx1"/>
+                </a:solidFill>
+                <a:latin typeface="Times New Roman" panose="02020603050405020304" pitchFamily="18" charset="0"/>
+                <a:cs typeface="Times New Roman" panose="02020603050405020304" pitchFamily="18" charset="0"/>
+              </a:rPr>
+              <a:t>- </a:t>
+            </a:r>
+            <a:r>
+              <a:rPr lang="vi-VN" sz="2400" dirty="0" err="1" smtClean="0">
+                <a:solidFill>
+                  <a:schemeClr val="tx1"/>
+                </a:solidFill>
+                <a:latin typeface="Times New Roman" panose="02020603050405020304" pitchFamily="18" charset="0"/>
+                <a:cs typeface="Times New Roman" panose="02020603050405020304" pitchFamily="18" charset="0"/>
+              </a:rPr>
+              <a:t>Hàm</a:t>
+            </a:r>
+            <a:r>
+              <a:rPr lang="vi-VN" sz="2400" dirty="0" smtClean="0">
+                <a:solidFill>
+                  <a:schemeClr val="tx1"/>
+                </a:solidFill>
+                <a:latin typeface="Times New Roman" panose="02020603050405020304" pitchFamily="18" charset="0"/>
+                <a:cs typeface="Times New Roman" panose="02020603050405020304" pitchFamily="18" charset="0"/>
+              </a:rPr>
+              <a:t> </a:t>
+            </a:r>
+            <a:r>
+              <a:rPr lang="vi-VN" sz="2400" b="1" dirty="0" err="1" smtClean="0">
+                <a:solidFill>
+                  <a:schemeClr val="tx1"/>
+                </a:solidFill>
+                <a:latin typeface="Times New Roman" panose="02020603050405020304" pitchFamily="18" charset="0"/>
+                <a:cs typeface="Times New Roman" panose="02020603050405020304" pitchFamily="18" charset="0"/>
+              </a:rPr>
+              <a:t>describe</a:t>
+            </a:r>
+            <a:r>
+              <a:rPr lang="vi-VN" sz="2400" dirty="0" smtClean="0">
+                <a:solidFill>
+                  <a:schemeClr val="tx1"/>
+                </a:solidFill>
+                <a:latin typeface="Times New Roman" panose="02020603050405020304" pitchFamily="18" charset="0"/>
+                <a:cs typeface="Times New Roman" panose="02020603050405020304" pitchFamily="18" charset="0"/>
+              </a:rPr>
+              <a:t> </a:t>
+            </a:r>
+            <a:r>
+              <a:rPr lang="vi-VN" sz="2400" dirty="0" err="1" smtClean="0">
+                <a:solidFill>
+                  <a:schemeClr val="tx1"/>
+                </a:solidFill>
+                <a:latin typeface="Times New Roman" panose="02020603050405020304" pitchFamily="18" charset="0"/>
+                <a:cs typeface="Times New Roman" panose="02020603050405020304" pitchFamily="18" charset="0"/>
+              </a:rPr>
+              <a:t>dùng</a:t>
+            </a:r>
+            <a:r>
+              <a:rPr lang="vi-VN" sz="2400" dirty="0" smtClean="0">
+                <a:solidFill>
+                  <a:schemeClr val="tx1"/>
+                </a:solidFill>
+                <a:latin typeface="Times New Roman" panose="02020603050405020304" pitchFamily="18" charset="0"/>
+                <a:cs typeface="Times New Roman" panose="02020603050405020304" pitchFamily="18" charset="0"/>
+              </a:rPr>
+              <a:t> </a:t>
+            </a:r>
+            <a:r>
+              <a:rPr lang="vi-VN" sz="2400" dirty="0" err="1" smtClean="0">
+                <a:solidFill>
+                  <a:schemeClr val="tx1"/>
+                </a:solidFill>
+                <a:latin typeface="Times New Roman" panose="02020603050405020304" pitchFamily="18" charset="0"/>
+                <a:cs typeface="Times New Roman" panose="02020603050405020304" pitchFamily="18" charset="0"/>
+              </a:rPr>
+              <a:t>để</a:t>
+            </a:r>
+            <a:r>
+              <a:rPr lang="vi-VN" sz="2400" dirty="0" smtClean="0">
+                <a:solidFill>
+                  <a:schemeClr val="tx1"/>
+                </a:solidFill>
+                <a:latin typeface="Times New Roman" panose="02020603050405020304" pitchFamily="18" charset="0"/>
+                <a:cs typeface="Times New Roman" panose="02020603050405020304" pitchFamily="18" charset="0"/>
+              </a:rPr>
+              <a:t> gom </a:t>
+            </a:r>
+            <a:r>
+              <a:rPr lang="vi-VN" sz="2400" dirty="0" err="1" smtClean="0">
+                <a:solidFill>
+                  <a:schemeClr val="tx1"/>
+                </a:solidFill>
+                <a:latin typeface="Times New Roman" panose="02020603050405020304" pitchFamily="18" charset="0"/>
+                <a:cs typeface="Times New Roman" panose="02020603050405020304" pitchFamily="18" charset="0"/>
+              </a:rPr>
+              <a:t>nhóm</a:t>
+            </a:r>
+            <a:r>
+              <a:rPr lang="vi-VN" sz="2400" dirty="0" smtClean="0">
+                <a:solidFill>
+                  <a:schemeClr val="tx1"/>
+                </a:solidFill>
+                <a:latin typeface="Times New Roman" panose="02020603050405020304" pitchFamily="18" charset="0"/>
+                <a:cs typeface="Times New Roman" panose="02020603050405020304" pitchFamily="18" charset="0"/>
+              </a:rPr>
+              <a:t>, ghi </a:t>
+            </a:r>
+            <a:r>
+              <a:rPr lang="vi-VN" sz="2400" dirty="0" err="1" smtClean="0">
+                <a:solidFill>
+                  <a:schemeClr val="tx1"/>
+                </a:solidFill>
+                <a:latin typeface="Times New Roman" panose="02020603050405020304" pitchFamily="18" charset="0"/>
+                <a:cs typeface="Times New Roman" panose="02020603050405020304" pitchFamily="18" charset="0"/>
+              </a:rPr>
+              <a:t>chú</a:t>
+            </a:r>
+            <a:r>
+              <a:rPr lang="vi-VN" sz="2400" dirty="0" smtClean="0">
+                <a:solidFill>
+                  <a:schemeClr val="tx1"/>
+                </a:solidFill>
+                <a:latin typeface="Times New Roman" panose="02020603050405020304" pitchFamily="18" charset="0"/>
+                <a:cs typeface="Times New Roman" panose="02020603050405020304" pitchFamily="18" charset="0"/>
+              </a:rPr>
+              <a:t> cho </a:t>
+            </a:r>
+            <a:r>
+              <a:rPr lang="vi-VN" sz="2400" dirty="0" err="1" smtClean="0">
+                <a:solidFill>
+                  <a:schemeClr val="tx1"/>
+                </a:solidFill>
+                <a:latin typeface="Times New Roman" panose="02020603050405020304" pitchFamily="18" charset="0"/>
+                <a:cs typeface="Times New Roman" panose="02020603050405020304" pitchFamily="18" charset="0"/>
+              </a:rPr>
+              <a:t>nhiều</a:t>
+            </a:r>
+            <a:r>
+              <a:rPr lang="vi-VN" sz="2400" dirty="0" smtClean="0">
+                <a:solidFill>
+                  <a:schemeClr val="tx1"/>
+                </a:solidFill>
+                <a:latin typeface="Times New Roman" panose="02020603050405020304" pitchFamily="18" charset="0"/>
+                <a:cs typeface="Times New Roman" panose="02020603050405020304" pitchFamily="18" charset="0"/>
+              </a:rPr>
+              <a:t> </a:t>
+            </a:r>
+            <a:r>
+              <a:rPr lang="vi-VN" sz="2400" dirty="0" err="1" smtClean="0">
+                <a:solidFill>
+                  <a:schemeClr val="tx1"/>
+                </a:solidFill>
+                <a:latin typeface="Times New Roman" panose="02020603050405020304" pitchFamily="18" charset="0"/>
+                <a:cs typeface="Times New Roman" panose="02020603050405020304" pitchFamily="18" charset="0"/>
+              </a:rPr>
+              <a:t>unit</a:t>
+            </a:r>
+            <a:r>
+              <a:rPr lang="vi-VN" sz="2400" dirty="0" smtClean="0">
+                <a:solidFill>
+                  <a:schemeClr val="tx1"/>
+                </a:solidFill>
+                <a:latin typeface="Times New Roman" panose="02020603050405020304" pitchFamily="18" charset="0"/>
+                <a:cs typeface="Times New Roman" panose="02020603050405020304" pitchFamily="18" charset="0"/>
+              </a:rPr>
+              <a:t> </a:t>
+            </a:r>
+            <a:r>
+              <a:rPr lang="vi-VN" sz="2400" dirty="0" err="1" smtClean="0">
+                <a:solidFill>
+                  <a:schemeClr val="tx1"/>
+                </a:solidFill>
+                <a:latin typeface="Times New Roman" panose="02020603050405020304" pitchFamily="18" charset="0"/>
+                <a:cs typeface="Times New Roman" panose="02020603050405020304" pitchFamily="18" charset="0"/>
+              </a:rPr>
+              <a:t>test</a:t>
+            </a:r>
+            <a:r>
+              <a:rPr lang="vi-VN" sz="2400" dirty="0" smtClean="0">
+                <a:solidFill>
+                  <a:schemeClr val="tx1"/>
+                </a:solidFill>
+                <a:latin typeface="Times New Roman" panose="02020603050405020304" pitchFamily="18" charset="0"/>
+                <a:cs typeface="Times New Roman" panose="02020603050405020304" pitchFamily="18" charset="0"/>
+              </a:rPr>
+              <a:t>.</a:t>
+            </a:r>
+          </a:p>
+          <a:p>
+            <a:pPr fontAlgn="base"/>
+            <a:r>
+              <a:rPr lang="en-US" sz="2400" dirty="0" smtClean="0">
+                <a:solidFill>
+                  <a:schemeClr val="tx1"/>
+                </a:solidFill>
+                <a:latin typeface="Times New Roman" panose="02020603050405020304" pitchFamily="18" charset="0"/>
+                <a:cs typeface="Times New Roman" panose="02020603050405020304" pitchFamily="18" charset="0"/>
+              </a:rPr>
+              <a:t>- </a:t>
+            </a:r>
+            <a:r>
+              <a:rPr lang="vi-VN" sz="2400" dirty="0" err="1" smtClean="0">
+                <a:solidFill>
+                  <a:schemeClr val="tx1"/>
+                </a:solidFill>
+                <a:latin typeface="Times New Roman" panose="02020603050405020304" pitchFamily="18" charset="0"/>
+                <a:cs typeface="Times New Roman" panose="02020603050405020304" pitchFamily="18" charset="0"/>
+              </a:rPr>
+              <a:t>Hàm</a:t>
+            </a:r>
+            <a:r>
+              <a:rPr lang="vi-VN" sz="2400" dirty="0" smtClean="0">
+                <a:solidFill>
+                  <a:schemeClr val="tx1"/>
+                </a:solidFill>
+                <a:latin typeface="Times New Roman" panose="02020603050405020304" pitchFamily="18" charset="0"/>
+                <a:cs typeface="Times New Roman" panose="02020603050405020304" pitchFamily="18" charset="0"/>
+              </a:rPr>
+              <a:t> </a:t>
+            </a:r>
+            <a:r>
+              <a:rPr lang="vi-VN" sz="2400" b="1" dirty="0" err="1" smtClean="0">
+                <a:solidFill>
+                  <a:schemeClr val="tx1"/>
+                </a:solidFill>
+                <a:latin typeface="Times New Roman" panose="02020603050405020304" pitchFamily="18" charset="0"/>
+                <a:cs typeface="Times New Roman" panose="02020603050405020304" pitchFamily="18" charset="0"/>
+              </a:rPr>
+              <a:t>it</a:t>
+            </a:r>
+            <a:r>
+              <a:rPr lang="vi-VN" sz="2400" dirty="0" smtClean="0">
+                <a:solidFill>
+                  <a:schemeClr val="tx1"/>
+                </a:solidFill>
+                <a:latin typeface="Times New Roman" panose="02020603050405020304" pitchFamily="18" charset="0"/>
+                <a:cs typeface="Times New Roman" panose="02020603050405020304" pitchFamily="18" charset="0"/>
+              </a:rPr>
+              <a:t> tương đương </a:t>
+            </a:r>
+            <a:r>
+              <a:rPr lang="vi-VN" sz="2400" dirty="0" err="1" smtClean="0">
+                <a:solidFill>
+                  <a:schemeClr val="tx1"/>
+                </a:solidFill>
+                <a:latin typeface="Times New Roman" panose="02020603050405020304" pitchFamily="18" charset="0"/>
+                <a:cs typeface="Times New Roman" panose="02020603050405020304" pitchFamily="18" charset="0"/>
+              </a:rPr>
+              <a:t>với</a:t>
+            </a:r>
+            <a:r>
+              <a:rPr lang="vi-VN" sz="2400" dirty="0" smtClean="0">
+                <a:solidFill>
+                  <a:schemeClr val="tx1"/>
+                </a:solidFill>
+                <a:latin typeface="Times New Roman" panose="02020603050405020304" pitchFamily="18" charset="0"/>
+                <a:cs typeface="Times New Roman" panose="02020603050405020304" pitchFamily="18" charset="0"/>
+              </a:rPr>
+              <a:t> 1 </a:t>
+            </a:r>
+            <a:r>
+              <a:rPr lang="vi-VN" sz="2400" dirty="0" err="1" smtClean="0">
+                <a:solidFill>
+                  <a:schemeClr val="tx1"/>
+                </a:solidFill>
+                <a:latin typeface="Times New Roman" panose="02020603050405020304" pitchFamily="18" charset="0"/>
+                <a:cs typeface="Times New Roman" panose="02020603050405020304" pitchFamily="18" charset="0"/>
+              </a:rPr>
+              <a:t>unit</a:t>
+            </a:r>
+            <a:r>
+              <a:rPr lang="vi-VN" sz="2400" dirty="0" smtClean="0">
+                <a:solidFill>
+                  <a:schemeClr val="tx1"/>
+                </a:solidFill>
+                <a:latin typeface="Times New Roman" panose="02020603050405020304" pitchFamily="18" charset="0"/>
+                <a:cs typeface="Times New Roman" panose="02020603050405020304" pitchFamily="18" charset="0"/>
+              </a:rPr>
+              <a:t> </a:t>
+            </a:r>
+            <a:r>
+              <a:rPr lang="vi-VN" sz="2400" dirty="0" err="1" smtClean="0">
+                <a:solidFill>
+                  <a:schemeClr val="tx1"/>
+                </a:solidFill>
+                <a:latin typeface="Times New Roman" panose="02020603050405020304" pitchFamily="18" charset="0"/>
+                <a:cs typeface="Times New Roman" panose="02020603050405020304" pitchFamily="18" charset="0"/>
+              </a:rPr>
+              <a:t>test</a:t>
+            </a:r>
+            <a:r>
+              <a:rPr lang="vi-VN" sz="2400" dirty="0" smtClean="0">
+                <a:solidFill>
+                  <a:schemeClr val="tx1"/>
+                </a:solidFill>
+                <a:latin typeface="Times New Roman" panose="02020603050405020304" pitchFamily="18" charset="0"/>
+                <a:cs typeface="Times New Roman" panose="02020603050405020304" pitchFamily="18" charset="0"/>
+              </a:rPr>
+              <a:t>.</a:t>
+            </a:r>
+          </a:p>
+          <a:p>
+            <a:pPr fontAlgn="base"/>
+            <a:r>
+              <a:rPr lang="en-US" sz="2400" dirty="0" smtClean="0">
+                <a:solidFill>
+                  <a:schemeClr val="tx1"/>
+                </a:solidFill>
+                <a:latin typeface="Times New Roman" panose="02020603050405020304" pitchFamily="18" charset="0"/>
+                <a:cs typeface="Times New Roman" panose="02020603050405020304" pitchFamily="18" charset="0"/>
+              </a:rPr>
+              <a:t>- </a:t>
+            </a:r>
+            <a:r>
+              <a:rPr lang="vi-VN" sz="2400" dirty="0" err="1" smtClean="0">
+                <a:solidFill>
+                  <a:schemeClr val="tx1"/>
+                </a:solidFill>
+                <a:latin typeface="Times New Roman" panose="02020603050405020304" pitchFamily="18" charset="0"/>
+                <a:cs typeface="Times New Roman" panose="02020603050405020304" pitchFamily="18" charset="0"/>
+              </a:rPr>
+              <a:t>Hàm</a:t>
+            </a:r>
+            <a:r>
+              <a:rPr lang="vi-VN" sz="2400" dirty="0" smtClean="0">
+                <a:solidFill>
+                  <a:schemeClr val="tx1"/>
+                </a:solidFill>
+                <a:latin typeface="Times New Roman" panose="02020603050405020304" pitchFamily="18" charset="0"/>
+                <a:cs typeface="Times New Roman" panose="02020603050405020304" pitchFamily="18" charset="0"/>
+              </a:rPr>
+              <a:t> </a:t>
+            </a:r>
+            <a:r>
+              <a:rPr lang="vi-VN" sz="2400" b="1" dirty="0" err="1" smtClean="0">
+                <a:solidFill>
+                  <a:schemeClr val="tx1"/>
+                </a:solidFill>
+                <a:latin typeface="Times New Roman" panose="02020603050405020304" pitchFamily="18" charset="0"/>
+                <a:cs typeface="Times New Roman" panose="02020603050405020304" pitchFamily="18" charset="0"/>
+              </a:rPr>
+              <a:t>expect</a:t>
+            </a:r>
+            <a:r>
+              <a:rPr lang="vi-VN" sz="2400" dirty="0" smtClean="0">
+                <a:solidFill>
+                  <a:schemeClr val="tx1"/>
+                </a:solidFill>
+                <a:latin typeface="Times New Roman" panose="02020603050405020304" pitchFamily="18" charset="0"/>
+                <a:cs typeface="Times New Roman" panose="02020603050405020304" pitchFamily="18" charset="0"/>
+              </a:rPr>
+              <a:t> </a:t>
+            </a:r>
+            <a:r>
+              <a:rPr lang="vi-VN" sz="2400" dirty="0" err="1" smtClean="0">
+                <a:solidFill>
+                  <a:schemeClr val="tx1"/>
+                </a:solidFill>
+                <a:latin typeface="Times New Roman" panose="02020603050405020304" pitchFamily="18" charset="0"/>
+                <a:cs typeface="Times New Roman" panose="02020603050405020304" pitchFamily="18" charset="0"/>
+              </a:rPr>
+              <a:t>chính</a:t>
+            </a:r>
+            <a:r>
+              <a:rPr lang="vi-VN" sz="2400" dirty="0" smtClean="0">
+                <a:solidFill>
+                  <a:schemeClr val="tx1"/>
+                </a:solidFill>
+                <a:latin typeface="Times New Roman" panose="02020603050405020304" pitchFamily="18" charset="0"/>
+                <a:cs typeface="Times New Roman" panose="02020603050405020304" pitchFamily="18" charset="0"/>
+              </a:rPr>
+              <a:t> </a:t>
+            </a:r>
+            <a:r>
+              <a:rPr lang="vi-VN" sz="2400" dirty="0" err="1" smtClean="0">
+                <a:solidFill>
+                  <a:schemeClr val="tx1"/>
+                </a:solidFill>
+                <a:latin typeface="Times New Roman" panose="02020603050405020304" pitchFamily="18" charset="0"/>
+                <a:cs typeface="Times New Roman" panose="02020603050405020304" pitchFamily="18" charset="0"/>
+              </a:rPr>
+              <a:t>là</a:t>
+            </a:r>
+            <a:r>
+              <a:rPr lang="vi-VN" sz="2400" dirty="0" smtClean="0">
+                <a:solidFill>
+                  <a:schemeClr val="tx1"/>
+                </a:solidFill>
+                <a:latin typeface="Times New Roman" panose="02020603050405020304" pitchFamily="18" charset="0"/>
+                <a:cs typeface="Times New Roman" panose="02020603050405020304" pitchFamily="18" charset="0"/>
+              </a:rPr>
+              <a:t> </a:t>
+            </a:r>
+            <a:r>
+              <a:rPr lang="vi-VN" sz="2400" dirty="0" err="1" smtClean="0">
+                <a:solidFill>
+                  <a:schemeClr val="tx1"/>
+                </a:solidFill>
+                <a:latin typeface="Times New Roman" panose="02020603050405020304" pitchFamily="18" charset="0"/>
+                <a:cs typeface="Times New Roman" panose="02020603050405020304" pitchFamily="18" charset="0"/>
+              </a:rPr>
+              <a:t>hàm</a:t>
+            </a:r>
+            <a:r>
+              <a:rPr lang="vi-VN" sz="2400" dirty="0" smtClean="0">
+                <a:solidFill>
+                  <a:schemeClr val="tx1"/>
+                </a:solidFill>
+                <a:latin typeface="Times New Roman" panose="02020603050405020304" pitchFamily="18" charset="0"/>
+                <a:cs typeface="Times New Roman" panose="02020603050405020304" pitchFamily="18" charset="0"/>
+              </a:rPr>
+              <a:t> </a:t>
+            </a:r>
+            <a:r>
+              <a:rPr lang="vi-VN" sz="2400" dirty="0" err="1" smtClean="0">
+                <a:solidFill>
+                  <a:schemeClr val="tx1"/>
+                </a:solidFill>
+                <a:latin typeface="Times New Roman" panose="02020603050405020304" pitchFamily="18" charset="0"/>
+                <a:cs typeface="Times New Roman" panose="02020603050405020304" pitchFamily="18" charset="0"/>
+              </a:rPr>
+              <a:t>assert</a:t>
+            </a:r>
+            <a:r>
+              <a:rPr lang="vi-VN" sz="2400" dirty="0" smtClean="0">
+                <a:solidFill>
+                  <a:schemeClr val="tx1"/>
+                </a:solidFill>
+                <a:latin typeface="Times New Roman" panose="02020603050405020304" pitchFamily="18" charset="0"/>
+                <a:cs typeface="Times New Roman" panose="02020603050405020304" pitchFamily="18" charset="0"/>
+              </a:rPr>
+              <a:t> </a:t>
+            </a:r>
+            <a:r>
+              <a:rPr lang="vi-VN" sz="2400" dirty="0" err="1" smtClean="0">
+                <a:solidFill>
+                  <a:schemeClr val="tx1"/>
+                </a:solidFill>
+                <a:latin typeface="Times New Roman" panose="02020603050405020304" pitchFamily="18" charset="0"/>
+                <a:cs typeface="Times New Roman" panose="02020603050405020304" pitchFamily="18" charset="0"/>
+              </a:rPr>
+              <a:t>để</a:t>
+            </a:r>
+            <a:r>
+              <a:rPr lang="vi-VN" sz="2400" dirty="0" smtClean="0">
+                <a:solidFill>
+                  <a:schemeClr val="tx1"/>
+                </a:solidFill>
+                <a:latin typeface="Times New Roman" panose="02020603050405020304" pitchFamily="18" charset="0"/>
+                <a:cs typeface="Times New Roman" panose="02020603050405020304" pitchFamily="18" charset="0"/>
+              </a:rPr>
+              <a:t> </a:t>
+            </a:r>
+            <a:r>
+              <a:rPr lang="vi-VN" sz="2400" dirty="0" err="1" smtClean="0">
+                <a:solidFill>
+                  <a:schemeClr val="tx1"/>
+                </a:solidFill>
+                <a:latin typeface="Times New Roman" panose="02020603050405020304" pitchFamily="18" charset="0"/>
+                <a:cs typeface="Times New Roman" panose="02020603050405020304" pitchFamily="18" charset="0"/>
+              </a:rPr>
+              <a:t>kiểm</a:t>
+            </a:r>
+            <a:r>
+              <a:rPr lang="vi-VN" sz="2400" dirty="0" smtClean="0">
+                <a:solidFill>
+                  <a:schemeClr val="tx1"/>
+                </a:solidFill>
+                <a:latin typeface="Times New Roman" panose="02020603050405020304" pitchFamily="18" charset="0"/>
+                <a:cs typeface="Times New Roman" panose="02020603050405020304" pitchFamily="18" charset="0"/>
+              </a:rPr>
+              <a:t> tra </a:t>
+            </a:r>
+            <a:r>
+              <a:rPr lang="vi-VN" sz="2400" dirty="0" err="1" smtClean="0">
+                <a:solidFill>
+                  <a:schemeClr val="tx1"/>
+                </a:solidFill>
+                <a:latin typeface="Times New Roman" panose="02020603050405020304" pitchFamily="18" charset="0"/>
+                <a:cs typeface="Times New Roman" panose="02020603050405020304" pitchFamily="18" charset="0"/>
+              </a:rPr>
+              <a:t>tính</a:t>
+            </a:r>
+            <a:r>
+              <a:rPr lang="vi-VN" sz="2400" dirty="0" smtClean="0">
+                <a:solidFill>
+                  <a:schemeClr val="tx1"/>
+                </a:solidFill>
+                <a:latin typeface="Times New Roman" panose="02020603050405020304" pitchFamily="18" charset="0"/>
+                <a:cs typeface="Times New Roman" panose="02020603050405020304" pitchFamily="18" charset="0"/>
+              </a:rPr>
+              <a:t> </a:t>
+            </a:r>
+            <a:r>
+              <a:rPr lang="vi-VN" sz="2400" dirty="0" err="1" smtClean="0">
+                <a:solidFill>
+                  <a:schemeClr val="tx1"/>
+                </a:solidFill>
+                <a:latin typeface="Times New Roman" panose="02020603050405020304" pitchFamily="18" charset="0"/>
+                <a:cs typeface="Times New Roman" panose="02020603050405020304" pitchFamily="18" charset="0"/>
+              </a:rPr>
+              <a:t>đúng</a:t>
+            </a:r>
+            <a:r>
+              <a:rPr lang="vi-VN" sz="2400" dirty="0" smtClean="0">
+                <a:solidFill>
+                  <a:schemeClr val="tx1"/>
+                </a:solidFill>
+                <a:latin typeface="Times New Roman" panose="02020603050405020304" pitchFamily="18" charset="0"/>
+                <a:cs typeface="Times New Roman" panose="02020603050405020304" pitchFamily="18" charset="0"/>
+              </a:rPr>
+              <a:t> </a:t>
+            </a:r>
+            <a:r>
+              <a:rPr lang="vi-VN" sz="2400" dirty="0" err="1" smtClean="0">
+                <a:solidFill>
+                  <a:schemeClr val="tx1"/>
+                </a:solidFill>
+                <a:latin typeface="Times New Roman" panose="02020603050405020304" pitchFamily="18" charset="0"/>
+                <a:cs typeface="Times New Roman" panose="02020603050405020304" pitchFamily="18" charset="0"/>
+              </a:rPr>
+              <a:t>đắn</a:t>
+            </a:r>
+            <a:r>
+              <a:rPr lang="vi-VN" sz="2400" dirty="0" smtClean="0">
+                <a:solidFill>
+                  <a:schemeClr val="tx1"/>
+                </a:solidFill>
+                <a:latin typeface="Times New Roman" panose="02020603050405020304" pitchFamily="18" charset="0"/>
+                <a:cs typeface="Times New Roman" panose="02020603050405020304" pitchFamily="18" charset="0"/>
+              </a:rPr>
+              <a:t> </a:t>
+            </a:r>
+            <a:r>
+              <a:rPr lang="vi-VN" sz="2400" dirty="0" err="1" smtClean="0">
+                <a:solidFill>
+                  <a:schemeClr val="tx1"/>
+                </a:solidFill>
+                <a:latin typeface="Times New Roman" panose="02020603050405020304" pitchFamily="18" charset="0"/>
+                <a:cs typeface="Times New Roman" panose="02020603050405020304" pitchFamily="18" charset="0"/>
+              </a:rPr>
+              <a:t>của</a:t>
+            </a:r>
+            <a:r>
+              <a:rPr lang="vi-VN" sz="2400" dirty="0" smtClean="0">
+                <a:solidFill>
+                  <a:schemeClr val="tx1"/>
+                </a:solidFill>
+                <a:latin typeface="Times New Roman" panose="02020603050405020304" pitchFamily="18" charset="0"/>
+                <a:cs typeface="Times New Roman" panose="02020603050405020304" pitchFamily="18" charset="0"/>
+              </a:rPr>
+              <a:t> </a:t>
+            </a:r>
+            <a:r>
+              <a:rPr lang="vi-VN" sz="2400" dirty="0" err="1" smtClean="0">
+                <a:solidFill>
+                  <a:schemeClr val="tx1"/>
+                </a:solidFill>
+                <a:latin typeface="Times New Roman" panose="02020603050405020304" pitchFamily="18" charset="0"/>
+                <a:cs typeface="Times New Roman" panose="02020603050405020304" pitchFamily="18" charset="0"/>
+              </a:rPr>
+              <a:t>unit</a:t>
+            </a:r>
+            <a:r>
+              <a:rPr lang="vi-VN" sz="2400" dirty="0" smtClean="0">
+                <a:solidFill>
+                  <a:schemeClr val="tx1"/>
+                </a:solidFill>
+                <a:latin typeface="Times New Roman" panose="02020603050405020304" pitchFamily="18" charset="0"/>
+                <a:cs typeface="Times New Roman" panose="02020603050405020304" pitchFamily="18" charset="0"/>
+              </a:rPr>
+              <a:t> </a:t>
+            </a:r>
+            <a:r>
+              <a:rPr lang="vi-VN" sz="2400" dirty="0" err="1" smtClean="0">
+                <a:solidFill>
+                  <a:schemeClr val="tx1"/>
+                </a:solidFill>
+                <a:latin typeface="Times New Roman" panose="02020603050405020304" pitchFamily="18" charset="0"/>
+                <a:cs typeface="Times New Roman" panose="02020603050405020304" pitchFamily="18" charset="0"/>
+              </a:rPr>
+              <a:t>test</a:t>
+            </a:r>
+            <a:endParaRPr lang="vi-VN" sz="2400" dirty="0">
+              <a:solidFill>
+                <a:schemeClr val="tx1"/>
+              </a:solidFill>
+              <a:latin typeface="Times New Roman" panose="02020603050405020304" pitchFamily="18" charset="0"/>
+              <a:cs typeface="Times New Roman" panose="02020603050405020304" pitchFamily="18" charset="0"/>
+            </a:endParaRPr>
+          </a:p>
+        </p:txBody>
+      </p:sp>
+      <p:pic>
+        <p:nvPicPr>
+          <p:cNvPr id="7" name="Hình ảnh 1"/>
+          <p:cNvPicPr>
+            <a:picLocks noChangeAspect="1"/>
+          </p:cNvPicPr>
+          <p:nvPr/>
+        </p:nvPicPr>
+        <p:blipFill>
+          <a:blip r:embed="rId2"/>
+          <a:stretch>
+            <a:fillRect/>
+          </a:stretch>
+        </p:blipFill>
+        <p:spPr>
+          <a:xfrm>
+            <a:off x="6858000" y="1892300"/>
+            <a:ext cx="4977992" cy="2222500"/>
+          </a:xfrm>
+          <a:prstGeom prst="rect">
+            <a:avLst/>
+          </a:prstGeom>
+        </p:spPr>
+      </p:pic>
+    </p:spTree>
+    <p:extLst>
+      <p:ext uri="{BB962C8B-B14F-4D97-AF65-F5344CB8AC3E}">
+        <p14:creationId xmlns:p14="http://schemas.microsoft.com/office/powerpoint/2010/main" val="2846996583"/>
+      </p:ext>
+    </p:extLst>
+  </p:cSld>
+  <p:clrMapOvr>
+    <a:masterClrMapping/>
+  </p:clrMapOvr>
+  <p:timing>
+    <p:tnLst>
+      <p:par>
+        <p:cTn id="1" dur="indefinite" restart="never" nodeType="tmRoot"/>
+      </p:par>
+    </p:tnLst>
+  </p:timing>
+</p:sld>
+</file>
+
+<file path=ppt/slides/slide6.xml><?xml version="1.0" encoding="utf-8"?>
 <p:sld xmlns:a="http://schemas.openxmlformats.org/drawingml/2006/main" xmlns:r="http://schemas.openxmlformats.org/officeDocument/2006/relationships" xmlns:p="http://schemas.openxmlformats.org/presentationml/2006/main">
   <p:cSld>
     <p:spTree>
@@ -6555,9 +10331,15 @@
 </p:sld>
 </file>
 
-<file path=ppt/slides/slide5.xml><?xml version="1.0" encoding="utf-8"?>
+<file path=ppt/slides/slide7.xml><?xml version="1.0" encoding="utf-8"?>
 <p:sld xmlns:a="http://schemas.openxmlformats.org/drawingml/2006/main" xmlns:r="http://schemas.openxmlformats.org/officeDocument/2006/relationships" xmlns:p="http://schemas.openxmlformats.org/presentationml/2006/main">
   <p:cSld>
+    <p:bg>
+      <p:bgPr>
+        <a:noFill/>
+        <a:effectLst/>
+      </p:bgPr>
+    </p:bg>
     <p:spTree>
       <p:nvGrpSpPr>
         <p:cNvPr id="1" name=""/>
@@ -6681,7 +10463,7 @@
         </p:nvSpPr>
         <p:spPr>
           <a:xfrm>
-            <a:off x="393700" y="1892300"/>
+            <a:off x="317500" y="1739900"/>
             <a:ext cx="5643418" cy="4559300"/>
           </a:xfrm>
           <a:prstGeom prst="rect">
@@ -6719,6 +10501,1011 @@
           <a:bodyPr rtlCol="0" anchor="t"/>
           <a:lstStyle/>
           <a:p>
+            <a:pPr>
+              <a:lnSpc>
+                <a:spcPct val="150000"/>
+              </a:lnSpc>
+            </a:pPr>
+            <a:r>
+              <a:rPr lang="en-US" sz="2000" dirty="0" smtClean="0">
+                <a:solidFill>
+                  <a:schemeClr val="tx1"/>
+                </a:solidFill>
+                <a:latin typeface="Times New Roman" panose="02020603050405020304" pitchFamily="18" charset="0"/>
+                <a:cs typeface="Times New Roman" panose="02020603050405020304" pitchFamily="18" charset="0"/>
+              </a:rPr>
+              <a:t>- </a:t>
+            </a:r>
+            <a:r>
+              <a:rPr lang="en-US" sz="2000" dirty="0" err="1" smtClean="0">
+                <a:solidFill>
+                  <a:schemeClr val="tx1"/>
+                </a:solidFill>
+                <a:latin typeface="Times New Roman" panose="02020603050405020304" pitchFamily="18" charset="0"/>
+                <a:cs typeface="Times New Roman" panose="02020603050405020304" pitchFamily="18" charset="0"/>
+              </a:rPr>
+              <a:t>beforeEach</a:t>
+            </a:r>
+            <a:r>
+              <a:rPr lang="en-US" sz="2000" dirty="0" smtClean="0">
+                <a:solidFill>
+                  <a:schemeClr val="tx1"/>
+                </a:solidFill>
+                <a:latin typeface="Times New Roman" panose="02020603050405020304" pitchFamily="18" charset="0"/>
+                <a:cs typeface="Times New Roman" panose="02020603050405020304" pitchFamily="18" charset="0"/>
+              </a:rPr>
+              <a:t>(): </a:t>
+            </a:r>
+            <a:r>
+              <a:rPr lang="en-US" altLang="en-US" sz="2000" dirty="0" err="1">
+                <a:solidFill>
+                  <a:schemeClr val="tx1"/>
+                </a:solidFill>
+                <a:latin typeface="Times New Roman" panose="02020603050405020304" pitchFamily="18" charset="0"/>
+                <a:cs typeface="Times New Roman" panose="02020603050405020304" pitchFamily="18" charset="0"/>
+              </a:rPr>
+              <a:t>Hàm</a:t>
+            </a:r>
+            <a:r>
+              <a:rPr lang="en-US" altLang="en-US" sz="2000" dirty="0">
+                <a:solidFill>
+                  <a:schemeClr val="tx1"/>
+                </a:solidFill>
+                <a:latin typeface="Times New Roman" panose="02020603050405020304" pitchFamily="18" charset="0"/>
+                <a:cs typeface="Times New Roman" panose="02020603050405020304" pitchFamily="18" charset="0"/>
+              </a:rPr>
+              <a:t> </a:t>
+            </a:r>
+            <a:r>
+              <a:rPr lang="en-US" altLang="en-US" sz="2000" dirty="0" err="1">
+                <a:solidFill>
+                  <a:schemeClr val="tx1"/>
+                </a:solidFill>
+                <a:latin typeface="Times New Roman" panose="02020603050405020304" pitchFamily="18" charset="0"/>
+                <a:cs typeface="Times New Roman" panose="02020603050405020304" pitchFamily="18" charset="0"/>
+              </a:rPr>
+              <a:t>này</a:t>
+            </a:r>
+            <a:r>
+              <a:rPr lang="en-US" altLang="en-US" sz="2000" dirty="0">
+                <a:solidFill>
+                  <a:schemeClr val="tx1"/>
+                </a:solidFill>
+                <a:latin typeface="Times New Roman" panose="02020603050405020304" pitchFamily="18" charset="0"/>
+                <a:cs typeface="Times New Roman" panose="02020603050405020304" pitchFamily="18" charset="0"/>
+              </a:rPr>
+              <a:t> </a:t>
+            </a:r>
+            <a:r>
+              <a:rPr lang="en-US" altLang="en-US" sz="2000" dirty="0" err="1">
+                <a:solidFill>
+                  <a:schemeClr val="tx1"/>
+                </a:solidFill>
+                <a:latin typeface="Times New Roman" panose="02020603050405020304" pitchFamily="18" charset="0"/>
+                <a:cs typeface="Times New Roman" panose="02020603050405020304" pitchFamily="18" charset="0"/>
+              </a:rPr>
+              <a:t>được</a:t>
+            </a:r>
+            <a:r>
+              <a:rPr lang="en-US" altLang="en-US" sz="2000" dirty="0">
+                <a:solidFill>
+                  <a:schemeClr val="tx1"/>
+                </a:solidFill>
+                <a:latin typeface="Times New Roman" panose="02020603050405020304" pitchFamily="18" charset="0"/>
+                <a:cs typeface="Times New Roman" panose="02020603050405020304" pitchFamily="18" charset="0"/>
+              </a:rPr>
+              <a:t> </a:t>
+            </a:r>
+            <a:r>
+              <a:rPr lang="en-US" altLang="en-US" sz="2000" dirty="0" err="1">
+                <a:solidFill>
+                  <a:schemeClr val="tx1"/>
+                </a:solidFill>
+                <a:latin typeface="Times New Roman" panose="02020603050405020304" pitchFamily="18" charset="0"/>
+                <a:cs typeface="Times New Roman" panose="02020603050405020304" pitchFamily="18" charset="0"/>
+              </a:rPr>
+              <a:t>chạy</a:t>
+            </a:r>
+            <a:r>
+              <a:rPr lang="en-US" altLang="en-US" sz="2000" dirty="0">
+                <a:solidFill>
+                  <a:schemeClr val="tx1"/>
+                </a:solidFill>
+                <a:latin typeface="Times New Roman" panose="02020603050405020304" pitchFamily="18" charset="0"/>
+                <a:cs typeface="Times New Roman" panose="02020603050405020304" pitchFamily="18" charset="0"/>
+              </a:rPr>
+              <a:t> NHIỀU LẦN </a:t>
+            </a:r>
+            <a:r>
+              <a:rPr lang="en-US" altLang="en-US" sz="2000" dirty="0" err="1">
+                <a:solidFill>
+                  <a:schemeClr val="tx1"/>
+                </a:solidFill>
+                <a:latin typeface="Times New Roman" panose="02020603050405020304" pitchFamily="18" charset="0"/>
+                <a:cs typeface="Times New Roman" panose="02020603050405020304" pitchFamily="18" charset="0"/>
+              </a:rPr>
+              <a:t>vào</a:t>
+            </a:r>
+            <a:r>
+              <a:rPr lang="en-US" altLang="en-US" sz="2000" dirty="0">
+                <a:solidFill>
+                  <a:schemeClr val="tx1"/>
+                </a:solidFill>
+                <a:latin typeface="Times New Roman" panose="02020603050405020304" pitchFamily="18" charset="0"/>
+                <a:cs typeface="Times New Roman" panose="02020603050405020304" pitchFamily="18" charset="0"/>
+              </a:rPr>
+              <a:t> </a:t>
+            </a:r>
+            <a:r>
+              <a:rPr lang="en-US" altLang="en-US" sz="2000" dirty="0" err="1">
+                <a:solidFill>
+                  <a:schemeClr val="tx1"/>
+                </a:solidFill>
+                <a:latin typeface="Times New Roman" panose="02020603050405020304" pitchFamily="18" charset="0"/>
+                <a:cs typeface="Times New Roman" panose="02020603050405020304" pitchFamily="18" charset="0"/>
+              </a:rPr>
+              <a:t>đầu</a:t>
+            </a:r>
+            <a:r>
+              <a:rPr lang="en-US" altLang="en-US" sz="2000" dirty="0">
+                <a:solidFill>
+                  <a:schemeClr val="tx1"/>
+                </a:solidFill>
+                <a:latin typeface="Times New Roman" panose="02020603050405020304" pitchFamily="18" charset="0"/>
+                <a:cs typeface="Times New Roman" panose="02020603050405020304" pitchFamily="18" charset="0"/>
+              </a:rPr>
+              <a:t> </a:t>
+            </a:r>
+            <a:r>
+              <a:rPr lang="en-US" altLang="en-US" sz="2000" dirty="0" err="1">
+                <a:solidFill>
+                  <a:schemeClr val="tx1"/>
+                </a:solidFill>
+                <a:latin typeface="Times New Roman" panose="02020603050405020304" pitchFamily="18" charset="0"/>
+                <a:cs typeface="Times New Roman" panose="02020603050405020304" pitchFamily="18" charset="0"/>
+              </a:rPr>
+              <a:t>mỗi</a:t>
+            </a:r>
+            <a:r>
+              <a:rPr lang="en-US" altLang="en-US" sz="2000" dirty="0">
+                <a:solidFill>
+                  <a:schemeClr val="tx1"/>
+                </a:solidFill>
+                <a:latin typeface="Times New Roman" panose="02020603050405020304" pitchFamily="18" charset="0"/>
+                <a:cs typeface="Times New Roman" panose="02020603050405020304" pitchFamily="18" charset="0"/>
+              </a:rPr>
+              <a:t> test case</a:t>
+            </a:r>
+            <a:endParaRPr lang="en-US" sz="2000" dirty="0">
+              <a:solidFill>
+                <a:schemeClr val="tx1"/>
+              </a:solidFill>
+              <a:latin typeface="Times New Roman" panose="02020603050405020304" pitchFamily="18" charset="0"/>
+              <a:cs typeface="Times New Roman" panose="02020603050405020304" pitchFamily="18" charset="0"/>
+            </a:endParaRPr>
+          </a:p>
+          <a:p>
+            <a:pPr>
+              <a:lnSpc>
+                <a:spcPct val="150000"/>
+              </a:lnSpc>
+            </a:pPr>
+            <a:r>
+              <a:rPr lang="en-US" sz="2000" dirty="0" smtClean="0">
+                <a:solidFill>
+                  <a:schemeClr val="tx1"/>
+                </a:solidFill>
+                <a:latin typeface="Times New Roman" panose="02020603050405020304" pitchFamily="18" charset="0"/>
+                <a:cs typeface="Times New Roman" panose="02020603050405020304" pitchFamily="18" charset="0"/>
+              </a:rPr>
+              <a:t>- </a:t>
+            </a:r>
+            <a:r>
+              <a:rPr lang="en-US" sz="2000" dirty="0" err="1" smtClean="0">
+                <a:solidFill>
+                  <a:schemeClr val="tx1"/>
+                </a:solidFill>
+                <a:latin typeface="Times New Roman" panose="02020603050405020304" pitchFamily="18" charset="0"/>
+                <a:cs typeface="Times New Roman" panose="02020603050405020304" pitchFamily="18" charset="0"/>
+              </a:rPr>
+              <a:t>afterEach</a:t>
+            </a:r>
+            <a:r>
+              <a:rPr lang="en-US" sz="2000" dirty="0" smtClean="0">
+                <a:solidFill>
+                  <a:schemeClr val="tx1"/>
+                </a:solidFill>
+                <a:latin typeface="Times New Roman" panose="02020603050405020304" pitchFamily="18" charset="0"/>
+                <a:cs typeface="Times New Roman" panose="02020603050405020304" pitchFamily="18" charset="0"/>
+              </a:rPr>
+              <a:t>(): </a:t>
+            </a:r>
+            <a:r>
+              <a:rPr lang="en-US" altLang="en-US" sz="2000" dirty="0" err="1" smtClean="0">
+                <a:solidFill>
+                  <a:schemeClr val="tx1"/>
+                </a:solidFill>
+                <a:latin typeface="Times New Roman" panose="02020603050405020304" pitchFamily="18" charset="0"/>
+                <a:cs typeface="Times New Roman" panose="02020603050405020304" pitchFamily="18" charset="0"/>
+              </a:rPr>
+              <a:t>Hàm</a:t>
+            </a:r>
+            <a:r>
+              <a:rPr lang="en-US" altLang="en-US" sz="2000" dirty="0" smtClean="0">
+                <a:solidFill>
+                  <a:schemeClr val="tx1"/>
+                </a:solidFill>
+                <a:latin typeface="Times New Roman" panose="02020603050405020304" pitchFamily="18" charset="0"/>
+                <a:cs typeface="Times New Roman" panose="02020603050405020304" pitchFamily="18" charset="0"/>
+              </a:rPr>
+              <a:t> </a:t>
+            </a:r>
+            <a:r>
+              <a:rPr lang="en-US" altLang="en-US" sz="2000" dirty="0" err="1">
+                <a:solidFill>
+                  <a:schemeClr val="tx1"/>
+                </a:solidFill>
+                <a:latin typeface="Times New Roman" panose="02020603050405020304" pitchFamily="18" charset="0"/>
+                <a:cs typeface="Times New Roman" panose="02020603050405020304" pitchFamily="18" charset="0"/>
+              </a:rPr>
+              <a:t>này</a:t>
+            </a:r>
+            <a:r>
+              <a:rPr lang="en-US" altLang="en-US" sz="2000" dirty="0">
+                <a:solidFill>
+                  <a:schemeClr val="tx1"/>
+                </a:solidFill>
+                <a:latin typeface="Times New Roman" panose="02020603050405020304" pitchFamily="18" charset="0"/>
+                <a:cs typeface="Times New Roman" panose="02020603050405020304" pitchFamily="18" charset="0"/>
+              </a:rPr>
+              <a:t> </a:t>
+            </a:r>
+            <a:r>
+              <a:rPr lang="en-US" altLang="en-US" sz="2000" dirty="0" err="1">
+                <a:solidFill>
+                  <a:schemeClr val="tx1"/>
+                </a:solidFill>
+                <a:latin typeface="Times New Roman" panose="02020603050405020304" pitchFamily="18" charset="0"/>
+                <a:cs typeface="Times New Roman" panose="02020603050405020304" pitchFamily="18" charset="0"/>
+              </a:rPr>
+              <a:t>được</a:t>
+            </a:r>
+            <a:r>
+              <a:rPr lang="en-US" altLang="en-US" sz="2000" dirty="0">
+                <a:solidFill>
+                  <a:schemeClr val="tx1"/>
+                </a:solidFill>
+                <a:latin typeface="Times New Roman" panose="02020603050405020304" pitchFamily="18" charset="0"/>
+                <a:cs typeface="Times New Roman" panose="02020603050405020304" pitchFamily="18" charset="0"/>
+              </a:rPr>
+              <a:t> </a:t>
+            </a:r>
+            <a:r>
+              <a:rPr lang="en-US" altLang="en-US" sz="2000" dirty="0" err="1">
+                <a:solidFill>
+                  <a:schemeClr val="tx1"/>
+                </a:solidFill>
+                <a:latin typeface="Times New Roman" panose="02020603050405020304" pitchFamily="18" charset="0"/>
+                <a:cs typeface="Times New Roman" panose="02020603050405020304" pitchFamily="18" charset="0"/>
+              </a:rPr>
+              <a:t>chạy</a:t>
+            </a:r>
+            <a:r>
+              <a:rPr lang="en-US" altLang="en-US" sz="2000" dirty="0">
+                <a:solidFill>
+                  <a:schemeClr val="tx1"/>
+                </a:solidFill>
+                <a:latin typeface="Times New Roman" panose="02020603050405020304" pitchFamily="18" charset="0"/>
+                <a:cs typeface="Times New Roman" panose="02020603050405020304" pitchFamily="18" charset="0"/>
+              </a:rPr>
+              <a:t> NHIỀU LẦN </a:t>
+            </a:r>
+            <a:r>
+              <a:rPr lang="en-US" altLang="en-US" sz="2000" dirty="0" err="1">
+                <a:solidFill>
+                  <a:schemeClr val="tx1"/>
+                </a:solidFill>
+                <a:latin typeface="Times New Roman" panose="02020603050405020304" pitchFamily="18" charset="0"/>
+                <a:cs typeface="Times New Roman" panose="02020603050405020304" pitchFamily="18" charset="0"/>
+              </a:rPr>
+              <a:t>vào</a:t>
+            </a:r>
+            <a:r>
+              <a:rPr lang="en-US" altLang="en-US" sz="2000" dirty="0">
+                <a:solidFill>
+                  <a:schemeClr val="tx1"/>
+                </a:solidFill>
+                <a:latin typeface="Times New Roman" panose="02020603050405020304" pitchFamily="18" charset="0"/>
+                <a:cs typeface="Times New Roman" panose="02020603050405020304" pitchFamily="18" charset="0"/>
+              </a:rPr>
+              <a:t> </a:t>
+            </a:r>
+            <a:r>
+              <a:rPr lang="en-US" altLang="en-US" sz="2000" dirty="0" err="1">
+                <a:solidFill>
+                  <a:schemeClr val="tx1"/>
+                </a:solidFill>
+                <a:latin typeface="Times New Roman" panose="02020603050405020304" pitchFamily="18" charset="0"/>
+                <a:cs typeface="Times New Roman" panose="02020603050405020304" pitchFamily="18" charset="0"/>
+              </a:rPr>
+              <a:t>cuối</a:t>
+            </a:r>
+            <a:r>
+              <a:rPr lang="en-US" altLang="en-US" sz="2000" dirty="0">
+                <a:solidFill>
+                  <a:schemeClr val="tx1"/>
+                </a:solidFill>
+                <a:latin typeface="Times New Roman" panose="02020603050405020304" pitchFamily="18" charset="0"/>
+                <a:cs typeface="Times New Roman" panose="02020603050405020304" pitchFamily="18" charset="0"/>
+              </a:rPr>
+              <a:t> </a:t>
+            </a:r>
+            <a:r>
+              <a:rPr lang="en-US" altLang="en-US" sz="2000" dirty="0" err="1">
+                <a:solidFill>
+                  <a:schemeClr val="tx1"/>
+                </a:solidFill>
+                <a:latin typeface="Times New Roman" panose="02020603050405020304" pitchFamily="18" charset="0"/>
+                <a:cs typeface="Times New Roman" panose="02020603050405020304" pitchFamily="18" charset="0"/>
+              </a:rPr>
+              <a:t>mỗi</a:t>
+            </a:r>
+            <a:r>
+              <a:rPr lang="en-US" altLang="en-US" sz="2000" dirty="0">
+                <a:solidFill>
+                  <a:schemeClr val="tx1"/>
+                </a:solidFill>
+                <a:latin typeface="Times New Roman" panose="02020603050405020304" pitchFamily="18" charset="0"/>
+                <a:cs typeface="Times New Roman" panose="02020603050405020304" pitchFamily="18" charset="0"/>
+              </a:rPr>
+              <a:t> test case</a:t>
+            </a:r>
+          </a:p>
+          <a:p>
+            <a:pPr lvl="0" eaLnBrk="0" fontAlgn="base" hangingPunct="0">
+              <a:spcBef>
+                <a:spcPct val="0"/>
+              </a:spcBef>
+              <a:spcAft>
+                <a:spcPct val="0"/>
+              </a:spcAft>
+            </a:pPr>
+            <a:r>
+              <a:rPr lang="en-US" altLang="en-US" sz="2000" dirty="0">
+                <a:solidFill>
+                  <a:schemeClr val="tx1"/>
+                </a:solidFill>
+                <a:latin typeface="Times New Roman" panose="02020603050405020304" pitchFamily="18" charset="0"/>
+                <a:cs typeface="Times New Roman" panose="02020603050405020304" pitchFamily="18" charset="0"/>
+              </a:rPr>
+              <a:t> </a:t>
+            </a:r>
+          </a:p>
+          <a:p>
+            <a:pPr lvl="0" eaLnBrk="0" fontAlgn="base" hangingPunct="0">
+              <a:spcBef>
+                <a:spcPct val="0"/>
+              </a:spcBef>
+              <a:spcAft>
+                <a:spcPct val="0"/>
+              </a:spcAft>
+            </a:pPr>
+            <a:r>
+              <a:rPr lang="en-US" altLang="en-US" sz="2000" dirty="0">
+                <a:solidFill>
+                  <a:schemeClr val="tx1"/>
+                </a:solidFill>
+                <a:latin typeface="Times New Roman" panose="02020603050405020304" pitchFamily="18" charset="0"/>
+                <a:cs typeface="Times New Roman" panose="02020603050405020304" pitchFamily="18" charset="0"/>
+              </a:rPr>
+              <a:t> </a:t>
+            </a:r>
+            <a:r>
+              <a:rPr lang="en-US" altLang="en-US" sz="2000" dirty="0" smtClean="0">
+                <a:solidFill>
+                  <a:schemeClr val="tx1"/>
+                </a:solidFill>
+                <a:latin typeface="Times New Roman" panose="02020603050405020304" pitchFamily="18" charset="0"/>
+                <a:cs typeface="Times New Roman" panose="02020603050405020304" pitchFamily="18" charset="0"/>
+              </a:rPr>
+              <a:t>- </a:t>
+            </a:r>
+            <a:r>
+              <a:rPr lang="en-US" altLang="en-US" sz="2000" dirty="0" err="1" smtClean="0">
+                <a:solidFill>
+                  <a:schemeClr val="tx1"/>
+                </a:solidFill>
+                <a:latin typeface="Times New Roman" panose="02020603050405020304" pitchFamily="18" charset="0"/>
+                <a:cs typeface="Times New Roman" panose="02020603050405020304" pitchFamily="18" charset="0"/>
+              </a:rPr>
+              <a:t>beforeAll</a:t>
+            </a:r>
+            <a:r>
+              <a:rPr lang="en-US" altLang="en-US" sz="2000" dirty="0" smtClean="0">
+                <a:solidFill>
+                  <a:schemeClr val="tx1"/>
+                </a:solidFill>
+                <a:latin typeface="Times New Roman" panose="02020603050405020304" pitchFamily="18" charset="0"/>
+                <a:cs typeface="Times New Roman" panose="02020603050405020304" pitchFamily="18" charset="0"/>
+              </a:rPr>
+              <a:t>(): </a:t>
+            </a:r>
+            <a:r>
+              <a:rPr lang="en-US" altLang="en-US" sz="2000" dirty="0" err="1" smtClean="0">
+                <a:solidFill>
+                  <a:schemeClr val="tx1"/>
+                </a:solidFill>
+                <a:latin typeface="Times New Roman" panose="02020603050405020304" pitchFamily="18" charset="0"/>
+                <a:cs typeface="Times New Roman" panose="02020603050405020304" pitchFamily="18" charset="0"/>
+              </a:rPr>
+              <a:t>Hàm</a:t>
+            </a:r>
+            <a:r>
+              <a:rPr lang="en-US" altLang="en-US" sz="2000" dirty="0" smtClean="0">
+                <a:solidFill>
+                  <a:schemeClr val="tx1"/>
+                </a:solidFill>
+                <a:latin typeface="Times New Roman" panose="02020603050405020304" pitchFamily="18" charset="0"/>
+                <a:cs typeface="Times New Roman" panose="02020603050405020304" pitchFamily="18" charset="0"/>
+              </a:rPr>
+              <a:t> </a:t>
+            </a:r>
+            <a:r>
+              <a:rPr lang="en-US" altLang="en-US" sz="2000" dirty="0" err="1">
+                <a:solidFill>
+                  <a:schemeClr val="tx1"/>
+                </a:solidFill>
+                <a:latin typeface="Times New Roman" panose="02020603050405020304" pitchFamily="18" charset="0"/>
+                <a:cs typeface="Times New Roman" panose="02020603050405020304" pitchFamily="18" charset="0"/>
+              </a:rPr>
+              <a:t>này</a:t>
+            </a:r>
+            <a:r>
+              <a:rPr lang="en-US" altLang="en-US" sz="2000" dirty="0">
+                <a:solidFill>
+                  <a:schemeClr val="tx1"/>
+                </a:solidFill>
+                <a:latin typeface="Times New Roman" panose="02020603050405020304" pitchFamily="18" charset="0"/>
+                <a:cs typeface="Times New Roman" panose="02020603050405020304" pitchFamily="18" charset="0"/>
+              </a:rPr>
+              <a:t> </a:t>
+            </a:r>
+            <a:r>
+              <a:rPr lang="en-US" altLang="en-US" sz="2000" dirty="0" err="1">
+                <a:solidFill>
+                  <a:schemeClr val="tx1"/>
+                </a:solidFill>
+                <a:latin typeface="Times New Roman" panose="02020603050405020304" pitchFamily="18" charset="0"/>
+                <a:cs typeface="Times New Roman" panose="02020603050405020304" pitchFamily="18" charset="0"/>
+              </a:rPr>
+              <a:t>được</a:t>
+            </a:r>
+            <a:r>
+              <a:rPr lang="en-US" altLang="en-US" sz="2000" dirty="0">
+                <a:solidFill>
+                  <a:schemeClr val="tx1"/>
+                </a:solidFill>
+                <a:latin typeface="Times New Roman" panose="02020603050405020304" pitchFamily="18" charset="0"/>
+                <a:cs typeface="Times New Roman" panose="02020603050405020304" pitchFamily="18" charset="0"/>
+              </a:rPr>
+              <a:t> </a:t>
+            </a:r>
+            <a:r>
+              <a:rPr lang="en-US" altLang="en-US" sz="2000" dirty="0" err="1">
+                <a:solidFill>
+                  <a:schemeClr val="tx1"/>
+                </a:solidFill>
+                <a:latin typeface="Times New Roman" panose="02020603050405020304" pitchFamily="18" charset="0"/>
+                <a:cs typeface="Times New Roman" panose="02020603050405020304" pitchFamily="18" charset="0"/>
+              </a:rPr>
+              <a:t>chạy</a:t>
+            </a:r>
+            <a:r>
+              <a:rPr lang="en-US" altLang="en-US" sz="2000" dirty="0">
+                <a:solidFill>
+                  <a:schemeClr val="tx1"/>
+                </a:solidFill>
+                <a:latin typeface="Times New Roman" panose="02020603050405020304" pitchFamily="18" charset="0"/>
+                <a:cs typeface="Times New Roman" panose="02020603050405020304" pitchFamily="18" charset="0"/>
+              </a:rPr>
+              <a:t> MỘT LẦN </a:t>
+            </a:r>
+            <a:r>
+              <a:rPr lang="en-US" altLang="en-US" sz="2000" dirty="0" err="1">
+                <a:solidFill>
+                  <a:schemeClr val="tx1"/>
+                </a:solidFill>
+                <a:latin typeface="Times New Roman" panose="02020603050405020304" pitchFamily="18" charset="0"/>
+                <a:cs typeface="Times New Roman" panose="02020603050405020304" pitchFamily="18" charset="0"/>
+              </a:rPr>
+              <a:t>duy</a:t>
+            </a:r>
+            <a:r>
+              <a:rPr lang="en-US" altLang="en-US" sz="2000" dirty="0">
+                <a:solidFill>
+                  <a:schemeClr val="tx1"/>
+                </a:solidFill>
+                <a:latin typeface="Times New Roman" panose="02020603050405020304" pitchFamily="18" charset="0"/>
+                <a:cs typeface="Times New Roman" panose="02020603050405020304" pitchFamily="18" charset="0"/>
+              </a:rPr>
+              <a:t> </a:t>
+            </a:r>
+            <a:r>
+              <a:rPr lang="en-US" altLang="en-US" sz="2000" dirty="0" err="1">
+                <a:solidFill>
+                  <a:schemeClr val="tx1"/>
+                </a:solidFill>
+                <a:latin typeface="Times New Roman" panose="02020603050405020304" pitchFamily="18" charset="0"/>
+                <a:cs typeface="Times New Roman" panose="02020603050405020304" pitchFamily="18" charset="0"/>
+              </a:rPr>
+              <a:t>nhất</a:t>
+            </a:r>
+            <a:r>
+              <a:rPr lang="en-US" altLang="en-US" sz="2000" dirty="0">
+                <a:solidFill>
+                  <a:schemeClr val="tx1"/>
+                </a:solidFill>
+                <a:latin typeface="Times New Roman" panose="02020603050405020304" pitchFamily="18" charset="0"/>
+                <a:cs typeface="Times New Roman" panose="02020603050405020304" pitchFamily="18" charset="0"/>
+              </a:rPr>
+              <a:t> </a:t>
+            </a:r>
+            <a:r>
+              <a:rPr lang="en-US" altLang="en-US" sz="2000" dirty="0" err="1">
+                <a:solidFill>
+                  <a:schemeClr val="tx1"/>
+                </a:solidFill>
+                <a:latin typeface="Times New Roman" panose="02020603050405020304" pitchFamily="18" charset="0"/>
+                <a:cs typeface="Times New Roman" panose="02020603050405020304" pitchFamily="18" charset="0"/>
+              </a:rPr>
+              <a:t>trước</a:t>
+            </a:r>
+            <a:r>
+              <a:rPr lang="en-US" altLang="en-US" sz="2000" dirty="0">
+                <a:solidFill>
+                  <a:schemeClr val="tx1"/>
+                </a:solidFill>
+                <a:latin typeface="Times New Roman" panose="02020603050405020304" pitchFamily="18" charset="0"/>
+                <a:cs typeface="Times New Roman" panose="02020603050405020304" pitchFamily="18" charset="0"/>
+              </a:rPr>
+              <a:t> </a:t>
+            </a:r>
+            <a:r>
+              <a:rPr lang="en-US" altLang="en-US" sz="2000" dirty="0" err="1">
+                <a:solidFill>
+                  <a:schemeClr val="tx1"/>
+                </a:solidFill>
+                <a:latin typeface="Times New Roman" panose="02020603050405020304" pitchFamily="18" charset="0"/>
+                <a:cs typeface="Times New Roman" panose="02020603050405020304" pitchFamily="18" charset="0"/>
+              </a:rPr>
+              <a:t>khi</a:t>
+            </a:r>
+            <a:r>
+              <a:rPr lang="en-US" altLang="en-US" sz="2000" dirty="0">
+                <a:solidFill>
+                  <a:schemeClr val="tx1"/>
+                </a:solidFill>
+                <a:latin typeface="Times New Roman" panose="02020603050405020304" pitchFamily="18" charset="0"/>
+                <a:cs typeface="Times New Roman" panose="02020603050405020304" pitchFamily="18" charset="0"/>
+              </a:rPr>
+              <a:t> </a:t>
+            </a:r>
+            <a:r>
+              <a:rPr lang="en-US" altLang="en-US" sz="2000" dirty="0" err="1" smtClean="0">
+                <a:solidFill>
+                  <a:schemeClr val="tx1"/>
+                </a:solidFill>
+                <a:latin typeface="Times New Roman" panose="02020603050405020304" pitchFamily="18" charset="0"/>
+                <a:cs typeface="Times New Roman" panose="02020603050405020304" pitchFamily="18" charset="0"/>
+              </a:rPr>
+              <a:t>chạy</a:t>
+            </a:r>
+            <a:r>
+              <a:rPr lang="en-US" altLang="en-US" sz="2000" dirty="0" smtClean="0">
+                <a:solidFill>
+                  <a:schemeClr val="tx1"/>
+                </a:solidFill>
+                <a:latin typeface="Times New Roman" panose="02020603050405020304" pitchFamily="18" charset="0"/>
+                <a:cs typeface="Times New Roman" panose="02020603050405020304" pitchFamily="18" charset="0"/>
+              </a:rPr>
+              <a:t> </a:t>
+            </a:r>
+            <a:r>
+              <a:rPr lang="en-US" altLang="en-US" sz="2000" dirty="0" err="1" smtClean="0">
+                <a:solidFill>
+                  <a:schemeClr val="tx1"/>
+                </a:solidFill>
+                <a:latin typeface="Times New Roman" panose="02020603050405020304" pitchFamily="18" charset="0"/>
+                <a:cs typeface="Times New Roman" panose="02020603050405020304" pitchFamily="18" charset="0"/>
+              </a:rPr>
+              <a:t>các</a:t>
+            </a:r>
+            <a:r>
+              <a:rPr lang="en-US" altLang="en-US" sz="2000" dirty="0" smtClean="0">
+                <a:solidFill>
+                  <a:schemeClr val="tx1"/>
+                </a:solidFill>
+                <a:latin typeface="Times New Roman" panose="02020603050405020304" pitchFamily="18" charset="0"/>
+                <a:cs typeface="Times New Roman" panose="02020603050405020304" pitchFamily="18" charset="0"/>
+              </a:rPr>
+              <a:t> </a:t>
+            </a:r>
+            <a:r>
+              <a:rPr lang="en-US" altLang="en-US" sz="2000" dirty="0">
+                <a:solidFill>
+                  <a:schemeClr val="tx1"/>
+                </a:solidFill>
+                <a:latin typeface="Times New Roman" panose="02020603050405020304" pitchFamily="18" charset="0"/>
+                <a:cs typeface="Times New Roman" panose="02020603050405020304" pitchFamily="18" charset="0"/>
+              </a:rPr>
+              <a:t>test case </a:t>
+            </a:r>
+            <a:r>
+              <a:rPr lang="en-US" altLang="en-US" sz="2000" dirty="0" err="1">
+                <a:solidFill>
+                  <a:schemeClr val="tx1"/>
+                </a:solidFill>
+                <a:latin typeface="Times New Roman" panose="02020603050405020304" pitchFamily="18" charset="0"/>
+                <a:cs typeface="Times New Roman" panose="02020603050405020304" pitchFamily="18" charset="0"/>
+              </a:rPr>
+              <a:t>trong</a:t>
+            </a:r>
+            <a:r>
+              <a:rPr lang="en-US" altLang="en-US" sz="2000" dirty="0">
+                <a:solidFill>
+                  <a:schemeClr val="tx1"/>
+                </a:solidFill>
+                <a:latin typeface="Times New Roman" panose="02020603050405020304" pitchFamily="18" charset="0"/>
+                <a:cs typeface="Times New Roman" panose="02020603050405020304" pitchFamily="18" charset="0"/>
+              </a:rPr>
+              <a:t> describe </a:t>
+            </a:r>
+            <a:r>
+              <a:rPr lang="en-US" altLang="en-US" sz="2000" dirty="0" err="1" smtClean="0">
+                <a:solidFill>
+                  <a:schemeClr val="tx1"/>
+                </a:solidFill>
+                <a:latin typeface="Times New Roman" panose="02020603050405020304" pitchFamily="18" charset="0"/>
+                <a:cs typeface="Times New Roman" panose="02020603050405020304" pitchFamily="18" charset="0"/>
+              </a:rPr>
+              <a:t>này</a:t>
+            </a:r>
+            <a:endParaRPr lang="en-US" altLang="en-US" sz="2000" dirty="0">
+              <a:solidFill>
+                <a:schemeClr val="tx1"/>
+              </a:solidFill>
+              <a:latin typeface="Times New Roman" panose="02020603050405020304" pitchFamily="18" charset="0"/>
+              <a:cs typeface="Times New Roman" panose="02020603050405020304" pitchFamily="18" charset="0"/>
+            </a:endParaRPr>
+          </a:p>
+          <a:p>
+            <a:pPr lvl="0" eaLnBrk="0" fontAlgn="base" hangingPunct="0">
+              <a:spcBef>
+                <a:spcPct val="0"/>
+              </a:spcBef>
+              <a:spcAft>
+                <a:spcPct val="0"/>
+              </a:spcAft>
+            </a:pPr>
+            <a:r>
+              <a:rPr lang="en-US" altLang="en-US" sz="2000" dirty="0">
+                <a:solidFill>
+                  <a:schemeClr val="tx1"/>
+                </a:solidFill>
+                <a:latin typeface="Times New Roman" panose="02020603050405020304" pitchFamily="18" charset="0"/>
+                <a:cs typeface="Times New Roman" panose="02020603050405020304" pitchFamily="18" charset="0"/>
+              </a:rPr>
+              <a:t> </a:t>
+            </a:r>
+          </a:p>
+          <a:p>
+            <a:pPr lvl="0" eaLnBrk="0" fontAlgn="base" hangingPunct="0">
+              <a:spcBef>
+                <a:spcPct val="0"/>
+              </a:spcBef>
+              <a:spcAft>
+                <a:spcPct val="0"/>
+              </a:spcAft>
+            </a:pPr>
+            <a:r>
+              <a:rPr lang="en-US" altLang="en-US" sz="2000" dirty="0">
+                <a:solidFill>
+                  <a:schemeClr val="tx1"/>
+                </a:solidFill>
+                <a:latin typeface="Times New Roman" panose="02020603050405020304" pitchFamily="18" charset="0"/>
+                <a:cs typeface="Times New Roman" panose="02020603050405020304" pitchFamily="18" charset="0"/>
+              </a:rPr>
+              <a:t> </a:t>
+            </a:r>
+            <a:r>
+              <a:rPr lang="en-US" altLang="en-US" sz="2000" dirty="0" smtClean="0">
+                <a:solidFill>
+                  <a:schemeClr val="tx1"/>
+                </a:solidFill>
+                <a:latin typeface="Times New Roman" panose="02020603050405020304" pitchFamily="18" charset="0"/>
+                <a:cs typeface="Times New Roman" panose="02020603050405020304" pitchFamily="18" charset="0"/>
+              </a:rPr>
+              <a:t>- </a:t>
+            </a:r>
+            <a:r>
+              <a:rPr lang="en-US" altLang="en-US" sz="2000" dirty="0" err="1" smtClean="0">
+                <a:solidFill>
+                  <a:schemeClr val="tx1"/>
+                </a:solidFill>
+                <a:latin typeface="Times New Roman" panose="02020603050405020304" pitchFamily="18" charset="0"/>
+                <a:cs typeface="Times New Roman" panose="02020603050405020304" pitchFamily="18" charset="0"/>
+              </a:rPr>
+              <a:t>afterAll</a:t>
+            </a:r>
+            <a:r>
+              <a:rPr lang="en-US" altLang="en-US" sz="2000" dirty="0" smtClean="0">
+                <a:solidFill>
+                  <a:schemeClr val="tx1"/>
+                </a:solidFill>
+                <a:latin typeface="Times New Roman" panose="02020603050405020304" pitchFamily="18" charset="0"/>
+                <a:cs typeface="Times New Roman" panose="02020603050405020304" pitchFamily="18" charset="0"/>
+              </a:rPr>
+              <a:t>(): </a:t>
+            </a:r>
+            <a:r>
+              <a:rPr lang="en-US" altLang="en-US" sz="2000" dirty="0" err="1" smtClean="0">
+                <a:solidFill>
+                  <a:schemeClr val="tx1"/>
+                </a:solidFill>
+                <a:latin typeface="Times New Roman" panose="02020603050405020304" pitchFamily="18" charset="0"/>
+                <a:cs typeface="Times New Roman" panose="02020603050405020304" pitchFamily="18" charset="0"/>
+              </a:rPr>
+              <a:t>Hàm</a:t>
+            </a:r>
+            <a:r>
+              <a:rPr lang="en-US" altLang="en-US" sz="2000" dirty="0" smtClean="0">
+                <a:solidFill>
+                  <a:schemeClr val="tx1"/>
+                </a:solidFill>
+                <a:latin typeface="Times New Roman" panose="02020603050405020304" pitchFamily="18" charset="0"/>
+                <a:cs typeface="Times New Roman" panose="02020603050405020304" pitchFamily="18" charset="0"/>
+              </a:rPr>
+              <a:t> </a:t>
+            </a:r>
+            <a:r>
+              <a:rPr lang="en-US" altLang="en-US" sz="2000" dirty="0" err="1">
+                <a:solidFill>
+                  <a:schemeClr val="tx1"/>
+                </a:solidFill>
+                <a:latin typeface="Times New Roman" panose="02020603050405020304" pitchFamily="18" charset="0"/>
+                <a:cs typeface="Times New Roman" panose="02020603050405020304" pitchFamily="18" charset="0"/>
+              </a:rPr>
+              <a:t>này</a:t>
+            </a:r>
+            <a:r>
+              <a:rPr lang="en-US" altLang="en-US" sz="2000" dirty="0">
+                <a:solidFill>
+                  <a:schemeClr val="tx1"/>
+                </a:solidFill>
+                <a:latin typeface="Times New Roman" panose="02020603050405020304" pitchFamily="18" charset="0"/>
+                <a:cs typeface="Times New Roman" panose="02020603050405020304" pitchFamily="18" charset="0"/>
+              </a:rPr>
+              <a:t> </a:t>
+            </a:r>
+            <a:r>
+              <a:rPr lang="en-US" altLang="en-US" sz="2000" dirty="0" err="1">
+                <a:solidFill>
+                  <a:schemeClr val="tx1"/>
+                </a:solidFill>
+                <a:latin typeface="Times New Roman" panose="02020603050405020304" pitchFamily="18" charset="0"/>
+                <a:cs typeface="Times New Roman" panose="02020603050405020304" pitchFamily="18" charset="0"/>
+              </a:rPr>
+              <a:t>được</a:t>
+            </a:r>
+            <a:r>
+              <a:rPr lang="en-US" altLang="en-US" sz="2000" dirty="0">
+                <a:solidFill>
+                  <a:schemeClr val="tx1"/>
+                </a:solidFill>
+                <a:latin typeface="Times New Roman" panose="02020603050405020304" pitchFamily="18" charset="0"/>
+                <a:cs typeface="Times New Roman" panose="02020603050405020304" pitchFamily="18" charset="0"/>
+              </a:rPr>
+              <a:t> </a:t>
+            </a:r>
+            <a:r>
+              <a:rPr lang="en-US" altLang="en-US" sz="2000" dirty="0" err="1">
+                <a:solidFill>
+                  <a:schemeClr val="tx1"/>
+                </a:solidFill>
+                <a:latin typeface="Times New Roman" panose="02020603050405020304" pitchFamily="18" charset="0"/>
+                <a:cs typeface="Times New Roman" panose="02020603050405020304" pitchFamily="18" charset="0"/>
+              </a:rPr>
+              <a:t>chạy</a:t>
+            </a:r>
+            <a:r>
+              <a:rPr lang="en-US" altLang="en-US" sz="2000" dirty="0">
+                <a:solidFill>
+                  <a:schemeClr val="tx1"/>
+                </a:solidFill>
+                <a:latin typeface="Times New Roman" panose="02020603050405020304" pitchFamily="18" charset="0"/>
+                <a:cs typeface="Times New Roman" panose="02020603050405020304" pitchFamily="18" charset="0"/>
+              </a:rPr>
+              <a:t> MỘT LẦN </a:t>
+            </a:r>
+            <a:r>
+              <a:rPr lang="en-US" altLang="en-US" sz="2000" dirty="0" err="1">
+                <a:solidFill>
+                  <a:schemeClr val="tx1"/>
+                </a:solidFill>
+                <a:latin typeface="Times New Roman" panose="02020603050405020304" pitchFamily="18" charset="0"/>
+                <a:cs typeface="Times New Roman" panose="02020603050405020304" pitchFamily="18" charset="0"/>
+              </a:rPr>
+              <a:t>duy</a:t>
+            </a:r>
+            <a:r>
+              <a:rPr lang="en-US" altLang="en-US" sz="2000" dirty="0">
+                <a:solidFill>
+                  <a:schemeClr val="tx1"/>
+                </a:solidFill>
+                <a:latin typeface="Times New Roman" panose="02020603050405020304" pitchFamily="18" charset="0"/>
+                <a:cs typeface="Times New Roman" panose="02020603050405020304" pitchFamily="18" charset="0"/>
+              </a:rPr>
+              <a:t> </a:t>
+            </a:r>
+            <a:r>
+              <a:rPr lang="en-US" altLang="en-US" sz="2000" dirty="0" err="1">
+                <a:solidFill>
+                  <a:schemeClr val="tx1"/>
+                </a:solidFill>
+                <a:latin typeface="Times New Roman" panose="02020603050405020304" pitchFamily="18" charset="0"/>
+                <a:cs typeface="Times New Roman" panose="02020603050405020304" pitchFamily="18" charset="0"/>
+              </a:rPr>
+              <a:t>nhất</a:t>
+            </a:r>
+            <a:r>
+              <a:rPr lang="en-US" altLang="en-US" sz="2000" dirty="0">
+                <a:solidFill>
+                  <a:schemeClr val="tx1"/>
+                </a:solidFill>
+                <a:latin typeface="Times New Roman" panose="02020603050405020304" pitchFamily="18" charset="0"/>
+                <a:cs typeface="Times New Roman" panose="02020603050405020304" pitchFamily="18" charset="0"/>
+              </a:rPr>
+              <a:t> </a:t>
+            </a:r>
+            <a:r>
+              <a:rPr lang="en-US" altLang="en-US" sz="2000" dirty="0" err="1">
+                <a:solidFill>
+                  <a:schemeClr val="tx1"/>
+                </a:solidFill>
+                <a:latin typeface="Times New Roman" panose="02020603050405020304" pitchFamily="18" charset="0"/>
+                <a:cs typeface="Times New Roman" panose="02020603050405020304" pitchFamily="18" charset="0"/>
+              </a:rPr>
+              <a:t>sau</a:t>
+            </a:r>
+            <a:r>
+              <a:rPr lang="en-US" altLang="en-US" sz="2000" dirty="0">
+                <a:solidFill>
+                  <a:schemeClr val="tx1"/>
+                </a:solidFill>
+                <a:latin typeface="Times New Roman" panose="02020603050405020304" pitchFamily="18" charset="0"/>
+                <a:cs typeface="Times New Roman" panose="02020603050405020304" pitchFamily="18" charset="0"/>
+              </a:rPr>
+              <a:t> </a:t>
+            </a:r>
+            <a:r>
+              <a:rPr lang="en-US" altLang="en-US" sz="2000" dirty="0" err="1">
+                <a:solidFill>
+                  <a:schemeClr val="tx1"/>
+                </a:solidFill>
+                <a:latin typeface="Times New Roman" panose="02020603050405020304" pitchFamily="18" charset="0"/>
+                <a:cs typeface="Times New Roman" panose="02020603050405020304" pitchFamily="18" charset="0"/>
+              </a:rPr>
+              <a:t>khi</a:t>
+            </a:r>
+            <a:r>
+              <a:rPr lang="en-US" altLang="en-US" sz="2000" dirty="0">
+                <a:solidFill>
+                  <a:schemeClr val="tx1"/>
+                </a:solidFill>
+                <a:latin typeface="Times New Roman" panose="02020603050405020304" pitchFamily="18" charset="0"/>
+                <a:cs typeface="Times New Roman" panose="02020603050405020304" pitchFamily="18" charset="0"/>
+              </a:rPr>
+              <a:t> </a:t>
+            </a:r>
+            <a:r>
+              <a:rPr lang="en-US" altLang="en-US" sz="2000" dirty="0" err="1" smtClean="0">
+                <a:solidFill>
+                  <a:schemeClr val="tx1"/>
+                </a:solidFill>
+                <a:latin typeface="Times New Roman" panose="02020603050405020304" pitchFamily="18" charset="0"/>
+                <a:cs typeface="Times New Roman" panose="02020603050405020304" pitchFamily="18" charset="0"/>
+              </a:rPr>
+              <a:t>chạy</a:t>
+            </a:r>
+            <a:r>
+              <a:rPr lang="en-US" altLang="en-US" sz="2000" dirty="0" smtClean="0">
+                <a:solidFill>
+                  <a:schemeClr val="tx1"/>
+                </a:solidFill>
+                <a:latin typeface="Times New Roman" panose="02020603050405020304" pitchFamily="18" charset="0"/>
+                <a:cs typeface="Times New Roman" panose="02020603050405020304" pitchFamily="18" charset="0"/>
+              </a:rPr>
+              <a:t> </a:t>
+            </a:r>
+            <a:r>
+              <a:rPr lang="en-US" altLang="en-US" sz="2000" dirty="0" err="1" smtClean="0">
+                <a:solidFill>
+                  <a:schemeClr val="tx1"/>
+                </a:solidFill>
+                <a:latin typeface="Times New Roman" panose="02020603050405020304" pitchFamily="18" charset="0"/>
+                <a:cs typeface="Times New Roman" panose="02020603050405020304" pitchFamily="18" charset="0"/>
+              </a:rPr>
+              <a:t>xong</a:t>
+            </a:r>
+            <a:r>
+              <a:rPr lang="en-US" altLang="en-US" sz="2000" dirty="0" smtClean="0">
+                <a:solidFill>
+                  <a:schemeClr val="tx1"/>
+                </a:solidFill>
+                <a:latin typeface="Times New Roman" panose="02020603050405020304" pitchFamily="18" charset="0"/>
+                <a:cs typeface="Times New Roman" panose="02020603050405020304" pitchFamily="18" charset="0"/>
+              </a:rPr>
+              <a:t> </a:t>
+            </a:r>
+            <a:r>
+              <a:rPr lang="en-US" altLang="en-US" sz="2000" dirty="0" err="1">
+                <a:solidFill>
+                  <a:schemeClr val="tx1"/>
+                </a:solidFill>
+                <a:latin typeface="Times New Roman" panose="02020603050405020304" pitchFamily="18" charset="0"/>
+                <a:cs typeface="Times New Roman" panose="02020603050405020304" pitchFamily="18" charset="0"/>
+              </a:rPr>
+              <a:t>các</a:t>
+            </a:r>
+            <a:r>
+              <a:rPr lang="en-US" altLang="en-US" sz="2000" dirty="0">
+                <a:solidFill>
+                  <a:schemeClr val="tx1"/>
+                </a:solidFill>
+                <a:latin typeface="Times New Roman" panose="02020603050405020304" pitchFamily="18" charset="0"/>
+                <a:cs typeface="Times New Roman" panose="02020603050405020304" pitchFamily="18" charset="0"/>
+              </a:rPr>
+              <a:t> test case </a:t>
+            </a:r>
+            <a:r>
+              <a:rPr lang="en-US" altLang="en-US" sz="2000" dirty="0" err="1">
+                <a:solidFill>
+                  <a:schemeClr val="tx1"/>
+                </a:solidFill>
+                <a:latin typeface="Times New Roman" panose="02020603050405020304" pitchFamily="18" charset="0"/>
+                <a:cs typeface="Times New Roman" panose="02020603050405020304" pitchFamily="18" charset="0"/>
+              </a:rPr>
+              <a:t>trong</a:t>
+            </a:r>
+            <a:r>
+              <a:rPr lang="en-US" altLang="en-US" sz="2000" dirty="0">
+                <a:solidFill>
+                  <a:schemeClr val="tx1"/>
+                </a:solidFill>
+                <a:latin typeface="Times New Roman" panose="02020603050405020304" pitchFamily="18" charset="0"/>
+                <a:cs typeface="Times New Roman" panose="02020603050405020304" pitchFamily="18" charset="0"/>
+              </a:rPr>
+              <a:t> describe </a:t>
+            </a:r>
+            <a:r>
+              <a:rPr lang="en-US" altLang="en-US" sz="2000" dirty="0" err="1" smtClean="0">
+                <a:solidFill>
+                  <a:schemeClr val="tx1"/>
+                </a:solidFill>
+                <a:latin typeface="Times New Roman" panose="02020603050405020304" pitchFamily="18" charset="0"/>
+                <a:cs typeface="Times New Roman" panose="02020603050405020304" pitchFamily="18" charset="0"/>
+              </a:rPr>
+              <a:t>này</a:t>
+            </a:r>
+            <a:endParaRPr lang="en-US" altLang="en-US" sz="2000" dirty="0">
+              <a:solidFill>
+                <a:schemeClr val="tx1"/>
+              </a:solidFill>
+              <a:latin typeface="Times New Roman" panose="02020603050405020304" pitchFamily="18" charset="0"/>
+              <a:cs typeface="Times New Roman" panose="02020603050405020304" pitchFamily="18" charset="0"/>
+            </a:endParaRPr>
+          </a:p>
+          <a:p>
             <a:pPr marL="342900" indent="-342900">
               <a:lnSpc>
                 <a:spcPct val="150000"/>
@@ -6726,59 +11513,13 @@
               <a:buFontTx/>
               <a:buChar char="-"/>
             </a:pPr>
-            <a:r>
-              <a:rPr lang="en-US" sz="2400" dirty="0" err="1">
-                <a:solidFill>
-                  <a:schemeClr val="tx1">
-                    <a:lumMod val="65000"/>
-                    <a:lumOff val="35000"/>
-                  </a:schemeClr>
-                </a:solidFill>
-              </a:rPr>
-              <a:t>beforeEach</a:t>
-            </a:r>
-            <a:r>
-              <a:rPr lang="en-US" sz="2400" dirty="0">
-                <a:solidFill>
-                  <a:schemeClr val="tx1">
-                    <a:lumMod val="65000"/>
-                    <a:lumOff val="35000"/>
-                  </a:schemeClr>
-                </a:solidFill>
-              </a:rPr>
-              <a:t>()</a:t>
-            </a:r>
-          </a:p>
-          <a:p>
-            <a:pPr marL="342900" indent="-342900">
-              <a:lnSpc>
-                <a:spcPct val="150000"/>
-              </a:lnSpc>
-              <a:buFontTx/>
-              <a:buChar char="-"/>
-            </a:pPr>
-            <a:r>
-              <a:rPr lang="en-US" sz="2400" dirty="0" err="1">
-                <a:solidFill>
-                  <a:schemeClr val="tx1">
-                    <a:lumMod val="65000"/>
-                    <a:lumOff val="35000"/>
-                  </a:schemeClr>
-                </a:solidFill>
-              </a:rPr>
-              <a:t>afterEach</a:t>
-            </a:r>
-            <a:r>
-              <a:rPr lang="en-US" sz="2400" dirty="0">
-                <a:solidFill>
-                  <a:schemeClr val="tx1">
-                    <a:lumMod val="65000"/>
-                    <a:lumOff val="35000"/>
-                  </a:schemeClr>
-                </a:solidFill>
-              </a:rPr>
-              <a:t>()</a:t>
-            </a:r>
+            <a:endParaRPr lang="en-US" sz="2000" dirty="0">
+              <a:solidFill>
+                <a:schemeClr val="tx1"/>
+              </a:solidFill>
+              <a:latin typeface="Times New Roman" panose="02020603050405020304" pitchFamily="18" charset="0"/>
+              <a:cs typeface="Times New Roman" panose="02020603050405020304" pitchFamily="18" charset="0"/>
+            </a:endParaRPr>
           </a:p>
         </p:txBody>
       </p:sp>
@@ -6828,10 +11569,17 @@
       </p:transition>
     </mc:Fallback>
   </mc:AlternateContent>
+  <p:timing>
+    <p:tnLst>
+      <p:par>
+        <p:cTn id="1" dur="indefinite" restart="never" nodeType="tmRoot"/>
+      </p:par>
+    </p:tnLst>
+  </p:timing>
 </p:sld>
 </file>
 
-<file path=ppt/slides/slide6.xml><?xml version="1.0" encoding="utf-8"?>
+<file path=ppt/slides/slide8.xml><?xml version="1.0" encoding="utf-8"?>
 <p:sld xmlns:a="http://schemas.openxmlformats.org/drawingml/2006/main" xmlns:r="http://schemas.openxmlformats.org/officeDocument/2006/relationships" xmlns:p="http://schemas.openxmlformats.org/presentationml/2006/main">
   <p:cSld>
     <p:spTree>
@@ -6999,237 +11747,22 @@
               <a:buFontTx/>
               <a:buChar char="-"/>
             </a:pPr>
-            <a:r>
-              <a:rPr lang="en-US" sz="2400" dirty="0" err="1">
-                <a:solidFill>
-                  <a:schemeClr val="tx1">
-                    <a:lumMod val="65000"/>
-                    <a:lumOff val="35000"/>
-                  </a:schemeClr>
-                </a:solidFill>
-              </a:rPr>
-              <a:t>Chúng</a:t>
-            </a:r>
-            <a:r>
-              <a:rPr lang="en-US" sz="2400" dirty="0">
-                <a:solidFill>
-                  <a:schemeClr val="tx1">
-                    <a:lumMod val="65000"/>
-                    <a:lumOff val="35000"/>
-                  </a:schemeClr>
-                </a:solidFill>
-              </a:rPr>
-              <a:t> ta </a:t>
-            </a:r>
-            <a:r>
-              <a:rPr lang="en-US" sz="2400" dirty="0" err="1">
-                <a:solidFill>
-                  <a:schemeClr val="tx1">
-                    <a:lumMod val="65000"/>
-                    <a:lumOff val="35000"/>
-                  </a:schemeClr>
-                </a:solidFill>
-              </a:rPr>
-              <a:t>có</a:t>
-            </a:r>
-            <a:r>
-              <a:rPr lang="en-US" sz="2400" dirty="0">
-                <a:solidFill>
-                  <a:schemeClr val="tx1">
-                    <a:lumMod val="65000"/>
-                    <a:lumOff val="35000"/>
-                  </a:schemeClr>
-                </a:solidFill>
-              </a:rPr>
-              <a:t> </a:t>
-            </a:r>
-            <a:r>
-              <a:rPr lang="en-US" sz="2400" dirty="0" err="1">
-                <a:solidFill>
-                  <a:schemeClr val="tx1">
-                    <a:lumMod val="65000"/>
-                    <a:lumOff val="35000"/>
-                  </a:schemeClr>
-                </a:solidFill>
-              </a:rPr>
-              <a:t>thể</a:t>
-            </a:r>
-            <a:r>
-              <a:rPr lang="en-US" sz="2400" dirty="0">
-                <a:solidFill>
-                  <a:schemeClr val="tx1">
-                    <a:lumMod val="65000"/>
-                    <a:lumOff val="35000"/>
-                  </a:schemeClr>
-                </a:solidFill>
-              </a:rPr>
-              <a:t> </a:t>
-            </a:r>
-            <a:r>
-              <a:rPr lang="en-US" sz="2400" dirty="0" err="1">
-                <a:solidFill>
-                  <a:schemeClr val="tx1">
-                    <a:lumMod val="65000"/>
-                    <a:lumOff val="35000"/>
-                  </a:schemeClr>
-                </a:solidFill>
-              </a:rPr>
-              <a:t>lồng</a:t>
-            </a:r>
-            <a:r>
-              <a:rPr lang="en-US" sz="2400" dirty="0">
-                <a:solidFill>
-                  <a:schemeClr val="tx1">
-                    <a:lumMod val="65000"/>
-                    <a:lumOff val="35000"/>
-                  </a:schemeClr>
-                </a:solidFill>
-              </a:rPr>
-              <a:t> </a:t>
-            </a:r>
-            <a:r>
-              <a:rPr lang="en-US" sz="2400" dirty="0" err="1">
-                <a:solidFill>
-                  <a:schemeClr val="tx1">
-                    <a:lumMod val="65000"/>
-                    <a:lumOff val="35000"/>
-                  </a:schemeClr>
-                </a:solidFill>
-              </a:rPr>
-              <a:t>các</a:t>
-            </a:r>
-            <a:r>
-              <a:rPr lang="en-US" sz="2400" dirty="0">
-                <a:solidFill>
-                  <a:schemeClr val="tx1">
-                    <a:lumMod val="65000"/>
-                    <a:lumOff val="35000"/>
-                  </a:schemeClr>
-                </a:solidFill>
-              </a:rPr>
-              <a:t> Suite </a:t>
-            </a:r>
-            <a:r>
-              <a:rPr lang="en-US" sz="2400" dirty="0" err="1">
-                <a:solidFill>
-                  <a:schemeClr val="tx1">
-                    <a:lumMod val="65000"/>
-                    <a:lumOff val="35000"/>
-                  </a:schemeClr>
-                </a:solidFill>
-              </a:rPr>
-              <a:t>có</a:t>
-            </a:r>
-            <a:r>
-              <a:rPr lang="en-US" sz="2400" dirty="0">
-                <a:solidFill>
-                  <a:schemeClr val="tx1">
-                    <a:lumMod val="65000"/>
-                    <a:lumOff val="35000"/>
-                  </a:schemeClr>
-                </a:solidFill>
-              </a:rPr>
-              <a:t> </a:t>
-            </a:r>
-            <a:r>
-              <a:rPr lang="en-US" sz="2400" dirty="0" err="1">
-                <a:solidFill>
-                  <a:schemeClr val="tx1">
-                    <a:lumMod val="65000"/>
-                    <a:lumOff val="35000"/>
-                  </a:schemeClr>
-                </a:solidFill>
-              </a:rPr>
-              <a:t>các</a:t>
-            </a:r>
-            <a:r>
-              <a:rPr lang="en-US" sz="2400" dirty="0">
-                <a:solidFill>
-                  <a:schemeClr val="tx1">
-                    <a:lumMod val="65000"/>
-                    <a:lumOff val="35000"/>
-                  </a:schemeClr>
-                </a:solidFill>
-              </a:rPr>
-              <a:t> spec </a:t>
-            </a:r>
-            <a:r>
-              <a:rPr lang="en-US" sz="2400" dirty="0" err="1">
-                <a:solidFill>
-                  <a:schemeClr val="tx1">
-                    <a:lumMod val="65000"/>
-                    <a:lumOff val="35000"/>
-                  </a:schemeClr>
-                </a:solidFill>
-              </a:rPr>
-              <a:t>liên</a:t>
-            </a:r>
-            <a:r>
-              <a:rPr lang="en-US" sz="2400" dirty="0">
-                <a:solidFill>
-                  <a:schemeClr val="tx1">
-                    <a:lumMod val="65000"/>
-                    <a:lumOff val="35000"/>
-                  </a:schemeClr>
-                </a:solidFill>
-              </a:rPr>
-              <a:t> </a:t>
-            </a:r>
-            <a:r>
-              <a:rPr lang="en-US" sz="2400" dirty="0" err="1">
-                <a:solidFill>
-                  <a:schemeClr val="tx1">
-                    <a:lumMod val="65000"/>
-                    <a:lumOff val="35000"/>
-                  </a:schemeClr>
-                </a:solidFill>
-              </a:rPr>
-              <a:t>quan</a:t>
-            </a:r>
-            <a:r>
-              <a:rPr lang="en-US" sz="2400" dirty="0">
-                <a:solidFill>
-                  <a:schemeClr val="tx1">
-                    <a:lumMod val="65000"/>
-                    <a:lumOff val="35000"/>
-                  </a:schemeClr>
-                </a:solidFill>
-              </a:rPr>
-              <a:t> </a:t>
-            </a:r>
-            <a:r>
-              <a:rPr lang="en-US" sz="2400" dirty="0" err="1">
-                <a:solidFill>
-                  <a:schemeClr val="tx1">
-                    <a:lumMod val="65000"/>
-                    <a:lumOff val="35000"/>
-                  </a:schemeClr>
-                </a:solidFill>
-              </a:rPr>
-              <a:t>tới</a:t>
-            </a:r>
-            <a:r>
-              <a:rPr lang="en-US" sz="2400" dirty="0">
-                <a:solidFill>
-                  <a:schemeClr val="tx1">
-                    <a:lumMod val="65000"/>
-                    <a:lumOff val="35000"/>
-                  </a:schemeClr>
-                </a:solidFill>
-              </a:rPr>
-              <a:t> </a:t>
-            </a:r>
-            <a:r>
-              <a:rPr lang="en-US" sz="2400" dirty="0" err="1">
-                <a:solidFill>
-                  <a:schemeClr val="tx1">
-                    <a:lumMod val="65000"/>
-                    <a:lumOff val="35000"/>
-                  </a:schemeClr>
-                </a:solidFill>
-              </a:rPr>
-              <a:t>nhau</a:t>
-            </a:r>
+            <a:endParaRPr lang="en-US" sz="2400" dirty="0" smtClean="0">
+              <a:solidFill>
+                <a:schemeClr val="tx1">
+                  <a:lumMod val="65000"/>
+                  <a:lumOff val="35000"/>
+                </a:schemeClr>
+              </a:solidFill>
+              <a:latin typeface="Times New Roman" panose="02020603050405020304" pitchFamily="18" charset="0"/>
+              <a:cs typeface="Times New Roman" panose="02020603050405020304" pitchFamily="18" charset="0"/>
+            </a:endParaRPr>
+          </a:p>
+          <a:p>
+            <a:pPr marL="342900" indent="-342900">
+              <a:buFontTx/>
+              <a:buChar char="-"/>
+            </a:pPr>
             <a:endParaRPr lang="en-US" sz="2400" dirty="0">
               <a:solidFill>
                 <a:schemeClr val="tx1">
@@ -7237,9 +11770,31 @@
                   <a:lumOff val="35000"/>
                 </a:schemeClr>
               </a:solidFill>
+              <a:latin typeface="Times New Roman" panose="02020603050405020304" pitchFamily="18" charset="0"/>
+              <a:cs typeface="Times New Roman" panose="02020603050405020304" pitchFamily="18" charset="0"/>
             </a:endParaRPr>
           </a:p>
           <a:p>
+            <a:pPr marL="342900" indent="-342900">
+              <a:buFontTx/>
+              <a:buChar char="-"/>
+            </a:pPr>
+            <a:endParaRPr lang="en-US" sz="2400" dirty="0" smtClean="0">
+              <a:solidFill>
+                <a:schemeClr val="tx1">
+                  <a:lumMod val="65000"/>
+                  <a:lumOff val="35000"/>
+                </a:schemeClr>
+              </a:solidFill>
+              <a:latin typeface="Times New Roman" panose="02020603050405020304" pitchFamily="18" charset="0"/>
+              <a:cs typeface="Times New Roman" panose="02020603050405020304" pitchFamily="18" charset="0"/>
+            </a:endParaRPr>
+          </a:p>
+          <a:p>
+            <a:pPr marL="342900" indent="-342900">
+              <a:buFontTx/>
+              <a:buChar char="-"/>
+            </a:pPr>
             <a:endParaRPr lang="en-US" sz="2400" dirty="0">
               <a:solidFill>
                 <a:schemeClr val="tx1">
@@ -7247,6 +11802,338 @@
                   <a:lumOff val="35000"/>
                 </a:schemeClr>
               </a:solidFill>
+              <a:latin typeface="Times New Roman" panose="02020603050405020304" pitchFamily="18" charset="0"/>
+              <a:cs typeface="Times New Roman" panose="02020603050405020304" pitchFamily="18" charset="0"/>
+            </a:endParaRPr>
+          </a:p>
+          <a:p>
+            <a:pPr marL="342900" indent="-342900">
+              <a:buFontTx/>
+              <a:buChar char="-"/>
+            </a:pPr>
+            <a:endParaRPr lang="en-US" sz="2400" dirty="0" smtClean="0">
+              <a:solidFill>
+                <a:schemeClr val="tx1">
+                  <a:lumMod val="65000"/>
+                  <a:lumOff val="35000"/>
+                </a:schemeClr>
+              </a:solidFill>
+              <a:latin typeface="Times New Roman" panose="02020603050405020304" pitchFamily="18" charset="0"/>
+              <a:cs typeface="Times New Roman" panose="02020603050405020304" pitchFamily="18" charset="0"/>
+            </a:endParaRPr>
+          </a:p>
+          <a:p>
+            <a:pPr marL="342900" indent="-342900">
+              <a:buFontTx/>
+              <a:buChar char="-"/>
+            </a:pPr>
+            <a:r>
+              <a:rPr lang="en-US" sz="2400" dirty="0" err="1" smtClean="0">
+                <a:solidFill>
+                  <a:schemeClr val="tx1">
+                    <a:lumMod val="65000"/>
+                    <a:lumOff val="35000"/>
+                  </a:schemeClr>
+                </a:solidFill>
+                <a:latin typeface="Times New Roman" panose="02020603050405020304" pitchFamily="18" charset="0"/>
+                <a:cs typeface="Times New Roman" panose="02020603050405020304" pitchFamily="18" charset="0"/>
+              </a:rPr>
+              <a:t>Chúng</a:t>
+            </a:r>
+            <a:r>
+              <a:rPr lang="en-US" sz="2400" dirty="0" smtClean="0">
+                <a:solidFill>
+                  <a:schemeClr val="tx1">
+                    <a:lumMod val="65000"/>
+                    <a:lumOff val="35000"/>
+                  </a:schemeClr>
+                </a:solidFill>
+                <a:latin typeface="Times New Roman" panose="02020603050405020304" pitchFamily="18" charset="0"/>
+                <a:cs typeface="Times New Roman" panose="02020603050405020304" pitchFamily="18" charset="0"/>
+              </a:rPr>
+              <a:t> </a:t>
+            </a:r>
+            <a:r>
+              <a:rPr lang="en-US" sz="2400" dirty="0">
+                <a:solidFill>
+                  <a:schemeClr val="tx1">
+                    <a:lumMod val="65000"/>
+                    <a:lumOff val="35000"/>
+                  </a:schemeClr>
+                </a:solidFill>
+                <a:latin typeface="Times New Roman" panose="02020603050405020304" pitchFamily="18" charset="0"/>
+                <a:cs typeface="Times New Roman" panose="02020603050405020304" pitchFamily="18" charset="0"/>
+              </a:rPr>
+              <a:t>ta </a:t>
+            </a:r>
+            <a:r>
+              <a:rPr lang="en-US" sz="2400" dirty="0" err="1">
+                <a:solidFill>
+                  <a:schemeClr val="tx1">
+                    <a:lumMod val="65000"/>
+                    <a:lumOff val="35000"/>
+                  </a:schemeClr>
+                </a:solidFill>
+                <a:latin typeface="Times New Roman" panose="02020603050405020304" pitchFamily="18" charset="0"/>
+                <a:cs typeface="Times New Roman" panose="02020603050405020304" pitchFamily="18" charset="0"/>
+              </a:rPr>
+              <a:t>có</a:t>
+            </a:r>
+            <a:r>
+              <a:rPr lang="en-US" sz="2400" dirty="0">
+                <a:solidFill>
+                  <a:schemeClr val="tx1">
+                    <a:lumMod val="65000"/>
+                    <a:lumOff val="35000"/>
+                  </a:schemeClr>
+                </a:solidFill>
+                <a:latin typeface="Times New Roman" panose="02020603050405020304" pitchFamily="18" charset="0"/>
+                <a:cs typeface="Times New Roman" panose="02020603050405020304" pitchFamily="18" charset="0"/>
+              </a:rPr>
+              <a:t> </a:t>
+            </a:r>
+            <a:r>
+              <a:rPr lang="en-US" sz="2400" dirty="0" err="1">
+                <a:solidFill>
+                  <a:schemeClr val="tx1">
+                    <a:lumMod val="65000"/>
+                    <a:lumOff val="35000"/>
+                  </a:schemeClr>
+                </a:solidFill>
+                <a:latin typeface="Times New Roman" panose="02020603050405020304" pitchFamily="18" charset="0"/>
+                <a:cs typeface="Times New Roman" panose="02020603050405020304" pitchFamily="18" charset="0"/>
+              </a:rPr>
+              <a:t>thể</a:t>
+            </a:r>
+            <a:r>
+              <a:rPr lang="en-US" sz="2400" dirty="0">
+                <a:solidFill>
+                  <a:schemeClr val="tx1">
+                    <a:lumMod val="65000"/>
+                    <a:lumOff val="35000"/>
+                  </a:schemeClr>
+                </a:solidFill>
+                <a:latin typeface="Times New Roman" panose="02020603050405020304" pitchFamily="18" charset="0"/>
+                <a:cs typeface="Times New Roman" panose="02020603050405020304" pitchFamily="18" charset="0"/>
+              </a:rPr>
+              <a:t> </a:t>
+            </a:r>
+            <a:r>
+              <a:rPr lang="en-US" sz="2400" dirty="0" err="1">
+                <a:solidFill>
+                  <a:schemeClr val="tx1">
+                    <a:lumMod val="65000"/>
+                    <a:lumOff val="35000"/>
+                  </a:schemeClr>
+                </a:solidFill>
+                <a:latin typeface="Times New Roman" panose="02020603050405020304" pitchFamily="18" charset="0"/>
+                <a:cs typeface="Times New Roman" panose="02020603050405020304" pitchFamily="18" charset="0"/>
+              </a:rPr>
+              <a:t>lồng</a:t>
+            </a:r>
+            <a:r>
+              <a:rPr lang="en-US" sz="2400" dirty="0">
+                <a:solidFill>
+                  <a:schemeClr val="tx1">
+                    <a:lumMod val="65000"/>
+                    <a:lumOff val="35000"/>
+                  </a:schemeClr>
+                </a:solidFill>
+                <a:latin typeface="Times New Roman" panose="02020603050405020304" pitchFamily="18" charset="0"/>
+                <a:cs typeface="Times New Roman" panose="02020603050405020304" pitchFamily="18" charset="0"/>
+              </a:rPr>
+              <a:t> </a:t>
+            </a:r>
+            <a:r>
+              <a:rPr lang="en-US" sz="2400" dirty="0" err="1">
+                <a:solidFill>
+                  <a:schemeClr val="tx1">
+                    <a:lumMod val="65000"/>
+                    <a:lumOff val="35000"/>
+                  </a:schemeClr>
+                </a:solidFill>
+                <a:latin typeface="Times New Roman" panose="02020603050405020304" pitchFamily="18" charset="0"/>
+                <a:cs typeface="Times New Roman" panose="02020603050405020304" pitchFamily="18" charset="0"/>
+              </a:rPr>
+              <a:t>các</a:t>
+            </a:r>
+            <a:r>
+              <a:rPr lang="en-US" sz="2400" dirty="0">
+                <a:solidFill>
+                  <a:schemeClr val="tx1">
+                    <a:lumMod val="65000"/>
+                    <a:lumOff val="35000"/>
+                  </a:schemeClr>
+                </a:solidFill>
+                <a:latin typeface="Times New Roman" panose="02020603050405020304" pitchFamily="18" charset="0"/>
+                <a:cs typeface="Times New Roman" panose="02020603050405020304" pitchFamily="18" charset="0"/>
+              </a:rPr>
+              <a:t> Suite </a:t>
+            </a:r>
+            <a:r>
+              <a:rPr lang="en-US" sz="2400" dirty="0" err="1">
+                <a:solidFill>
+                  <a:schemeClr val="tx1">
+                    <a:lumMod val="65000"/>
+                    <a:lumOff val="35000"/>
+                  </a:schemeClr>
+                </a:solidFill>
+                <a:latin typeface="Times New Roman" panose="02020603050405020304" pitchFamily="18" charset="0"/>
+                <a:cs typeface="Times New Roman" panose="02020603050405020304" pitchFamily="18" charset="0"/>
+              </a:rPr>
+              <a:t>có</a:t>
+            </a:r>
+            <a:r>
+              <a:rPr lang="en-US" sz="2400" dirty="0">
+                <a:solidFill>
+                  <a:schemeClr val="tx1">
+                    <a:lumMod val="65000"/>
+                    <a:lumOff val="35000"/>
+                  </a:schemeClr>
+                </a:solidFill>
+                <a:latin typeface="Times New Roman" panose="02020603050405020304" pitchFamily="18" charset="0"/>
+                <a:cs typeface="Times New Roman" panose="02020603050405020304" pitchFamily="18" charset="0"/>
+              </a:rPr>
+              <a:t> </a:t>
+            </a:r>
+            <a:r>
+              <a:rPr lang="en-US" sz="2400" dirty="0" err="1">
+                <a:solidFill>
+                  <a:schemeClr val="tx1">
+                    <a:lumMod val="65000"/>
+                    <a:lumOff val="35000"/>
+                  </a:schemeClr>
+                </a:solidFill>
+                <a:latin typeface="Times New Roman" panose="02020603050405020304" pitchFamily="18" charset="0"/>
+                <a:cs typeface="Times New Roman" panose="02020603050405020304" pitchFamily="18" charset="0"/>
+              </a:rPr>
+              <a:t>các</a:t>
+            </a:r>
+            <a:r>
+              <a:rPr lang="en-US" sz="2400" dirty="0">
+                <a:solidFill>
+                  <a:schemeClr val="tx1">
+                    <a:lumMod val="65000"/>
+                    <a:lumOff val="35000"/>
+                  </a:schemeClr>
+                </a:solidFill>
+                <a:latin typeface="Times New Roman" panose="02020603050405020304" pitchFamily="18" charset="0"/>
+                <a:cs typeface="Times New Roman" panose="02020603050405020304" pitchFamily="18" charset="0"/>
+              </a:rPr>
+              <a:t> spec </a:t>
+            </a:r>
+            <a:r>
+              <a:rPr lang="en-US" sz="2400" dirty="0" err="1">
+                <a:solidFill>
+                  <a:schemeClr val="tx1">
+                    <a:lumMod val="65000"/>
+                    <a:lumOff val="35000"/>
+                  </a:schemeClr>
+                </a:solidFill>
+                <a:latin typeface="Times New Roman" panose="02020603050405020304" pitchFamily="18" charset="0"/>
+                <a:cs typeface="Times New Roman" panose="02020603050405020304" pitchFamily="18" charset="0"/>
+              </a:rPr>
+              <a:t>liên</a:t>
+            </a:r>
+            <a:r>
+              <a:rPr lang="en-US" sz="2400" dirty="0">
+                <a:solidFill>
+                  <a:schemeClr val="tx1">
+                    <a:lumMod val="65000"/>
+                    <a:lumOff val="35000"/>
+                  </a:schemeClr>
+                </a:solidFill>
+                <a:latin typeface="Times New Roman" panose="02020603050405020304" pitchFamily="18" charset="0"/>
+                <a:cs typeface="Times New Roman" panose="02020603050405020304" pitchFamily="18" charset="0"/>
+              </a:rPr>
+              <a:t> </a:t>
+            </a:r>
+            <a:r>
+              <a:rPr lang="en-US" sz="2400" dirty="0" err="1">
+                <a:solidFill>
+                  <a:schemeClr val="tx1">
+                    <a:lumMod val="65000"/>
+                    <a:lumOff val="35000"/>
+                  </a:schemeClr>
+                </a:solidFill>
+                <a:latin typeface="Times New Roman" panose="02020603050405020304" pitchFamily="18" charset="0"/>
+                <a:cs typeface="Times New Roman" panose="02020603050405020304" pitchFamily="18" charset="0"/>
+              </a:rPr>
+              <a:t>quan</a:t>
+            </a:r>
+            <a:r>
+              <a:rPr lang="en-US" sz="2400" dirty="0">
+                <a:solidFill>
+                  <a:schemeClr val="tx1">
+                    <a:lumMod val="65000"/>
+                    <a:lumOff val="35000"/>
+                  </a:schemeClr>
+                </a:solidFill>
+                <a:latin typeface="Times New Roman" panose="02020603050405020304" pitchFamily="18" charset="0"/>
+                <a:cs typeface="Times New Roman" panose="02020603050405020304" pitchFamily="18" charset="0"/>
+              </a:rPr>
+              <a:t> </a:t>
+            </a:r>
+            <a:r>
+              <a:rPr lang="en-US" sz="2400" dirty="0" err="1">
+                <a:solidFill>
+                  <a:schemeClr val="tx1">
+                    <a:lumMod val="65000"/>
+                    <a:lumOff val="35000"/>
+                  </a:schemeClr>
+                </a:solidFill>
+                <a:latin typeface="Times New Roman" panose="02020603050405020304" pitchFamily="18" charset="0"/>
+                <a:cs typeface="Times New Roman" panose="02020603050405020304" pitchFamily="18" charset="0"/>
+              </a:rPr>
+              <a:t>tới</a:t>
+            </a:r>
+            <a:r>
+              <a:rPr lang="en-US" sz="2400" dirty="0">
+                <a:solidFill>
+                  <a:schemeClr val="tx1">
+                    <a:lumMod val="65000"/>
+                    <a:lumOff val="35000"/>
+                  </a:schemeClr>
+                </a:solidFill>
+                <a:latin typeface="Times New Roman" panose="02020603050405020304" pitchFamily="18" charset="0"/>
+                <a:cs typeface="Times New Roman" panose="02020603050405020304" pitchFamily="18" charset="0"/>
+              </a:rPr>
+              <a:t> </a:t>
+            </a:r>
+            <a:r>
+              <a:rPr lang="en-US" sz="2400" dirty="0" err="1">
+                <a:solidFill>
+                  <a:schemeClr val="tx1">
+                    <a:lumMod val="65000"/>
+                    <a:lumOff val="35000"/>
+                  </a:schemeClr>
+                </a:solidFill>
+                <a:latin typeface="Times New Roman" panose="02020603050405020304" pitchFamily="18" charset="0"/>
+                <a:cs typeface="Times New Roman" panose="02020603050405020304" pitchFamily="18" charset="0"/>
+              </a:rPr>
+              <a:t>nhau</a:t>
+            </a:r>
+            <a:endParaRPr lang="en-US" sz="2400" dirty="0">
+              <a:solidFill>
+                <a:schemeClr val="tx1">
+                  <a:lumMod val="65000"/>
+                  <a:lumOff val="35000"/>
+                </a:schemeClr>
+              </a:solidFill>
+              <a:latin typeface="Times New Roman" panose="02020603050405020304" pitchFamily="18" charset="0"/>
+              <a:cs typeface="Times New Roman" panose="02020603050405020304" pitchFamily="18" charset="0"/>
+            </a:endParaRPr>
+          </a:p>
+          <a:p>
+            <a:endParaRPr lang="en-US" sz="2400" dirty="0">
+              <a:solidFill>
+                <a:schemeClr val="tx1">
+                  <a:lumMod val="65000"/>
+                  <a:lumOff val="35000"/>
+                </a:schemeClr>
+              </a:solidFill>
+              <a:latin typeface="Times New Roman" panose="02020603050405020304" pitchFamily="18" charset="0"/>
+              <a:cs typeface="Times New Roman" panose="02020603050405020304" pitchFamily="18" charset="0"/>
             </a:endParaRPr>
           </a:p>
         </p:txBody>
@@ -7297,10 +12184,17 @@
       </p:transition>
     </mc:Fallback>
   </mc:AlternateContent>
+  <p:timing>
+    <p:tnLst>
+      <p:par>
+        <p:cTn id="1" dur="indefinite" restart="never" nodeType="tmRoot"/>
+      </p:par>
+    </p:tnLst>
+  </p:timing>
 </p:sld>
 </file>
 
-<file path=ppt/slides/slide7.xml><?xml version="1.0" encoding="utf-8"?>
+<file path=ppt/slides/slide9.xml><?xml version="1.0" encoding="utf-8"?>
 <p:sld xmlns:a="http://schemas.openxmlformats.org/drawingml/2006/main" xmlns:r="http://schemas.openxmlformats.org/officeDocument/2006/relationships" xmlns:p="http://schemas.openxmlformats.org/presentationml/2006/main">
   <p:cSld>
     <p:spTree>
@@ -7434,8 +12328,8 @@
         </p:blipFill>
         <p:spPr>
           <a:xfrm>
-            <a:off x="614219" y="271312"/>
-            <a:ext cx="7140187" cy="6858000"/>
+            <a:off x="0" y="0"/>
+            <a:ext cx="12192000" cy="6858000"/>
           </a:xfrm>
           <a:prstGeom prst="rect">
             <a:avLst/>
@@ -7464,1219 +12358,89 @@
       </p:transition>
     </mc:Fallback>
   </mc:AlternateContent>
-</p:sld>
-</file>
-
-<file path=ppt/slides/slide8.xml><?xml version="1.0" encoding="utf-8"?>
-<p:sld xmlns:a="http://schemas.openxmlformats.org/drawingml/2006/main" xmlns:r="http://schemas.openxmlformats.org/officeDocument/2006/relationships" xmlns:p="http://schemas.openxmlformats.org/presentationml/2006/main">
-  <p:cSld>
-    <p:spTree>
-      <p:nvGrpSpPr>
-        <p:cNvPr id="1" name=""/>
-        <p:cNvGrpSpPr/>
-        <p:nvPr/>
-      </p:nvGrpSpPr>
-      <p:grpSpPr>
-        <a:xfrm>
-          <a:off x="0" y="0"/>
-          <a:ext cx="0" cy="0"/>
-          <a:chOff x="0" y="0"/>
-          <a:chExt cx="0" cy="0"/>
-        </a:xfrm>
-      </p:grpSpPr>
-      <p:sp>
-        <p:nvSpPr>
-          <p:cNvPr id="4" name="Rectangle 3"/>
-          <p:cNvSpPr/>
-          <p:nvPr/>
-        </p:nvSpPr>
-        <p:spPr>
-          <a:xfrm>
-            <a:off x="0" y="271312"/>
-            <a:ext cx="12192000" cy="854233"/>
-          </a:xfrm>
-          <a:prstGeom prst="rect">
-            <a:avLst/>
-          </a:prstGeom>
-          <a:solidFill>
-            <a:srgbClr val="466077"/>
-          </a:solidFill>
-        </p:spPr>
-        <p:style>
-          <a:lnRef idx="2">
-            <a:schemeClr val="dk1">
-              <a:shade val="50000"/>
-            </a:schemeClr>
-          </a:lnRef>
-          <a:fillRef idx="1">
-            <a:schemeClr val="dk1"/>
-          </a:fillRef>
-          <a:effectRef idx="0">
-            <a:schemeClr val="dk1"/>
-          </a:effectRef>
-          <a:fontRef idx="minor">
-            <a:schemeClr val="lt1"/>
-          </a:fontRef>
-        </p:style>
-        <p:txBody>
-          <a:bodyPr rtlCol="0" anchor="ctr"/>
-          <a:lstStyle/>
-          <a:p>
-            <a:r>
-              <a:rPr lang="en-US" sz="5400" b="1" dirty="0"/>
-              <a:t>   5</a:t>
-            </a:r>
-          </a:p>
-        </p:txBody>
-      </p:sp>
-      <p:sp>
-        <p:nvSpPr>
-          <p:cNvPr id="8" name="Rectangle 7"/>
-          <p:cNvSpPr/>
-          <p:nvPr/>
-        </p:nvSpPr>
-        <p:spPr>
-          <a:xfrm>
-            <a:off x="1435100" y="501263"/>
-            <a:ext cx="10086340" cy="432058"/>
-          </a:xfrm>
-          <a:prstGeom prst="rect">
-            <a:avLst/>
-          </a:prstGeom>
-          <a:solidFill>
-            <a:schemeClr val="bg1"/>
-          </a:solidFill>
-          <a:ln>
-            <a:noFill/>
-          </a:ln>
-        </p:spPr>
-        <p:style>
-          <a:lnRef idx="2">
-            <a:schemeClr val="accent1">
-              <a:shade val="50000"/>
-            </a:schemeClr>
-          </a:lnRef>
-          <a:fillRef idx="1">
-            <a:schemeClr val="accent1"/>
-          </a:fillRef>
-          <a:effectRef idx="0">
-            <a:schemeClr val="accent1"/>
-          </a:effectRef>
-          <a:fontRef idx="minor">
-            <a:schemeClr val="lt1"/>
-          </a:fontRef>
-        </p:style>
-        <p:txBody>
-          <a:bodyPr rtlCol="0" anchor="ctr"/>
-          <a:lstStyle/>
-          <a:p>
-            <a:pPr algn="ctr"/>
-            <a:r>
-              <a:rPr lang="en-US" sz="2400" b="1" dirty="0">
-                <a:solidFill>
-                  <a:schemeClr val="tx1">
-                    <a:lumMod val="65000"/>
-                    <a:lumOff val="35000"/>
-                  </a:schemeClr>
-                </a:solidFill>
-              </a:rPr>
-              <a:t>CUSTOM MATCHER</a:t>
-            </a:r>
-          </a:p>
-        </p:txBody>
-      </p:sp>
-      <p:sp>
-        <p:nvSpPr>
-          <p:cNvPr id="12" name="Rectangle 11"/>
-          <p:cNvSpPr/>
-          <p:nvPr/>
-        </p:nvSpPr>
-        <p:spPr>
-          <a:xfrm>
-            <a:off x="393700" y="1574156"/>
-            <a:ext cx="4853709" cy="4877443"/>
-          </a:xfrm>
-          <a:prstGeom prst="rect">
-            <a:avLst/>
-          </a:prstGeom>
-          <a:solidFill>
-            <a:schemeClr val="bg1"/>
-          </a:solidFill>
-          <a:ln>
-            <a:solidFill>
-              <a:schemeClr val="tx1">
-                <a:lumMod val="65000"/>
-                <a:lumOff val="35000"/>
-              </a:schemeClr>
-            </a:solidFill>
-          </a:ln>
-        </p:spPr>
-        <p:style>
-          <a:lnRef idx="2">
-            <a:schemeClr val="accent1">
-              <a:shade val="50000"/>
-            </a:schemeClr>
-          </a:lnRef>
-          <a:fillRef idx="1">
-            <a:schemeClr val="accent1"/>
-          </a:fillRef>
-          <a:effectRef idx="0">
-            <a:schemeClr val="accent1"/>
-          </a:effectRef>
-          <a:fontRef idx="minor">
-            <a:schemeClr val="lt1"/>
-          </a:fontRef>
-        </p:style>
-        <p:txBody>
-          <a:bodyPr rtlCol="0" anchor="t"/>
-          <a:lstStyle/>
-          <a:p>
-            <a:pPr marL="342900" indent="-342900">
-              <a:buFontTx/>
-              <a:buChar char="-"/>
-            </a:pPr>
-            <a:r>
-              <a:rPr lang="en-US" sz="2400" dirty="0">
-                <a:solidFill>
-                  <a:schemeClr val="tx1">
-                    <a:lumMod val="65000"/>
-                    <a:lumOff val="35000"/>
-                  </a:schemeClr>
-                </a:solidFill>
-              </a:rPr>
-              <a:t>Jasmine </a:t>
-            </a:r>
-            <a:r>
-              <a:rPr lang="en-US" sz="2400" dirty="0" err="1">
-                <a:solidFill>
-                  <a:schemeClr val="tx1">
-                    <a:lumMod val="65000"/>
-                    <a:lumOff val="35000"/>
-                  </a:schemeClr>
-                </a:solidFill>
-              </a:rPr>
-              <a:t>cung</a:t>
-            </a:r>
-            <a:r>
-              <a:rPr lang="en-US" sz="2400" dirty="0">
-                <a:solidFill>
-                  <a:schemeClr val="tx1">
-                    <a:lumMod val="65000"/>
-                    <a:lumOff val="35000"/>
-                  </a:schemeClr>
-                </a:solidFill>
-              </a:rPr>
-              <a:t> </a:t>
-            </a:r>
-            <a:r>
-              <a:rPr lang="en-US" sz="2400" dirty="0" err="1">
-                <a:solidFill>
-                  <a:schemeClr val="tx1">
-                    <a:lumMod val="65000"/>
-                    <a:lumOff val="35000"/>
-                  </a:schemeClr>
-                </a:solidFill>
-              </a:rPr>
-              <a:t>cấp</a:t>
-            </a:r>
-            <a:r>
-              <a:rPr lang="en-US" sz="2400" dirty="0">
-                <a:solidFill>
-                  <a:schemeClr val="tx1">
-                    <a:lumMod val="65000"/>
-                    <a:lumOff val="35000"/>
-                  </a:schemeClr>
-                </a:solidFill>
-              </a:rPr>
-              <a:t> </a:t>
-            </a:r>
-            <a:r>
-              <a:rPr lang="en-US" sz="2400" dirty="0" err="1">
-                <a:solidFill>
-                  <a:schemeClr val="tx1">
-                    <a:lumMod val="65000"/>
-                    <a:lumOff val="35000"/>
-                  </a:schemeClr>
-                </a:solidFill>
-              </a:rPr>
-              <a:t>hàm</a:t>
-            </a:r>
-            <a:r>
-              <a:rPr lang="en-US" sz="2400" dirty="0">
-                <a:solidFill>
-                  <a:schemeClr val="tx1">
-                    <a:lumMod val="65000"/>
-                    <a:lumOff val="35000"/>
-                  </a:schemeClr>
-                </a:solidFill>
-              </a:rPr>
-              <a:t> </a:t>
-            </a:r>
-            <a:r>
-              <a:rPr lang="en-US" sz="2400" dirty="0" err="1">
-                <a:solidFill>
-                  <a:schemeClr val="tx1">
-                    <a:lumMod val="65000"/>
-                    <a:lumOff val="35000"/>
-                  </a:schemeClr>
-                </a:solidFill>
-              </a:rPr>
-              <a:t>addMatchers</a:t>
-            </a:r>
-            <a:r>
-              <a:rPr lang="en-US" sz="2400" dirty="0">
-                <a:solidFill>
-                  <a:schemeClr val="tx1">
-                    <a:lumMod val="65000"/>
-                    <a:lumOff val="35000"/>
-                  </a:schemeClr>
-                </a:solidFill>
-              </a:rPr>
-              <a:t>, </a:t>
-            </a:r>
-            <a:r>
-              <a:rPr lang="en-US" sz="2400" dirty="0" err="1">
-                <a:solidFill>
-                  <a:schemeClr val="tx1">
-                    <a:lumMod val="65000"/>
-                    <a:lumOff val="35000"/>
-                  </a:schemeClr>
-                </a:solidFill>
-              </a:rPr>
-              <a:t>nhờ</a:t>
-            </a:r>
-            <a:r>
-              <a:rPr lang="en-US" sz="2400" dirty="0">
-                <a:solidFill>
-                  <a:schemeClr val="tx1">
-                    <a:lumMod val="65000"/>
-                    <a:lumOff val="35000"/>
-                  </a:schemeClr>
-                </a:solidFill>
-              </a:rPr>
-              <a:t> </a:t>
-            </a:r>
-            <a:r>
-              <a:rPr lang="en-US" sz="2400" dirty="0" err="1">
-                <a:solidFill>
-                  <a:schemeClr val="tx1">
-                    <a:lumMod val="65000"/>
-                    <a:lumOff val="35000"/>
-                  </a:schemeClr>
-                </a:solidFill>
-              </a:rPr>
-              <a:t>đó</a:t>
-            </a:r>
-            <a:r>
-              <a:rPr lang="en-US" sz="2400" dirty="0">
-                <a:solidFill>
-                  <a:schemeClr val="tx1">
-                    <a:lumMod val="65000"/>
-                    <a:lumOff val="35000"/>
-                  </a:schemeClr>
-                </a:solidFill>
-              </a:rPr>
-              <a:t> </a:t>
-            </a:r>
-            <a:r>
-              <a:rPr lang="en-US" sz="2400" dirty="0" err="1">
-                <a:solidFill>
-                  <a:schemeClr val="tx1">
-                    <a:lumMod val="65000"/>
-                    <a:lumOff val="35000"/>
-                  </a:schemeClr>
-                </a:solidFill>
-              </a:rPr>
-              <a:t>có</a:t>
-            </a:r>
-            <a:r>
-              <a:rPr lang="en-US" sz="2400" dirty="0">
-                <a:solidFill>
-                  <a:schemeClr val="tx1">
-                    <a:lumMod val="65000"/>
-                    <a:lumOff val="35000"/>
-                  </a:schemeClr>
-                </a:solidFill>
-              </a:rPr>
-              <a:t> </a:t>
-            </a:r>
-            <a:r>
-              <a:rPr lang="en-US" sz="2400" dirty="0" err="1">
-                <a:solidFill>
-                  <a:schemeClr val="tx1">
-                    <a:lumMod val="65000"/>
-                    <a:lumOff val="35000"/>
-                  </a:schemeClr>
-                </a:solidFill>
-              </a:rPr>
-              <a:t>thể</a:t>
-            </a:r>
-            <a:r>
-              <a:rPr lang="en-US" sz="2400" dirty="0">
-                <a:solidFill>
-                  <a:schemeClr val="tx1">
-                    <a:lumMod val="65000"/>
-                    <a:lumOff val="35000"/>
-                  </a:schemeClr>
-                </a:solidFill>
-              </a:rPr>
-              <a:t> </a:t>
-            </a:r>
-            <a:r>
-              <a:rPr lang="en-US" sz="2400" dirty="0" err="1">
-                <a:solidFill>
-                  <a:schemeClr val="tx1">
-                    <a:lumMod val="65000"/>
-                    <a:lumOff val="35000"/>
-                  </a:schemeClr>
-                </a:solidFill>
-              </a:rPr>
-              <a:t>tạo</a:t>
-            </a:r>
-            <a:r>
-              <a:rPr lang="en-US" sz="2400" dirty="0">
-                <a:solidFill>
-                  <a:schemeClr val="tx1">
-                    <a:lumMod val="65000"/>
-                    <a:lumOff val="35000"/>
-                  </a:schemeClr>
-                </a:solidFill>
-              </a:rPr>
-              <a:t> </a:t>
-            </a:r>
-            <a:r>
-              <a:rPr lang="en-US" sz="2400" dirty="0" err="1">
-                <a:solidFill>
-                  <a:schemeClr val="tx1">
-                    <a:lumMod val="65000"/>
-                    <a:lumOff val="35000"/>
-                  </a:schemeClr>
-                </a:solidFill>
-              </a:rPr>
-              <a:t>một</a:t>
-            </a:r>
-            <a:r>
-              <a:rPr lang="en-US" sz="2400" dirty="0">
-                <a:solidFill>
-                  <a:schemeClr val="tx1">
-                    <a:lumMod val="65000"/>
-                    <a:lumOff val="35000"/>
-                  </a:schemeClr>
-                </a:solidFill>
-              </a:rPr>
-              <a:t> Matcher </a:t>
-            </a:r>
-            <a:r>
-              <a:rPr lang="en-US" sz="2400" dirty="0" err="1">
-                <a:solidFill>
-                  <a:schemeClr val="tx1">
-                    <a:lumMod val="65000"/>
-                    <a:lumOff val="35000"/>
-                  </a:schemeClr>
-                </a:solidFill>
-              </a:rPr>
-              <a:t>riêng</a:t>
-            </a:r>
-            <a:r>
-              <a:rPr lang="en-US" sz="2400" dirty="0">
-                <a:solidFill>
-                  <a:schemeClr val="tx1">
-                    <a:lumMod val="65000"/>
-                    <a:lumOff val="35000"/>
-                  </a:schemeClr>
-                </a:solidFill>
-              </a:rPr>
-              <a:t> </a:t>
-            </a:r>
-            <a:r>
-              <a:rPr lang="en-US" sz="2400" dirty="0" err="1">
-                <a:solidFill>
-                  <a:schemeClr val="tx1">
-                    <a:lumMod val="65000"/>
-                    <a:lumOff val="35000"/>
-                  </a:schemeClr>
-                </a:solidFill>
-              </a:rPr>
-              <a:t>biệt</a:t>
-            </a:r>
-            <a:endParaRPr lang="en-US" sz="2400" dirty="0">
-              <a:solidFill>
-                <a:schemeClr val="tx1">
-                  <a:lumMod val="65000"/>
-                  <a:lumOff val="35000"/>
-                </a:schemeClr>
-              </a:solidFill>
-            </a:endParaRPr>
-          </a:p>
-          <a:p>
-            <a:endParaRPr lang="en-US" sz="2400" dirty="0">
-              <a:solidFill>
-                <a:schemeClr val="tx1">
-                  <a:lumMod val="65000"/>
-                  <a:lumOff val="35000"/>
-                </a:schemeClr>
-              </a:solidFill>
-            </a:endParaRPr>
-          </a:p>
-        </p:txBody>
-      </p:sp>
-      <p:pic>
-        <p:nvPicPr>
-          <p:cNvPr id="3" name="Hình ảnh 2"/>
-          <p:cNvPicPr>
-            <a:picLocks noChangeAspect="1"/>
-          </p:cNvPicPr>
-          <p:nvPr/>
-        </p:nvPicPr>
-        <p:blipFill>
-          <a:blip r:embed="rId3"/>
-          <a:stretch>
-            <a:fillRect/>
-          </a:stretch>
-        </p:blipFill>
-        <p:spPr>
-          <a:xfrm>
-            <a:off x="5582083" y="1574155"/>
-            <a:ext cx="6248322" cy="4877443"/>
-          </a:xfrm>
-          <a:prstGeom prst="rect">
-            <a:avLst/>
-          </a:prstGeom>
-        </p:spPr>
-      </p:pic>
-    </p:spTree>
-    <p:extLst>
-      <p:ext uri="{BB962C8B-B14F-4D97-AF65-F5344CB8AC3E}">
-        <p14:creationId xmlns:p14="http://schemas.microsoft.com/office/powerpoint/2010/main" val="2138363249"/>
-      </p:ext>
-    </p:extLst>
-  </p:cSld>
-  <p:clrMapOvr>
-    <a:masterClrMapping/>
-  </p:clrMapOvr>
-  <mc:AlternateContent xmlns:mc="http://schemas.openxmlformats.org/markup-compatibility/2006">
-    <mc:Choice xmlns:p159="http://schemas.microsoft.com/office/powerpoint/2015/09/main" xmlns="" Requires="p159">
-      <p:transition xmlns:p14="http://schemas.microsoft.com/office/powerpoint/2010/main" spd="slow" p14:dur="2000">
-        <p159:morph option="byObject"/>
-      </p:transition>
-    </mc:Choice>
-    <mc:Fallback>
-      <p:transition spd="slow">
-        <p:fade/>
-      </p:transition>
-    </mc:Fallback>
-  </mc:AlternateContent>
-</p:sld>
-</file>
-
-<file path=ppt/slides/slide9.xml><?xml version="1.0" encoding="utf-8"?>
-<p:sld xmlns:a="http://schemas.openxmlformats.org/drawingml/2006/main" xmlns:r="http://schemas.openxmlformats.org/officeDocument/2006/relationships" xmlns:p="http://schemas.openxmlformats.org/presentationml/2006/main">
-  <p:cSld>
-    <p:spTree>
-      <p:nvGrpSpPr>
-        <p:cNvPr id="1" name=""/>
-        <p:cNvGrpSpPr/>
-        <p:nvPr/>
-      </p:nvGrpSpPr>
-      <p:grpSpPr>
-        <a:xfrm>
-          <a:off x="0" y="0"/>
-          <a:ext cx="0" cy="0"/>
-          <a:chOff x="0" y="0"/>
-          <a:chExt cx="0" cy="0"/>
-        </a:xfrm>
-      </p:grpSpPr>
-      <p:sp>
-        <p:nvSpPr>
-          <p:cNvPr id="4" name="Rectangle 3"/>
-          <p:cNvSpPr/>
-          <p:nvPr/>
-        </p:nvSpPr>
-        <p:spPr>
-          <a:xfrm>
-            <a:off x="0" y="271312"/>
-            <a:ext cx="12192000" cy="854233"/>
-          </a:xfrm>
-          <a:prstGeom prst="rect">
-            <a:avLst/>
-          </a:prstGeom>
-          <a:solidFill>
-            <a:srgbClr val="466077"/>
-          </a:solidFill>
-        </p:spPr>
-        <p:style>
-          <a:lnRef idx="2">
-            <a:schemeClr val="dk1">
-              <a:shade val="50000"/>
-            </a:schemeClr>
-          </a:lnRef>
-          <a:fillRef idx="1">
-            <a:schemeClr val="dk1"/>
-          </a:fillRef>
-          <a:effectRef idx="0">
-            <a:schemeClr val="dk1"/>
-          </a:effectRef>
-          <a:fontRef idx="minor">
-            <a:schemeClr val="lt1"/>
-          </a:fontRef>
-        </p:style>
-        <p:txBody>
-          <a:bodyPr rtlCol="0" anchor="ctr"/>
-          <a:lstStyle/>
-          <a:p>
-            <a:r>
-              <a:rPr lang="en-US" sz="5400" b="1" dirty="0"/>
-              <a:t>   6</a:t>
-            </a:r>
-          </a:p>
-        </p:txBody>
-      </p:sp>
-      <p:sp>
-        <p:nvSpPr>
-          <p:cNvPr id="8" name="Rectangle 7"/>
-          <p:cNvSpPr/>
-          <p:nvPr/>
-        </p:nvSpPr>
-        <p:spPr>
-          <a:xfrm>
-            <a:off x="1435100" y="501263"/>
-            <a:ext cx="10086340" cy="432058"/>
-          </a:xfrm>
-          <a:prstGeom prst="rect">
-            <a:avLst/>
-          </a:prstGeom>
-          <a:solidFill>
-            <a:schemeClr val="bg1"/>
-          </a:solidFill>
-          <a:ln>
-            <a:noFill/>
-          </a:ln>
-        </p:spPr>
-        <p:style>
-          <a:lnRef idx="2">
-            <a:schemeClr val="accent1">
-              <a:shade val="50000"/>
-            </a:schemeClr>
-          </a:lnRef>
-          <a:fillRef idx="1">
-            <a:schemeClr val="accent1"/>
-          </a:fillRef>
-          <a:effectRef idx="0">
-            <a:schemeClr val="accent1"/>
-          </a:effectRef>
-          <a:fontRef idx="minor">
-            <a:schemeClr val="lt1"/>
-          </a:fontRef>
-        </p:style>
-        <p:txBody>
-          <a:bodyPr rtlCol="0" anchor="ctr"/>
-          <a:lstStyle/>
-          <a:p>
-            <a:pPr algn="ctr"/>
-            <a:r>
-              <a:rPr lang="en-US" sz="2400" b="1" dirty="0">
-                <a:solidFill>
-                  <a:schemeClr val="tx1">
-                    <a:lumMod val="65000"/>
-                    <a:lumOff val="35000"/>
-                  </a:schemeClr>
-                </a:solidFill>
-              </a:rPr>
-              <a:t>SPY</a:t>
-            </a:r>
-          </a:p>
-        </p:txBody>
-      </p:sp>
-      <p:sp>
-        <p:nvSpPr>
-          <p:cNvPr id="12" name="Rectangle 11"/>
-          <p:cNvSpPr/>
-          <p:nvPr/>
-        </p:nvSpPr>
-        <p:spPr>
-          <a:xfrm>
-            <a:off x="393700" y="1574156"/>
-            <a:ext cx="4853709" cy="4877443"/>
-          </a:xfrm>
-          <a:prstGeom prst="rect">
-            <a:avLst/>
-          </a:prstGeom>
-          <a:solidFill>
-            <a:schemeClr val="bg1"/>
-          </a:solidFill>
-          <a:ln>
-            <a:solidFill>
-              <a:schemeClr val="tx1">
-                <a:lumMod val="65000"/>
-                <a:lumOff val="35000"/>
-              </a:schemeClr>
-            </a:solidFill>
-          </a:ln>
-        </p:spPr>
-        <p:style>
-          <a:lnRef idx="2">
-            <a:schemeClr val="accent1">
-              <a:shade val="50000"/>
-            </a:schemeClr>
-          </a:lnRef>
-          <a:fillRef idx="1">
-            <a:schemeClr val="accent1"/>
-          </a:fillRef>
-          <a:effectRef idx="0">
-            <a:schemeClr val="accent1"/>
-          </a:effectRef>
-          <a:fontRef idx="minor">
-            <a:schemeClr val="lt1"/>
-          </a:fontRef>
-        </p:style>
-        <p:txBody>
-          <a:bodyPr rtlCol="0" anchor="t"/>
-          <a:lstStyle/>
-          <a:p>
-            <a:pPr marL="342900" indent="-342900">
-              <a:buFontTx/>
-              <a:buChar char="-"/>
-            </a:pPr>
-            <a:r>
-              <a:rPr lang="en-US" sz="2400" dirty="0">
-                <a:solidFill>
-                  <a:schemeClr val="tx1">
-                    <a:lumMod val="65000"/>
-                    <a:lumOff val="35000"/>
-                  </a:schemeClr>
-                </a:solidFill>
-              </a:rPr>
-              <a:t>Spy </a:t>
-            </a:r>
-            <a:r>
-              <a:rPr lang="en-US" sz="2400" dirty="0" err="1">
-                <a:solidFill>
-                  <a:schemeClr val="tx1">
-                    <a:lumMod val="65000"/>
-                    <a:lumOff val="35000"/>
-                  </a:schemeClr>
-                </a:solidFill>
-              </a:rPr>
-              <a:t>dùng</a:t>
-            </a:r>
-            <a:r>
-              <a:rPr lang="en-US" sz="2400" dirty="0">
-                <a:solidFill>
-                  <a:schemeClr val="tx1">
-                    <a:lumMod val="65000"/>
-                    <a:lumOff val="35000"/>
-                  </a:schemeClr>
-                </a:solidFill>
-              </a:rPr>
-              <a:t> </a:t>
-            </a:r>
-            <a:r>
-              <a:rPr lang="en-US" sz="2400" dirty="0" err="1">
-                <a:solidFill>
-                  <a:schemeClr val="tx1">
-                    <a:lumMod val="65000"/>
-                    <a:lumOff val="35000"/>
-                  </a:schemeClr>
-                </a:solidFill>
-              </a:rPr>
-              <a:t>để</a:t>
-            </a:r>
-            <a:r>
-              <a:rPr lang="en-US" sz="2400" dirty="0">
-                <a:solidFill>
-                  <a:schemeClr val="tx1">
-                    <a:lumMod val="65000"/>
-                    <a:lumOff val="35000"/>
-                  </a:schemeClr>
-                </a:solidFill>
-              </a:rPr>
-              <a:t> </a:t>
-            </a:r>
-            <a:r>
-              <a:rPr lang="en-US" sz="2400" dirty="0" err="1">
-                <a:solidFill>
-                  <a:schemeClr val="tx1">
-                    <a:lumMod val="65000"/>
-                    <a:lumOff val="35000"/>
-                  </a:schemeClr>
-                </a:solidFill>
-              </a:rPr>
-              <a:t>theo</a:t>
-            </a:r>
-            <a:r>
-              <a:rPr lang="en-US" sz="2400" dirty="0">
-                <a:solidFill>
-                  <a:schemeClr val="tx1">
-                    <a:lumMod val="65000"/>
-                    <a:lumOff val="35000"/>
-                  </a:schemeClr>
-                </a:solidFill>
-              </a:rPr>
-              <a:t> </a:t>
-            </a:r>
-            <a:r>
-              <a:rPr lang="en-US" sz="2400" dirty="0" err="1">
-                <a:solidFill>
-                  <a:schemeClr val="tx1">
-                    <a:lumMod val="65000"/>
-                    <a:lumOff val="35000"/>
-                  </a:schemeClr>
-                </a:solidFill>
-              </a:rPr>
-              <a:t>dõi</a:t>
-            </a:r>
-            <a:r>
-              <a:rPr lang="en-US" sz="2400" dirty="0">
-                <a:solidFill>
-                  <a:schemeClr val="tx1">
-                    <a:lumMod val="65000"/>
-                    <a:lumOff val="35000"/>
-                  </a:schemeClr>
-                </a:solidFill>
-              </a:rPr>
-              <a:t> </a:t>
-            </a:r>
-            <a:r>
-              <a:rPr lang="en-US" sz="2400" dirty="0" err="1">
-                <a:solidFill>
-                  <a:schemeClr val="tx1">
-                    <a:lumMod val="65000"/>
-                    <a:lumOff val="35000"/>
-                  </a:schemeClr>
-                </a:solidFill>
-              </a:rPr>
-              <a:t>một</a:t>
-            </a:r>
-            <a:r>
-              <a:rPr lang="en-US" sz="2400" dirty="0">
-                <a:solidFill>
-                  <a:schemeClr val="tx1">
-                    <a:lumMod val="65000"/>
-                    <a:lumOff val="35000"/>
-                  </a:schemeClr>
-                </a:solidFill>
-              </a:rPr>
-              <a:t> </a:t>
-            </a:r>
-            <a:r>
-              <a:rPr lang="en-US" sz="2400" dirty="0" err="1">
-                <a:solidFill>
-                  <a:schemeClr val="tx1">
-                    <a:lumMod val="65000"/>
-                    <a:lumOff val="35000"/>
-                  </a:schemeClr>
-                </a:solidFill>
-              </a:rPr>
-              <a:t>đối</a:t>
-            </a:r>
-            <a:r>
-              <a:rPr lang="en-US" sz="2400" dirty="0">
-                <a:solidFill>
-                  <a:schemeClr val="tx1">
-                    <a:lumMod val="65000"/>
-                    <a:lumOff val="35000"/>
-                  </a:schemeClr>
-                </a:solidFill>
-              </a:rPr>
-              <a:t> t</a:t>
-            </a:r>
-            <a:r>
-              <a:rPr lang="vi-VN" sz="2400" dirty="0">
-                <a:solidFill>
-                  <a:schemeClr val="tx1">
-                    <a:lumMod val="65000"/>
-                    <a:lumOff val="35000"/>
-                  </a:schemeClr>
-                </a:solidFill>
-              </a:rPr>
-              <a:t>ư</a:t>
-            </a:r>
-            <a:r>
-              <a:rPr lang="en-US" sz="2400" dirty="0" err="1">
-                <a:solidFill>
-                  <a:schemeClr val="tx1">
-                    <a:lumMod val="65000"/>
-                    <a:lumOff val="35000"/>
-                  </a:schemeClr>
-                </a:solidFill>
-              </a:rPr>
-              <a:t>ợng</a:t>
-            </a:r>
-            <a:r>
-              <a:rPr lang="en-US" sz="2400" dirty="0">
-                <a:solidFill>
-                  <a:schemeClr val="tx1">
-                    <a:lumMod val="65000"/>
-                    <a:lumOff val="35000"/>
-                  </a:schemeClr>
-                </a:solidFill>
-              </a:rPr>
-              <a:t> </a:t>
-            </a:r>
-            <a:r>
-              <a:rPr lang="en-US" sz="2400" dirty="0" err="1">
-                <a:solidFill>
-                  <a:schemeClr val="tx1">
-                    <a:lumMod val="65000"/>
-                    <a:lumOff val="35000"/>
-                  </a:schemeClr>
-                </a:solidFill>
-              </a:rPr>
-              <a:t>hàm</a:t>
-            </a:r>
-            <a:r>
-              <a:rPr lang="en-US" sz="2400" dirty="0">
-                <a:solidFill>
-                  <a:schemeClr val="tx1">
-                    <a:lumMod val="65000"/>
-                    <a:lumOff val="35000"/>
-                  </a:schemeClr>
-                </a:solidFill>
-              </a:rPr>
-              <a:t> </a:t>
-            </a:r>
-            <a:r>
-              <a:rPr lang="en-US" sz="2400" dirty="0" err="1">
-                <a:solidFill>
-                  <a:schemeClr val="tx1">
-                    <a:lumMod val="65000"/>
-                    <a:lumOff val="35000"/>
-                  </a:schemeClr>
-                </a:solidFill>
-              </a:rPr>
-              <a:t>có</a:t>
-            </a:r>
-            <a:r>
-              <a:rPr lang="en-US" sz="2400" dirty="0">
-                <a:solidFill>
-                  <a:schemeClr val="tx1">
-                    <a:lumMod val="65000"/>
-                    <a:lumOff val="35000"/>
-                  </a:schemeClr>
-                </a:solidFill>
-              </a:rPr>
-              <a:t> đ</a:t>
-            </a:r>
-            <a:r>
-              <a:rPr lang="vi-VN" sz="2400" dirty="0">
-                <a:solidFill>
-                  <a:schemeClr val="tx1">
-                    <a:lumMod val="65000"/>
-                    <a:lumOff val="35000"/>
-                  </a:schemeClr>
-                </a:solidFill>
-              </a:rPr>
-              <a:t>ư</a:t>
-            </a:r>
-            <a:r>
-              <a:rPr lang="en-US" sz="2400" dirty="0" err="1">
-                <a:solidFill>
-                  <a:schemeClr val="tx1">
-                    <a:lumMod val="65000"/>
-                    <a:lumOff val="35000"/>
-                  </a:schemeClr>
-                </a:solidFill>
-              </a:rPr>
-              <a:t>ợc</a:t>
-            </a:r>
-            <a:r>
-              <a:rPr lang="en-US" sz="2400" dirty="0">
-                <a:solidFill>
-                  <a:schemeClr val="tx1">
-                    <a:lumMod val="65000"/>
-                    <a:lumOff val="35000"/>
-                  </a:schemeClr>
-                </a:solidFill>
-              </a:rPr>
-              <a:t> </a:t>
-            </a:r>
-            <a:r>
-              <a:rPr lang="en-US" sz="2400" dirty="0" err="1">
-                <a:solidFill>
-                  <a:schemeClr val="tx1">
-                    <a:lumMod val="65000"/>
-                    <a:lumOff val="35000"/>
-                  </a:schemeClr>
-                </a:solidFill>
-              </a:rPr>
-              <a:t>gọi</a:t>
-            </a:r>
-            <a:r>
-              <a:rPr lang="en-US" sz="2400" dirty="0">
-                <a:solidFill>
-                  <a:schemeClr val="tx1">
-                    <a:lumMod val="65000"/>
-                    <a:lumOff val="35000"/>
-                  </a:schemeClr>
-                </a:solidFill>
-              </a:rPr>
-              <a:t> hay </a:t>
-            </a:r>
-            <a:r>
-              <a:rPr lang="en-US" sz="2400" dirty="0" err="1">
-                <a:solidFill>
-                  <a:schemeClr val="tx1">
-                    <a:lumMod val="65000"/>
-                    <a:lumOff val="35000"/>
-                  </a:schemeClr>
-                </a:solidFill>
-              </a:rPr>
-              <a:t>không</a:t>
-            </a:r>
-            <a:r>
-              <a:rPr lang="en-US" sz="2400" dirty="0">
-                <a:solidFill>
-                  <a:schemeClr val="tx1">
-                    <a:lumMod val="65000"/>
-                    <a:lumOff val="35000"/>
-                  </a:schemeClr>
-                </a:solidFill>
-              </a:rPr>
-              <a:t> </a:t>
-            </a:r>
-            <a:r>
-              <a:rPr lang="en-US" sz="2400" dirty="0" err="1">
-                <a:solidFill>
-                  <a:schemeClr val="tx1">
-                    <a:lumMod val="65000"/>
-                    <a:lumOff val="35000"/>
-                  </a:schemeClr>
-                </a:solidFill>
-              </a:rPr>
-              <a:t>hoặc</a:t>
-            </a:r>
-            <a:r>
-              <a:rPr lang="en-US" sz="2400" dirty="0">
-                <a:solidFill>
-                  <a:schemeClr val="tx1">
-                    <a:lumMod val="65000"/>
-                    <a:lumOff val="35000"/>
-                  </a:schemeClr>
-                </a:solidFill>
-              </a:rPr>
-              <a:t> đ</a:t>
-            </a:r>
-            <a:r>
-              <a:rPr lang="vi-VN" sz="2400" dirty="0">
-                <a:solidFill>
-                  <a:schemeClr val="tx1">
-                    <a:lumMod val="65000"/>
-                    <a:lumOff val="35000"/>
-                  </a:schemeClr>
-                </a:solidFill>
-              </a:rPr>
-              <a:t>ư</a:t>
-            </a:r>
-            <a:r>
-              <a:rPr lang="en-US" sz="2400" dirty="0" err="1">
-                <a:solidFill>
-                  <a:schemeClr val="tx1">
-                    <a:lumMod val="65000"/>
-                    <a:lumOff val="35000"/>
-                  </a:schemeClr>
-                </a:solidFill>
-              </a:rPr>
-              <a:t>ợc</a:t>
-            </a:r>
-            <a:r>
-              <a:rPr lang="en-US" sz="2400" dirty="0">
-                <a:solidFill>
-                  <a:schemeClr val="tx1">
-                    <a:lumMod val="65000"/>
-                    <a:lumOff val="35000"/>
-                  </a:schemeClr>
-                </a:solidFill>
-              </a:rPr>
-              <a:t> </a:t>
-            </a:r>
-            <a:r>
-              <a:rPr lang="en-US" sz="2400" dirty="0" err="1">
-                <a:solidFill>
-                  <a:schemeClr val="tx1">
-                    <a:lumMod val="65000"/>
-                    <a:lumOff val="35000"/>
-                  </a:schemeClr>
-                </a:solidFill>
-              </a:rPr>
-              <a:t>gọi</a:t>
-            </a:r>
-            <a:r>
-              <a:rPr lang="en-US" sz="2400" dirty="0">
-                <a:solidFill>
-                  <a:schemeClr val="tx1">
-                    <a:lumMod val="65000"/>
-                    <a:lumOff val="35000"/>
-                  </a:schemeClr>
-                </a:solidFill>
-              </a:rPr>
-              <a:t> </a:t>
-            </a:r>
-            <a:r>
-              <a:rPr lang="en-US" sz="2400" dirty="0" err="1">
-                <a:solidFill>
-                  <a:schemeClr val="tx1">
-                    <a:lumMod val="65000"/>
-                    <a:lumOff val="35000"/>
-                  </a:schemeClr>
-                </a:solidFill>
-              </a:rPr>
-              <a:t>với</a:t>
-            </a:r>
-            <a:r>
-              <a:rPr lang="en-US" sz="2400" dirty="0">
-                <a:solidFill>
-                  <a:schemeClr val="tx1">
-                    <a:lumMod val="65000"/>
-                    <a:lumOff val="35000"/>
-                  </a:schemeClr>
-                </a:solidFill>
-              </a:rPr>
-              <a:t> </a:t>
-            </a:r>
-            <a:r>
-              <a:rPr lang="en-US" sz="2400" dirty="0" err="1">
-                <a:solidFill>
-                  <a:schemeClr val="tx1">
-                    <a:lumMod val="65000"/>
-                    <a:lumOff val="35000"/>
-                  </a:schemeClr>
-                </a:solidFill>
-              </a:rPr>
-              <a:t>biến</a:t>
-            </a:r>
-            <a:r>
-              <a:rPr lang="en-US" sz="2400" dirty="0">
-                <a:solidFill>
-                  <a:schemeClr val="tx1">
-                    <a:lumMod val="65000"/>
-                    <a:lumOff val="35000"/>
-                  </a:schemeClr>
-                </a:solidFill>
-              </a:rPr>
-              <a:t> </a:t>
-            </a:r>
-            <a:r>
-              <a:rPr lang="en-US" sz="2400" dirty="0" err="1">
-                <a:solidFill>
-                  <a:schemeClr val="tx1">
-                    <a:lumMod val="65000"/>
-                    <a:lumOff val="35000"/>
-                  </a:schemeClr>
-                </a:solidFill>
-              </a:rPr>
-              <a:t>cho</a:t>
-            </a:r>
-            <a:r>
-              <a:rPr lang="en-US" sz="2400" dirty="0">
-                <a:solidFill>
-                  <a:schemeClr val="tx1">
-                    <a:lumMod val="65000"/>
-                    <a:lumOff val="35000"/>
-                  </a:schemeClr>
-                </a:solidFill>
-              </a:rPr>
-              <a:t> </a:t>
-            </a:r>
-            <a:r>
-              <a:rPr lang="en-US" sz="2400" dirty="0" err="1">
-                <a:solidFill>
-                  <a:schemeClr val="tx1">
-                    <a:lumMod val="65000"/>
-                    <a:lumOff val="35000"/>
-                  </a:schemeClr>
-                </a:solidFill>
-              </a:rPr>
-              <a:t>sẵn</a:t>
-            </a:r>
-            <a:r>
-              <a:rPr lang="en-US" sz="2400" dirty="0">
-                <a:solidFill>
-                  <a:schemeClr val="tx1">
-                    <a:lumMod val="65000"/>
-                    <a:lumOff val="35000"/>
-                  </a:schemeClr>
-                </a:solidFill>
-              </a:rPr>
-              <a:t> hay </a:t>
-            </a:r>
-            <a:r>
-              <a:rPr lang="en-US" sz="2400" dirty="0" err="1">
-                <a:solidFill>
-                  <a:schemeClr val="tx1">
-                    <a:lumMod val="65000"/>
-                    <a:lumOff val="35000"/>
-                  </a:schemeClr>
-                </a:solidFill>
-              </a:rPr>
-              <a:t>không</a:t>
-            </a:r>
-            <a:endParaRPr lang="en-US" sz="2400" dirty="0">
-              <a:solidFill>
-                <a:schemeClr val="tx1">
-                  <a:lumMod val="65000"/>
-                  <a:lumOff val="35000"/>
-                </a:schemeClr>
-              </a:solidFill>
-            </a:endParaRPr>
-          </a:p>
-          <a:p>
-            <a:endParaRPr lang="en-US" sz="2400" dirty="0">
-              <a:solidFill>
-                <a:schemeClr val="tx1">
-                  <a:lumMod val="65000"/>
-                  <a:lumOff val="35000"/>
-                </a:schemeClr>
-              </a:solidFill>
-            </a:endParaRPr>
-          </a:p>
-        </p:txBody>
-      </p:sp>
-      <p:pic>
-        <p:nvPicPr>
-          <p:cNvPr id="3" name="Hình ảnh 2"/>
-          <p:cNvPicPr>
-            <a:picLocks noChangeAspect="1"/>
-          </p:cNvPicPr>
-          <p:nvPr/>
-        </p:nvPicPr>
-        <p:blipFill>
-          <a:blip r:embed="rId3"/>
-          <a:stretch>
-            <a:fillRect/>
-          </a:stretch>
-        </p:blipFill>
-        <p:spPr>
-          <a:xfrm>
-            <a:off x="5606762" y="1574156"/>
-            <a:ext cx="5553074" cy="4882875"/>
-          </a:xfrm>
-          <a:prstGeom prst="rect">
-            <a:avLst/>
-          </a:prstGeom>
-        </p:spPr>
-      </p:pic>
-    </p:spTree>
-    <p:extLst>
-      <p:ext uri="{BB962C8B-B14F-4D97-AF65-F5344CB8AC3E}">
-        <p14:creationId xmlns:p14="http://schemas.microsoft.com/office/powerpoint/2010/main" val="1622681206"/>
-      </p:ext>
-    </p:extLst>
-  </p:cSld>
-  <p:clrMapOvr>
-    <a:masterClrMapping/>
-  </p:clrMapOvr>
-  <mc:AlternateContent xmlns:mc="http://schemas.openxmlformats.org/markup-compatibility/2006">
-    <mc:Choice xmlns:p159="http://schemas.microsoft.com/office/powerpoint/2015/09/main" xmlns="" Requires="p159">
-      <p:transition xmlns:p14="http://schemas.microsoft.com/office/powerpoint/2010/main" spd="slow" p14:dur="2000">
-        <p159:morph option="byObject"/>
-      </p:transition>
-    </mc:Choice>
-    <mc:Fallback>
-      <p:transition spd="slow">
-        <p:fade/>
-      </p:transition>
-    </mc:Fallback>
-  </mc:AlternateContent>
+  <p:timing>
+    <p:tnLst>
+      <p:par>
+        <p:cTn id="1" dur="indefinite" restart="never" nodeType="tmRoot">
+          <p:childTnLst>
+            <p:seq concurrent="1" nextAc="seek">
+              <p:cTn id="2" dur="indefinite" nodeType="mainSeq">
+                <p:childTnLst>
+                  <p:par>
+                    <p:cTn id="3" fill="hold">
+                      <p:stCondLst>
+                        <p:cond delay="indefinite"/>
+                      </p:stCondLst>
+                      <p:childTnLst>
+                        <p:par>
+                          <p:cTn id="4" fill="hold">
+                            <p:stCondLst>
+                              <p:cond delay="0"/>
+                            </p:stCondLst>
+                            <p:childTnLst>
+                              <p:par>
+                                <p:cTn id="5" presetID="22" presetClass="entr" presetSubtype="4" fill="hold" nodeType="clickEffect">
+                                  <p:stCondLst>
+                                    <p:cond delay="0"/>
+                                  </p:stCondLst>
+                                  <p:childTnLst>
+                                    <p:set>
+                                      <p:cBhvr>
+                                        <p:cTn id="6" dur="1" fill="hold">
+                                          <p:stCondLst>
+                                            <p:cond delay="0"/>
+                                          </p:stCondLst>
+                                        </p:cTn>
+                                        <p:tgtEl>
+                                          <p:spTgt spid="2"/>
+                                        </p:tgtEl>
+                                        <p:attrNameLst>
+                                          <p:attrName>style.visibility</p:attrName>
+                                        </p:attrNameLst>
+                                      </p:cBhvr>
+                                      <p:to>
+                                        <p:strVal val="visible"/>
+                                      </p:to>
+                                    </p:set>
+                                    <p:animEffect transition="in" filter="wipe(down)">
+                                      <p:cBhvr>
+                                        <p:cTn id="7" dur="500"/>
+                                        <p:tgtEl>
+                                          <p:spTgt spid="2"/>
+                                        </p:tgtEl>
+                                      </p:cBhvr>
+                                    </p:animEffect>
+                                  </p:childTnLst>
+                                </p:cTn>
+                              </p:par>
+                            </p:childTnLst>
+                          </p:cTn>
+                        </p:par>
+                      </p:childTnLst>
+                    </p:cTn>
+                  </p:par>
+                </p:childTnLst>
+              </p:cTn>
+              <p:prevCondLst>
+                <p:cond evt="onPrev" delay="0">
+                  <p:tgtEl>
+                    <p:sldTgt/>
+                  </p:tgtEl>
+                </p:cond>
+              </p:prevCondLst>
+              <p:nextCondLst>
+                <p:cond evt="onNext" delay="0">
+                  <p:tgtEl>
+                    <p:sldTgt/>
+                  </p:tgtEl>
+                </p:cond>
+              </p:nextCondLst>
+            </p:seq>
+          </p:childTnLst>
+        </p:cTn>
+      </p:par>
+    </p:tnLst>
+  </p:timing>
 </p:sld>
 </file>
 
